--- a/Sentinel基本原理.pptx
+++ b/Sentinel基本原理.pptx
@@ -229,7 +229,7 @@
           <a:p>
             <a:fld id="{DAA17199-265D-42F1-94C8-20DFA73AB2C6}" type="datetimeFigureOut">
               <a:rPr lang="zh-CN" altLang="en-US" smtClean="0"/>
-              <a:t>2019/1/7</a:t>
+              <a:t>2019/1/10</a:t>
             </a:fld>
             <a:endParaRPr lang="zh-CN" altLang="en-US"/>
           </a:p>
@@ -559,9 +559,7 @@
           <a:bodyPr/>
           <a:lstStyle/>
           <a:p>
-            <a:r>
-              <a:t>品牌升级时间 去年10月份，已经有一段时间了，今年3月份我们开始做一些品牌落地的事情</a:t>
-            </a:r>
+            <a:endParaRPr dirty="0"/>
           </a:p>
         </p:txBody>
       </p:sp>
@@ -5987,42 +5985,6 @@
             </a:r>
           </a:p>
           <a:p>
-            <a:r>
-              <a:rPr lang="zh-CN" altLang="en-US" sz="1200" b="0" i="0" kern="1200" dirty="0">
-                <a:solidFill>
-                  <a:schemeClr val="tx1"/>
-                </a:solidFill>
-                <a:effectLst/>
-                <a:latin typeface="+mn-lt"/>
-                <a:ea typeface="+mn-ea"/>
-                <a:cs typeface="+mn-cs"/>
-              </a:rPr>
-              <a:t>除了之前提到的两者的共同特性之外，</a:t>
-            </a:r>
-            <a:r>
-              <a:rPr lang="en-US" altLang="zh-CN" sz="1200" b="0" i="0" kern="1200" dirty="0">
-                <a:solidFill>
-                  <a:schemeClr val="tx1"/>
-                </a:solidFill>
-                <a:effectLst/>
-                <a:latin typeface="+mn-lt"/>
-                <a:ea typeface="+mn-ea"/>
-                <a:cs typeface="+mn-cs"/>
-              </a:rPr>
-              <a:t>Sentinel </a:t>
-            </a:r>
-            <a:r>
-              <a:rPr lang="zh-CN" altLang="en-US" sz="1200" b="0" i="0" kern="1200" dirty="0">
-                <a:solidFill>
-                  <a:schemeClr val="tx1"/>
-                </a:solidFill>
-                <a:effectLst/>
-                <a:latin typeface="+mn-lt"/>
-                <a:ea typeface="+mn-ea"/>
-                <a:cs typeface="+mn-cs"/>
-              </a:rPr>
-              <a:t>还提供以下的特色功能：</a:t>
-            </a:r>
             <a:endParaRPr dirty="0"/>
           </a:p>
         </p:txBody>
@@ -6507,7 +6469,7 @@
           <a:p>
             <a:fld id="{95B14E18-AF72-477F-A30D-6C77BD2DD321}" type="datetimeFigureOut">
               <a:rPr lang="zh-CN" altLang="en-US" smtClean="0"/>
-              <a:t>2019/1/7</a:t>
+              <a:t>2019/1/10</a:t>
             </a:fld>
             <a:endParaRPr lang="zh-CN" altLang="en-US"/>
           </a:p>
@@ -6705,7 +6667,7 @@
           <a:p>
             <a:fld id="{95B14E18-AF72-477F-A30D-6C77BD2DD321}" type="datetimeFigureOut">
               <a:rPr lang="zh-CN" altLang="en-US" smtClean="0"/>
-              <a:t>2019/1/7</a:t>
+              <a:t>2019/1/10</a:t>
             </a:fld>
             <a:endParaRPr lang="zh-CN" altLang="en-US"/>
           </a:p>
@@ -6913,7 +6875,7 @@
           <a:p>
             <a:fld id="{95B14E18-AF72-477F-A30D-6C77BD2DD321}" type="datetimeFigureOut">
               <a:rPr lang="zh-CN" altLang="en-US" smtClean="0"/>
-              <a:t>2019/1/7</a:t>
+              <a:t>2019/1/10</a:t>
             </a:fld>
             <a:endParaRPr lang="zh-CN" altLang="en-US"/>
           </a:p>
@@ -7243,7 +7205,7 @@
           <a:p>
             <a:fld id="{95B14E18-AF72-477F-A30D-6C77BD2DD321}" type="datetimeFigureOut">
               <a:rPr lang="zh-CN" altLang="en-US" smtClean="0"/>
-              <a:t>2019/1/7</a:t>
+              <a:t>2019/1/10</a:t>
             </a:fld>
             <a:endParaRPr lang="zh-CN" altLang="en-US"/>
           </a:p>
@@ -7518,7 +7480,7 @@
           <a:p>
             <a:fld id="{95B14E18-AF72-477F-A30D-6C77BD2DD321}" type="datetimeFigureOut">
               <a:rPr lang="zh-CN" altLang="en-US" smtClean="0"/>
-              <a:t>2019/1/7</a:t>
+              <a:t>2019/1/10</a:t>
             </a:fld>
             <a:endParaRPr lang="zh-CN" altLang="en-US"/>
           </a:p>
@@ -7783,7 +7745,7 @@
           <a:p>
             <a:fld id="{95B14E18-AF72-477F-A30D-6C77BD2DD321}" type="datetimeFigureOut">
               <a:rPr lang="zh-CN" altLang="en-US" smtClean="0"/>
-              <a:t>2019/1/7</a:t>
+              <a:t>2019/1/10</a:t>
             </a:fld>
             <a:endParaRPr lang="zh-CN" altLang="en-US"/>
           </a:p>
@@ -8195,7 +8157,7 @@
           <a:p>
             <a:fld id="{95B14E18-AF72-477F-A30D-6C77BD2DD321}" type="datetimeFigureOut">
               <a:rPr lang="zh-CN" altLang="en-US" smtClean="0"/>
-              <a:t>2019/1/7</a:t>
+              <a:t>2019/1/10</a:t>
             </a:fld>
             <a:endParaRPr lang="zh-CN" altLang="en-US"/>
           </a:p>
@@ -8336,7 +8298,7 @@
           <a:p>
             <a:fld id="{95B14E18-AF72-477F-A30D-6C77BD2DD321}" type="datetimeFigureOut">
               <a:rPr lang="zh-CN" altLang="en-US" smtClean="0"/>
-              <a:t>2019/1/7</a:t>
+              <a:t>2019/1/10</a:t>
             </a:fld>
             <a:endParaRPr lang="zh-CN" altLang="en-US"/>
           </a:p>
@@ -8449,7 +8411,7 @@
           <a:p>
             <a:fld id="{95B14E18-AF72-477F-A30D-6C77BD2DD321}" type="datetimeFigureOut">
               <a:rPr lang="zh-CN" altLang="en-US" smtClean="0"/>
-              <a:t>2019/1/7</a:t>
+              <a:t>2019/1/10</a:t>
             </a:fld>
             <a:endParaRPr lang="zh-CN" altLang="en-US"/>
           </a:p>
@@ -8760,7 +8722,7 @@
           <a:p>
             <a:fld id="{95B14E18-AF72-477F-A30D-6C77BD2DD321}" type="datetimeFigureOut">
               <a:rPr lang="zh-CN" altLang="en-US" smtClean="0"/>
-              <a:t>2019/1/7</a:t>
+              <a:t>2019/1/10</a:t>
             </a:fld>
             <a:endParaRPr lang="zh-CN" altLang="en-US"/>
           </a:p>
@@ -9048,7 +9010,7 @@
           <a:p>
             <a:fld id="{95B14E18-AF72-477F-A30D-6C77BD2DD321}" type="datetimeFigureOut">
               <a:rPr lang="zh-CN" altLang="en-US" smtClean="0"/>
-              <a:t>2019/1/7</a:t>
+              <a:t>2019/1/10</a:t>
             </a:fld>
             <a:endParaRPr lang="zh-CN" altLang="en-US"/>
           </a:p>
@@ -9289,7 +9251,7 @@
           <a:p>
             <a:fld id="{95B14E18-AF72-477F-A30D-6C77BD2DD321}" type="datetimeFigureOut">
               <a:rPr lang="zh-CN" altLang="en-US" smtClean="0"/>
-              <a:t>2019/1/7</a:t>
+              <a:t>2019/1/10</a:t>
             </a:fld>
             <a:endParaRPr lang="zh-CN" altLang="en-US"/>
           </a:p>
@@ -9723,7 +9685,7 @@
         </p:blipFill>
         <p:spPr>
           <a:xfrm>
-            <a:off x="0" y="0"/>
+            <a:off x="0" y="-970192"/>
             <a:ext cx="12192000" cy="6858000"/>
           </a:xfrm>
           <a:prstGeom prst="rect">
@@ -12870,7 +12832,7 @@
         <p:spPr>
           <a:xfrm>
             <a:off x="1264810" y="3125375"/>
-            <a:ext cx="9099611" cy="3693319"/>
+            <a:ext cx="9099611" cy="2862322"/>
           </a:xfrm>
           <a:prstGeom prst="rect">
             <a:avLst/>
@@ -12925,37 +12887,6 @@
               <a:rPr lang="zh-CN" altLang="en-US" dirty="0"/>
               <a:t>年的双十一大促流量的核心场景，例如秒杀（即突发流量控制在系统容量可以承受的范围）、消息削峰填谷、集群流量控制、实时熔断下游不可用应用等。</a:t>
             </a:r>
-          </a:p>
-          <a:p>
-            <a:pPr marL="285750" indent="-285750">
-              <a:buFont typeface="Arial" panose="020B0604020202020204" pitchFamily="34" charset="0"/>
-              <a:buChar char="•"/>
-            </a:pPr>
-            <a:r>
-              <a:rPr lang="zh-CN" altLang="en-US" b="1" dirty="0"/>
-              <a:t>丰富的应用场景</a:t>
-            </a:r>
-            <a:r>
-              <a:rPr lang="zh-CN" altLang="en-US" dirty="0"/>
-              <a:t>：</a:t>
-            </a:r>
-            <a:r>
-              <a:rPr lang="en-US" altLang="zh-CN" dirty="0"/>
-              <a:t>Sentinel </a:t>
-            </a:r>
-            <a:r>
-              <a:rPr lang="zh-CN" altLang="en-US" dirty="0"/>
-              <a:t>承接了阿里巴巴近 </a:t>
-            </a:r>
-            <a:r>
-              <a:rPr lang="en-US" altLang="zh-CN" dirty="0"/>
-              <a:t>10 </a:t>
-            </a:r>
-            <a:r>
-              <a:rPr lang="zh-CN" altLang="en-US" dirty="0"/>
-              <a:t>年的双十一大促流量的核心场景，例如秒杀（即突发流量控制在系统容量可以承受的范围）、消息削峰填谷、集群流量控制、实时熔断下游不可用应用等。</a:t>
-            </a:r>
-            <a:endParaRPr lang="en-US" altLang="zh-CN" dirty="0"/>
           </a:p>
           <a:p>
             <a:pPr marL="285750" indent="-285750">
@@ -16703,7 +16634,7 @@
             </a:r>
             <a:r>
               <a:rPr lang="zh-CN" altLang="en-US" dirty="0"/>
-              <a:t>一下基本没啥影响 超过了这个值会有一个比较明显的</a:t>
+              <a:t>以下基本没啥影响 超过了这个值会有一个比较明显的</a:t>
             </a:r>
             <a:r>
               <a:rPr lang="en-US" altLang="zh-CN" dirty="0"/>
@@ -18404,7 +18335,7 @@
         <p:spPr>
           <a:xfrm>
             <a:off x="1004712" y="1595446"/>
-            <a:ext cx="3749744" cy="369332"/>
+            <a:ext cx="3350597" cy="369332"/>
           </a:xfrm>
           <a:prstGeom prst="rect">
             <a:avLst/>
@@ -18435,7 +18366,7 @@
             </a:r>
             <a:r>
               <a:rPr lang="zh-CN" altLang="en-US" dirty="0"/>
-              <a:t>非常可靠。</a:t>
+              <a:t> 可靠。</a:t>
             </a:r>
           </a:p>
         </p:txBody>

--- a/Sentinel基本原理.pptx
+++ b/Sentinel基本原理.pptx
@@ -5,7 +5,7 @@
     <p:sldMasterId id="2147483648" r:id="rId1"/>
   </p:sldMasterIdLst>
   <p:notesMasterIdLst>
-    <p:notesMasterId r:id="rId35"/>
+    <p:notesMasterId r:id="rId36"/>
   </p:notesMasterIdLst>
   <p:sldIdLst>
     <p:sldId id="257" r:id="rId2"/>
@@ -18,29 +18,30 @@
     <p:sldId id="305" r:id="rId9"/>
     <p:sldId id="318" r:id="rId10"/>
     <p:sldId id="290" r:id="rId11"/>
-    <p:sldId id="309" r:id="rId12"/>
-    <p:sldId id="327" r:id="rId13"/>
-    <p:sldId id="310" r:id="rId14"/>
-    <p:sldId id="311" r:id="rId15"/>
-    <p:sldId id="312" r:id="rId16"/>
-    <p:sldId id="323" r:id="rId17"/>
-    <p:sldId id="324" r:id="rId18"/>
-    <p:sldId id="325" r:id="rId19"/>
-    <p:sldId id="314" r:id="rId20"/>
-    <p:sldId id="316" r:id="rId21"/>
-    <p:sldId id="315" r:id="rId22"/>
-    <p:sldId id="328" r:id="rId23"/>
-    <p:sldId id="313" r:id="rId24"/>
-    <p:sldId id="330" r:id="rId25"/>
-    <p:sldId id="331" r:id="rId26"/>
-    <p:sldId id="321" r:id="rId27"/>
-    <p:sldId id="322" r:id="rId28"/>
-    <p:sldId id="326" r:id="rId29"/>
-    <p:sldId id="306" r:id="rId30"/>
-    <p:sldId id="319" r:id="rId31"/>
-    <p:sldId id="333" r:id="rId32"/>
-    <p:sldId id="332" r:id="rId33"/>
-    <p:sldId id="260" r:id="rId34"/>
+    <p:sldId id="334" r:id="rId12"/>
+    <p:sldId id="309" r:id="rId13"/>
+    <p:sldId id="327" r:id="rId14"/>
+    <p:sldId id="310" r:id="rId15"/>
+    <p:sldId id="311" r:id="rId16"/>
+    <p:sldId id="312" r:id="rId17"/>
+    <p:sldId id="323" r:id="rId18"/>
+    <p:sldId id="324" r:id="rId19"/>
+    <p:sldId id="325" r:id="rId20"/>
+    <p:sldId id="314" r:id="rId21"/>
+    <p:sldId id="316" r:id="rId22"/>
+    <p:sldId id="315" r:id="rId23"/>
+    <p:sldId id="328" r:id="rId24"/>
+    <p:sldId id="313" r:id="rId25"/>
+    <p:sldId id="330" r:id="rId26"/>
+    <p:sldId id="331" r:id="rId27"/>
+    <p:sldId id="321" r:id="rId28"/>
+    <p:sldId id="322" r:id="rId29"/>
+    <p:sldId id="326" r:id="rId30"/>
+    <p:sldId id="306" r:id="rId31"/>
+    <p:sldId id="319" r:id="rId32"/>
+    <p:sldId id="333" r:id="rId33"/>
+    <p:sldId id="332" r:id="rId34"/>
+    <p:sldId id="260" r:id="rId35"/>
   </p:sldIdLst>
   <p:sldSz cx="12192000" cy="6858000"/>
   <p:notesSz cx="6858000" cy="9144000"/>
@@ -976,23 +977,6 @@
           <a:bodyPr/>
           <a:lstStyle/>
           <a:p>
-            <a:pPr marL="0" marR="0" lvl="0" indent="0" algn="l" defTabSz="914400" rtl="0" eaLnBrk="1" fontAlgn="auto" latinLnBrk="0" hangingPunct="1">
-              <a:lnSpc>
-                <a:spcPct val="100000"/>
-              </a:lnSpc>
-              <a:spcBef>
-                <a:spcPts val="0"/>
-              </a:spcBef>
-              <a:spcAft>
-                <a:spcPts val="0"/>
-              </a:spcAft>
-              <a:buClrTx/>
-              <a:buSzTx/>
-              <a:buFontTx/>
-              <a:buNone/>
-              <a:tabLst/>
-              <a:defRPr/>
-            </a:pPr>
             <a:endParaRPr dirty="0"/>
           </a:p>
         </p:txBody>
@@ -1000,7 +984,7 @@
     </p:spTree>
     <p:extLst>
       <p:ext uri="{BB962C8B-B14F-4D97-AF65-F5344CB8AC3E}">
-        <p14:creationId xmlns:p14="http://schemas.microsoft.com/office/powerpoint/2010/main" val="1048890269"/>
+        <p14:creationId xmlns:p14="http://schemas.microsoft.com/office/powerpoint/2010/main" val="2660928474"/>
       </p:ext>
     </p:extLst>
   </p:cSld>
@@ -1090,42 +1074,6 @@
               <a:tabLst/>
               <a:defRPr/>
             </a:pPr>
-            <a:r>
-              <a:rPr lang="zh-CN" altLang="en-US" sz="1200" b="1" i="0" kern="1200" dirty="0">
-                <a:solidFill>
-                  <a:schemeClr val="tx1"/>
-                </a:solidFill>
-                <a:effectLst/>
-                <a:latin typeface="+mn-lt"/>
-                <a:ea typeface="+mn-ea"/>
-                <a:cs typeface="+mn-cs"/>
-              </a:rPr>
-              <a:t>机器</a:t>
-            </a:r>
-            <a:r>
-              <a:rPr lang="zh-CN" altLang="en-US" sz="1200" b="1" kern="1200" dirty="0">
-                <a:solidFill>
-                  <a:schemeClr val="tx1"/>
-                </a:solidFill>
-                <a:effectLst/>
-                <a:latin typeface="+mn-lt"/>
-                <a:ea typeface="+mn-ea"/>
-                <a:cs typeface="+mn-cs"/>
-              </a:rPr>
-              <a:t>列表图：</a:t>
-            </a:r>
-            <a:r>
-              <a:rPr lang="en-US" altLang="zh-CN" sz="1200" b="1" kern="1200" dirty="0">
-                <a:solidFill>
-                  <a:schemeClr val="tx1"/>
-                </a:solidFill>
-                <a:effectLst/>
-                <a:latin typeface="+mn-lt"/>
-                <a:ea typeface="+mn-ea"/>
-                <a:cs typeface="+mn-cs"/>
-              </a:rPr>
-              <a:t>https://user-images.githubusercontent.com/9434884/50627838-5cd92800-0f70-11e9-891e-31430adcbbf4.png</a:t>
-            </a:r>
             <a:endParaRPr dirty="0"/>
           </a:p>
         </p:txBody>
@@ -1133,7 +1081,7 @@
     </p:spTree>
     <p:extLst>
       <p:ext uri="{BB962C8B-B14F-4D97-AF65-F5344CB8AC3E}">
-        <p14:creationId xmlns:p14="http://schemas.microsoft.com/office/powerpoint/2010/main" val="2406390041"/>
+        <p14:creationId xmlns:p14="http://schemas.microsoft.com/office/powerpoint/2010/main" val="1048890269"/>
       </p:ext>
     </p:extLst>
   </p:cSld>
@@ -1233,7 +1181,7 @@
                 <a:ea typeface="+mn-ea"/>
                 <a:cs typeface="+mn-cs"/>
               </a:rPr>
-              <a:t>树状链路</a:t>
+              <a:t>机器</a:t>
             </a:r>
             <a:r>
               <a:rPr lang="zh-CN" altLang="en-US" sz="1200" b="1" kern="1200" dirty="0">
@@ -1245,7 +1193,7 @@
                 <a:ea typeface="+mn-ea"/>
                 <a:cs typeface="+mn-cs"/>
               </a:rPr>
-              <a:t>：</a:t>
+              <a:t>列表图：</a:t>
             </a:r>
             <a:r>
               <a:rPr lang="en-US" altLang="zh-CN" sz="1200" b="1" kern="1200" dirty="0">
@@ -1257,50 +1205,7 @@
                 <a:ea typeface="+mn-ea"/>
                 <a:cs typeface="+mn-cs"/>
               </a:rPr>
-              <a:t>https://raw.githubusercontent.com/wiki/alibaba/Sentinel/image/resourceTree.png</a:t>
-            </a:r>
-          </a:p>
-          <a:p>
-            <a:pPr marL="0" marR="0" lvl="0" indent="0" algn="l" defTabSz="914400" rtl="0" eaLnBrk="1" fontAlgn="auto" latinLnBrk="0" hangingPunct="1">
-              <a:lnSpc>
-                <a:spcPct val="100000"/>
-              </a:lnSpc>
-              <a:spcBef>
-                <a:spcPts val="0"/>
-              </a:spcBef>
-              <a:spcAft>
-                <a:spcPts val="0"/>
-              </a:spcAft>
-              <a:buClrTx/>
-              <a:buSzTx/>
-              <a:buFontTx/>
-              <a:buNone/>
-              <a:tabLst/>
-              <a:defRPr/>
-            </a:pPr>
-            <a:r>
-              <a:rPr lang="zh-CN" altLang="en-US" sz="1200" b="1" kern="1200" dirty="0">
-                <a:solidFill>
-                  <a:schemeClr val="tx1"/>
-                </a:solidFill>
-                <a:effectLst/>
-                <a:latin typeface="+mn-lt"/>
-                <a:ea typeface="+mn-ea"/>
-                <a:cs typeface="+mn-cs"/>
-              </a:rPr>
-              <a:t>平铺链路：</a:t>
-            </a:r>
-            <a:r>
-              <a:rPr lang="en-US" altLang="zh-CN" sz="1200" b="1" kern="1200" dirty="0">
-                <a:solidFill>
-                  <a:schemeClr val="tx1"/>
-                </a:solidFill>
-                <a:effectLst/>
-                <a:latin typeface="+mn-lt"/>
-                <a:ea typeface="+mn-ea"/>
-                <a:cs typeface="+mn-cs"/>
-              </a:rPr>
-              <a:t>https://raw.githubusercontent.com/wiki/alibaba/Sentinel/image/sentine_dashboard.gif</a:t>
+              <a:t>https://user-images.githubusercontent.com/9434884/50627838-5cd92800-0f70-11e9-891e-31430adcbbf4.png</a:t>
             </a:r>
             <a:endParaRPr dirty="0"/>
           </a:p>
@@ -1309,7 +1214,7 @@
     </p:spTree>
     <p:extLst>
       <p:ext uri="{BB962C8B-B14F-4D97-AF65-F5344CB8AC3E}">
-        <p14:creationId xmlns:p14="http://schemas.microsoft.com/office/powerpoint/2010/main" val="3285595796"/>
+        <p14:creationId xmlns:p14="http://schemas.microsoft.com/office/powerpoint/2010/main" val="2406390041"/>
       </p:ext>
     </p:extLst>
   </p:cSld>
@@ -1400,8 +1305,16 @@
               <a:defRPr/>
             </a:pPr>
             <a:r>
-              <a:rPr lang="zh-CN" altLang="en-US" b="1" dirty="0"/>
-              <a:t>实时监控图</a:t>
+              <a:rPr lang="zh-CN" altLang="en-US" sz="1200" b="1" i="0" kern="1200" dirty="0">
+                <a:solidFill>
+                  <a:schemeClr val="tx1"/>
+                </a:solidFill>
+                <a:effectLst/>
+                <a:latin typeface="+mn-lt"/>
+                <a:ea typeface="+mn-ea"/>
+                <a:cs typeface="+mn-cs"/>
+              </a:rPr>
+              <a:t>树状链路</a:t>
             </a:r>
             <a:r>
               <a:rPr lang="zh-CN" altLang="en-US" sz="1200" b="1" kern="1200" dirty="0">
@@ -1425,7 +1338,50 @@
                 <a:ea typeface="+mn-ea"/>
                 <a:cs typeface="+mn-cs"/>
               </a:rPr>
-              <a:t>https://user-images.githubusercontent.com/9434884/50678855-aa6e9700-103b-11e9-83de-2a33e580325f.png</a:t>
+              <a:t>https://raw.githubusercontent.com/wiki/alibaba/Sentinel/image/resourceTree.png</a:t>
+            </a:r>
+          </a:p>
+          <a:p>
+            <a:pPr marL="0" marR="0" lvl="0" indent="0" algn="l" defTabSz="914400" rtl="0" eaLnBrk="1" fontAlgn="auto" latinLnBrk="0" hangingPunct="1">
+              <a:lnSpc>
+                <a:spcPct val="100000"/>
+              </a:lnSpc>
+              <a:spcBef>
+                <a:spcPts val="0"/>
+              </a:spcBef>
+              <a:spcAft>
+                <a:spcPts val="0"/>
+              </a:spcAft>
+              <a:buClrTx/>
+              <a:buSzTx/>
+              <a:buFontTx/>
+              <a:buNone/>
+              <a:tabLst/>
+              <a:defRPr/>
+            </a:pPr>
+            <a:r>
+              <a:rPr lang="zh-CN" altLang="en-US" sz="1200" b="1" kern="1200" dirty="0">
+                <a:solidFill>
+                  <a:schemeClr val="tx1"/>
+                </a:solidFill>
+                <a:effectLst/>
+                <a:latin typeface="+mn-lt"/>
+                <a:ea typeface="+mn-ea"/>
+                <a:cs typeface="+mn-cs"/>
+              </a:rPr>
+              <a:t>平铺链路：</a:t>
+            </a:r>
+            <a:r>
+              <a:rPr lang="en-US" altLang="zh-CN" sz="1200" b="1" kern="1200" dirty="0">
+                <a:solidFill>
+                  <a:schemeClr val="tx1"/>
+                </a:solidFill>
+                <a:effectLst/>
+                <a:latin typeface="+mn-lt"/>
+                <a:ea typeface="+mn-ea"/>
+                <a:cs typeface="+mn-cs"/>
+              </a:rPr>
+              <a:t>https://raw.githubusercontent.com/wiki/alibaba/Sentinel/image/sentine_dashboard.gif</a:t>
             </a:r>
             <a:endParaRPr dirty="0"/>
           </a:p>
@@ -1434,7 +1390,7 @@
     </p:spTree>
     <p:extLst>
       <p:ext uri="{BB962C8B-B14F-4D97-AF65-F5344CB8AC3E}">
-        <p14:creationId xmlns:p14="http://schemas.microsoft.com/office/powerpoint/2010/main" val="2330053983"/>
+        <p14:creationId xmlns:p14="http://schemas.microsoft.com/office/powerpoint/2010/main" val="3285595796"/>
       </p:ext>
     </p:extLst>
   </p:cSld>
@@ -1526,7 +1482,7 @@
             </a:pPr>
             <a:r>
               <a:rPr lang="zh-CN" altLang="en-US" b="1" dirty="0"/>
-              <a:t>规则管理图</a:t>
+              <a:t>实时监控图</a:t>
             </a:r>
             <a:r>
               <a:rPr lang="zh-CN" altLang="en-US" sz="1200" b="1" kern="1200" dirty="0">
@@ -1550,34 +1506,7 @@
                 <a:ea typeface="+mn-ea"/>
                 <a:cs typeface="+mn-cs"/>
               </a:rPr>
-              <a:t>https://user-images.githubusercontent.com/9434884/48189045-2ae58400-e37a-11e8-84aa-2e2c0dd042e2.png</a:t>
-            </a:r>
-          </a:p>
-          <a:p>
-            <a:pPr marL="0" marR="0" lvl="0" indent="0" algn="l" defTabSz="914400" rtl="0" eaLnBrk="1" fontAlgn="auto" latinLnBrk="0" hangingPunct="1">
-              <a:lnSpc>
-                <a:spcPct val="100000"/>
-              </a:lnSpc>
-              <a:spcBef>
-                <a:spcPts val="0"/>
-              </a:spcBef>
-              <a:spcAft>
-                <a:spcPts val="0"/>
-              </a:spcAft>
-              <a:buClrTx/>
-              <a:buSzTx/>
-              <a:buFontTx/>
-              <a:buNone/>
-              <a:tabLst/>
-              <a:defRPr/>
-            </a:pPr>
-            <a:r>
-              <a:rPr lang="zh-CN" altLang="en-US" dirty="0"/>
-              <a:t>流控规则图：</a:t>
-            </a:r>
-            <a:r>
-              <a:rPr lang="en-US" dirty="0"/>
-              <a:t>https://user-images.githubusercontent.com/9434884/48189035-25883980-e37a-11e8-8f25-3f3f5be23f0e.png</a:t>
+              <a:t>https://user-images.githubusercontent.com/9434884/50678855-aa6e9700-103b-11e9-83de-2a33e580325f.png</a:t>
             </a:r>
             <a:endParaRPr dirty="0"/>
           </a:p>
@@ -1586,7 +1515,7 @@
     </p:spTree>
     <p:extLst>
       <p:ext uri="{BB962C8B-B14F-4D97-AF65-F5344CB8AC3E}">
-        <p14:creationId xmlns:p14="http://schemas.microsoft.com/office/powerpoint/2010/main" val="71477407"/>
+        <p14:creationId xmlns:p14="http://schemas.microsoft.com/office/powerpoint/2010/main" val="2330053983"/>
       </p:ext>
     </p:extLst>
   </p:cSld>
@@ -1676,6 +1605,61 @@
               <a:tabLst/>
               <a:defRPr/>
             </a:pPr>
+            <a:r>
+              <a:rPr lang="zh-CN" altLang="en-US" b="1" dirty="0"/>
+              <a:t>规则管理图</a:t>
+            </a:r>
+            <a:r>
+              <a:rPr lang="zh-CN" altLang="en-US" sz="1200" b="1" kern="1200" dirty="0">
+                <a:solidFill>
+                  <a:schemeClr val="tx1"/>
+                </a:solidFill>
+                <a:effectLst/>
+                <a:latin typeface="+mn-lt"/>
+                <a:ea typeface="+mn-ea"/>
+                <a:cs typeface="+mn-cs"/>
+              </a:rPr>
+              <a:t>：</a:t>
+            </a:r>
+            <a:r>
+              <a:rPr lang="en-US" altLang="zh-CN" sz="1200" b="1" kern="1200" dirty="0">
+                <a:solidFill>
+                  <a:schemeClr val="tx1"/>
+                </a:solidFill>
+                <a:effectLst/>
+                <a:latin typeface="+mn-lt"/>
+                <a:ea typeface="+mn-ea"/>
+                <a:cs typeface="+mn-cs"/>
+              </a:rPr>
+              <a:t>https://user-images.githubusercontent.com/9434884/48189045-2ae58400-e37a-11e8-84aa-2e2c0dd042e2.png</a:t>
+            </a:r>
+          </a:p>
+          <a:p>
+            <a:pPr marL="0" marR="0" lvl="0" indent="0" algn="l" defTabSz="914400" rtl="0" eaLnBrk="1" fontAlgn="auto" latinLnBrk="0" hangingPunct="1">
+              <a:lnSpc>
+                <a:spcPct val="100000"/>
+              </a:lnSpc>
+              <a:spcBef>
+                <a:spcPts val="0"/>
+              </a:spcBef>
+              <a:spcAft>
+                <a:spcPts val="0"/>
+              </a:spcAft>
+              <a:buClrTx/>
+              <a:buSzTx/>
+              <a:buFontTx/>
+              <a:buNone/>
+              <a:tabLst/>
+              <a:defRPr/>
+            </a:pPr>
+            <a:r>
+              <a:rPr lang="zh-CN" altLang="en-US" dirty="0"/>
+              <a:t>流控规则图：</a:t>
+            </a:r>
+            <a:r>
+              <a:rPr lang="en-US" dirty="0"/>
+              <a:t>https://user-images.githubusercontent.com/9434884/48189035-25883980-e37a-11e8-8f25-3f3f5be23f0e.png</a:t>
+            </a:r>
             <a:endParaRPr dirty="0"/>
           </a:p>
         </p:txBody>
@@ -1683,7 +1667,7 @@
     </p:spTree>
     <p:extLst>
       <p:ext uri="{BB962C8B-B14F-4D97-AF65-F5344CB8AC3E}">
-        <p14:creationId xmlns:p14="http://schemas.microsoft.com/office/powerpoint/2010/main" val="1352936712"/>
+        <p14:creationId xmlns:p14="http://schemas.microsoft.com/office/powerpoint/2010/main" val="71477407"/>
       </p:ext>
     </p:extLst>
   </p:cSld>
@@ -1780,7 +1764,7 @@
     </p:spTree>
     <p:extLst>
       <p:ext uri="{BB962C8B-B14F-4D97-AF65-F5344CB8AC3E}">
-        <p14:creationId xmlns:p14="http://schemas.microsoft.com/office/powerpoint/2010/main" val="2126389767"/>
+        <p14:creationId xmlns:p14="http://schemas.microsoft.com/office/powerpoint/2010/main" val="1352936712"/>
       </p:ext>
     </p:extLst>
   </p:cSld>
@@ -1870,18 +1854,6 @@
               <a:tabLst/>
               <a:defRPr/>
             </a:pPr>
-            <a:r>
-              <a:rPr lang="en-US" altLang="zh-CN" dirty="0"/>
-              <a:t>Token</a:t>
-            </a:r>
-            <a:r>
-              <a:rPr lang="zh-CN" altLang="en-US" dirty="0"/>
-              <a:t>图：</a:t>
-            </a:r>
-            <a:r>
-              <a:rPr lang="en-US" altLang="zh-CN" dirty="0"/>
-              <a:t>https://user-images.githubusercontent.com/9434884/50681583-0985d900-1047-11e9-8e99-73e43ff78098.png</a:t>
-            </a:r>
             <a:endParaRPr dirty="0"/>
           </a:p>
         </p:txBody>
@@ -1889,7 +1861,7 @@
     </p:spTree>
     <p:extLst>
       <p:ext uri="{BB962C8B-B14F-4D97-AF65-F5344CB8AC3E}">
-        <p14:creationId xmlns:p14="http://schemas.microsoft.com/office/powerpoint/2010/main" val="2354000620"/>
+        <p14:creationId xmlns:p14="http://schemas.microsoft.com/office/powerpoint/2010/main" val="2126389767"/>
       </p:ext>
     </p:extLst>
   </p:cSld>
@@ -1979,6 +1951,18 @@
               <a:tabLst/>
               <a:defRPr/>
             </a:pPr>
+            <a:r>
+              <a:rPr lang="en-US" altLang="zh-CN" dirty="0"/>
+              <a:t>Token</a:t>
+            </a:r>
+            <a:r>
+              <a:rPr lang="zh-CN" altLang="en-US" dirty="0"/>
+              <a:t>图：</a:t>
+            </a:r>
+            <a:r>
+              <a:rPr lang="en-US" altLang="zh-CN" dirty="0"/>
+              <a:t>https://user-images.githubusercontent.com/9434884/50681583-0985d900-1047-11e9-8e99-73e43ff78098.png</a:t>
+            </a:r>
             <a:endParaRPr dirty="0"/>
           </a:p>
         </p:txBody>
@@ -1986,7 +1970,7 @@
     </p:spTree>
     <p:extLst>
       <p:ext uri="{BB962C8B-B14F-4D97-AF65-F5344CB8AC3E}">
-        <p14:creationId xmlns:p14="http://schemas.microsoft.com/office/powerpoint/2010/main" val="1414040346"/>
+        <p14:creationId xmlns:p14="http://schemas.microsoft.com/office/powerpoint/2010/main" val="2354000620"/>
       </p:ext>
     </p:extLst>
   </p:cSld>
@@ -2158,7 +2142,7 @@
     </p:spTree>
     <p:extLst>
       <p:ext uri="{BB962C8B-B14F-4D97-AF65-F5344CB8AC3E}">
-        <p14:creationId xmlns:p14="http://schemas.microsoft.com/office/powerpoint/2010/main" val="2389674718"/>
+        <p14:creationId xmlns:p14="http://schemas.microsoft.com/office/powerpoint/2010/main" val="1414040346"/>
       </p:ext>
     </p:extLst>
   </p:cSld>
@@ -2231,372 +2215,6 @@
           <a:bodyPr/>
           <a:lstStyle/>
           <a:p>
-            <a:r>
-              <a:rPr lang="en-US" altLang="zh-CN" dirty="0"/>
-              <a:t> </a:t>
-            </a:r>
-            <a:r>
-              <a:rPr lang="en-US" altLang="zh-CN" sz="1200" b="0" i="0" kern="1200" dirty="0" err="1">
-                <a:solidFill>
-                  <a:schemeClr val="tx1"/>
-                </a:solidFill>
-                <a:effectLst/>
-                <a:latin typeface="+mn-lt"/>
-                <a:ea typeface="+mn-ea"/>
-                <a:cs typeface="+mn-cs"/>
-              </a:rPr>
-              <a:t>NodeSelectorSlot</a:t>
-            </a:r>
-            <a:r>
-              <a:rPr lang="en-US" altLang="zh-CN" sz="1200" b="0" i="0" kern="1200" dirty="0">
-                <a:solidFill>
-                  <a:schemeClr val="tx1"/>
-                </a:solidFill>
-                <a:effectLst/>
-                <a:latin typeface="+mn-lt"/>
-                <a:ea typeface="+mn-ea"/>
-                <a:cs typeface="+mn-cs"/>
-              </a:rPr>
-              <a:t> </a:t>
-            </a:r>
-            <a:r>
-              <a:rPr lang="zh-CN" altLang="en-US" sz="1200" b="0" i="0" kern="1200" dirty="0">
-                <a:solidFill>
-                  <a:schemeClr val="tx1"/>
-                </a:solidFill>
-                <a:effectLst/>
-                <a:latin typeface="+mn-lt"/>
-                <a:ea typeface="+mn-ea"/>
-                <a:cs typeface="+mn-cs"/>
-              </a:rPr>
-              <a:t>负责收集资源的路径，并将这些资源的调用路径，以树状结构存储起来，用于根据调用路径来限流降级；</a:t>
-            </a:r>
-          </a:p>
-          <a:p>
-            <a:r>
-              <a:rPr lang="en-US" altLang="zh-CN" sz="1200" b="0" i="0" kern="1200" dirty="0" err="1">
-                <a:solidFill>
-                  <a:schemeClr val="tx1"/>
-                </a:solidFill>
-                <a:effectLst/>
-                <a:latin typeface="+mn-lt"/>
-                <a:ea typeface="+mn-ea"/>
-                <a:cs typeface="+mn-cs"/>
-              </a:rPr>
-              <a:t>ClusterBuilderSlot</a:t>
-            </a:r>
-            <a:r>
-              <a:rPr lang="en-US" altLang="zh-CN" sz="1200" b="0" i="0" kern="1200" dirty="0">
-                <a:solidFill>
-                  <a:schemeClr val="tx1"/>
-                </a:solidFill>
-                <a:effectLst/>
-                <a:latin typeface="+mn-lt"/>
-                <a:ea typeface="+mn-ea"/>
-                <a:cs typeface="+mn-cs"/>
-              </a:rPr>
-              <a:t> </a:t>
-            </a:r>
-            <a:r>
-              <a:rPr lang="zh-CN" altLang="en-US" sz="1200" b="0" i="0" kern="1200" dirty="0">
-                <a:solidFill>
-                  <a:schemeClr val="tx1"/>
-                </a:solidFill>
-                <a:effectLst/>
-                <a:latin typeface="+mn-lt"/>
-                <a:ea typeface="+mn-ea"/>
-                <a:cs typeface="+mn-cs"/>
-              </a:rPr>
-              <a:t>则用于存储资源的统计信息以及调用者信息，例如该资源的 </a:t>
-            </a:r>
-            <a:r>
-              <a:rPr lang="en-US" altLang="zh-CN" sz="1200" b="0" i="0" kern="1200" dirty="0">
-                <a:solidFill>
-                  <a:schemeClr val="tx1"/>
-                </a:solidFill>
-                <a:effectLst/>
-                <a:latin typeface="+mn-lt"/>
-                <a:ea typeface="+mn-ea"/>
-                <a:cs typeface="+mn-cs"/>
-              </a:rPr>
-              <a:t>RT, QPS, thread count </a:t>
-            </a:r>
-            <a:r>
-              <a:rPr lang="zh-CN" altLang="en-US" sz="1200" b="0" i="0" kern="1200" dirty="0">
-                <a:solidFill>
-                  <a:schemeClr val="tx1"/>
-                </a:solidFill>
-                <a:effectLst/>
-                <a:latin typeface="+mn-lt"/>
-                <a:ea typeface="+mn-ea"/>
-                <a:cs typeface="+mn-cs"/>
-              </a:rPr>
-              <a:t>等等，这些信息将用作为多维度限流，降级的依据；</a:t>
-            </a:r>
-          </a:p>
-          <a:p>
-            <a:r>
-              <a:rPr lang="en-US" altLang="zh-CN" sz="1200" b="0" i="0" kern="1200" dirty="0" err="1">
-                <a:solidFill>
-                  <a:schemeClr val="tx1"/>
-                </a:solidFill>
-                <a:effectLst/>
-                <a:latin typeface="+mn-lt"/>
-                <a:ea typeface="+mn-ea"/>
-                <a:cs typeface="+mn-cs"/>
-              </a:rPr>
-              <a:t>StatisticSlot</a:t>
-            </a:r>
-            <a:r>
-              <a:rPr lang="en-US" altLang="zh-CN" sz="1200" b="0" i="0" kern="1200" dirty="0">
-                <a:solidFill>
-                  <a:schemeClr val="tx1"/>
-                </a:solidFill>
-                <a:effectLst/>
-                <a:latin typeface="+mn-lt"/>
-                <a:ea typeface="+mn-ea"/>
-                <a:cs typeface="+mn-cs"/>
-              </a:rPr>
-              <a:t> </a:t>
-            </a:r>
-            <a:r>
-              <a:rPr lang="zh-CN" altLang="en-US" sz="1200" b="0" i="0" kern="1200" dirty="0">
-                <a:solidFill>
-                  <a:schemeClr val="tx1"/>
-                </a:solidFill>
-                <a:effectLst/>
-                <a:latin typeface="+mn-lt"/>
-                <a:ea typeface="+mn-ea"/>
-                <a:cs typeface="+mn-cs"/>
-              </a:rPr>
-              <a:t>则用于记录、统计不同纬度的 </a:t>
-            </a:r>
-            <a:r>
-              <a:rPr lang="en-US" altLang="zh-CN" sz="1200" b="0" i="0" kern="1200" dirty="0">
-                <a:solidFill>
-                  <a:schemeClr val="tx1"/>
-                </a:solidFill>
-                <a:effectLst/>
-                <a:latin typeface="+mn-lt"/>
-                <a:ea typeface="+mn-ea"/>
-                <a:cs typeface="+mn-cs"/>
-              </a:rPr>
-              <a:t>runtime </a:t>
-            </a:r>
-            <a:r>
-              <a:rPr lang="zh-CN" altLang="en-US" sz="1200" b="0" i="0" kern="1200" dirty="0">
-                <a:solidFill>
-                  <a:schemeClr val="tx1"/>
-                </a:solidFill>
-                <a:effectLst/>
-                <a:latin typeface="+mn-lt"/>
-                <a:ea typeface="+mn-ea"/>
-                <a:cs typeface="+mn-cs"/>
-              </a:rPr>
-              <a:t>指标监控信息；</a:t>
-            </a:r>
-          </a:p>
-          <a:p>
-            <a:r>
-              <a:rPr lang="en-US" altLang="zh-CN" sz="1200" b="0" i="0" kern="1200" dirty="0" err="1">
-                <a:solidFill>
-                  <a:schemeClr val="tx1"/>
-                </a:solidFill>
-                <a:effectLst/>
-                <a:latin typeface="+mn-lt"/>
-                <a:ea typeface="+mn-ea"/>
-                <a:cs typeface="+mn-cs"/>
-              </a:rPr>
-              <a:t>FlowSlot</a:t>
-            </a:r>
-            <a:r>
-              <a:rPr lang="en-US" altLang="zh-CN" sz="1200" b="0" i="0" kern="1200" dirty="0">
-                <a:solidFill>
-                  <a:schemeClr val="tx1"/>
-                </a:solidFill>
-                <a:effectLst/>
-                <a:latin typeface="+mn-lt"/>
-                <a:ea typeface="+mn-ea"/>
-                <a:cs typeface="+mn-cs"/>
-              </a:rPr>
-              <a:t> </a:t>
-            </a:r>
-            <a:r>
-              <a:rPr lang="zh-CN" altLang="en-US" sz="1200" b="0" i="0" kern="1200" dirty="0">
-                <a:solidFill>
-                  <a:schemeClr val="tx1"/>
-                </a:solidFill>
-                <a:effectLst/>
-                <a:latin typeface="+mn-lt"/>
-                <a:ea typeface="+mn-ea"/>
-                <a:cs typeface="+mn-cs"/>
-              </a:rPr>
-              <a:t>则用于根据预设的限流规则以及前面 </a:t>
-            </a:r>
-            <a:r>
-              <a:rPr lang="en-US" altLang="zh-CN" sz="1200" b="0" i="0" kern="1200" dirty="0">
-                <a:solidFill>
-                  <a:schemeClr val="tx1"/>
-                </a:solidFill>
-                <a:effectLst/>
-                <a:latin typeface="+mn-lt"/>
-                <a:ea typeface="+mn-ea"/>
-                <a:cs typeface="+mn-cs"/>
-              </a:rPr>
-              <a:t>slot </a:t>
-            </a:r>
-            <a:r>
-              <a:rPr lang="zh-CN" altLang="en-US" sz="1200" b="0" i="0" kern="1200" dirty="0">
-                <a:solidFill>
-                  <a:schemeClr val="tx1"/>
-                </a:solidFill>
-                <a:effectLst/>
-                <a:latin typeface="+mn-lt"/>
-                <a:ea typeface="+mn-ea"/>
-                <a:cs typeface="+mn-cs"/>
-              </a:rPr>
-              <a:t>统计的状态，来进行流量控制；</a:t>
-            </a:r>
-          </a:p>
-          <a:p>
-            <a:r>
-              <a:rPr lang="en-US" altLang="zh-CN" sz="1200" b="0" i="0" kern="1200" dirty="0" err="1">
-                <a:solidFill>
-                  <a:schemeClr val="tx1"/>
-                </a:solidFill>
-                <a:effectLst/>
-                <a:latin typeface="+mn-lt"/>
-                <a:ea typeface="+mn-ea"/>
-                <a:cs typeface="+mn-cs"/>
-              </a:rPr>
-              <a:t>AuthoritySlot</a:t>
-            </a:r>
-            <a:r>
-              <a:rPr lang="en-US" altLang="zh-CN" sz="1200" b="0" i="0" kern="1200" dirty="0">
-                <a:solidFill>
-                  <a:schemeClr val="tx1"/>
-                </a:solidFill>
-                <a:effectLst/>
-                <a:latin typeface="+mn-lt"/>
-                <a:ea typeface="+mn-ea"/>
-                <a:cs typeface="+mn-cs"/>
-              </a:rPr>
-              <a:t> </a:t>
-            </a:r>
-            <a:r>
-              <a:rPr lang="zh-CN" altLang="en-US" sz="1200" b="0" i="0" kern="1200" dirty="0">
-                <a:solidFill>
-                  <a:schemeClr val="tx1"/>
-                </a:solidFill>
-                <a:effectLst/>
-                <a:latin typeface="+mn-lt"/>
-                <a:ea typeface="+mn-ea"/>
-                <a:cs typeface="+mn-cs"/>
-              </a:rPr>
-              <a:t>则根据配置的黑白名单和调用来源信息，来做黑白名单控制；</a:t>
-            </a:r>
-          </a:p>
-          <a:p>
-            <a:r>
-              <a:rPr lang="en-US" altLang="zh-CN" sz="1200" b="0" i="0" kern="1200" dirty="0" err="1">
-                <a:solidFill>
-                  <a:schemeClr val="tx1"/>
-                </a:solidFill>
-                <a:effectLst/>
-                <a:latin typeface="+mn-lt"/>
-                <a:ea typeface="+mn-ea"/>
-                <a:cs typeface="+mn-cs"/>
-              </a:rPr>
-              <a:t>DegradeSlot</a:t>
-            </a:r>
-            <a:r>
-              <a:rPr lang="en-US" altLang="zh-CN" sz="1200" b="0" i="0" kern="1200" dirty="0">
-                <a:solidFill>
-                  <a:schemeClr val="tx1"/>
-                </a:solidFill>
-                <a:effectLst/>
-                <a:latin typeface="+mn-lt"/>
-                <a:ea typeface="+mn-ea"/>
-                <a:cs typeface="+mn-cs"/>
-              </a:rPr>
-              <a:t> </a:t>
-            </a:r>
-            <a:r>
-              <a:rPr lang="zh-CN" altLang="en-US" sz="1200" b="0" i="0" kern="1200" dirty="0">
-                <a:solidFill>
-                  <a:schemeClr val="tx1"/>
-                </a:solidFill>
-                <a:effectLst/>
-                <a:latin typeface="+mn-lt"/>
-                <a:ea typeface="+mn-ea"/>
-                <a:cs typeface="+mn-cs"/>
-              </a:rPr>
-              <a:t>则通过统计信息以及预设的规则，来做熔断降级；</a:t>
-            </a:r>
-          </a:p>
-          <a:p>
-            <a:r>
-              <a:rPr lang="en-US" altLang="zh-CN" sz="1200" b="0" i="0" kern="1200" dirty="0" err="1">
-                <a:solidFill>
-                  <a:schemeClr val="tx1"/>
-                </a:solidFill>
-                <a:effectLst/>
-                <a:latin typeface="+mn-lt"/>
-                <a:ea typeface="+mn-ea"/>
-                <a:cs typeface="+mn-cs"/>
-              </a:rPr>
-              <a:t>SystemSlot</a:t>
-            </a:r>
-            <a:r>
-              <a:rPr lang="en-US" altLang="zh-CN" sz="1200" b="0" i="0" kern="1200" dirty="0">
-                <a:solidFill>
-                  <a:schemeClr val="tx1"/>
-                </a:solidFill>
-                <a:effectLst/>
-                <a:latin typeface="+mn-lt"/>
-                <a:ea typeface="+mn-ea"/>
-                <a:cs typeface="+mn-cs"/>
-              </a:rPr>
-              <a:t> </a:t>
-            </a:r>
-            <a:r>
-              <a:rPr lang="zh-CN" altLang="en-US" sz="1200" b="0" i="0" kern="1200" dirty="0">
-                <a:solidFill>
-                  <a:schemeClr val="tx1"/>
-                </a:solidFill>
-                <a:effectLst/>
-                <a:latin typeface="+mn-lt"/>
-                <a:ea typeface="+mn-ea"/>
-                <a:cs typeface="+mn-cs"/>
-              </a:rPr>
-              <a:t>则通过系统的状态，例如 </a:t>
-            </a:r>
-            <a:r>
-              <a:rPr lang="en-US" altLang="zh-CN" sz="1200" b="0" i="0" kern="1200" dirty="0">
-                <a:solidFill>
-                  <a:schemeClr val="tx1"/>
-                </a:solidFill>
-                <a:effectLst/>
-                <a:latin typeface="+mn-lt"/>
-                <a:ea typeface="+mn-ea"/>
-                <a:cs typeface="+mn-cs"/>
-              </a:rPr>
-              <a:t>load1 </a:t>
-            </a:r>
-            <a:r>
-              <a:rPr lang="zh-CN" altLang="en-US" sz="1200" b="0" i="0" kern="1200" dirty="0">
-                <a:solidFill>
-                  <a:schemeClr val="tx1"/>
-                </a:solidFill>
-                <a:effectLst/>
-                <a:latin typeface="+mn-lt"/>
-                <a:ea typeface="+mn-ea"/>
-                <a:cs typeface="+mn-cs"/>
-              </a:rPr>
-              <a:t>等，来控制总的入口流量；</a:t>
-            </a:r>
-          </a:p>
-          <a:p>
             <a:pPr marL="0" marR="0" lvl="0" indent="0" algn="l" defTabSz="914400" rtl="0" eaLnBrk="1" fontAlgn="auto" latinLnBrk="0" hangingPunct="1">
               <a:lnSpc>
                 <a:spcPct val="100000"/>
@@ -2621,7 +2239,7 @@
     </p:spTree>
     <p:extLst>
       <p:ext uri="{BB962C8B-B14F-4D97-AF65-F5344CB8AC3E}">
-        <p14:creationId xmlns:p14="http://schemas.microsoft.com/office/powerpoint/2010/main" val="3931801945"/>
+        <p14:creationId xmlns:p14="http://schemas.microsoft.com/office/powerpoint/2010/main" val="2389674718"/>
       </p:ext>
     </p:extLst>
   </p:cSld>
@@ -2694,6 +2312,372 @@
           <a:bodyPr/>
           <a:lstStyle/>
           <a:p>
+            <a:r>
+              <a:rPr lang="en-US" altLang="zh-CN" dirty="0"/>
+              <a:t> </a:t>
+            </a:r>
+            <a:r>
+              <a:rPr lang="en-US" altLang="zh-CN" sz="1200" b="0" i="0" kern="1200" dirty="0" err="1">
+                <a:solidFill>
+                  <a:schemeClr val="tx1"/>
+                </a:solidFill>
+                <a:effectLst/>
+                <a:latin typeface="+mn-lt"/>
+                <a:ea typeface="+mn-ea"/>
+                <a:cs typeface="+mn-cs"/>
+              </a:rPr>
+              <a:t>NodeSelectorSlot</a:t>
+            </a:r>
+            <a:r>
+              <a:rPr lang="en-US" altLang="zh-CN" sz="1200" b="0" i="0" kern="1200" dirty="0">
+                <a:solidFill>
+                  <a:schemeClr val="tx1"/>
+                </a:solidFill>
+                <a:effectLst/>
+                <a:latin typeface="+mn-lt"/>
+                <a:ea typeface="+mn-ea"/>
+                <a:cs typeface="+mn-cs"/>
+              </a:rPr>
+              <a:t> </a:t>
+            </a:r>
+            <a:r>
+              <a:rPr lang="zh-CN" altLang="en-US" sz="1200" b="0" i="0" kern="1200" dirty="0">
+                <a:solidFill>
+                  <a:schemeClr val="tx1"/>
+                </a:solidFill>
+                <a:effectLst/>
+                <a:latin typeface="+mn-lt"/>
+                <a:ea typeface="+mn-ea"/>
+                <a:cs typeface="+mn-cs"/>
+              </a:rPr>
+              <a:t>负责收集资源的路径，并将这些资源的调用路径，以树状结构存储起来，用于根据调用路径来限流降级；</a:t>
+            </a:r>
+          </a:p>
+          <a:p>
+            <a:r>
+              <a:rPr lang="en-US" altLang="zh-CN" sz="1200" b="0" i="0" kern="1200" dirty="0" err="1">
+                <a:solidFill>
+                  <a:schemeClr val="tx1"/>
+                </a:solidFill>
+                <a:effectLst/>
+                <a:latin typeface="+mn-lt"/>
+                <a:ea typeface="+mn-ea"/>
+                <a:cs typeface="+mn-cs"/>
+              </a:rPr>
+              <a:t>ClusterBuilderSlot</a:t>
+            </a:r>
+            <a:r>
+              <a:rPr lang="en-US" altLang="zh-CN" sz="1200" b="0" i="0" kern="1200" dirty="0">
+                <a:solidFill>
+                  <a:schemeClr val="tx1"/>
+                </a:solidFill>
+                <a:effectLst/>
+                <a:latin typeface="+mn-lt"/>
+                <a:ea typeface="+mn-ea"/>
+                <a:cs typeface="+mn-cs"/>
+              </a:rPr>
+              <a:t> </a:t>
+            </a:r>
+            <a:r>
+              <a:rPr lang="zh-CN" altLang="en-US" sz="1200" b="0" i="0" kern="1200" dirty="0">
+                <a:solidFill>
+                  <a:schemeClr val="tx1"/>
+                </a:solidFill>
+                <a:effectLst/>
+                <a:latin typeface="+mn-lt"/>
+                <a:ea typeface="+mn-ea"/>
+                <a:cs typeface="+mn-cs"/>
+              </a:rPr>
+              <a:t>则用于存储资源的统计信息以及调用者信息，例如该资源的 </a:t>
+            </a:r>
+            <a:r>
+              <a:rPr lang="en-US" altLang="zh-CN" sz="1200" b="0" i="0" kern="1200" dirty="0">
+                <a:solidFill>
+                  <a:schemeClr val="tx1"/>
+                </a:solidFill>
+                <a:effectLst/>
+                <a:latin typeface="+mn-lt"/>
+                <a:ea typeface="+mn-ea"/>
+                <a:cs typeface="+mn-cs"/>
+              </a:rPr>
+              <a:t>RT, QPS, thread count </a:t>
+            </a:r>
+            <a:r>
+              <a:rPr lang="zh-CN" altLang="en-US" sz="1200" b="0" i="0" kern="1200" dirty="0">
+                <a:solidFill>
+                  <a:schemeClr val="tx1"/>
+                </a:solidFill>
+                <a:effectLst/>
+                <a:latin typeface="+mn-lt"/>
+                <a:ea typeface="+mn-ea"/>
+                <a:cs typeface="+mn-cs"/>
+              </a:rPr>
+              <a:t>等等，这些信息将用作为多维度限流，降级的依据；</a:t>
+            </a:r>
+          </a:p>
+          <a:p>
+            <a:r>
+              <a:rPr lang="en-US" altLang="zh-CN" sz="1200" b="0" i="0" kern="1200" dirty="0" err="1">
+                <a:solidFill>
+                  <a:schemeClr val="tx1"/>
+                </a:solidFill>
+                <a:effectLst/>
+                <a:latin typeface="+mn-lt"/>
+                <a:ea typeface="+mn-ea"/>
+                <a:cs typeface="+mn-cs"/>
+              </a:rPr>
+              <a:t>StatisticSlot</a:t>
+            </a:r>
+            <a:r>
+              <a:rPr lang="en-US" altLang="zh-CN" sz="1200" b="0" i="0" kern="1200" dirty="0">
+                <a:solidFill>
+                  <a:schemeClr val="tx1"/>
+                </a:solidFill>
+                <a:effectLst/>
+                <a:latin typeface="+mn-lt"/>
+                <a:ea typeface="+mn-ea"/>
+                <a:cs typeface="+mn-cs"/>
+              </a:rPr>
+              <a:t> </a:t>
+            </a:r>
+            <a:r>
+              <a:rPr lang="zh-CN" altLang="en-US" sz="1200" b="0" i="0" kern="1200" dirty="0">
+                <a:solidFill>
+                  <a:schemeClr val="tx1"/>
+                </a:solidFill>
+                <a:effectLst/>
+                <a:latin typeface="+mn-lt"/>
+                <a:ea typeface="+mn-ea"/>
+                <a:cs typeface="+mn-cs"/>
+              </a:rPr>
+              <a:t>则用于记录、统计不同纬度的 </a:t>
+            </a:r>
+            <a:r>
+              <a:rPr lang="en-US" altLang="zh-CN" sz="1200" b="0" i="0" kern="1200" dirty="0">
+                <a:solidFill>
+                  <a:schemeClr val="tx1"/>
+                </a:solidFill>
+                <a:effectLst/>
+                <a:latin typeface="+mn-lt"/>
+                <a:ea typeface="+mn-ea"/>
+                <a:cs typeface="+mn-cs"/>
+              </a:rPr>
+              <a:t>runtime </a:t>
+            </a:r>
+            <a:r>
+              <a:rPr lang="zh-CN" altLang="en-US" sz="1200" b="0" i="0" kern="1200" dirty="0">
+                <a:solidFill>
+                  <a:schemeClr val="tx1"/>
+                </a:solidFill>
+                <a:effectLst/>
+                <a:latin typeface="+mn-lt"/>
+                <a:ea typeface="+mn-ea"/>
+                <a:cs typeface="+mn-cs"/>
+              </a:rPr>
+              <a:t>指标监控信息；</a:t>
+            </a:r>
+          </a:p>
+          <a:p>
+            <a:r>
+              <a:rPr lang="en-US" altLang="zh-CN" sz="1200" b="0" i="0" kern="1200" dirty="0" err="1">
+                <a:solidFill>
+                  <a:schemeClr val="tx1"/>
+                </a:solidFill>
+                <a:effectLst/>
+                <a:latin typeface="+mn-lt"/>
+                <a:ea typeface="+mn-ea"/>
+                <a:cs typeface="+mn-cs"/>
+              </a:rPr>
+              <a:t>FlowSlot</a:t>
+            </a:r>
+            <a:r>
+              <a:rPr lang="en-US" altLang="zh-CN" sz="1200" b="0" i="0" kern="1200" dirty="0">
+                <a:solidFill>
+                  <a:schemeClr val="tx1"/>
+                </a:solidFill>
+                <a:effectLst/>
+                <a:latin typeface="+mn-lt"/>
+                <a:ea typeface="+mn-ea"/>
+                <a:cs typeface="+mn-cs"/>
+              </a:rPr>
+              <a:t> </a:t>
+            </a:r>
+            <a:r>
+              <a:rPr lang="zh-CN" altLang="en-US" sz="1200" b="0" i="0" kern="1200" dirty="0">
+                <a:solidFill>
+                  <a:schemeClr val="tx1"/>
+                </a:solidFill>
+                <a:effectLst/>
+                <a:latin typeface="+mn-lt"/>
+                <a:ea typeface="+mn-ea"/>
+                <a:cs typeface="+mn-cs"/>
+              </a:rPr>
+              <a:t>则用于根据预设的限流规则以及前面 </a:t>
+            </a:r>
+            <a:r>
+              <a:rPr lang="en-US" altLang="zh-CN" sz="1200" b="0" i="0" kern="1200" dirty="0">
+                <a:solidFill>
+                  <a:schemeClr val="tx1"/>
+                </a:solidFill>
+                <a:effectLst/>
+                <a:latin typeface="+mn-lt"/>
+                <a:ea typeface="+mn-ea"/>
+                <a:cs typeface="+mn-cs"/>
+              </a:rPr>
+              <a:t>slot </a:t>
+            </a:r>
+            <a:r>
+              <a:rPr lang="zh-CN" altLang="en-US" sz="1200" b="0" i="0" kern="1200" dirty="0">
+                <a:solidFill>
+                  <a:schemeClr val="tx1"/>
+                </a:solidFill>
+                <a:effectLst/>
+                <a:latin typeface="+mn-lt"/>
+                <a:ea typeface="+mn-ea"/>
+                <a:cs typeface="+mn-cs"/>
+              </a:rPr>
+              <a:t>统计的状态，来进行流量控制；</a:t>
+            </a:r>
+          </a:p>
+          <a:p>
+            <a:r>
+              <a:rPr lang="en-US" altLang="zh-CN" sz="1200" b="0" i="0" kern="1200" dirty="0" err="1">
+                <a:solidFill>
+                  <a:schemeClr val="tx1"/>
+                </a:solidFill>
+                <a:effectLst/>
+                <a:latin typeface="+mn-lt"/>
+                <a:ea typeface="+mn-ea"/>
+                <a:cs typeface="+mn-cs"/>
+              </a:rPr>
+              <a:t>AuthoritySlot</a:t>
+            </a:r>
+            <a:r>
+              <a:rPr lang="en-US" altLang="zh-CN" sz="1200" b="0" i="0" kern="1200" dirty="0">
+                <a:solidFill>
+                  <a:schemeClr val="tx1"/>
+                </a:solidFill>
+                <a:effectLst/>
+                <a:latin typeface="+mn-lt"/>
+                <a:ea typeface="+mn-ea"/>
+                <a:cs typeface="+mn-cs"/>
+              </a:rPr>
+              <a:t> </a:t>
+            </a:r>
+            <a:r>
+              <a:rPr lang="zh-CN" altLang="en-US" sz="1200" b="0" i="0" kern="1200" dirty="0">
+                <a:solidFill>
+                  <a:schemeClr val="tx1"/>
+                </a:solidFill>
+                <a:effectLst/>
+                <a:latin typeface="+mn-lt"/>
+                <a:ea typeface="+mn-ea"/>
+                <a:cs typeface="+mn-cs"/>
+              </a:rPr>
+              <a:t>则根据配置的黑白名单和调用来源信息，来做黑白名单控制；</a:t>
+            </a:r>
+          </a:p>
+          <a:p>
+            <a:r>
+              <a:rPr lang="en-US" altLang="zh-CN" sz="1200" b="0" i="0" kern="1200" dirty="0" err="1">
+                <a:solidFill>
+                  <a:schemeClr val="tx1"/>
+                </a:solidFill>
+                <a:effectLst/>
+                <a:latin typeface="+mn-lt"/>
+                <a:ea typeface="+mn-ea"/>
+                <a:cs typeface="+mn-cs"/>
+              </a:rPr>
+              <a:t>DegradeSlot</a:t>
+            </a:r>
+            <a:r>
+              <a:rPr lang="en-US" altLang="zh-CN" sz="1200" b="0" i="0" kern="1200" dirty="0">
+                <a:solidFill>
+                  <a:schemeClr val="tx1"/>
+                </a:solidFill>
+                <a:effectLst/>
+                <a:latin typeface="+mn-lt"/>
+                <a:ea typeface="+mn-ea"/>
+                <a:cs typeface="+mn-cs"/>
+              </a:rPr>
+              <a:t> </a:t>
+            </a:r>
+            <a:r>
+              <a:rPr lang="zh-CN" altLang="en-US" sz="1200" b="0" i="0" kern="1200" dirty="0">
+                <a:solidFill>
+                  <a:schemeClr val="tx1"/>
+                </a:solidFill>
+                <a:effectLst/>
+                <a:latin typeface="+mn-lt"/>
+                <a:ea typeface="+mn-ea"/>
+                <a:cs typeface="+mn-cs"/>
+              </a:rPr>
+              <a:t>则通过统计信息以及预设的规则，来做熔断降级；</a:t>
+            </a:r>
+          </a:p>
+          <a:p>
+            <a:r>
+              <a:rPr lang="en-US" altLang="zh-CN" sz="1200" b="0" i="0" kern="1200" dirty="0" err="1">
+                <a:solidFill>
+                  <a:schemeClr val="tx1"/>
+                </a:solidFill>
+                <a:effectLst/>
+                <a:latin typeface="+mn-lt"/>
+                <a:ea typeface="+mn-ea"/>
+                <a:cs typeface="+mn-cs"/>
+              </a:rPr>
+              <a:t>SystemSlot</a:t>
+            </a:r>
+            <a:r>
+              <a:rPr lang="en-US" altLang="zh-CN" sz="1200" b="0" i="0" kern="1200" dirty="0">
+                <a:solidFill>
+                  <a:schemeClr val="tx1"/>
+                </a:solidFill>
+                <a:effectLst/>
+                <a:latin typeface="+mn-lt"/>
+                <a:ea typeface="+mn-ea"/>
+                <a:cs typeface="+mn-cs"/>
+              </a:rPr>
+              <a:t> </a:t>
+            </a:r>
+            <a:r>
+              <a:rPr lang="zh-CN" altLang="en-US" sz="1200" b="0" i="0" kern="1200" dirty="0">
+                <a:solidFill>
+                  <a:schemeClr val="tx1"/>
+                </a:solidFill>
+                <a:effectLst/>
+                <a:latin typeface="+mn-lt"/>
+                <a:ea typeface="+mn-ea"/>
+                <a:cs typeface="+mn-cs"/>
+              </a:rPr>
+              <a:t>则通过系统的状态，例如 </a:t>
+            </a:r>
+            <a:r>
+              <a:rPr lang="en-US" altLang="zh-CN" sz="1200" b="0" i="0" kern="1200" dirty="0">
+                <a:solidFill>
+                  <a:schemeClr val="tx1"/>
+                </a:solidFill>
+                <a:effectLst/>
+                <a:latin typeface="+mn-lt"/>
+                <a:ea typeface="+mn-ea"/>
+                <a:cs typeface="+mn-cs"/>
+              </a:rPr>
+              <a:t>load1 </a:t>
+            </a:r>
+            <a:r>
+              <a:rPr lang="zh-CN" altLang="en-US" sz="1200" b="0" i="0" kern="1200" dirty="0">
+                <a:solidFill>
+                  <a:schemeClr val="tx1"/>
+                </a:solidFill>
+                <a:effectLst/>
+                <a:latin typeface="+mn-lt"/>
+                <a:ea typeface="+mn-ea"/>
+                <a:cs typeface="+mn-cs"/>
+              </a:rPr>
+              <a:t>等，来控制总的入口流量；</a:t>
+            </a:r>
+          </a:p>
+          <a:p>
             <a:pPr marL="0" marR="0" lvl="0" indent="0" algn="l" defTabSz="914400" rtl="0" eaLnBrk="1" fontAlgn="auto" latinLnBrk="0" hangingPunct="1">
               <a:lnSpc>
                 <a:spcPct val="100000"/>
@@ -2718,7 +2702,7 @@
     </p:spTree>
     <p:extLst>
       <p:ext uri="{BB962C8B-B14F-4D97-AF65-F5344CB8AC3E}">
-        <p14:creationId xmlns:p14="http://schemas.microsoft.com/office/powerpoint/2010/main" val="2234070992"/>
+        <p14:creationId xmlns:p14="http://schemas.microsoft.com/office/powerpoint/2010/main" val="3931801945"/>
       </p:ext>
     </p:extLst>
   </p:cSld>
@@ -2791,203 +2775,31 @@
           <a:bodyPr/>
           <a:lstStyle/>
           <a:p>
-            <a:r>
-              <a:rPr lang="en-US" altLang="zh-CN" sz="1200" dirty="0" err="1">
-                <a:latin typeface="微软雅黑" panose="020B0503020204020204" pitchFamily="34" charset="-122"/>
-                <a:ea typeface="微软雅黑" panose="020B0503020204020204" pitchFamily="34" charset="-122"/>
-                <a:cs typeface="微软雅黑" panose="020B0503020204020204" pitchFamily="34" charset="-122"/>
-                <a:sym typeface="+mn-ea"/>
-              </a:rPr>
-              <a:t>FlowSlot</a:t>
-            </a:r>
-            <a:r>
-              <a:rPr lang="en-US" altLang="zh-CN" sz="1200" dirty="0">
-                <a:latin typeface="微软雅黑" panose="020B0503020204020204" pitchFamily="34" charset="-122"/>
-                <a:ea typeface="微软雅黑" panose="020B0503020204020204" pitchFamily="34" charset="-122"/>
-                <a:cs typeface="微软雅黑" panose="020B0503020204020204" pitchFamily="34" charset="-122"/>
-                <a:sym typeface="+mn-ea"/>
-              </a:rPr>
-              <a:t> </a:t>
-            </a:r>
-            <a:r>
-              <a:rPr lang="en-US" altLang="zh-CN" sz="1200" dirty="0" err="1">
-                <a:latin typeface="微软雅黑" panose="020B0503020204020204" pitchFamily="34" charset="-122"/>
-                <a:ea typeface="微软雅黑" panose="020B0503020204020204" pitchFamily="34" charset="-122"/>
-                <a:cs typeface="微软雅黑" panose="020B0503020204020204" pitchFamily="34" charset="-122"/>
-                <a:sym typeface="+mn-ea"/>
-              </a:rPr>
-              <a:t>会根据预设的规则，结合前面</a:t>
-            </a:r>
-            <a:r>
-              <a:rPr lang="en-US" altLang="zh-CN" sz="1200" dirty="0">
-                <a:latin typeface="微软雅黑" panose="020B0503020204020204" pitchFamily="34" charset="-122"/>
-                <a:ea typeface="微软雅黑" panose="020B0503020204020204" pitchFamily="34" charset="-122"/>
-                <a:cs typeface="微软雅黑" panose="020B0503020204020204" pitchFamily="34" charset="-122"/>
-                <a:sym typeface="+mn-ea"/>
-              </a:rPr>
-              <a:t> </a:t>
-            </a:r>
-            <a:r>
-              <a:rPr lang="en-US" altLang="zh-CN" sz="1200" dirty="0" err="1">
-                <a:latin typeface="微软雅黑" panose="020B0503020204020204" pitchFamily="34" charset="-122"/>
-                <a:ea typeface="微软雅黑" panose="020B0503020204020204" pitchFamily="34" charset="-122"/>
-                <a:cs typeface="微软雅黑" panose="020B0503020204020204" pitchFamily="34" charset="-122"/>
-                <a:sym typeface="+mn-ea"/>
-              </a:rPr>
-              <a:t>NodeSelectorSlot、ClusterNodeBuilderSlot、StatistcSlot</a:t>
-            </a:r>
-            <a:r>
-              <a:rPr lang="en-US" altLang="zh-CN" sz="1200" dirty="0">
-                <a:latin typeface="微软雅黑" panose="020B0503020204020204" pitchFamily="34" charset="-122"/>
-                <a:ea typeface="微软雅黑" panose="020B0503020204020204" pitchFamily="34" charset="-122"/>
-                <a:cs typeface="微软雅黑" panose="020B0503020204020204" pitchFamily="34" charset="-122"/>
-                <a:sym typeface="+mn-ea"/>
-              </a:rPr>
-              <a:t> </a:t>
-            </a:r>
-          </a:p>
-          <a:p>
-            <a:pPr algn="l"/>
-            <a:r>
-              <a:rPr lang="en-US" altLang="zh-CN" sz="1200" dirty="0" err="1">
-                <a:latin typeface="微软雅黑" panose="020B0503020204020204" pitchFamily="34" charset="-122"/>
-                <a:ea typeface="微软雅黑" panose="020B0503020204020204" pitchFamily="34" charset="-122"/>
-                <a:cs typeface="微软雅黑" panose="020B0503020204020204" pitchFamily="34" charset="-122"/>
-                <a:sym typeface="+mn-ea"/>
-              </a:rPr>
-              <a:t>统计出来的实时信息进行流量控制</a:t>
-            </a:r>
-            <a:r>
-              <a:rPr lang="en-US" altLang="zh-CN" sz="1200" dirty="0">
-                <a:latin typeface="微软雅黑" panose="020B0503020204020204" pitchFamily="34" charset="-122"/>
-                <a:ea typeface="微软雅黑" panose="020B0503020204020204" pitchFamily="34" charset="-122"/>
-                <a:cs typeface="微软雅黑" panose="020B0503020204020204" pitchFamily="34" charset="-122"/>
-                <a:sym typeface="+mn-ea"/>
-              </a:rPr>
-              <a:t>。</a:t>
-            </a:r>
-            <a:endParaRPr lang="zh-CN" altLang="en-US" sz="1200" dirty="0">
-              <a:latin typeface="微软雅黑" panose="020B0503020204020204" pitchFamily="34" charset="-122"/>
-              <a:ea typeface="微软雅黑" panose="020B0503020204020204" pitchFamily="34" charset="-122"/>
-              <a:cs typeface="微软雅黑" panose="020B0503020204020204" pitchFamily="34" charset="-122"/>
-            </a:endParaRPr>
-          </a:p>
-          <a:p>
-            <a:pPr marL="0" indent="0">
-              <a:buFont typeface="+mj-ea"/>
+            <a:pPr marL="0" marR="0" lvl="0" indent="0" algn="l" defTabSz="914400" rtl="0" eaLnBrk="1" fontAlgn="auto" latinLnBrk="0" hangingPunct="1">
+              <a:lnSpc>
+                <a:spcPct val="100000"/>
+              </a:lnSpc>
+              <a:spcBef>
+                <a:spcPts val="0"/>
+              </a:spcBef>
+              <a:spcAft>
+                <a:spcPts val="0"/>
+              </a:spcAft>
+              <a:buClrTx/>
+              <a:buSzTx/>
+              <a:buFontTx/>
               <a:buNone/>
+              <a:tabLst/>
+              <a:defRPr/>
             </a:pPr>
-            <a:endParaRPr lang="en-US" altLang="zh-CN" sz="1200" dirty="0"/>
-          </a:p>
-          <a:p>
-            <a:pPr marL="0" indent="0">
-              <a:buFont typeface="+mj-ea"/>
-              <a:buNone/>
-            </a:pPr>
-            <a:r>
-              <a:rPr lang="zh-CN" altLang="en-US" sz="1200" dirty="0"/>
-              <a:t>根据</a:t>
-            </a:r>
-            <a:r>
-              <a:rPr lang="en-US" altLang="zh-CN" sz="1200" dirty="0"/>
-              <a:t>QPS public static final int FLOW_GRADE_QPS = 1;</a:t>
-            </a:r>
-          </a:p>
-          <a:p>
-            <a:pPr marL="0" indent="0">
-              <a:buFont typeface="+mj-ea"/>
-              <a:buNone/>
-            </a:pPr>
-            <a:r>
-              <a:rPr lang="zh-CN" altLang="en-US" sz="1200" dirty="0">
-                <a:sym typeface="+mn-ea"/>
-              </a:rPr>
-              <a:t>直接拒绝 public static final int CONTROL_BEHAVIOR_DEFAULT = 0;</a:t>
-            </a:r>
-          </a:p>
-          <a:p>
-            <a:pPr marL="0" indent="0">
-              <a:buFont typeface="+mj-ea"/>
-              <a:buNone/>
-            </a:pPr>
-            <a:r>
-              <a:rPr lang="en-US" altLang="zh-CN" sz="1200" dirty="0"/>
-              <a:t>// </a:t>
-            </a:r>
-            <a:r>
-              <a:rPr lang="zh-CN" altLang="en-US" sz="1200" dirty="0"/>
-              <a:t>超过</a:t>
-            </a:r>
-            <a:r>
-              <a:rPr lang="en-US" altLang="zh-CN" sz="1200" dirty="0"/>
-              <a:t>count</a:t>
-            </a:r>
-            <a:r>
-              <a:rPr lang="zh-CN" altLang="en-US" sz="1200" dirty="0"/>
-              <a:t>阈值，直接决绝，比如压测确定了系统的处理能力</a:t>
-            </a:r>
-          </a:p>
-          <a:p>
-            <a:pPr marL="0" indent="0">
-              <a:buFont typeface="+mj-ea"/>
-              <a:buNone/>
-            </a:pPr>
-            <a:r>
-              <a:rPr lang="zh-CN" altLang="en-US" sz="1200" dirty="0">
-                <a:sym typeface="+mn-ea"/>
-              </a:rPr>
-              <a:t>冷启动 public static final int CONTROL_BEHAVIOR_WARM_UP = 1;</a:t>
-            </a:r>
-          </a:p>
-          <a:p>
-            <a:pPr marL="0" indent="0">
-              <a:buFont typeface="+mj-ea"/>
-              <a:buNone/>
-            </a:pPr>
-            <a:r>
-              <a:rPr lang="en-US" altLang="zh-CN" sz="1200" dirty="0"/>
-              <a:t>// </a:t>
-            </a:r>
-            <a:r>
-              <a:rPr lang="zh-CN" altLang="en-US" sz="1200" dirty="0"/>
-              <a:t>给系统一个预热实践，逐渐提升流量到阈值</a:t>
-            </a:r>
-          </a:p>
-          <a:p>
-            <a:pPr marL="0" indent="0">
-              <a:buFont typeface="+mj-ea"/>
-              <a:buNone/>
-            </a:pPr>
-            <a:r>
-              <a:rPr lang="zh-CN" altLang="en-US" sz="1200" dirty="0">
-                <a:sym typeface="+mn-ea"/>
-              </a:rPr>
-              <a:t>匀速器 public static final int CONTROL_BEHAVIOR_RATE_LIMITER = 2;</a:t>
-            </a:r>
-            <a:endParaRPr lang="en-US" altLang="zh-CN" sz="1200" dirty="0">
-              <a:sym typeface="+mn-ea"/>
-            </a:endParaRPr>
-          </a:p>
-          <a:p>
-            <a:pPr marL="0" indent="0">
-              <a:buFont typeface="+mj-ea"/>
-              <a:buNone/>
-            </a:pPr>
-            <a:r>
-              <a:rPr lang="en-US" altLang="zh-CN" sz="1200" dirty="0"/>
-              <a:t>// </a:t>
-            </a:r>
-            <a:r>
-              <a:rPr lang="zh-CN" altLang="en-US" sz="1200" dirty="0"/>
-              <a:t>均匀的速度控制流量，漏桶算法</a:t>
-            </a:r>
+            <a:endParaRPr dirty="0"/>
           </a:p>
         </p:txBody>
       </p:sp>
     </p:spTree>
     <p:extLst>
       <p:ext uri="{BB962C8B-B14F-4D97-AF65-F5344CB8AC3E}">
-        <p14:creationId xmlns:p14="http://schemas.microsoft.com/office/powerpoint/2010/main" val="4058251246"/>
+        <p14:creationId xmlns:p14="http://schemas.microsoft.com/office/powerpoint/2010/main" val="2234070992"/>
       </p:ext>
     </p:extLst>
   </p:cSld>
@@ -3061,132 +2873,202 @@
           <a:lstStyle/>
           <a:p>
             <a:r>
-              <a:rPr lang="zh-CN" altLang="en-US" sz="1200" b="0" i="0" kern="1200" dirty="0">
-                <a:solidFill>
-                  <a:schemeClr val="tx1"/>
-                </a:solidFill>
-                <a:effectLst/>
-                <a:latin typeface="+mn-lt"/>
-                <a:ea typeface="+mn-ea"/>
-                <a:cs typeface="+mn-cs"/>
-              </a:rPr>
-              <a:t>热点参数限流会统计传入参数中的热点参数，并根据配置的限流阈值与模式，对包含热点参数的资源调用进行限流。热点参数限流可以看做是一种特殊的流量控制，仅对包含热点参数的资源调用生效。</a:t>
-            </a:r>
-            <a:endParaRPr lang="en-US" altLang="zh-CN" sz="1200" b="0" i="0" kern="1200" dirty="0">
-              <a:solidFill>
-                <a:schemeClr val="tx1"/>
-              </a:solidFill>
-              <a:effectLst/>
-              <a:latin typeface="+mn-lt"/>
-              <a:ea typeface="+mn-ea"/>
-              <a:cs typeface="+mn-cs"/>
+              <a:rPr lang="en-US" altLang="zh-CN" sz="1200" dirty="0" err="1">
+                <a:latin typeface="微软雅黑" panose="020B0503020204020204" pitchFamily="34" charset="-122"/>
+                <a:ea typeface="微软雅黑" panose="020B0503020204020204" pitchFamily="34" charset="-122"/>
+                <a:cs typeface="微软雅黑" panose="020B0503020204020204" pitchFamily="34" charset="-122"/>
+                <a:sym typeface="+mn-ea"/>
+              </a:rPr>
+              <a:t>FlowSlot</a:t>
+            </a:r>
+            <a:r>
+              <a:rPr lang="en-US" altLang="zh-CN" sz="1200" dirty="0">
+                <a:latin typeface="微软雅黑" panose="020B0503020204020204" pitchFamily="34" charset="-122"/>
+                <a:ea typeface="微软雅黑" panose="020B0503020204020204" pitchFamily="34" charset="-122"/>
+                <a:cs typeface="微软雅黑" panose="020B0503020204020204" pitchFamily="34" charset="-122"/>
+                <a:sym typeface="+mn-ea"/>
+              </a:rPr>
+              <a:t> </a:t>
+            </a:r>
+            <a:r>
+              <a:rPr lang="en-US" altLang="zh-CN" sz="1200" dirty="0" err="1">
+                <a:latin typeface="微软雅黑" panose="020B0503020204020204" pitchFamily="34" charset="-122"/>
+                <a:ea typeface="微软雅黑" panose="020B0503020204020204" pitchFamily="34" charset="-122"/>
+                <a:cs typeface="微软雅黑" panose="020B0503020204020204" pitchFamily="34" charset="-122"/>
+                <a:sym typeface="+mn-ea"/>
+              </a:rPr>
+              <a:t>会根据预设的规则，结合前面</a:t>
+            </a:r>
+            <a:r>
+              <a:rPr lang="en-US" altLang="zh-CN" sz="1200" dirty="0">
+                <a:latin typeface="微软雅黑" panose="020B0503020204020204" pitchFamily="34" charset="-122"/>
+                <a:ea typeface="微软雅黑" panose="020B0503020204020204" pitchFamily="34" charset="-122"/>
+                <a:cs typeface="微软雅黑" panose="020B0503020204020204" pitchFamily="34" charset="-122"/>
+                <a:sym typeface="+mn-ea"/>
+              </a:rPr>
+              <a:t> </a:t>
+            </a:r>
+            <a:r>
+              <a:rPr lang="en-US" altLang="zh-CN" sz="1200" dirty="0" err="1">
+                <a:latin typeface="微软雅黑" panose="020B0503020204020204" pitchFamily="34" charset="-122"/>
+                <a:ea typeface="微软雅黑" panose="020B0503020204020204" pitchFamily="34" charset="-122"/>
+                <a:cs typeface="微软雅黑" panose="020B0503020204020204" pitchFamily="34" charset="-122"/>
+                <a:sym typeface="+mn-ea"/>
+              </a:rPr>
+              <a:t>NodeSelectorSlot、ClusterNodeBuilderSlot、StatistcSlot</a:t>
+            </a:r>
+            <a:r>
+              <a:rPr lang="en-US" altLang="zh-CN" sz="1200" dirty="0">
+                <a:latin typeface="微软雅黑" panose="020B0503020204020204" pitchFamily="34" charset="-122"/>
+                <a:ea typeface="微软雅黑" panose="020B0503020204020204" pitchFamily="34" charset="-122"/>
+                <a:cs typeface="微软雅黑" panose="020B0503020204020204" pitchFamily="34" charset="-122"/>
+                <a:sym typeface="+mn-ea"/>
+              </a:rPr>
+              <a:t> </a:t>
+            </a:r>
+          </a:p>
+          <a:p>
+            <a:pPr algn="l"/>
+            <a:r>
+              <a:rPr lang="en-US" altLang="zh-CN" sz="1200" dirty="0" err="1">
+                <a:latin typeface="微软雅黑" panose="020B0503020204020204" pitchFamily="34" charset="-122"/>
+                <a:ea typeface="微软雅黑" panose="020B0503020204020204" pitchFamily="34" charset="-122"/>
+                <a:cs typeface="微软雅黑" panose="020B0503020204020204" pitchFamily="34" charset="-122"/>
+                <a:sym typeface="+mn-ea"/>
+              </a:rPr>
+              <a:t>统计出来的实时信息进行流量控制</a:t>
+            </a:r>
+            <a:r>
+              <a:rPr lang="en-US" altLang="zh-CN" sz="1200" dirty="0">
+                <a:latin typeface="微软雅黑" panose="020B0503020204020204" pitchFamily="34" charset="-122"/>
+                <a:ea typeface="微软雅黑" panose="020B0503020204020204" pitchFamily="34" charset="-122"/>
+                <a:cs typeface="微软雅黑" panose="020B0503020204020204" pitchFamily="34" charset="-122"/>
+                <a:sym typeface="+mn-ea"/>
+              </a:rPr>
+              <a:t>。</a:t>
+            </a:r>
+            <a:endParaRPr lang="zh-CN" altLang="en-US" sz="1200" dirty="0">
+              <a:latin typeface="微软雅黑" panose="020B0503020204020204" pitchFamily="34" charset="-122"/>
+              <a:ea typeface="微软雅黑" panose="020B0503020204020204" pitchFamily="34" charset="-122"/>
+              <a:cs typeface="微软雅黑" panose="020B0503020204020204" pitchFamily="34" charset="-122"/>
             </a:endParaRPr>
           </a:p>
           <a:p>
-            <a:r>
-              <a:rPr lang="en-US" altLang="zh-CN" sz="1200" b="0" i="0" kern="1200" dirty="0">
-                <a:solidFill>
-                  <a:schemeClr val="tx1"/>
-                </a:solidFill>
-                <a:effectLst/>
-                <a:latin typeface="+mn-lt"/>
-                <a:ea typeface="+mn-ea"/>
-                <a:cs typeface="+mn-cs"/>
-              </a:rPr>
-              <a:t>Sentinel </a:t>
-            </a:r>
-            <a:r>
-              <a:rPr lang="zh-CN" altLang="en-US" sz="1200" b="0" i="0" kern="1200" dirty="0">
-                <a:solidFill>
-                  <a:schemeClr val="tx1"/>
-                </a:solidFill>
-                <a:effectLst/>
-                <a:latin typeface="+mn-lt"/>
-                <a:ea typeface="+mn-ea"/>
-                <a:cs typeface="+mn-cs"/>
-              </a:rPr>
-              <a:t>利用 </a:t>
-            </a:r>
-            <a:r>
-              <a:rPr lang="en-US" altLang="zh-CN" sz="1200" b="0" i="0" kern="1200" dirty="0">
-                <a:solidFill>
-                  <a:schemeClr val="tx1"/>
-                </a:solidFill>
-                <a:effectLst/>
-                <a:latin typeface="+mn-lt"/>
-                <a:ea typeface="+mn-ea"/>
-                <a:cs typeface="+mn-cs"/>
-              </a:rPr>
-              <a:t>LRU </a:t>
-            </a:r>
-            <a:r>
-              <a:rPr lang="zh-CN" altLang="en-US" sz="1200" b="0" i="0" kern="1200" dirty="0">
-                <a:solidFill>
-                  <a:schemeClr val="tx1"/>
-                </a:solidFill>
-                <a:effectLst/>
-                <a:latin typeface="+mn-lt"/>
-                <a:ea typeface="+mn-ea"/>
-                <a:cs typeface="+mn-cs"/>
-              </a:rPr>
-              <a:t>策略，结合底层的滑动窗口机制来实现热点参数统计。</a:t>
-            </a:r>
-            <a:r>
-              <a:rPr lang="en-US" altLang="zh-CN" sz="1200" b="0" i="0" kern="1200" dirty="0">
-                <a:solidFill>
-                  <a:schemeClr val="tx1"/>
-                </a:solidFill>
-                <a:effectLst/>
-                <a:latin typeface="+mn-lt"/>
-                <a:ea typeface="+mn-ea"/>
-                <a:cs typeface="+mn-cs"/>
-              </a:rPr>
-              <a:t>LRU </a:t>
-            </a:r>
-            <a:r>
-              <a:rPr lang="zh-CN" altLang="en-US" sz="1200" b="0" i="0" kern="1200" dirty="0">
-                <a:solidFill>
-                  <a:schemeClr val="tx1"/>
-                </a:solidFill>
-                <a:effectLst/>
-                <a:latin typeface="+mn-lt"/>
-                <a:ea typeface="+mn-ea"/>
-                <a:cs typeface="+mn-cs"/>
-              </a:rPr>
-              <a:t>策略可以统计单位时间内，最近最常访问的热点参数，而滑动窗口机制可以帮助统计每个参数的 </a:t>
-            </a:r>
-            <a:r>
-              <a:rPr lang="en-US" altLang="zh-CN" sz="1200" b="0" i="0" kern="1200" dirty="0">
-                <a:solidFill>
-                  <a:schemeClr val="tx1"/>
-                </a:solidFill>
-                <a:effectLst/>
-                <a:latin typeface="+mn-lt"/>
-                <a:ea typeface="+mn-ea"/>
-                <a:cs typeface="+mn-cs"/>
-              </a:rPr>
-              <a:t>QPS</a:t>
-            </a:r>
-            <a:r>
-              <a:rPr lang="zh-CN" altLang="en-US" sz="1200" b="0" i="0" kern="1200" dirty="0">
-                <a:solidFill>
-                  <a:schemeClr val="tx1"/>
-                </a:solidFill>
-                <a:effectLst/>
-                <a:latin typeface="+mn-lt"/>
-                <a:ea typeface="+mn-ea"/>
-                <a:cs typeface="+mn-cs"/>
-              </a:rPr>
-              <a:t>。</a:t>
-            </a:r>
-            <a:endParaRPr lang="zh-CN" altLang="en-US" sz="1200" dirty="0"/>
+            <a:pPr marL="0" indent="0">
+              <a:buFont typeface="+mj-ea"/>
+              <a:buNone/>
+            </a:pPr>
+            <a:endParaRPr lang="en-US" altLang="zh-CN" sz="1200" dirty="0"/>
+          </a:p>
+          <a:p>
+            <a:pPr marL="0" indent="0">
+              <a:buFont typeface="+mj-ea"/>
+              <a:buNone/>
+            </a:pPr>
+            <a:r>
+              <a:rPr lang="zh-CN" altLang="en-US" sz="1200" dirty="0"/>
+              <a:t>根据</a:t>
+            </a:r>
+            <a:r>
+              <a:rPr lang="en-US" altLang="zh-CN" sz="1200" dirty="0"/>
+              <a:t>QPS public static final int FLOW_GRADE_QPS = 1;</a:t>
+            </a:r>
+          </a:p>
+          <a:p>
+            <a:pPr marL="0" indent="0">
+              <a:buFont typeface="+mj-ea"/>
+              <a:buNone/>
+            </a:pPr>
+            <a:r>
+              <a:rPr lang="zh-CN" altLang="en-US" sz="1200" dirty="0">
+                <a:sym typeface="+mn-ea"/>
+              </a:rPr>
+              <a:t>直接拒绝 public static final int CONTROL_BEHAVIOR_DEFAULT = 0;</a:t>
+            </a:r>
+          </a:p>
+          <a:p>
+            <a:pPr marL="0" indent="0">
+              <a:buFont typeface="+mj-ea"/>
+              <a:buNone/>
+            </a:pPr>
+            <a:r>
+              <a:rPr lang="en-US" altLang="zh-CN" sz="1200" dirty="0"/>
+              <a:t>// </a:t>
+            </a:r>
+            <a:r>
+              <a:rPr lang="zh-CN" altLang="en-US" sz="1200" dirty="0"/>
+              <a:t>超过</a:t>
+            </a:r>
+            <a:r>
+              <a:rPr lang="en-US" altLang="zh-CN" sz="1200" dirty="0"/>
+              <a:t>count</a:t>
+            </a:r>
+            <a:r>
+              <a:rPr lang="zh-CN" altLang="en-US" sz="1200" dirty="0"/>
+              <a:t>阈值，直接决绝，比如压测确定了系统的处理能力</a:t>
+            </a:r>
+          </a:p>
+          <a:p>
+            <a:pPr marL="0" indent="0">
+              <a:buFont typeface="+mj-ea"/>
+              <a:buNone/>
+            </a:pPr>
+            <a:r>
+              <a:rPr lang="zh-CN" altLang="en-US" sz="1200" dirty="0">
+                <a:sym typeface="+mn-ea"/>
+              </a:rPr>
+              <a:t>冷启动 public static final int CONTROL_BEHAVIOR_WARM_UP = 1;</a:t>
+            </a:r>
+          </a:p>
+          <a:p>
+            <a:pPr marL="0" indent="0">
+              <a:buFont typeface="+mj-ea"/>
+              <a:buNone/>
+            </a:pPr>
+            <a:r>
+              <a:rPr lang="en-US" altLang="zh-CN" sz="1200" dirty="0"/>
+              <a:t>// </a:t>
+            </a:r>
+            <a:r>
+              <a:rPr lang="zh-CN" altLang="en-US" sz="1200" dirty="0"/>
+              <a:t>给系统一个预热实践，逐渐提升流量到阈值</a:t>
+            </a:r>
+          </a:p>
+          <a:p>
+            <a:pPr marL="0" indent="0">
+              <a:buFont typeface="+mj-ea"/>
+              <a:buNone/>
+            </a:pPr>
+            <a:r>
+              <a:rPr lang="zh-CN" altLang="en-US" sz="1200" dirty="0">
+                <a:sym typeface="+mn-ea"/>
+              </a:rPr>
+              <a:t>匀速器 public static final int CONTROL_BEHAVIOR_RATE_LIMITER = 2;</a:t>
+            </a:r>
+            <a:endParaRPr lang="en-US" altLang="zh-CN" sz="1200" dirty="0">
+              <a:sym typeface="+mn-ea"/>
+            </a:endParaRPr>
+          </a:p>
+          <a:p>
+            <a:pPr marL="0" indent="0">
+              <a:buFont typeface="+mj-ea"/>
+              <a:buNone/>
+            </a:pPr>
+            <a:r>
+              <a:rPr lang="en-US" altLang="zh-CN" sz="1200" dirty="0"/>
+              <a:t>// </a:t>
+            </a:r>
+            <a:r>
+              <a:rPr lang="zh-CN" altLang="en-US" sz="1200" dirty="0"/>
+              <a:t>均匀的速度控制流量，漏桶算法</a:t>
+            </a:r>
           </a:p>
         </p:txBody>
       </p:sp>
     </p:spTree>
     <p:extLst>
       <p:ext uri="{BB962C8B-B14F-4D97-AF65-F5344CB8AC3E}">
-        <p14:creationId xmlns:p14="http://schemas.microsoft.com/office/powerpoint/2010/main" val="1360779660"/>
+        <p14:creationId xmlns:p14="http://schemas.microsoft.com/office/powerpoint/2010/main" val="4058251246"/>
       </p:ext>
     </p:extLst>
   </p:cSld>
@@ -3269,11 +3151,30 @@
                 <a:ea typeface="+mn-ea"/>
                 <a:cs typeface="+mn-cs"/>
               </a:rPr>
-              <a:t>注：若自行扩展并注册了自己实现的 </a:t>
-            </a:r>
-            <a:r>
-              <a:rPr lang="en-US" altLang="zh-CN" dirty="0" err="1"/>
-              <a:t>SlotChainBuilder</a:t>
+              <a:t>热点参数限流会统计传入参数中的热点参数，并根据配置的限流阈值与模式，对包含热点参数的资源调用进行限流。热点参数限流可以看做是一种特殊的流量控制，仅对包含热点参数的资源调用生效。</a:t>
+            </a:r>
+            <a:endParaRPr lang="en-US" altLang="zh-CN" sz="1200" b="0" i="0" kern="1200" dirty="0">
+              <a:solidFill>
+                <a:schemeClr val="tx1"/>
+              </a:solidFill>
+              <a:effectLst/>
+              <a:latin typeface="+mn-lt"/>
+              <a:ea typeface="+mn-ea"/>
+              <a:cs typeface="+mn-cs"/>
+            </a:endParaRPr>
+          </a:p>
+          <a:p>
+            <a:r>
+              <a:rPr lang="en-US" altLang="zh-CN" sz="1200" b="0" i="0" kern="1200" dirty="0">
+                <a:solidFill>
+                  <a:schemeClr val="tx1"/>
+                </a:solidFill>
+                <a:effectLst/>
+                <a:latin typeface="+mn-lt"/>
+                <a:ea typeface="+mn-ea"/>
+                <a:cs typeface="+mn-cs"/>
+              </a:rPr>
+              <a:t>Sentinel </a:t>
             </a:r>
             <a:r>
               <a:rPr lang="zh-CN" altLang="en-US" sz="1200" b="0" i="0" kern="1200" dirty="0">
@@ -3285,7 +3186,7 @@
                 <a:ea typeface="+mn-ea"/>
                 <a:cs typeface="+mn-cs"/>
               </a:rPr>
-              <a:t>，并希望使用热点参数限流功能，则可以在 </a:t>
+              <a:t>利用 </a:t>
             </a:r>
             <a:r>
               <a:rPr lang="en-US" altLang="zh-CN" sz="1200" b="0" i="0" kern="1200" dirty="0">
@@ -3297,7 +3198,7 @@
                 <a:ea typeface="+mn-ea"/>
                 <a:cs typeface="+mn-cs"/>
               </a:rPr>
-              <a:t>chain </a:t>
+              <a:t>LRU </a:t>
             </a:r>
             <a:r>
               <a:rPr lang="zh-CN" altLang="en-US" sz="1200" b="0" i="0" kern="1200" dirty="0">
@@ -3309,11 +3210,43 @@
                 <a:ea typeface="+mn-ea"/>
                 <a:cs typeface="+mn-cs"/>
               </a:rPr>
-              <a:t>里面合适的地方插入 </a:t>
-            </a:r>
-            <a:r>
-              <a:rPr lang="en-US" altLang="zh-CN" dirty="0" err="1"/>
-              <a:t>ParamFlowSlot</a:t>
+              <a:t>策略，结合底层的滑动窗口机制来实现热点参数统计。</a:t>
+            </a:r>
+            <a:r>
+              <a:rPr lang="en-US" altLang="zh-CN" sz="1200" b="0" i="0" kern="1200" dirty="0">
+                <a:solidFill>
+                  <a:schemeClr val="tx1"/>
+                </a:solidFill>
+                <a:effectLst/>
+                <a:latin typeface="+mn-lt"/>
+                <a:ea typeface="+mn-ea"/>
+                <a:cs typeface="+mn-cs"/>
+              </a:rPr>
+              <a:t>LRU </a:t>
+            </a:r>
+            <a:r>
+              <a:rPr lang="zh-CN" altLang="en-US" sz="1200" b="0" i="0" kern="1200" dirty="0">
+                <a:solidFill>
+                  <a:schemeClr val="tx1"/>
+                </a:solidFill>
+                <a:effectLst/>
+                <a:latin typeface="+mn-lt"/>
+                <a:ea typeface="+mn-ea"/>
+                <a:cs typeface="+mn-cs"/>
+              </a:rPr>
+              <a:t>策略可以统计单位时间内，最近最常访问的热点参数，而滑动窗口机制可以帮助统计每个参数的 </a:t>
+            </a:r>
+            <a:r>
+              <a:rPr lang="en-US" altLang="zh-CN" sz="1200" b="0" i="0" kern="1200" dirty="0">
+                <a:solidFill>
+                  <a:schemeClr val="tx1"/>
+                </a:solidFill>
+                <a:effectLst/>
+                <a:latin typeface="+mn-lt"/>
+                <a:ea typeface="+mn-ea"/>
+                <a:cs typeface="+mn-cs"/>
+              </a:rPr>
+              <a:t>QPS</a:t>
             </a:r>
             <a:r>
               <a:rPr lang="zh-CN" altLang="en-US" sz="1200" b="0" i="0" kern="1200" dirty="0">
@@ -3334,7 +3267,7 @@
     </p:spTree>
     <p:extLst>
       <p:ext uri="{BB962C8B-B14F-4D97-AF65-F5344CB8AC3E}">
-        <p14:creationId xmlns:p14="http://schemas.microsoft.com/office/powerpoint/2010/main" val="2747929650"/>
+        <p14:creationId xmlns:p14="http://schemas.microsoft.com/office/powerpoint/2010/main" val="1360779660"/>
       </p:ext>
     </p:extLst>
   </p:cSld>
@@ -3408,25 +3341,32 @@
           <a:lstStyle/>
           <a:p>
             <a:r>
-              <a:rPr lang="en-US" altLang="zh-CN" sz="1200" dirty="0">
-                <a:latin typeface="微软雅黑" panose="020B0503020204020204" pitchFamily="34" charset="-122"/>
-                <a:ea typeface="微软雅黑" panose="020B0503020204020204" pitchFamily="34" charset="-122"/>
-                <a:cs typeface="微软雅黑" panose="020B0503020204020204" pitchFamily="34" charset="-122"/>
-                <a:sym typeface="+mn-ea"/>
-              </a:rPr>
-              <a:t> </a:t>
-            </a:r>
-            <a:r>
-              <a:rPr lang="en-US" altLang="zh-CN" sz="1200" b="0" i="0" kern="1200" dirty="0" err="1">
-                <a:solidFill>
-                  <a:schemeClr val="tx1"/>
-                </a:solidFill>
-                <a:effectLst/>
-                <a:latin typeface="+mn-lt"/>
-                <a:ea typeface="+mn-ea"/>
-                <a:cs typeface="+mn-cs"/>
-              </a:rPr>
-              <a:t>flowId</a:t>
+              <a:rPr lang="zh-CN" altLang="en-US" sz="1200" b="0" i="0" kern="1200" dirty="0">
+                <a:solidFill>
+                  <a:schemeClr val="tx1"/>
+                </a:solidFill>
+                <a:effectLst/>
+                <a:latin typeface="+mn-lt"/>
+                <a:ea typeface="+mn-ea"/>
+                <a:cs typeface="+mn-cs"/>
+              </a:rPr>
+              <a:t>注：若自行扩展并注册了自己实现的 </a:t>
+            </a:r>
+            <a:r>
+              <a:rPr lang="en-US" altLang="zh-CN" dirty="0" err="1"/>
+              <a:t>SlotChainBuilder</a:t>
+            </a:r>
+            <a:r>
+              <a:rPr lang="zh-CN" altLang="en-US" sz="1200" b="0" i="0" kern="1200" dirty="0">
+                <a:solidFill>
+                  <a:schemeClr val="tx1"/>
+                </a:solidFill>
+                <a:effectLst/>
+                <a:latin typeface="+mn-lt"/>
+                <a:ea typeface="+mn-ea"/>
+                <a:cs typeface="+mn-cs"/>
+              </a:rPr>
+              <a:t>，并希望使用热点参数限流功能，则可以在 </a:t>
             </a:r>
             <a:r>
               <a:rPr lang="en-US" altLang="zh-CN" sz="1200" b="0" i="0" kern="1200" dirty="0">
@@ -3438,7 +3378,7 @@
                 <a:ea typeface="+mn-ea"/>
                 <a:cs typeface="+mn-cs"/>
               </a:rPr>
-              <a:t> </a:t>
+              <a:t>chain </a:t>
             </a:r>
             <a:r>
               <a:rPr lang="zh-CN" altLang="en-US" sz="1200" b="0" i="0" kern="1200" dirty="0">
@@ -3450,19 +3390,11 @@
                 <a:ea typeface="+mn-ea"/>
                 <a:cs typeface="+mn-cs"/>
               </a:rPr>
-              <a:t>代表全局唯一的规则 </a:t>
-            </a:r>
-            <a:r>
-              <a:rPr lang="en-US" altLang="zh-CN" sz="1200" b="0" i="0" kern="1200" dirty="0">
-                <a:solidFill>
-                  <a:schemeClr val="tx1"/>
-                </a:solidFill>
-                <a:effectLst/>
-                <a:latin typeface="+mn-lt"/>
-                <a:ea typeface="+mn-ea"/>
-                <a:cs typeface="+mn-cs"/>
-              </a:rPr>
-              <a:t>ID</a:t>
+              <a:t>里面合适的地方插入 </a:t>
+            </a:r>
+            <a:r>
+              <a:rPr lang="en-US" altLang="zh-CN" dirty="0" err="1"/>
+              <a:t>ParamFlowSlot</a:t>
             </a:r>
             <a:r>
               <a:rPr lang="zh-CN" altLang="en-US" sz="1200" b="0" i="0" kern="1200" dirty="0">
@@ -3474,252 +3406,8 @@
                 <a:ea typeface="+mn-ea"/>
                 <a:cs typeface="+mn-cs"/>
               </a:rPr>
-              <a:t>，</a:t>
-            </a:r>
-            <a:r>
-              <a:rPr lang="en-US" altLang="zh-CN" sz="1200" b="0" i="0" kern="1200" dirty="0">
-                <a:solidFill>
-                  <a:schemeClr val="tx1"/>
-                </a:solidFill>
-                <a:effectLst/>
-                <a:latin typeface="+mn-lt"/>
-                <a:ea typeface="+mn-ea"/>
-                <a:cs typeface="+mn-cs"/>
-              </a:rPr>
-              <a:t>Sentinel </a:t>
-            </a:r>
-            <a:r>
-              <a:rPr lang="zh-CN" altLang="en-US" sz="1200" b="0" i="0" kern="1200" dirty="0">
-                <a:solidFill>
-                  <a:schemeClr val="tx1"/>
-                </a:solidFill>
-                <a:effectLst/>
-                <a:latin typeface="+mn-lt"/>
-                <a:ea typeface="+mn-ea"/>
-                <a:cs typeface="+mn-cs"/>
-              </a:rPr>
-              <a:t>集群限流服务端通过此 </a:t>
-            </a:r>
-            <a:r>
-              <a:rPr lang="en-US" altLang="zh-CN" sz="1200" b="0" i="0" kern="1200" dirty="0">
-                <a:solidFill>
-                  <a:schemeClr val="tx1"/>
-                </a:solidFill>
-                <a:effectLst/>
-                <a:latin typeface="+mn-lt"/>
-                <a:ea typeface="+mn-ea"/>
-                <a:cs typeface="+mn-cs"/>
-              </a:rPr>
-              <a:t>ID </a:t>
-            </a:r>
-            <a:r>
-              <a:rPr lang="zh-CN" altLang="en-US" sz="1200" b="0" i="0" kern="1200" dirty="0">
-                <a:solidFill>
-                  <a:schemeClr val="tx1"/>
-                </a:solidFill>
-                <a:effectLst/>
-                <a:latin typeface="+mn-lt"/>
-                <a:ea typeface="+mn-ea"/>
-                <a:cs typeface="+mn-cs"/>
-              </a:rPr>
-              <a:t>来区分各个规则，因此</a:t>
-            </a:r>
-            <a:r>
-              <a:rPr lang="zh-CN" altLang="en-US" sz="1200" b="1" i="0" kern="1200" dirty="0">
-                <a:solidFill>
-                  <a:schemeClr val="tx1"/>
-                </a:solidFill>
-                <a:effectLst/>
-                <a:latin typeface="+mn-lt"/>
-                <a:ea typeface="+mn-ea"/>
-                <a:cs typeface="+mn-cs"/>
-              </a:rPr>
-              <a:t>务必保持全局唯一</a:t>
-            </a:r>
-            <a:r>
-              <a:rPr lang="zh-CN" altLang="en-US" sz="1200" b="0" i="0" kern="1200" dirty="0">
-                <a:solidFill>
-                  <a:schemeClr val="tx1"/>
-                </a:solidFill>
-                <a:effectLst/>
-                <a:latin typeface="+mn-lt"/>
-                <a:ea typeface="+mn-ea"/>
-                <a:cs typeface="+mn-cs"/>
-              </a:rPr>
-              <a:t>。一般 </a:t>
-            </a:r>
-            <a:r>
-              <a:rPr lang="en-US" altLang="zh-CN" sz="1200" b="0" i="0" kern="1200" dirty="0" err="1">
-                <a:solidFill>
-                  <a:schemeClr val="tx1"/>
-                </a:solidFill>
-                <a:effectLst/>
-                <a:latin typeface="+mn-lt"/>
-                <a:ea typeface="+mn-ea"/>
-                <a:cs typeface="+mn-cs"/>
-              </a:rPr>
-              <a:t>flowId</a:t>
-            </a:r>
-            <a:r>
-              <a:rPr lang="en-US" altLang="zh-CN" sz="1200" b="0" i="0" kern="1200" dirty="0">
-                <a:solidFill>
-                  <a:schemeClr val="tx1"/>
-                </a:solidFill>
-                <a:effectLst/>
-                <a:latin typeface="+mn-lt"/>
-                <a:ea typeface="+mn-ea"/>
-                <a:cs typeface="+mn-cs"/>
-              </a:rPr>
-              <a:t> </a:t>
-            </a:r>
-            <a:r>
-              <a:rPr lang="zh-CN" altLang="en-US" sz="1200" b="0" i="0" kern="1200" dirty="0">
-                <a:solidFill>
-                  <a:schemeClr val="tx1"/>
-                </a:solidFill>
-                <a:effectLst/>
-                <a:latin typeface="+mn-lt"/>
-                <a:ea typeface="+mn-ea"/>
-                <a:cs typeface="+mn-cs"/>
-              </a:rPr>
-              <a:t>由统一的管控端进行分配，或写入至 </a:t>
-            </a:r>
-            <a:r>
-              <a:rPr lang="en-US" altLang="zh-CN" sz="1200" b="0" i="0" kern="1200" dirty="0">
-                <a:solidFill>
-                  <a:schemeClr val="tx1"/>
-                </a:solidFill>
-                <a:effectLst/>
-                <a:latin typeface="+mn-lt"/>
-                <a:ea typeface="+mn-ea"/>
-                <a:cs typeface="+mn-cs"/>
-              </a:rPr>
-              <a:t>DB </a:t>
-            </a:r>
-            <a:r>
-              <a:rPr lang="zh-CN" altLang="en-US" sz="1200" b="0" i="0" kern="1200" dirty="0">
-                <a:solidFill>
-                  <a:schemeClr val="tx1"/>
-                </a:solidFill>
-                <a:effectLst/>
-                <a:latin typeface="+mn-lt"/>
-                <a:ea typeface="+mn-ea"/>
-                <a:cs typeface="+mn-cs"/>
-              </a:rPr>
-              <a:t>时生成。</a:t>
-            </a:r>
-          </a:p>
-          <a:p>
-            <a:r>
-              <a:rPr lang="en-US" altLang="zh-CN" sz="1200" b="0" i="0" kern="1200" dirty="0" err="1">
-                <a:solidFill>
-                  <a:schemeClr val="tx1"/>
-                </a:solidFill>
-                <a:effectLst/>
-                <a:latin typeface="+mn-lt"/>
-                <a:ea typeface="+mn-ea"/>
-                <a:cs typeface="+mn-cs"/>
-              </a:rPr>
-              <a:t>thresholdType</a:t>
-            </a:r>
-            <a:r>
-              <a:rPr lang="en-US" altLang="zh-CN" sz="1200" b="0" i="0" kern="1200" dirty="0">
-                <a:solidFill>
-                  <a:schemeClr val="tx1"/>
-                </a:solidFill>
-                <a:effectLst/>
-                <a:latin typeface="+mn-lt"/>
-                <a:ea typeface="+mn-ea"/>
-                <a:cs typeface="+mn-cs"/>
-              </a:rPr>
-              <a:t> </a:t>
-            </a:r>
-            <a:r>
-              <a:rPr lang="zh-CN" altLang="en-US" sz="1200" b="0" i="0" kern="1200" dirty="0">
-                <a:solidFill>
-                  <a:schemeClr val="tx1"/>
-                </a:solidFill>
-                <a:effectLst/>
-                <a:latin typeface="+mn-lt"/>
-                <a:ea typeface="+mn-ea"/>
-                <a:cs typeface="+mn-cs"/>
-              </a:rPr>
-              <a:t>代表集群限流阈值模式。其中单机均摊模式下配置的阈值等同于单机能够承受的限额，</a:t>
-            </a:r>
-            <a:r>
-              <a:rPr lang="en-US" altLang="zh-CN" sz="1200" b="0" i="0" kern="1200" dirty="0">
-                <a:solidFill>
-                  <a:schemeClr val="tx1"/>
-                </a:solidFill>
-                <a:effectLst/>
-                <a:latin typeface="+mn-lt"/>
-                <a:ea typeface="+mn-ea"/>
-                <a:cs typeface="+mn-cs"/>
-              </a:rPr>
-              <a:t>token server </a:t>
-            </a:r>
-            <a:r>
-              <a:rPr lang="zh-CN" altLang="en-US" sz="1200" b="0" i="0" kern="1200" dirty="0">
-                <a:solidFill>
-                  <a:schemeClr val="tx1"/>
-                </a:solidFill>
-                <a:effectLst/>
-                <a:latin typeface="+mn-lt"/>
-                <a:ea typeface="+mn-ea"/>
-                <a:cs typeface="+mn-cs"/>
-              </a:rPr>
-              <a:t>会根据客户端对应的 </a:t>
-            </a:r>
-            <a:r>
-              <a:rPr lang="en-US" altLang="zh-CN" sz="1200" b="0" i="0" kern="1200" dirty="0">
-                <a:solidFill>
-                  <a:schemeClr val="tx1"/>
-                </a:solidFill>
-                <a:effectLst/>
-                <a:latin typeface="+mn-lt"/>
-                <a:ea typeface="+mn-ea"/>
-                <a:cs typeface="+mn-cs"/>
-              </a:rPr>
-              <a:t>namespace</a:t>
-            </a:r>
-            <a:r>
-              <a:rPr lang="zh-CN" altLang="en-US" sz="1200" b="0" i="0" kern="1200" dirty="0">
-                <a:solidFill>
-                  <a:schemeClr val="tx1"/>
-                </a:solidFill>
-                <a:effectLst/>
-                <a:latin typeface="+mn-lt"/>
-                <a:ea typeface="+mn-ea"/>
-                <a:cs typeface="+mn-cs"/>
-              </a:rPr>
-              <a:t>（默认为 </a:t>
-            </a:r>
-            <a:r>
-              <a:rPr lang="en-US" altLang="zh-CN" sz="1200" b="0" i="0" kern="1200" dirty="0">
-                <a:solidFill>
-                  <a:schemeClr val="tx1"/>
-                </a:solidFill>
-                <a:effectLst/>
-                <a:latin typeface="+mn-lt"/>
-                <a:ea typeface="+mn-ea"/>
-                <a:cs typeface="+mn-cs"/>
-              </a:rPr>
-              <a:t>project.name </a:t>
-            </a:r>
-            <a:r>
-              <a:rPr lang="zh-CN" altLang="en-US" sz="1200" b="0" i="0" kern="1200" dirty="0">
-                <a:solidFill>
-                  <a:schemeClr val="tx1"/>
-                </a:solidFill>
-                <a:effectLst/>
-                <a:latin typeface="+mn-lt"/>
-                <a:ea typeface="+mn-ea"/>
-                <a:cs typeface="+mn-cs"/>
-              </a:rPr>
-              <a:t>定义的应用名）下的连接数来计算总的阈值；而全局模式下配置的阈值等同于整个集群的总阈值。</a:t>
-            </a:r>
-          </a:p>
-          <a:p>
+              <a:t>。</a:t>
+            </a:r>
             <a:endParaRPr lang="zh-CN" altLang="en-US" sz="1200" dirty="0"/>
           </a:p>
         </p:txBody>
@@ -3727,7 +3415,7 @@
     </p:spTree>
     <p:extLst>
       <p:ext uri="{BB962C8B-B14F-4D97-AF65-F5344CB8AC3E}">
-        <p14:creationId xmlns:p14="http://schemas.microsoft.com/office/powerpoint/2010/main" val="298347709"/>
+        <p14:creationId xmlns:p14="http://schemas.microsoft.com/office/powerpoint/2010/main" val="2747929650"/>
       </p:ext>
     </p:extLst>
   </p:cSld>
@@ -3801,6 +3489,39 @@
           <a:lstStyle/>
           <a:p>
             <a:r>
+              <a:rPr lang="en-US" altLang="zh-CN" sz="1200" dirty="0">
+                <a:latin typeface="微软雅黑" panose="020B0503020204020204" pitchFamily="34" charset="-122"/>
+                <a:ea typeface="微软雅黑" panose="020B0503020204020204" pitchFamily="34" charset="-122"/>
+                <a:cs typeface="微软雅黑" panose="020B0503020204020204" pitchFamily="34" charset="-122"/>
+                <a:sym typeface="+mn-ea"/>
+              </a:rPr>
+              <a:t> </a:t>
+            </a:r>
+            <a:r>
+              <a:rPr lang="en-US" altLang="zh-CN" sz="1200" b="0" i="0" kern="1200" dirty="0" err="1">
+                <a:solidFill>
+                  <a:schemeClr val="tx1"/>
+                </a:solidFill>
+                <a:effectLst/>
+                <a:latin typeface="+mn-lt"/>
+                <a:ea typeface="+mn-ea"/>
+                <a:cs typeface="+mn-cs"/>
+              </a:rPr>
+              <a:t>flowId</a:t>
+            </a:r>
+            <a:r>
+              <a:rPr lang="en-US" altLang="zh-CN" sz="1200" b="0" i="0" kern="1200" dirty="0">
+                <a:solidFill>
+                  <a:schemeClr val="tx1"/>
+                </a:solidFill>
+                <a:effectLst/>
+                <a:latin typeface="+mn-lt"/>
+                <a:ea typeface="+mn-ea"/>
+                <a:cs typeface="+mn-cs"/>
+              </a:rPr>
+              <a:t> </a:t>
+            </a:r>
+            <a:r>
               <a:rPr lang="zh-CN" altLang="en-US" sz="1200" b="0" i="0" kern="1200" dirty="0">
                 <a:solidFill>
                   <a:schemeClr val="tx1"/>
@@ -3810,7 +3531,103 @@
                 <a:ea typeface="+mn-ea"/>
                 <a:cs typeface="+mn-cs"/>
               </a:rPr>
-              <a:t>熔断降级是指当资源处于不稳定的情况下，在接下来的时间窗口之内，对该资源的调用都自动熔断（默认行为是抛出 </a:t>
+              <a:t>代表全局唯一的规则 </a:t>
+            </a:r>
+            <a:r>
+              <a:rPr lang="en-US" altLang="zh-CN" sz="1200" b="0" i="0" kern="1200" dirty="0">
+                <a:solidFill>
+                  <a:schemeClr val="tx1"/>
+                </a:solidFill>
+                <a:effectLst/>
+                <a:latin typeface="+mn-lt"/>
+                <a:ea typeface="+mn-ea"/>
+                <a:cs typeface="+mn-cs"/>
+              </a:rPr>
+              <a:t>ID</a:t>
+            </a:r>
+            <a:r>
+              <a:rPr lang="zh-CN" altLang="en-US" sz="1200" b="0" i="0" kern="1200" dirty="0">
+                <a:solidFill>
+                  <a:schemeClr val="tx1"/>
+                </a:solidFill>
+                <a:effectLst/>
+                <a:latin typeface="+mn-lt"/>
+                <a:ea typeface="+mn-ea"/>
+                <a:cs typeface="+mn-cs"/>
+              </a:rPr>
+              <a:t>，</a:t>
+            </a:r>
+            <a:r>
+              <a:rPr lang="en-US" altLang="zh-CN" sz="1200" b="0" i="0" kern="1200" dirty="0">
+                <a:solidFill>
+                  <a:schemeClr val="tx1"/>
+                </a:solidFill>
+                <a:effectLst/>
+                <a:latin typeface="+mn-lt"/>
+                <a:ea typeface="+mn-ea"/>
+                <a:cs typeface="+mn-cs"/>
+              </a:rPr>
+              <a:t>Sentinel </a:t>
+            </a:r>
+            <a:r>
+              <a:rPr lang="zh-CN" altLang="en-US" sz="1200" b="0" i="0" kern="1200" dirty="0">
+                <a:solidFill>
+                  <a:schemeClr val="tx1"/>
+                </a:solidFill>
+                <a:effectLst/>
+                <a:latin typeface="+mn-lt"/>
+                <a:ea typeface="+mn-ea"/>
+                <a:cs typeface="+mn-cs"/>
+              </a:rPr>
+              <a:t>集群限流服务端通过此 </a:t>
+            </a:r>
+            <a:r>
+              <a:rPr lang="en-US" altLang="zh-CN" sz="1200" b="0" i="0" kern="1200" dirty="0">
+                <a:solidFill>
+                  <a:schemeClr val="tx1"/>
+                </a:solidFill>
+                <a:effectLst/>
+                <a:latin typeface="+mn-lt"/>
+                <a:ea typeface="+mn-ea"/>
+                <a:cs typeface="+mn-cs"/>
+              </a:rPr>
+              <a:t>ID </a:t>
+            </a:r>
+            <a:r>
+              <a:rPr lang="zh-CN" altLang="en-US" sz="1200" b="0" i="0" kern="1200" dirty="0">
+                <a:solidFill>
+                  <a:schemeClr val="tx1"/>
+                </a:solidFill>
+                <a:effectLst/>
+                <a:latin typeface="+mn-lt"/>
+                <a:ea typeface="+mn-ea"/>
+                <a:cs typeface="+mn-cs"/>
+              </a:rPr>
+              <a:t>来区分各个规则，因此</a:t>
+            </a:r>
+            <a:r>
+              <a:rPr lang="zh-CN" altLang="en-US" sz="1200" b="1" i="0" kern="1200" dirty="0">
+                <a:solidFill>
+                  <a:schemeClr val="tx1"/>
+                </a:solidFill>
+                <a:effectLst/>
+                <a:latin typeface="+mn-lt"/>
+                <a:ea typeface="+mn-ea"/>
+                <a:cs typeface="+mn-cs"/>
+              </a:rPr>
+              <a:t>务必保持全局唯一</a:t>
+            </a:r>
+            <a:r>
+              <a:rPr lang="zh-CN" altLang="en-US" sz="1200" b="0" i="0" kern="1200" dirty="0">
+                <a:solidFill>
+                  <a:schemeClr val="tx1"/>
+                </a:solidFill>
+                <a:effectLst/>
+                <a:latin typeface="+mn-lt"/>
+                <a:ea typeface="+mn-ea"/>
+                <a:cs typeface="+mn-cs"/>
+              </a:rPr>
+              <a:t>。一般 </a:t>
             </a:r>
             <a:r>
               <a:rPr lang="en-US" altLang="zh-CN" sz="1200" b="0" i="0" kern="1200" dirty="0" err="1">
@@ -3822,7 +3639,19 @@
                 <a:ea typeface="+mn-ea"/>
                 <a:cs typeface="+mn-cs"/>
               </a:rPr>
-              <a:t>DegradeException</a:t>
+              <a:t>flowId</a:t>
+            </a:r>
+            <a:r>
+              <a:rPr lang="en-US" altLang="zh-CN" sz="1200" b="0" i="0" kern="1200" dirty="0">
+                <a:solidFill>
+                  <a:schemeClr val="tx1"/>
+                </a:solidFill>
+                <a:effectLst/>
+                <a:latin typeface="+mn-lt"/>
+                <a:ea typeface="+mn-ea"/>
+                <a:cs typeface="+mn-cs"/>
+              </a:rPr>
+              <a:t> </a:t>
             </a:r>
             <a:r>
               <a:rPr lang="zh-CN" altLang="en-US" sz="1200" b="0" i="0" kern="1200" dirty="0">
@@ -3834,14 +3663,20 @@
                 <a:ea typeface="+mn-ea"/>
                 <a:cs typeface="+mn-cs"/>
               </a:rPr>
-              <a:t>）。我们通常用两种方式来衡量资源是否处于稳定的状态：</a:t>
-            </a:r>
-          </a:p>
-          <a:p>
-            <a:pPr marL="171450" indent="-171450">
-              <a:buFont typeface="Arial" panose="020B0604020202020204" pitchFamily="34" charset="0"/>
-              <a:buChar char="•"/>
-            </a:pPr>
+              <a:t>由统一的管控端进行分配，或写入至 </a:t>
+            </a:r>
+            <a:r>
+              <a:rPr lang="en-US" altLang="zh-CN" sz="1200" b="0" i="0" kern="1200" dirty="0">
+                <a:solidFill>
+                  <a:schemeClr val="tx1"/>
+                </a:solidFill>
+                <a:effectLst/>
+                <a:latin typeface="+mn-lt"/>
+                <a:ea typeface="+mn-ea"/>
+                <a:cs typeface="+mn-cs"/>
+              </a:rPr>
+              <a:t>DB </a:t>
+            </a:r>
             <a:r>
               <a:rPr lang="zh-CN" altLang="en-US" sz="1200" b="0" i="0" kern="1200" dirty="0">
                 <a:solidFill>
@@ -3852,7 +3687,21 @@
                 <a:ea typeface="+mn-ea"/>
                 <a:cs typeface="+mn-cs"/>
               </a:rPr>
-              <a:t>平均响应时间 </a:t>
+              <a:t>时生成。</a:t>
+            </a:r>
+          </a:p>
+          <a:p>
+            <a:r>
+              <a:rPr lang="en-US" altLang="zh-CN" sz="1200" b="0" i="0" kern="1200" dirty="0" err="1">
+                <a:solidFill>
+                  <a:schemeClr val="tx1"/>
+                </a:solidFill>
+                <a:effectLst/>
+                <a:latin typeface="+mn-lt"/>
+                <a:ea typeface="+mn-ea"/>
+                <a:cs typeface="+mn-cs"/>
+              </a:rPr>
+              <a:t>thresholdType</a:t>
             </a:r>
             <a:r>
               <a:rPr lang="en-US" altLang="zh-CN" sz="1200" b="0" i="0" kern="1200" dirty="0">
@@ -3864,7 +3713,7 @@
                 <a:ea typeface="+mn-ea"/>
                 <a:cs typeface="+mn-cs"/>
               </a:rPr>
-              <a:t>(DEGRADE_GRADE_RT)</a:t>
+              <a:t> </a:t>
             </a:r>
             <a:r>
               <a:rPr lang="zh-CN" altLang="en-US" sz="1200" b="0" i="0" kern="1200" dirty="0">
@@ -3876,19 +3725,7 @@
                 <a:ea typeface="+mn-ea"/>
                 <a:cs typeface="+mn-cs"/>
               </a:rPr>
-              <a:t>：当资源的平均响应时间超过阈值（</a:t>
-            </a:r>
-            <a:r>
-              <a:rPr lang="en-US" altLang="zh-CN" sz="1200" b="0" i="0" kern="1200" dirty="0" err="1">
-                <a:solidFill>
-                  <a:schemeClr val="tx1"/>
-                </a:solidFill>
-                <a:effectLst/>
-                <a:latin typeface="+mn-lt"/>
-                <a:ea typeface="+mn-ea"/>
-                <a:cs typeface="+mn-cs"/>
-              </a:rPr>
-              <a:t>DegradeRule</a:t>
+              <a:t>代表集群限流阈值模式。其中单机均摊模式下配置的阈值等同于单机能够承受的限额，</a:t>
             </a:r>
             <a:r>
               <a:rPr lang="en-US" altLang="zh-CN" sz="1200" b="0" i="0" kern="1200" dirty="0">
@@ -3900,7 +3737,7 @@
                 <a:ea typeface="+mn-ea"/>
                 <a:cs typeface="+mn-cs"/>
               </a:rPr>
-              <a:t> </a:t>
+              <a:t>token server </a:t>
             </a:r>
             <a:r>
               <a:rPr lang="zh-CN" altLang="en-US" sz="1200" b="0" i="0" kern="1200" dirty="0">
@@ -3912,7 +3749,7 @@
                 <a:ea typeface="+mn-ea"/>
                 <a:cs typeface="+mn-cs"/>
               </a:rPr>
-              <a:t>中的 </a:t>
+              <a:t>会根据客户端对应的 </a:t>
             </a:r>
             <a:r>
               <a:rPr lang="en-US" altLang="zh-CN" sz="1200" b="0" i="0" kern="1200" dirty="0">
@@ -3924,7 +3761,7 @@
                 <a:ea typeface="+mn-ea"/>
                 <a:cs typeface="+mn-cs"/>
               </a:rPr>
-              <a:t>count</a:t>
+              <a:t>namespace</a:t>
             </a:r>
             <a:r>
               <a:rPr lang="zh-CN" altLang="en-US" sz="1200" b="0" i="0" kern="1200" dirty="0">
@@ -3936,19 +3773,7 @@
                 <a:ea typeface="+mn-ea"/>
                 <a:cs typeface="+mn-cs"/>
               </a:rPr>
-              <a:t>，以 </a:t>
-            </a:r>
-            <a:r>
-              <a:rPr lang="en-US" altLang="zh-CN" sz="1200" b="0" i="0" kern="1200" dirty="0" err="1">
-                <a:solidFill>
-                  <a:schemeClr val="tx1"/>
-                </a:solidFill>
-                <a:effectLst/>
-                <a:latin typeface="+mn-lt"/>
-                <a:ea typeface="+mn-ea"/>
-                <a:cs typeface="+mn-cs"/>
-              </a:rPr>
-              <a:t>ms</a:t>
+              <a:t>（默认为 </a:t>
             </a:r>
             <a:r>
               <a:rPr lang="en-US" altLang="zh-CN" sz="1200" b="0" i="0" kern="1200" dirty="0">
@@ -3960,7 +3785,7 @@
                 <a:ea typeface="+mn-ea"/>
                 <a:cs typeface="+mn-cs"/>
               </a:rPr>
-              <a:t> </a:t>
+              <a:t>project.name </a:t>
             </a:r>
             <a:r>
               <a:rPr lang="zh-CN" altLang="en-US" sz="1200" b="0" i="0" kern="1200" dirty="0">
@@ -3972,570 +3797,18 @@
                 <a:ea typeface="+mn-ea"/>
                 <a:cs typeface="+mn-cs"/>
               </a:rPr>
-              <a:t>为单位）之后，资源进入准降级状态。接下来如果持续进入 </a:t>
-            </a:r>
-            <a:r>
-              <a:rPr lang="en-US" altLang="zh-CN" sz="1200" b="0" i="0" kern="1200" dirty="0">
-                <a:solidFill>
-                  <a:schemeClr val="tx1"/>
-                </a:solidFill>
-                <a:effectLst/>
-                <a:latin typeface="+mn-lt"/>
-                <a:ea typeface="+mn-ea"/>
-                <a:cs typeface="+mn-cs"/>
-              </a:rPr>
-              <a:t>5 </a:t>
-            </a:r>
-            <a:r>
-              <a:rPr lang="zh-CN" altLang="en-US" sz="1200" b="0" i="0" kern="1200" dirty="0">
-                <a:solidFill>
-                  <a:schemeClr val="tx1"/>
-                </a:solidFill>
-                <a:effectLst/>
-                <a:latin typeface="+mn-lt"/>
-                <a:ea typeface="+mn-ea"/>
-                <a:cs typeface="+mn-cs"/>
-              </a:rPr>
-              <a:t>个请求，它们的 </a:t>
-            </a:r>
-            <a:r>
-              <a:rPr lang="en-US" altLang="zh-CN" sz="1200" b="0" i="0" kern="1200" dirty="0">
-                <a:solidFill>
-                  <a:schemeClr val="tx1"/>
-                </a:solidFill>
-                <a:effectLst/>
-                <a:latin typeface="+mn-lt"/>
-                <a:ea typeface="+mn-ea"/>
-                <a:cs typeface="+mn-cs"/>
-              </a:rPr>
-              <a:t>RT </a:t>
-            </a:r>
-            <a:r>
-              <a:rPr lang="zh-CN" altLang="en-US" sz="1200" b="0" i="0" kern="1200" dirty="0">
-                <a:solidFill>
-                  <a:schemeClr val="tx1"/>
-                </a:solidFill>
-                <a:effectLst/>
-                <a:latin typeface="+mn-lt"/>
-                <a:ea typeface="+mn-ea"/>
-                <a:cs typeface="+mn-cs"/>
-              </a:rPr>
-              <a:t>都持续超过这个阈值，那么在接下的时间窗口（</a:t>
-            </a:r>
-            <a:r>
-              <a:rPr lang="en-US" altLang="zh-CN" sz="1200" b="0" i="0" kern="1200" dirty="0" err="1">
-                <a:solidFill>
-                  <a:schemeClr val="tx1"/>
-                </a:solidFill>
-                <a:effectLst/>
-                <a:latin typeface="+mn-lt"/>
-                <a:ea typeface="+mn-ea"/>
-                <a:cs typeface="+mn-cs"/>
-              </a:rPr>
-              <a:t>DegradeRule</a:t>
-            </a:r>
-            <a:r>
-              <a:rPr lang="en-US" altLang="zh-CN" sz="1200" b="0" i="0" kern="1200" dirty="0">
-                <a:solidFill>
-                  <a:schemeClr val="tx1"/>
-                </a:solidFill>
-                <a:effectLst/>
-                <a:latin typeface="+mn-lt"/>
-                <a:ea typeface="+mn-ea"/>
-                <a:cs typeface="+mn-cs"/>
-              </a:rPr>
-              <a:t> </a:t>
-            </a:r>
-            <a:r>
-              <a:rPr lang="zh-CN" altLang="en-US" sz="1200" b="0" i="0" kern="1200" dirty="0">
-                <a:solidFill>
-                  <a:schemeClr val="tx1"/>
-                </a:solidFill>
-                <a:effectLst/>
-                <a:latin typeface="+mn-lt"/>
-                <a:ea typeface="+mn-ea"/>
-                <a:cs typeface="+mn-cs"/>
-              </a:rPr>
-              <a:t>中的 </a:t>
-            </a:r>
-            <a:r>
-              <a:rPr lang="en-US" altLang="zh-CN" sz="1200" b="0" i="0" kern="1200" dirty="0" err="1">
-                <a:solidFill>
-                  <a:schemeClr val="tx1"/>
-                </a:solidFill>
-                <a:effectLst/>
-                <a:latin typeface="+mn-lt"/>
-                <a:ea typeface="+mn-ea"/>
-                <a:cs typeface="+mn-cs"/>
-              </a:rPr>
-              <a:t>timeWindow</a:t>
-            </a:r>
-            <a:r>
-              <a:rPr lang="zh-CN" altLang="en-US" sz="1200" b="0" i="0" kern="1200" dirty="0">
-                <a:solidFill>
-                  <a:schemeClr val="tx1"/>
-                </a:solidFill>
-                <a:effectLst/>
-                <a:latin typeface="+mn-lt"/>
-                <a:ea typeface="+mn-ea"/>
-                <a:cs typeface="+mn-cs"/>
-              </a:rPr>
-              <a:t>，以 </a:t>
-            </a:r>
-            <a:r>
-              <a:rPr lang="en-US" altLang="zh-CN" sz="1200" b="0" i="0" kern="1200" dirty="0">
-                <a:solidFill>
-                  <a:schemeClr val="tx1"/>
-                </a:solidFill>
-                <a:effectLst/>
-                <a:latin typeface="+mn-lt"/>
-                <a:ea typeface="+mn-ea"/>
-                <a:cs typeface="+mn-cs"/>
-              </a:rPr>
-              <a:t>s </a:t>
-            </a:r>
-            <a:r>
-              <a:rPr lang="zh-CN" altLang="en-US" sz="1200" b="0" i="0" kern="1200" dirty="0">
-                <a:solidFill>
-                  <a:schemeClr val="tx1"/>
-                </a:solidFill>
-                <a:effectLst/>
-                <a:latin typeface="+mn-lt"/>
-                <a:ea typeface="+mn-ea"/>
-                <a:cs typeface="+mn-cs"/>
-              </a:rPr>
-              <a:t>为单位）之内，对这个方法的调用都会自动地返回（抛出 </a:t>
-            </a:r>
-            <a:r>
-              <a:rPr lang="en-US" altLang="zh-CN" sz="1200" b="0" i="0" kern="1200" dirty="0" err="1">
-                <a:solidFill>
-                  <a:schemeClr val="tx1"/>
-                </a:solidFill>
-                <a:effectLst/>
-                <a:latin typeface="+mn-lt"/>
-                <a:ea typeface="+mn-ea"/>
-                <a:cs typeface="+mn-cs"/>
-              </a:rPr>
-              <a:t>DegradeException</a:t>
-            </a:r>
-            <a:r>
-              <a:rPr lang="zh-CN" altLang="en-US" sz="1200" b="0" i="0" kern="1200" dirty="0">
-                <a:solidFill>
-                  <a:schemeClr val="tx1"/>
-                </a:solidFill>
-                <a:effectLst/>
-                <a:latin typeface="+mn-lt"/>
-                <a:ea typeface="+mn-ea"/>
-                <a:cs typeface="+mn-cs"/>
-              </a:rPr>
-              <a:t>）。</a:t>
-            </a:r>
-          </a:p>
-          <a:p>
-            <a:r>
-              <a:rPr lang="zh-CN" altLang="en-US" sz="1200" b="0" i="0" kern="1200" dirty="0">
-                <a:solidFill>
-                  <a:schemeClr val="tx1"/>
-                </a:solidFill>
-                <a:effectLst/>
-                <a:latin typeface="+mn-lt"/>
-                <a:ea typeface="+mn-ea"/>
-                <a:cs typeface="+mn-cs"/>
-              </a:rPr>
-              <a:t>如 </a:t>
-            </a:r>
-            <a:r>
-              <a:rPr lang="en-US" altLang="zh-CN" sz="1200" b="0" i="0" u="none" strike="noStrike" kern="1200" dirty="0">
-                <a:solidFill>
-                  <a:schemeClr val="tx1"/>
-                </a:solidFill>
-                <a:effectLst/>
-                <a:latin typeface="+mn-lt"/>
-                <a:ea typeface="+mn-ea"/>
-                <a:cs typeface="+mn-cs"/>
-                <a:hlinkClick r:id="rId3"/>
-              </a:rPr>
-              <a:t>RT Degrade demo</a:t>
-            </a:r>
-            <a:r>
-              <a:rPr lang="zh-CN" altLang="en-US" sz="1200" b="0" i="0" kern="1200" dirty="0">
-                <a:solidFill>
-                  <a:schemeClr val="tx1"/>
-                </a:solidFill>
-                <a:effectLst/>
-                <a:latin typeface="+mn-lt"/>
-                <a:ea typeface="+mn-ea"/>
-                <a:cs typeface="+mn-cs"/>
-              </a:rPr>
-              <a:t> 所示，一个资源每次需要 </a:t>
-            </a:r>
-            <a:r>
-              <a:rPr lang="en-US" altLang="zh-CN" sz="1200" b="0" i="0" kern="1200" dirty="0">
-                <a:solidFill>
-                  <a:schemeClr val="tx1"/>
-                </a:solidFill>
-                <a:effectLst/>
-                <a:latin typeface="+mn-lt"/>
-                <a:ea typeface="+mn-ea"/>
-                <a:cs typeface="+mn-cs"/>
-              </a:rPr>
-              <a:t>500 </a:t>
-            </a:r>
-            <a:r>
-              <a:rPr lang="en-US" altLang="zh-CN" sz="1200" b="0" i="0" kern="1200" dirty="0" err="1">
-                <a:solidFill>
-                  <a:schemeClr val="tx1"/>
-                </a:solidFill>
-                <a:effectLst/>
-                <a:latin typeface="+mn-lt"/>
-                <a:ea typeface="+mn-ea"/>
-                <a:cs typeface="+mn-cs"/>
-              </a:rPr>
-              <a:t>ms</a:t>
-            </a:r>
-            <a:r>
-              <a:rPr lang="zh-CN" altLang="en-US" sz="1200" b="0" i="0" kern="1200" dirty="0">
-                <a:solidFill>
-                  <a:schemeClr val="tx1"/>
-                </a:solidFill>
-                <a:effectLst/>
-                <a:latin typeface="+mn-lt"/>
-                <a:ea typeface="+mn-ea"/>
-                <a:cs typeface="+mn-cs"/>
-              </a:rPr>
-              <a:t>。那么观察这个例子的结果，发现每过 </a:t>
-            </a:r>
-            <a:r>
-              <a:rPr lang="en-US" altLang="zh-CN" sz="1200" b="0" i="0" kern="1200" dirty="0">
-                <a:solidFill>
-                  <a:schemeClr val="tx1"/>
-                </a:solidFill>
-                <a:effectLst/>
-                <a:latin typeface="+mn-lt"/>
-                <a:ea typeface="+mn-ea"/>
-                <a:cs typeface="+mn-cs"/>
-              </a:rPr>
-              <a:t>10 </a:t>
-            </a:r>
-            <a:r>
-              <a:rPr lang="zh-CN" altLang="en-US" sz="1200" b="0" i="0" kern="1200" dirty="0">
-                <a:solidFill>
-                  <a:schemeClr val="tx1"/>
-                </a:solidFill>
-                <a:effectLst/>
-                <a:latin typeface="+mn-lt"/>
-                <a:ea typeface="+mn-ea"/>
-                <a:cs typeface="+mn-cs"/>
-              </a:rPr>
-              <a:t>秒，就会恢复对该资源的调用，但是很快这个资源又会被降级（平均响应时间仍然不满足需求）。</a:t>
-            </a:r>
-          </a:p>
-          <a:p>
-            <a:pPr marL="171450" indent="-171450">
-              <a:buFont typeface="Arial" panose="020B0604020202020204" pitchFamily="34" charset="0"/>
-              <a:buChar char="•"/>
-            </a:pPr>
-            <a:r>
-              <a:rPr lang="zh-CN" altLang="en-US" sz="1200" b="0" i="0" kern="1200" dirty="0">
-                <a:solidFill>
-                  <a:schemeClr val="tx1"/>
-                </a:solidFill>
-                <a:effectLst/>
-                <a:latin typeface="+mn-lt"/>
-                <a:ea typeface="+mn-ea"/>
-                <a:cs typeface="+mn-cs"/>
-              </a:rPr>
-              <a:t>异常比例 </a:t>
-            </a:r>
-            <a:r>
-              <a:rPr lang="en-US" altLang="zh-CN" sz="1200" b="0" i="0" kern="1200" dirty="0">
-                <a:solidFill>
-                  <a:schemeClr val="tx1"/>
-                </a:solidFill>
-                <a:effectLst/>
-                <a:latin typeface="+mn-lt"/>
-                <a:ea typeface="+mn-ea"/>
-                <a:cs typeface="+mn-cs"/>
-              </a:rPr>
-              <a:t>(DEGRADE_GRADE_EXCEPTION_RATIO)</a:t>
-            </a:r>
-            <a:r>
-              <a:rPr lang="zh-CN" altLang="en-US" sz="1200" b="0" i="0" kern="1200" dirty="0">
-                <a:solidFill>
-                  <a:schemeClr val="tx1"/>
-                </a:solidFill>
-                <a:effectLst/>
-                <a:latin typeface="+mn-lt"/>
-                <a:ea typeface="+mn-ea"/>
-                <a:cs typeface="+mn-cs"/>
-              </a:rPr>
-              <a:t>：当资源的每秒异常总数占通过量的比值超过阈值（</a:t>
-            </a:r>
-            <a:r>
-              <a:rPr lang="en-US" altLang="zh-CN" sz="1200" b="0" i="0" kern="1200" dirty="0" err="1">
-                <a:solidFill>
-                  <a:schemeClr val="tx1"/>
-                </a:solidFill>
-                <a:effectLst/>
-                <a:latin typeface="+mn-lt"/>
-                <a:ea typeface="+mn-ea"/>
-                <a:cs typeface="+mn-cs"/>
-              </a:rPr>
-              <a:t>DegradeRule</a:t>
-            </a:r>
-            <a:r>
-              <a:rPr lang="en-US" altLang="zh-CN" sz="1200" b="0" i="0" kern="1200" dirty="0">
-                <a:solidFill>
-                  <a:schemeClr val="tx1"/>
-                </a:solidFill>
-                <a:effectLst/>
-                <a:latin typeface="+mn-lt"/>
-                <a:ea typeface="+mn-ea"/>
-                <a:cs typeface="+mn-cs"/>
-              </a:rPr>
-              <a:t> </a:t>
-            </a:r>
-            <a:r>
-              <a:rPr lang="zh-CN" altLang="en-US" sz="1200" b="0" i="0" kern="1200" dirty="0">
-                <a:solidFill>
-                  <a:schemeClr val="tx1"/>
-                </a:solidFill>
-                <a:effectLst/>
-                <a:latin typeface="+mn-lt"/>
-                <a:ea typeface="+mn-ea"/>
-                <a:cs typeface="+mn-cs"/>
-              </a:rPr>
-              <a:t>中的 </a:t>
-            </a:r>
-            <a:r>
-              <a:rPr lang="en-US" altLang="zh-CN" sz="1200" b="0" i="0" kern="1200" dirty="0">
-                <a:solidFill>
-                  <a:schemeClr val="tx1"/>
-                </a:solidFill>
-                <a:effectLst/>
-                <a:latin typeface="+mn-lt"/>
-                <a:ea typeface="+mn-ea"/>
-                <a:cs typeface="+mn-cs"/>
-              </a:rPr>
-              <a:t>count</a:t>
-            </a:r>
-            <a:r>
-              <a:rPr lang="zh-CN" altLang="en-US" sz="1200" b="0" i="0" kern="1200" dirty="0">
-                <a:solidFill>
-                  <a:schemeClr val="tx1"/>
-                </a:solidFill>
-                <a:effectLst/>
-                <a:latin typeface="+mn-lt"/>
-                <a:ea typeface="+mn-ea"/>
-                <a:cs typeface="+mn-cs"/>
-              </a:rPr>
-              <a:t>）之后，资源进入降级状态，即在接下的时间窗口（</a:t>
-            </a:r>
-            <a:r>
-              <a:rPr lang="en-US" altLang="zh-CN" sz="1200" b="0" i="0" kern="1200" dirty="0" err="1">
-                <a:solidFill>
-                  <a:schemeClr val="tx1"/>
-                </a:solidFill>
-                <a:effectLst/>
-                <a:latin typeface="+mn-lt"/>
-                <a:ea typeface="+mn-ea"/>
-                <a:cs typeface="+mn-cs"/>
-              </a:rPr>
-              <a:t>DegradeRule</a:t>
-            </a:r>
-            <a:r>
-              <a:rPr lang="zh-CN" altLang="en-US" sz="1200" b="0" i="0" kern="1200" dirty="0">
-                <a:solidFill>
-                  <a:schemeClr val="tx1"/>
-                </a:solidFill>
-                <a:effectLst/>
-                <a:latin typeface="+mn-lt"/>
-                <a:ea typeface="+mn-ea"/>
-                <a:cs typeface="+mn-cs"/>
-              </a:rPr>
-              <a:t>中的 </a:t>
-            </a:r>
-            <a:r>
-              <a:rPr lang="en-US" altLang="zh-CN" sz="1200" b="0" i="0" kern="1200" dirty="0" err="1">
-                <a:solidFill>
-                  <a:schemeClr val="tx1"/>
-                </a:solidFill>
-                <a:effectLst/>
-                <a:latin typeface="+mn-lt"/>
-                <a:ea typeface="+mn-ea"/>
-                <a:cs typeface="+mn-cs"/>
-              </a:rPr>
-              <a:t>timeWindow</a:t>
-            </a:r>
-            <a:r>
-              <a:rPr lang="zh-CN" altLang="en-US" sz="1200" b="0" i="0" kern="1200" dirty="0">
-                <a:solidFill>
-                  <a:schemeClr val="tx1"/>
-                </a:solidFill>
-                <a:effectLst/>
-                <a:latin typeface="+mn-lt"/>
-                <a:ea typeface="+mn-ea"/>
-                <a:cs typeface="+mn-cs"/>
-              </a:rPr>
-              <a:t>，以 </a:t>
-            </a:r>
-            <a:r>
-              <a:rPr lang="en-US" altLang="zh-CN" sz="1200" b="0" i="0" kern="1200" dirty="0">
-                <a:solidFill>
-                  <a:schemeClr val="tx1"/>
-                </a:solidFill>
-                <a:effectLst/>
-                <a:latin typeface="+mn-lt"/>
-                <a:ea typeface="+mn-ea"/>
-                <a:cs typeface="+mn-cs"/>
-              </a:rPr>
-              <a:t>s </a:t>
-            </a:r>
-            <a:r>
-              <a:rPr lang="zh-CN" altLang="en-US" sz="1200" b="0" i="0" kern="1200" dirty="0">
-                <a:solidFill>
-                  <a:schemeClr val="tx1"/>
-                </a:solidFill>
-                <a:effectLst/>
-                <a:latin typeface="+mn-lt"/>
-                <a:ea typeface="+mn-ea"/>
-                <a:cs typeface="+mn-cs"/>
-              </a:rPr>
-              <a:t>为单位）之内，对这个方法的调用都会自动地返回。异常比率的阈值范围是 </a:t>
-            </a:r>
-            <a:r>
-              <a:rPr lang="en-US" altLang="zh-CN" sz="1200" b="0" i="0" kern="1200" dirty="0">
-                <a:solidFill>
-                  <a:schemeClr val="tx1"/>
-                </a:solidFill>
-                <a:effectLst/>
-                <a:latin typeface="+mn-lt"/>
-                <a:ea typeface="+mn-ea"/>
-                <a:cs typeface="+mn-cs"/>
-              </a:rPr>
-              <a:t>[0.0, 1.0]</a:t>
-            </a:r>
-            <a:r>
-              <a:rPr lang="zh-CN" altLang="en-US" sz="1200" b="0" i="0" kern="1200" dirty="0">
-                <a:solidFill>
-                  <a:schemeClr val="tx1"/>
-                </a:solidFill>
-                <a:effectLst/>
-                <a:latin typeface="+mn-lt"/>
-                <a:ea typeface="+mn-ea"/>
-                <a:cs typeface="+mn-cs"/>
-              </a:rPr>
-              <a:t>，代表 </a:t>
-            </a:r>
-            <a:r>
-              <a:rPr lang="en-US" altLang="zh-CN" sz="1200" b="0" i="0" kern="1200" dirty="0">
-                <a:solidFill>
-                  <a:schemeClr val="tx1"/>
-                </a:solidFill>
-                <a:effectLst/>
-                <a:latin typeface="+mn-lt"/>
-                <a:ea typeface="+mn-ea"/>
-                <a:cs typeface="+mn-cs"/>
-              </a:rPr>
-              <a:t>0% - 100%</a:t>
-            </a:r>
-            <a:r>
-              <a:rPr lang="zh-CN" altLang="en-US" sz="1200" b="0" i="0" kern="1200" dirty="0">
-                <a:solidFill>
-                  <a:schemeClr val="tx1"/>
-                </a:solidFill>
-                <a:effectLst/>
-                <a:latin typeface="+mn-lt"/>
-                <a:ea typeface="+mn-ea"/>
-                <a:cs typeface="+mn-cs"/>
-              </a:rPr>
-              <a:t>。</a:t>
-            </a:r>
-          </a:p>
-          <a:p>
-            <a:pPr marL="171450" indent="-171450">
-              <a:buFont typeface="Arial" panose="020B0604020202020204" pitchFamily="34" charset="0"/>
-              <a:buChar char="•"/>
-            </a:pPr>
-            <a:r>
-              <a:rPr lang="en-US" altLang="zh-CN" sz="1200" b="0" i="0" kern="1200" dirty="0">
-                <a:solidFill>
-                  <a:schemeClr val="tx1"/>
-                </a:solidFill>
-                <a:effectLst/>
-                <a:latin typeface="+mn-lt"/>
-                <a:ea typeface="+mn-ea"/>
-                <a:cs typeface="+mn-cs"/>
-              </a:rPr>
-              <a:t>3</a:t>
-            </a:r>
-            <a:r>
-              <a:rPr lang="zh-CN" altLang="en-US" sz="1200" b="0" i="0" kern="1200" dirty="0">
-                <a:solidFill>
-                  <a:schemeClr val="tx1"/>
-                </a:solidFill>
-                <a:effectLst/>
-                <a:latin typeface="+mn-lt"/>
-                <a:ea typeface="+mn-ea"/>
-                <a:cs typeface="+mn-cs"/>
-              </a:rPr>
-              <a:t>异常数 </a:t>
-            </a:r>
-            <a:r>
-              <a:rPr lang="en-US" altLang="zh-CN" sz="1200" b="0" i="0" kern="1200" dirty="0">
-                <a:solidFill>
-                  <a:schemeClr val="tx1"/>
-                </a:solidFill>
-                <a:effectLst/>
-                <a:latin typeface="+mn-lt"/>
-                <a:ea typeface="+mn-ea"/>
-                <a:cs typeface="+mn-cs"/>
-              </a:rPr>
-              <a:t>(DEGRADE_GRADE_EXCEPTION_COUNT)</a:t>
-            </a:r>
-            <a:r>
-              <a:rPr lang="zh-CN" altLang="en-US" sz="1200" b="0" i="0" kern="1200" dirty="0">
-                <a:solidFill>
-                  <a:schemeClr val="tx1"/>
-                </a:solidFill>
-                <a:effectLst/>
-                <a:latin typeface="+mn-lt"/>
-                <a:ea typeface="+mn-ea"/>
-                <a:cs typeface="+mn-cs"/>
-              </a:rPr>
-              <a:t>：当资源近 </a:t>
-            </a:r>
-            <a:r>
-              <a:rPr lang="en-US" altLang="zh-CN" sz="1200" b="0" i="0" kern="1200" dirty="0">
-                <a:solidFill>
-                  <a:schemeClr val="tx1"/>
-                </a:solidFill>
-                <a:effectLst/>
-                <a:latin typeface="+mn-lt"/>
-                <a:ea typeface="+mn-ea"/>
-                <a:cs typeface="+mn-cs"/>
-              </a:rPr>
-              <a:t>1 </a:t>
-            </a:r>
-            <a:r>
-              <a:rPr lang="zh-CN" altLang="en-US" sz="1200" b="0" i="0" kern="1200" dirty="0">
-                <a:solidFill>
-                  <a:schemeClr val="tx1"/>
-                </a:solidFill>
-                <a:effectLst/>
-                <a:latin typeface="+mn-lt"/>
-                <a:ea typeface="+mn-ea"/>
-                <a:cs typeface="+mn-cs"/>
-              </a:rPr>
-              <a:t>分钟的异常数目超过阈值之后会进行熔断。</a:t>
-            </a:r>
+              <a:t>定义的应用名）下的连接数来计算总的阈值；而全局模式下配置的阈值等同于整个集群的总阈值。</a:t>
+            </a:r>
+          </a:p>
+          <a:p>
+            <a:endParaRPr lang="zh-CN" altLang="en-US" sz="1200" dirty="0"/>
           </a:p>
         </p:txBody>
       </p:sp>
     </p:spTree>
     <p:extLst>
       <p:ext uri="{BB962C8B-B14F-4D97-AF65-F5344CB8AC3E}">
-        <p14:creationId xmlns:p14="http://schemas.microsoft.com/office/powerpoint/2010/main" val="2591490646"/>
+        <p14:creationId xmlns:p14="http://schemas.microsoft.com/office/powerpoint/2010/main" val="298347709"/>
       </p:ext>
     </p:extLst>
   </p:cSld>
@@ -4608,72 +3881,742 @@
           <a:bodyPr/>
           <a:lstStyle/>
           <a:p>
-            <a:pPr marL="0" indent="0">
-              <a:buFont typeface="Wingdings" panose="05000000000000000000" charset="0"/>
-              <a:buNone/>
+            <a:r>
+              <a:rPr lang="zh-CN" altLang="en-US" sz="1200" b="0" i="0" kern="1200" dirty="0">
+                <a:solidFill>
+                  <a:schemeClr val="tx1"/>
+                </a:solidFill>
+                <a:effectLst/>
+                <a:latin typeface="+mn-lt"/>
+                <a:ea typeface="+mn-ea"/>
+                <a:cs typeface="+mn-cs"/>
+              </a:rPr>
+              <a:t>熔断降级是指当资源处于不稳定的情况下，在接下来的时间窗口之内，对该资源的调用都自动熔断（默认行为是抛出 </a:t>
+            </a:r>
+            <a:r>
+              <a:rPr lang="en-US" altLang="zh-CN" sz="1200" b="0" i="0" kern="1200" dirty="0" err="1">
+                <a:solidFill>
+                  <a:schemeClr val="tx1"/>
+                </a:solidFill>
+                <a:effectLst/>
+                <a:latin typeface="+mn-lt"/>
+                <a:ea typeface="+mn-ea"/>
+                <a:cs typeface="+mn-cs"/>
+              </a:rPr>
+              <a:t>DegradeException</a:t>
+            </a:r>
+            <a:r>
+              <a:rPr lang="zh-CN" altLang="en-US" sz="1200" b="0" i="0" kern="1200" dirty="0">
+                <a:solidFill>
+                  <a:schemeClr val="tx1"/>
+                </a:solidFill>
+                <a:effectLst/>
+                <a:latin typeface="+mn-lt"/>
+                <a:ea typeface="+mn-ea"/>
+                <a:cs typeface="+mn-cs"/>
+              </a:rPr>
+              <a:t>）。我们通常用两种方式来衡量资源是否处于稳定的状态：</a:t>
+            </a:r>
+          </a:p>
+          <a:p>
+            <a:pPr marL="171450" indent="-171450">
+              <a:buFont typeface="Arial" panose="020B0604020202020204" pitchFamily="34" charset="0"/>
+              <a:buChar char="•"/>
             </a:pPr>
             <a:r>
-              <a:rPr lang="zh-CN" altLang="en-US" sz="1200" dirty="0"/>
-              <a:t>系统负载保护的目的：</a:t>
-            </a:r>
-          </a:p>
-          <a:p>
-            <a:pPr marL="285750" indent="-285750">
-              <a:buFont typeface="Wingdings" panose="05000000000000000000" charset="0"/>
-              <a:buChar char="l"/>
+              <a:rPr lang="zh-CN" altLang="en-US" sz="1200" b="0" i="0" kern="1200" dirty="0">
+                <a:solidFill>
+                  <a:schemeClr val="tx1"/>
+                </a:solidFill>
+                <a:effectLst/>
+                <a:latin typeface="+mn-lt"/>
+                <a:ea typeface="+mn-ea"/>
+                <a:cs typeface="+mn-cs"/>
+              </a:rPr>
+              <a:t>平均响应时间 </a:t>
+            </a:r>
+            <a:r>
+              <a:rPr lang="en-US" altLang="zh-CN" sz="1200" b="0" i="0" kern="1200" dirty="0">
+                <a:solidFill>
+                  <a:schemeClr val="tx1"/>
+                </a:solidFill>
+                <a:effectLst/>
+                <a:latin typeface="+mn-lt"/>
+                <a:ea typeface="+mn-ea"/>
+                <a:cs typeface="+mn-cs"/>
+              </a:rPr>
+              <a:t>(DEGRADE_GRADE_RT)</a:t>
+            </a:r>
+            <a:r>
+              <a:rPr lang="zh-CN" altLang="en-US" sz="1200" b="0" i="0" kern="1200" dirty="0">
+                <a:solidFill>
+                  <a:schemeClr val="tx1"/>
+                </a:solidFill>
+                <a:effectLst/>
+                <a:latin typeface="+mn-lt"/>
+                <a:ea typeface="+mn-ea"/>
+                <a:cs typeface="+mn-cs"/>
+              </a:rPr>
+              <a:t>：当资源的平均响应时间超过阈值（</a:t>
+            </a:r>
+            <a:r>
+              <a:rPr lang="en-US" altLang="zh-CN" sz="1200" b="0" i="0" kern="1200" dirty="0" err="1">
+                <a:solidFill>
+                  <a:schemeClr val="tx1"/>
+                </a:solidFill>
+                <a:effectLst/>
+                <a:latin typeface="+mn-lt"/>
+                <a:ea typeface="+mn-ea"/>
+                <a:cs typeface="+mn-cs"/>
+              </a:rPr>
+              <a:t>DegradeRule</a:t>
+            </a:r>
+            <a:r>
+              <a:rPr lang="en-US" altLang="zh-CN" sz="1200" b="0" i="0" kern="1200" dirty="0">
+                <a:solidFill>
+                  <a:schemeClr val="tx1"/>
+                </a:solidFill>
+                <a:effectLst/>
+                <a:latin typeface="+mn-lt"/>
+                <a:ea typeface="+mn-ea"/>
+                <a:cs typeface="+mn-cs"/>
+              </a:rPr>
+              <a:t> </a:t>
+            </a:r>
+            <a:r>
+              <a:rPr lang="zh-CN" altLang="en-US" sz="1200" b="0" i="0" kern="1200" dirty="0">
+                <a:solidFill>
+                  <a:schemeClr val="tx1"/>
+                </a:solidFill>
+                <a:effectLst/>
+                <a:latin typeface="+mn-lt"/>
+                <a:ea typeface="+mn-ea"/>
+                <a:cs typeface="+mn-cs"/>
+              </a:rPr>
+              <a:t>中的 </a:t>
+            </a:r>
+            <a:r>
+              <a:rPr lang="en-US" altLang="zh-CN" sz="1200" b="0" i="0" kern="1200" dirty="0">
+                <a:solidFill>
+                  <a:schemeClr val="tx1"/>
+                </a:solidFill>
+                <a:effectLst/>
+                <a:latin typeface="+mn-lt"/>
+                <a:ea typeface="+mn-ea"/>
+                <a:cs typeface="+mn-cs"/>
+              </a:rPr>
+              <a:t>count</a:t>
+            </a:r>
+            <a:r>
+              <a:rPr lang="zh-CN" altLang="en-US" sz="1200" b="0" i="0" kern="1200" dirty="0">
+                <a:solidFill>
+                  <a:schemeClr val="tx1"/>
+                </a:solidFill>
+                <a:effectLst/>
+                <a:latin typeface="+mn-lt"/>
+                <a:ea typeface="+mn-ea"/>
+                <a:cs typeface="+mn-cs"/>
+              </a:rPr>
+              <a:t>，以 </a:t>
+            </a:r>
+            <a:r>
+              <a:rPr lang="en-US" altLang="zh-CN" sz="1200" b="0" i="0" kern="1200" dirty="0" err="1">
+                <a:solidFill>
+                  <a:schemeClr val="tx1"/>
+                </a:solidFill>
+                <a:effectLst/>
+                <a:latin typeface="+mn-lt"/>
+                <a:ea typeface="+mn-ea"/>
+                <a:cs typeface="+mn-cs"/>
+              </a:rPr>
+              <a:t>ms</a:t>
+            </a:r>
+            <a:r>
+              <a:rPr lang="en-US" altLang="zh-CN" sz="1200" b="0" i="0" kern="1200" dirty="0">
+                <a:solidFill>
+                  <a:schemeClr val="tx1"/>
+                </a:solidFill>
+                <a:effectLst/>
+                <a:latin typeface="+mn-lt"/>
+                <a:ea typeface="+mn-ea"/>
+                <a:cs typeface="+mn-cs"/>
+              </a:rPr>
+              <a:t> </a:t>
+            </a:r>
+            <a:r>
+              <a:rPr lang="zh-CN" altLang="en-US" sz="1200" b="0" i="0" kern="1200" dirty="0">
+                <a:solidFill>
+                  <a:schemeClr val="tx1"/>
+                </a:solidFill>
+                <a:effectLst/>
+                <a:latin typeface="+mn-lt"/>
+                <a:ea typeface="+mn-ea"/>
+                <a:cs typeface="+mn-cs"/>
+              </a:rPr>
+              <a:t>为单位）之后，资源进入准降级状态。接下来如果持续进入 </a:t>
+            </a:r>
+            <a:r>
+              <a:rPr lang="en-US" altLang="zh-CN" sz="1200" b="0" i="0" kern="1200" dirty="0">
+                <a:solidFill>
+                  <a:schemeClr val="tx1"/>
+                </a:solidFill>
+                <a:effectLst/>
+                <a:latin typeface="+mn-lt"/>
+                <a:ea typeface="+mn-ea"/>
+                <a:cs typeface="+mn-cs"/>
+              </a:rPr>
+              <a:t>5 </a:t>
+            </a:r>
+            <a:r>
+              <a:rPr lang="zh-CN" altLang="en-US" sz="1200" b="0" i="0" kern="1200" dirty="0">
+                <a:solidFill>
+                  <a:schemeClr val="tx1"/>
+                </a:solidFill>
+                <a:effectLst/>
+                <a:latin typeface="+mn-lt"/>
+                <a:ea typeface="+mn-ea"/>
+                <a:cs typeface="+mn-cs"/>
+              </a:rPr>
+              <a:t>个请求，它们的 </a:t>
+            </a:r>
+            <a:r>
+              <a:rPr lang="en-US" altLang="zh-CN" sz="1200" b="0" i="0" kern="1200" dirty="0">
+                <a:solidFill>
+                  <a:schemeClr val="tx1"/>
+                </a:solidFill>
+                <a:effectLst/>
+                <a:latin typeface="+mn-lt"/>
+                <a:ea typeface="+mn-ea"/>
+                <a:cs typeface="+mn-cs"/>
+              </a:rPr>
+              <a:t>RT </a:t>
+            </a:r>
+            <a:r>
+              <a:rPr lang="zh-CN" altLang="en-US" sz="1200" b="0" i="0" kern="1200" dirty="0">
+                <a:solidFill>
+                  <a:schemeClr val="tx1"/>
+                </a:solidFill>
+                <a:effectLst/>
+                <a:latin typeface="+mn-lt"/>
+                <a:ea typeface="+mn-ea"/>
+                <a:cs typeface="+mn-cs"/>
+              </a:rPr>
+              <a:t>都持续超过这个阈值，那么在接下的时间窗口（</a:t>
+            </a:r>
+            <a:r>
+              <a:rPr lang="en-US" altLang="zh-CN" sz="1200" b="0" i="0" kern="1200" dirty="0" err="1">
+                <a:solidFill>
+                  <a:schemeClr val="tx1"/>
+                </a:solidFill>
+                <a:effectLst/>
+                <a:latin typeface="+mn-lt"/>
+                <a:ea typeface="+mn-ea"/>
+                <a:cs typeface="+mn-cs"/>
+              </a:rPr>
+              <a:t>DegradeRule</a:t>
+            </a:r>
+            <a:r>
+              <a:rPr lang="en-US" altLang="zh-CN" sz="1200" b="0" i="0" kern="1200" dirty="0">
+                <a:solidFill>
+                  <a:schemeClr val="tx1"/>
+                </a:solidFill>
+                <a:effectLst/>
+                <a:latin typeface="+mn-lt"/>
+                <a:ea typeface="+mn-ea"/>
+                <a:cs typeface="+mn-cs"/>
+              </a:rPr>
+              <a:t> </a:t>
+            </a:r>
+            <a:r>
+              <a:rPr lang="zh-CN" altLang="en-US" sz="1200" b="0" i="0" kern="1200" dirty="0">
+                <a:solidFill>
+                  <a:schemeClr val="tx1"/>
+                </a:solidFill>
+                <a:effectLst/>
+                <a:latin typeface="+mn-lt"/>
+                <a:ea typeface="+mn-ea"/>
+                <a:cs typeface="+mn-cs"/>
+              </a:rPr>
+              <a:t>中的 </a:t>
+            </a:r>
+            <a:r>
+              <a:rPr lang="en-US" altLang="zh-CN" sz="1200" b="0" i="0" kern="1200" dirty="0" err="1">
+                <a:solidFill>
+                  <a:schemeClr val="tx1"/>
+                </a:solidFill>
+                <a:effectLst/>
+                <a:latin typeface="+mn-lt"/>
+                <a:ea typeface="+mn-ea"/>
+                <a:cs typeface="+mn-cs"/>
+              </a:rPr>
+              <a:t>timeWindow</a:t>
+            </a:r>
+            <a:r>
+              <a:rPr lang="zh-CN" altLang="en-US" sz="1200" b="0" i="0" kern="1200" dirty="0">
+                <a:solidFill>
+                  <a:schemeClr val="tx1"/>
+                </a:solidFill>
+                <a:effectLst/>
+                <a:latin typeface="+mn-lt"/>
+                <a:ea typeface="+mn-ea"/>
+                <a:cs typeface="+mn-cs"/>
+              </a:rPr>
+              <a:t>，以 </a:t>
+            </a:r>
+            <a:r>
+              <a:rPr lang="en-US" altLang="zh-CN" sz="1200" b="0" i="0" kern="1200" dirty="0">
+                <a:solidFill>
+                  <a:schemeClr val="tx1"/>
+                </a:solidFill>
+                <a:effectLst/>
+                <a:latin typeface="+mn-lt"/>
+                <a:ea typeface="+mn-ea"/>
+                <a:cs typeface="+mn-cs"/>
+              </a:rPr>
+              <a:t>s </a:t>
+            </a:r>
+            <a:r>
+              <a:rPr lang="zh-CN" altLang="en-US" sz="1200" b="0" i="0" kern="1200" dirty="0">
+                <a:solidFill>
+                  <a:schemeClr val="tx1"/>
+                </a:solidFill>
+                <a:effectLst/>
+                <a:latin typeface="+mn-lt"/>
+                <a:ea typeface="+mn-ea"/>
+                <a:cs typeface="+mn-cs"/>
+              </a:rPr>
+              <a:t>为单位）之内，对这个方法的调用都会自动地返回（抛出 </a:t>
+            </a:r>
+            <a:r>
+              <a:rPr lang="en-US" altLang="zh-CN" sz="1200" b="0" i="0" kern="1200" dirty="0" err="1">
+                <a:solidFill>
+                  <a:schemeClr val="tx1"/>
+                </a:solidFill>
+                <a:effectLst/>
+                <a:latin typeface="+mn-lt"/>
+                <a:ea typeface="+mn-ea"/>
+                <a:cs typeface="+mn-cs"/>
+              </a:rPr>
+              <a:t>DegradeException</a:t>
+            </a:r>
+            <a:r>
+              <a:rPr lang="zh-CN" altLang="en-US" sz="1200" b="0" i="0" kern="1200" dirty="0">
+                <a:solidFill>
+                  <a:schemeClr val="tx1"/>
+                </a:solidFill>
+                <a:effectLst/>
+                <a:latin typeface="+mn-lt"/>
+                <a:ea typeface="+mn-ea"/>
+                <a:cs typeface="+mn-cs"/>
+              </a:rPr>
+              <a:t>）。</a:t>
+            </a:r>
+          </a:p>
+          <a:p>
+            <a:r>
+              <a:rPr lang="zh-CN" altLang="en-US" sz="1200" b="0" i="0" kern="1200" dirty="0">
+                <a:solidFill>
+                  <a:schemeClr val="tx1"/>
+                </a:solidFill>
+                <a:effectLst/>
+                <a:latin typeface="+mn-lt"/>
+                <a:ea typeface="+mn-ea"/>
+                <a:cs typeface="+mn-cs"/>
+              </a:rPr>
+              <a:t>如 </a:t>
+            </a:r>
+            <a:r>
+              <a:rPr lang="en-US" altLang="zh-CN" sz="1200" b="0" i="0" u="none" strike="noStrike" kern="1200" dirty="0">
+                <a:solidFill>
+                  <a:schemeClr val="tx1"/>
+                </a:solidFill>
+                <a:effectLst/>
+                <a:latin typeface="+mn-lt"/>
+                <a:ea typeface="+mn-ea"/>
+                <a:cs typeface="+mn-cs"/>
+                <a:hlinkClick r:id="rId3"/>
+              </a:rPr>
+              <a:t>RT Degrade demo</a:t>
+            </a:r>
+            <a:r>
+              <a:rPr lang="zh-CN" altLang="en-US" sz="1200" b="0" i="0" kern="1200" dirty="0">
+                <a:solidFill>
+                  <a:schemeClr val="tx1"/>
+                </a:solidFill>
+                <a:effectLst/>
+                <a:latin typeface="+mn-lt"/>
+                <a:ea typeface="+mn-ea"/>
+                <a:cs typeface="+mn-cs"/>
+              </a:rPr>
+              <a:t> 所示，一个资源每次需要 </a:t>
+            </a:r>
+            <a:r>
+              <a:rPr lang="en-US" altLang="zh-CN" sz="1200" b="0" i="0" kern="1200" dirty="0">
+                <a:solidFill>
+                  <a:schemeClr val="tx1"/>
+                </a:solidFill>
+                <a:effectLst/>
+                <a:latin typeface="+mn-lt"/>
+                <a:ea typeface="+mn-ea"/>
+                <a:cs typeface="+mn-cs"/>
+              </a:rPr>
+              <a:t>500 </a:t>
+            </a:r>
+            <a:r>
+              <a:rPr lang="en-US" altLang="zh-CN" sz="1200" b="0" i="0" kern="1200" dirty="0" err="1">
+                <a:solidFill>
+                  <a:schemeClr val="tx1"/>
+                </a:solidFill>
+                <a:effectLst/>
+                <a:latin typeface="+mn-lt"/>
+                <a:ea typeface="+mn-ea"/>
+                <a:cs typeface="+mn-cs"/>
+              </a:rPr>
+              <a:t>ms</a:t>
+            </a:r>
+            <a:r>
+              <a:rPr lang="zh-CN" altLang="en-US" sz="1200" b="0" i="0" kern="1200" dirty="0">
+                <a:solidFill>
+                  <a:schemeClr val="tx1"/>
+                </a:solidFill>
+                <a:effectLst/>
+                <a:latin typeface="+mn-lt"/>
+                <a:ea typeface="+mn-ea"/>
+                <a:cs typeface="+mn-cs"/>
+              </a:rPr>
+              <a:t>。那么观察这个例子的结果，发现每过 </a:t>
+            </a:r>
+            <a:r>
+              <a:rPr lang="en-US" altLang="zh-CN" sz="1200" b="0" i="0" kern="1200" dirty="0">
+                <a:solidFill>
+                  <a:schemeClr val="tx1"/>
+                </a:solidFill>
+                <a:effectLst/>
+                <a:latin typeface="+mn-lt"/>
+                <a:ea typeface="+mn-ea"/>
+                <a:cs typeface="+mn-cs"/>
+              </a:rPr>
+              <a:t>10 </a:t>
+            </a:r>
+            <a:r>
+              <a:rPr lang="zh-CN" altLang="en-US" sz="1200" b="0" i="0" kern="1200" dirty="0">
+                <a:solidFill>
+                  <a:schemeClr val="tx1"/>
+                </a:solidFill>
+                <a:effectLst/>
+                <a:latin typeface="+mn-lt"/>
+                <a:ea typeface="+mn-ea"/>
+                <a:cs typeface="+mn-cs"/>
+              </a:rPr>
+              <a:t>秒，就会恢复对该资源的调用，但是很快这个资源又会被降级（平均响应时间仍然不满足需求）。</a:t>
+            </a:r>
+          </a:p>
+          <a:p>
+            <a:pPr marL="171450" indent="-171450">
+              <a:buFont typeface="Arial" panose="020B0604020202020204" pitchFamily="34" charset="0"/>
+              <a:buChar char="•"/>
             </a:pPr>
             <a:r>
-              <a:rPr lang="zh-CN" altLang="en-US" sz="1200" dirty="0"/>
-              <a:t>保证系统不被拖垮</a:t>
-            </a:r>
-          </a:p>
-          <a:p>
-            <a:pPr marL="285750" indent="-285750">
-              <a:buFont typeface="Wingdings" panose="05000000000000000000" charset="0"/>
-              <a:buChar char="l"/>
+              <a:rPr lang="zh-CN" altLang="en-US" sz="1200" b="0" i="0" kern="1200" dirty="0">
+                <a:solidFill>
+                  <a:schemeClr val="tx1"/>
+                </a:solidFill>
+                <a:effectLst/>
+                <a:latin typeface="+mn-lt"/>
+                <a:ea typeface="+mn-ea"/>
+                <a:cs typeface="+mn-cs"/>
+              </a:rPr>
+              <a:t>异常比例 </a:t>
+            </a:r>
+            <a:r>
+              <a:rPr lang="en-US" altLang="zh-CN" sz="1200" b="0" i="0" kern="1200" dirty="0">
+                <a:solidFill>
+                  <a:schemeClr val="tx1"/>
+                </a:solidFill>
+                <a:effectLst/>
+                <a:latin typeface="+mn-lt"/>
+                <a:ea typeface="+mn-ea"/>
+                <a:cs typeface="+mn-cs"/>
+              </a:rPr>
+              <a:t>(DEGRADE_GRADE_EXCEPTION_RATIO)</a:t>
+            </a:r>
+            <a:r>
+              <a:rPr lang="zh-CN" altLang="en-US" sz="1200" b="0" i="0" kern="1200" dirty="0">
+                <a:solidFill>
+                  <a:schemeClr val="tx1"/>
+                </a:solidFill>
+                <a:effectLst/>
+                <a:latin typeface="+mn-lt"/>
+                <a:ea typeface="+mn-ea"/>
+                <a:cs typeface="+mn-cs"/>
+              </a:rPr>
+              <a:t>：当资源的每秒异常总数占通过量的比值超过阈值（</a:t>
+            </a:r>
+            <a:r>
+              <a:rPr lang="en-US" altLang="zh-CN" sz="1200" b="0" i="0" kern="1200" dirty="0" err="1">
+                <a:solidFill>
+                  <a:schemeClr val="tx1"/>
+                </a:solidFill>
+                <a:effectLst/>
+                <a:latin typeface="+mn-lt"/>
+                <a:ea typeface="+mn-ea"/>
+                <a:cs typeface="+mn-cs"/>
+              </a:rPr>
+              <a:t>DegradeRule</a:t>
+            </a:r>
+            <a:r>
+              <a:rPr lang="en-US" altLang="zh-CN" sz="1200" b="0" i="0" kern="1200" dirty="0">
+                <a:solidFill>
+                  <a:schemeClr val="tx1"/>
+                </a:solidFill>
+                <a:effectLst/>
+                <a:latin typeface="+mn-lt"/>
+                <a:ea typeface="+mn-ea"/>
+                <a:cs typeface="+mn-cs"/>
+              </a:rPr>
+              <a:t> </a:t>
+            </a:r>
+            <a:r>
+              <a:rPr lang="zh-CN" altLang="en-US" sz="1200" b="0" i="0" kern="1200" dirty="0">
+                <a:solidFill>
+                  <a:schemeClr val="tx1"/>
+                </a:solidFill>
+                <a:effectLst/>
+                <a:latin typeface="+mn-lt"/>
+                <a:ea typeface="+mn-ea"/>
+                <a:cs typeface="+mn-cs"/>
+              </a:rPr>
+              <a:t>中的 </a:t>
+            </a:r>
+            <a:r>
+              <a:rPr lang="en-US" altLang="zh-CN" sz="1200" b="0" i="0" kern="1200" dirty="0">
+                <a:solidFill>
+                  <a:schemeClr val="tx1"/>
+                </a:solidFill>
+                <a:effectLst/>
+                <a:latin typeface="+mn-lt"/>
+                <a:ea typeface="+mn-ea"/>
+                <a:cs typeface="+mn-cs"/>
+              </a:rPr>
+              <a:t>count</a:t>
+            </a:r>
+            <a:r>
+              <a:rPr lang="zh-CN" altLang="en-US" sz="1200" b="0" i="0" kern="1200" dirty="0">
+                <a:solidFill>
+                  <a:schemeClr val="tx1"/>
+                </a:solidFill>
+                <a:effectLst/>
+                <a:latin typeface="+mn-lt"/>
+                <a:ea typeface="+mn-ea"/>
+                <a:cs typeface="+mn-cs"/>
+              </a:rPr>
+              <a:t>）之后，资源进入降级状态，即在接下的时间窗口（</a:t>
+            </a:r>
+            <a:r>
+              <a:rPr lang="en-US" altLang="zh-CN" sz="1200" b="0" i="0" kern="1200" dirty="0" err="1">
+                <a:solidFill>
+                  <a:schemeClr val="tx1"/>
+                </a:solidFill>
+                <a:effectLst/>
+                <a:latin typeface="+mn-lt"/>
+                <a:ea typeface="+mn-ea"/>
+                <a:cs typeface="+mn-cs"/>
+              </a:rPr>
+              <a:t>DegradeRule</a:t>
+            </a:r>
+            <a:r>
+              <a:rPr lang="zh-CN" altLang="en-US" sz="1200" b="0" i="0" kern="1200" dirty="0">
+                <a:solidFill>
+                  <a:schemeClr val="tx1"/>
+                </a:solidFill>
+                <a:effectLst/>
+                <a:latin typeface="+mn-lt"/>
+                <a:ea typeface="+mn-ea"/>
+                <a:cs typeface="+mn-cs"/>
+              </a:rPr>
+              <a:t>中的 </a:t>
+            </a:r>
+            <a:r>
+              <a:rPr lang="en-US" altLang="zh-CN" sz="1200" b="0" i="0" kern="1200" dirty="0" err="1">
+                <a:solidFill>
+                  <a:schemeClr val="tx1"/>
+                </a:solidFill>
+                <a:effectLst/>
+                <a:latin typeface="+mn-lt"/>
+                <a:ea typeface="+mn-ea"/>
+                <a:cs typeface="+mn-cs"/>
+              </a:rPr>
+              <a:t>timeWindow</a:t>
+            </a:r>
+            <a:r>
+              <a:rPr lang="zh-CN" altLang="en-US" sz="1200" b="0" i="0" kern="1200" dirty="0">
+                <a:solidFill>
+                  <a:schemeClr val="tx1"/>
+                </a:solidFill>
+                <a:effectLst/>
+                <a:latin typeface="+mn-lt"/>
+                <a:ea typeface="+mn-ea"/>
+                <a:cs typeface="+mn-cs"/>
+              </a:rPr>
+              <a:t>，以 </a:t>
+            </a:r>
+            <a:r>
+              <a:rPr lang="en-US" altLang="zh-CN" sz="1200" b="0" i="0" kern="1200" dirty="0">
+                <a:solidFill>
+                  <a:schemeClr val="tx1"/>
+                </a:solidFill>
+                <a:effectLst/>
+                <a:latin typeface="+mn-lt"/>
+                <a:ea typeface="+mn-ea"/>
+                <a:cs typeface="+mn-cs"/>
+              </a:rPr>
+              <a:t>s </a:t>
+            </a:r>
+            <a:r>
+              <a:rPr lang="zh-CN" altLang="en-US" sz="1200" b="0" i="0" kern="1200" dirty="0">
+                <a:solidFill>
+                  <a:schemeClr val="tx1"/>
+                </a:solidFill>
+                <a:effectLst/>
+                <a:latin typeface="+mn-lt"/>
+                <a:ea typeface="+mn-ea"/>
+                <a:cs typeface="+mn-cs"/>
+              </a:rPr>
+              <a:t>为单位）之内，对这个方法的调用都会自动地返回。异常比率的阈值范围是 </a:t>
+            </a:r>
+            <a:r>
+              <a:rPr lang="en-US" altLang="zh-CN" sz="1200" b="0" i="0" kern="1200" dirty="0">
+                <a:solidFill>
+                  <a:schemeClr val="tx1"/>
+                </a:solidFill>
+                <a:effectLst/>
+                <a:latin typeface="+mn-lt"/>
+                <a:ea typeface="+mn-ea"/>
+                <a:cs typeface="+mn-cs"/>
+              </a:rPr>
+              <a:t>[0.0, 1.0]</a:t>
+            </a:r>
+            <a:r>
+              <a:rPr lang="zh-CN" altLang="en-US" sz="1200" b="0" i="0" kern="1200" dirty="0">
+                <a:solidFill>
+                  <a:schemeClr val="tx1"/>
+                </a:solidFill>
+                <a:effectLst/>
+                <a:latin typeface="+mn-lt"/>
+                <a:ea typeface="+mn-ea"/>
+                <a:cs typeface="+mn-cs"/>
+              </a:rPr>
+              <a:t>，代表 </a:t>
+            </a:r>
+            <a:r>
+              <a:rPr lang="en-US" altLang="zh-CN" sz="1200" b="0" i="0" kern="1200" dirty="0">
+                <a:solidFill>
+                  <a:schemeClr val="tx1"/>
+                </a:solidFill>
+                <a:effectLst/>
+                <a:latin typeface="+mn-lt"/>
+                <a:ea typeface="+mn-ea"/>
+                <a:cs typeface="+mn-cs"/>
+              </a:rPr>
+              <a:t>0% - 100%</a:t>
+            </a:r>
+            <a:r>
+              <a:rPr lang="zh-CN" altLang="en-US" sz="1200" b="0" i="0" kern="1200" dirty="0">
+                <a:solidFill>
+                  <a:schemeClr val="tx1"/>
+                </a:solidFill>
+                <a:effectLst/>
+                <a:latin typeface="+mn-lt"/>
+                <a:ea typeface="+mn-ea"/>
+                <a:cs typeface="+mn-cs"/>
+              </a:rPr>
+              <a:t>。</a:t>
+            </a:r>
+          </a:p>
+          <a:p>
+            <a:pPr marL="171450" indent="-171450">
+              <a:buFont typeface="Arial" panose="020B0604020202020204" pitchFamily="34" charset="0"/>
+              <a:buChar char="•"/>
             </a:pPr>
             <a:r>
-              <a:rPr lang="zh-CN" altLang="en-US" sz="1200" dirty="0"/>
-              <a:t>在系统稳定的前提下，保持系统的吞吐量</a:t>
-            </a:r>
-            <a:endParaRPr lang="en-US" altLang="zh-CN" sz="1200" dirty="0"/>
-          </a:p>
-          <a:p>
-            <a:pPr marL="0" marR="0" lvl="0" indent="0" algn="l" defTabSz="914400" rtl="0" eaLnBrk="1" fontAlgn="auto" latinLnBrk="0" hangingPunct="1">
-              <a:lnSpc>
-                <a:spcPct val="100000"/>
-              </a:lnSpc>
-              <a:spcBef>
-                <a:spcPts val="0"/>
-              </a:spcBef>
-              <a:spcAft>
-                <a:spcPts val="0"/>
-              </a:spcAft>
-              <a:buClrTx/>
-              <a:buSzTx/>
-              <a:buFont typeface="Wingdings" panose="05000000000000000000" charset="0"/>
-              <a:buNone/>
-              <a:tabLst/>
-              <a:defRPr/>
-            </a:pPr>
-            <a:r>
-              <a:rPr lang="zh-CN" altLang="en-US" sz="1200" dirty="0"/>
-              <a:t>建议阈值的设定是CPU核数*2.5</a:t>
-            </a:r>
-          </a:p>
-          <a:p>
-            <a:pPr marL="0" indent="0">
-              <a:buFont typeface="Wingdings" panose="05000000000000000000" charset="0"/>
-              <a:buNone/>
-            </a:pPr>
-            <a:endParaRPr lang="zh-CN" altLang="en-US" sz="1200" dirty="0"/>
+              <a:rPr lang="en-US" altLang="zh-CN" sz="1200" b="0" i="0" kern="1200" dirty="0">
+                <a:solidFill>
+                  <a:schemeClr val="tx1"/>
+                </a:solidFill>
+                <a:effectLst/>
+                <a:latin typeface="+mn-lt"/>
+                <a:ea typeface="+mn-ea"/>
+                <a:cs typeface="+mn-cs"/>
+              </a:rPr>
+              <a:t>3</a:t>
+            </a:r>
+            <a:r>
+              <a:rPr lang="zh-CN" altLang="en-US" sz="1200" b="0" i="0" kern="1200" dirty="0">
+                <a:solidFill>
+                  <a:schemeClr val="tx1"/>
+                </a:solidFill>
+                <a:effectLst/>
+                <a:latin typeface="+mn-lt"/>
+                <a:ea typeface="+mn-ea"/>
+                <a:cs typeface="+mn-cs"/>
+              </a:rPr>
+              <a:t>异常数 </a:t>
+            </a:r>
+            <a:r>
+              <a:rPr lang="en-US" altLang="zh-CN" sz="1200" b="0" i="0" kern="1200" dirty="0">
+                <a:solidFill>
+                  <a:schemeClr val="tx1"/>
+                </a:solidFill>
+                <a:effectLst/>
+                <a:latin typeface="+mn-lt"/>
+                <a:ea typeface="+mn-ea"/>
+                <a:cs typeface="+mn-cs"/>
+              </a:rPr>
+              <a:t>(DEGRADE_GRADE_EXCEPTION_COUNT)</a:t>
+            </a:r>
+            <a:r>
+              <a:rPr lang="zh-CN" altLang="en-US" sz="1200" b="0" i="0" kern="1200" dirty="0">
+                <a:solidFill>
+                  <a:schemeClr val="tx1"/>
+                </a:solidFill>
+                <a:effectLst/>
+                <a:latin typeface="+mn-lt"/>
+                <a:ea typeface="+mn-ea"/>
+                <a:cs typeface="+mn-cs"/>
+              </a:rPr>
+              <a:t>：当资源近 </a:t>
+            </a:r>
+            <a:r>
+              <a:rPr lang="en-US" altLang="zh-CN" sz="1200" b="0" i="0" kern="1200" dirty="0">
+                <a:solidFill>
+                  <a:schemeClr val="tx1"/>
+                </a:solidFill>
+                <a:effectLst/>
+                <a:latin typeface="+mn-lt"/>
+                <a:ea typeface="+mn-ea"/>
+                <a:cs typeface="+mn-cs"/>
+              </a:rPr>
+              <a:t>1 </a:t>
+            </a:r>
+            <a:r>
+              <a:rPr lang="zh-CN" altLang="en-US" sz="1200" b="0" i="0" kern="1200" dirty="0">
+                <a:solidFill>
+                  <a:schemeClr val="tx1"/>
+                </a:solidFill>
+                <a:effectLst/>
+                <a:latin typeface="+mn-lt"/>
+                <a:ea typeface="+mn-ea"/>
+                <a:cs typeface="+mn-cs"/>
+              </a:rPr>
+              <a:t>分钟的异常数目超过阈值之后会进行熔断。</a:t>
+            </a:r>
           </a:p>
         </p:txBody>
       </p:sp>
     </p:spTree>
     <p:extLst>
       <p:ext uri="{BB962C8B-B14F-4D97-AF65-F5344CB8AC3E}">
-        <p14:creationId xmlns:p14="http://schemas.microsoft.com/office/powerpoint/2010/main" val="756177947"/>
+        <p14:creationId xmlns:p14="http://schemas.microsoft.com/office/powerpoint/2010/main" val="2591490646"/>
       </p:ext>
     </p:extLst>
   </p:cSld>
@@ -4746,6 +4689,37 @@
           <a:bodyPr/>
           <a:lstStyle/>
           <a:p>
+            <a:pPr marL="0" indent="0">
+              <a:buFont typeface="Wingdings" panose="05000000000000000000" charset="0"/>
+              <a:buNone/>
+            </a:pPr>
+            <a:r>
+              <a:rPr lang="zh-CN" altLang="en-US" sz="1200" dirty="0"/>
+              <a:t>系统负载保护的目的：</a:t>
+            </a:r>
+          </a:p>
+          <a:p>
+            <a:pPr marL="285750" indent="-285750">
+              <a:buFont typeface="Wingdings" panose="05000000000000000000" charset="0"/>
+              <a:buChar char="l"/>
+            </a:pPr>
+            <a:r>
+              <a:rPr lang="zh-CN" altLang="en-US" sz="1200" dirty="0"/>
+              <a:t>保证系统不被拖垮</a:t>
+            </a:r>
+          </a:p>
+          <a:p>
+            <a:pPr marL="285750" indent="-285750">
+              <a:buFont typeface="Wingdings" panose="05000000000000000000" charset="0"/>
+              <a:buChar char="l"/>
+            </a:pPr>
+            <a:r>
+              <a:rPr lang="zh-CN" altLang="en-US" sz="1200" dirty="0"/>
+              <a:t>在系统稳定的前提下，保持系统的吞吐量</a:t>
+            </a:r>
+            <a:endParaRPr lang="en-US" altLang="zh-CN" sz="1200" dirty="0"/>
+          </a:p>
+          <a:p>
             <a:pPr marL="0" marR="0" lvl="0" indent="0" algn="l" defTabSz="914400" rtl="0" eaLnBrk="1" fontAlgn="auto" latinLnBrk="0" hangingPunct="1">
               <a:lnSpc>
                 <a:spcPct val="100000"/>
@@ -4758,95 +4732,29 @@
               </a:spcAft>
               <a:buClrTx/>
               <a:buSzTx/>
-              <a:buFontTx/>
+              <a:buFont typeface="Wingdings" panose="05000000000000000000" charset="0"/>
               <a:buNone/>
               <a:tabLst/>
               <a:defRPr/>
             </a:pPr>
             <a:r>
-              <a:rPr lang="zh-CN" altLang="en-US" dirty="0"/>
-              <a:t>场景</a:t>
-            </a:r>
-            <a:r>
-              <a:rPr lang="en-US" altLang="zh-CN" dirty="0"/>
-              <a:t>1</a:t>
-            </a:r>
-            <a:r>
-              <a:rPr lang="zh-CN" altLang="en-US" dirty="0"/>
-              <a:t>：保护核心应用</a:t>
-            </a:r>
-          </a:p>
-          <a:p>
-            <a:pPr marL="0" marR="0" lvl="0" indent="0" algn="l" defTabSz="914400" rtl="0" eaLnBrk="1" fontAlgn="auto" latinLnBrk="0" hangingPunct="1">
-              <a:lnSpc>
-                <a:spcPct val="100000"/>
-              </a:lnSpc>
-              <a:spcBef>
-                <a:spcPts val="0"/>
-              </a:spcBef>
-              <a:spcAft>
-                <a:spcPts val="0"/>
-              </a:spcAft>
-              <a:buClrTx/>
-              <a:buSzTx/>
-              <a:buFontTx/>
+              <a:rPr lang="zh-CN" altLang="en-US" sz="1200" dirty="0"/>
+              <a:t>建议阈值的设定是CPU核数*2.5</a:t>
+            </a:r>
+          </a:p>
+          <a:p>
+            <a:pPr marL="0" indent="0">
+              <a:buFont typeface="Wingdings" panose="05000000000000000000" charset="0"/>
               <a:buNone/>
-              <a:tabLst/>
-              <a:defRPr/>
             </a:pPr>
-            <a:r>
-              <a:rPr lang="zh-CN" altLang="en-US" dirty="0"/>
-              <a:t>场景</a:t>
-            </a:r>
-            <a:r>
-              <a:rPr lang="en-US" altLang="zh-CN" dirty="0"/>
-              <a:t>2</a:t>
-            </a:r>
-            <a:r>
-              <a:rPr lang="zh-CN" altLang="en-US" dirty="0"/>
-              <a:t>：下游应用限速</a:t>
-            </a:r>
-          </a:p>
-          <a:p>
-            <a:pPr marL="0" marR="0" lvl="0" indent="0" algn="l" defTabSz="914400" rtl="0" eaLnBrk="1" fontAlgn="auto" latinLnBrk="0" hangingPunct="1">
-              <a:lnSpc>
-                <a:spcPct val="100000"/>
-              </a:lnSpc>
-              <a:spcBef>
-                <a:spcPts val="0"/>
-              </a:spcBef>
-              <a:spcAft>
-                <a:spcPts val="0"/>
-              </a:spcAft>
-              <a:buClrTx/>
-              <a:buSzTx/>
-              <a:buFontTx/>
-              <a:buNone/>
-              <a:tabLst/>
-              <a:defRPr/>
-            </a:pPr>
-            <a:r>
-              <a:rPr lang="zh-CN" altLang="en-US" dirty="0"/>
-              <a:t>场景</a:t>
-            </a:r>
-            <a:r>
-              <a:rPr lang="en-US" altLang="zh-CN" dirty="0"/>
-              <a:t>3</a:t>
-            </a:r>
-            <a:r>
-              <a:rPr lang="zh-CN" altLang="en-US" dirty="0"/>
-              <a:t>：第三方接口限速</a:t>
-            </a:r>
-          </a:p>
-          <a:p>
-            <a:endParaRPr dirty="0"/>
+            <a:endParaRPr lang="zh-CN" altLang="en-US" sz="1200" dirty="0"/>
           </a:p>
         </p:txBody>
       </p:sp>
     </p:spTree>
     <p:extLst>
       <p:ext uri="{BB962C8B-B14F-4D97-AF65-F5344CB8AC3E}">
-        <p14:creationId xmlns:p14="http://schemas.microsoft.com/office/powerpoint/2010/main" val="598163336"/>
+        <p14:creationId xmlns:p14="http://schemas.microsoft.com/office/powerpoint/2010/main" val="756177947"/>
       </p:ext>
     </p:extLst>
   </p:cSld>
@@ -4999,6 +4907,99 @@
           <a:bodyPr/>
           <a:lstStyle/>
           <a:p>
+            <a:pPr marL="0" marR="0" lvl="0" indent="0" algn="l" defTabSz="914400" rtl="0" eaLnBrk="1" fontAlgn="auto" latinLnBrk="0" hangingPunct="1">
+              <a:lnSpc>
+                <a:spcPct val="100000"/>
+              </a:lnSpc>
+              <a:spcBef>
+                <a:spcPts val="0"/>
+              </a:spcBef>
+              <a:spcAft>
+                <a:spcPts val="0"/>
+              </a:spcAft>
+              <a:buClrTx/>
+              <a:buSzTx/>
+              <a:buFontTx/>
+              <a:buNone/>
+              <a:tabLst/>
+              <a:defRPr/>
+            </a:pPr>
+            <a:r>
+              <a:rPr lang="zh-CN" altLang="en-US" dirty="0"/>
+              <a:t>场景</a:t>
+            </a:r>
+            <a:r>
+              <a:rPr lang="en-US" altLang="zh-CN" dirty="0"/>
+              <a:t>1</a:t>
+            </a:r>
+            <a:r>
+              <a:rPr lang="zh-CN" altLang="en-US" dirty="0"/>
+              <a:t>：保护核心应用</a:t>
+            </a:r>
+          </a:p>
+          <a:p>
+            <a:pPr marL="0" marR="0" lvl="0" indent="0" algn="l" defTabSz="914400" rtl="0" eaLnBrk="1" fontAlgn="auto" latinLnBrk="0" hangingPunct="1">
+              <a:lnSpc>
+                <a:spcPct val="100000"/>
+              </a:lnSpc>
+              <a:spcBef>
+                <a:spcPts val="0"/>
+              </a:spcBef>
+              <a:spcAft>
+                <a:spcPts val="0"/>
+              </a:spcAft>
+              <a:buClrTx/>
+              <a:buSzTx/>
+              <a:buFontTx/>
+              <a:buNone/>
+              <a:tabLst/>
+              <a:defRPr/>
+            </a:pPr>
+            <a:r>
+              <a:rPr lang="zh-CN" altLang="en-US" dirty="0"/>
+              <a:t>场景</a:t>
+            </a:r>
+            <a:r>
+              <a:rPr lang="en-US" altLang="zh-CN" dirty="0"/>
+              <a:t>2</a:t>
+            </a:r>
+            <a:r>
+              <a:rPr lang="zh-CN" altLang="en-US" dirty="0"/>
+              <a:t>：下游应用限速</a:t>
+            </a:r>
+          </a:p>
+          <a:p>
+            <a:pPr marL="0" marR="0" lvl="0" indent="0" algn="l" defTabSz="914400" rtl="0" eaLnBrk="1" fontAlgn="auto" latinLnBrk="0" hangingPunct="1">
+              <a:lnSpc>
+                <a:spcPct val="100000"/>
+              </a:lnSpc>
+              <a:spcBef>
+                <a:spcPts val="0"/>
+              </a:spcBef>
+              <a:spcAft>
+                <a:spcPts val="0"/>
+              </a:spcAft>
+              <a:buClrTx/>
+              <a:buSzTx/>
+              <a:buFontTx/>
+              <a:buNone/>
+              <a:tabLst/>
+              <a:defRPr/>
+            </a:pPr>
+            <a:r>
+              <a:rPr lang="zh-CN" altLang="en-US" dirty="0"/>
+              <a:t>场景</a:t>
+            </a:r>
+            <a:r>
+              <a:rPr lang="en-US" altLang="zh-CN" dirty="0"/>
+              <a:t>3</a:t>
+            </a:r>
+            <a:r>
+              <a:rPr lang="zh-CN" altLang="en-US" dirty="0"/>
+              <a:t>：第三方接口限速</a:t>
+            </a:r>
+          </a:p>
+          <a:p>
             <a:endParaRPr dirty="0"/>
           </a:p>
         </p:txBody>
@@ -5006,7 +5007,7 @@
     </p:spTree>
     <p:extLst>
       <p:ext uri="{BB962C8B-B14F-4D97-AF65-F5344CB8AC3E}">
-        <p14:creationId xmlns:p14="http://schemas.microsoft.com/office/powerpoint/2010/main" val="3602562359"/>
+        <p14:creationId xmlns:p14="http://schemas.microsoft.com/office/powerpoint/2010/main" val="598163336"/>
       </p:ext>
     </p:extLst>
   </p:cSld>
@@ -5079,6 +5080,86 @@
           <a:bodyPr/>
           <a:lstStyle/>
           <a:p>
+            <a:endParaRPr dirty="0"/>
+          </a:p>
+        </p:txBody>
+      </p:sp>
+    </p:spTree>
+    <p:extLst>
+      <p:ext uri="{BB962C8B-B14F-4D97-AF65-F5344CB8AC3E}">
+        <p14:creationId xmlns:p14="http://schemas.microsoft.com/office/powerpoint/2010/main" val="3602562359"/>
+      </p:ext>
+    </p:extLst>
+  </p:cSld>
+  <p:clrMapOvr>
+    <a:masterClrMapping/>
+  </p:clrMapOvr>
+</p:notes>
+</file>
+
+<file path=ppt/notesSlides/notesSlide32.xml><?xml version="1.0" encoding="utf-8"?>
+<p:notes xmlns:a="http://schemas.openxmlformats.org/drawingml/2006/main" xmlns:r="http://schemas.openxmlformats.org/officeDocument/2006/relationships" xmlns:p="http://schemas.openxmlformats.org/presentationml/2006/main">
+  <p:cSld>
+    <p:spTree>
+      <p:nvGrpSpPr>
+        <p:cNvPr id="1" name=""/>
+        <p:cNvGrpSpPr/>
+        <p:nvPr/>
+      </p:nvGrpSpPr>
+      <p:grpSpPr>
+        <a:xfrm>
+          <a:off x="0" y="0"/>
+          <a:ext cx="0" cy="0"/>
+          <a:chOff x="0" y="0"/>
+          <a:chExt cx="0" cy="0"/>
+        </a:xfrm>
+      </p:grpSpPr>
+      <p:sp>
+        <p:nvSpPr>
+          <p:cNvPr id="147" name="Shape 147"/>
+          <p:cNvSpPr>
+            <a:spLocks noGrp="1" noRot="1" noChangeAspect="1"/>
+          </p:cNvSpPr>
+          <p:nvPr>
+            <p:ph type="sldImg"/>
+          </p:nvPr>
+        </p:nvSpPr>
+        <p:spPr>
+          <a:xfrm>
+            <a:off x="381000" y="685800"/>
+            <a:ext cx="6096000" cy="3429000"/>
+          </a:xfrm>
+          <a:prstGeom prst="rect">
+            <a:avLst/>
+          </a:prstGeom>
+        </p:spPr>
+        <p:txBody>
+          <a:bodyPr/>
+          <a:lstStyle/>
+          <a:p>
+            <a:endParaRPr/>
+          </a:p>
+        </p:txBody>
+      </p:sp>
+      <p:sp>
+        <p:nvSpPr>
+          <p:cNvPr id="148" name="Shape 148"/>
+          <p:cNvSpPr>
+            <a:spLocks noGrp="1"/>
+          </p:cNvSpPr>
+          <p:nvPr>
+            <p:ph type="body" sz="quarter" idx="1"/>
+          </p:nvPr>
+        </p:nvSpPr>
+        <p:spPr>
+          <a:prstGeom prst="rect">
+            <a:avLst/>
+          </a:prstGeom>
+        </p:spPr>
+        <p:txBody>
+          <a:bodyPr/>
+          <a:lstStyle/>
+          <a:p>
             <a:r>
               <a:rPr lang="zh-CN" altLang="en-US" sz="1200" b="0" i="0" kern="1200" dirty="0">
                 <a:solidFill>
@@ -5157,7 +5238,7 @@
 </p:notes>
 </file>
 
-<file path=ppt/notesSlides/notesSlide32.xml><?xml version="1.0" encoding="utf-8"?>
+<file path=ppt/notesSlides/notesSlide33.xml><?xml version="1.0" encoding="utf-8"?>
 <p:notes xmlns:a="http://schemas.openxmlformats.org/drawingml/2006/main" xmlns:r="http://schemas.openxmlformats.org/officeDocument/2006/relationships" xmlns:p="http://schemas.openxmlformats.org/presentationml/2006/main">
   <p:cSld>
     <p:spTree>
@@ -10326,7 +10407,7 @@
         <p:spPr>
           <a:xfrm>
             <a:off x="572313" y="359870"/>
-            <a:ext cx="2338782" cy="436017"/>
+            <a:ext cx="1333698" cy="436017"/>
           </a:xfrm>
           <a:prstGeom prst="rect">
             <a:avLst/>
@@ -10354,13 +10435,10 @@
           </a:lstStyle>
           <a:p>
             <a:r>
-              <a:rPr lang="en-US" altLang="zh-CN" sz="2500" dirty="0"/>
-              <a:t>Sentinel </a:t>
-            </a:r>
-            <a:r>
               <a:rPr lang="zh-CN" altLang="en-US" sz="2500" dirty="0"/>
-              <a:t>控制台</a:t>
-            </a:r>
+              <a:t>基本使用</a:t>
+            </a:r>
+            <a:endParaRPr sz="2500" dirty="0"/>
           </a:p>
         </p:txBody>
       </p:sp>
@@ -10393,341 +10471,40 @@
           </a:ln>
         </p:spPr>
       </p:pic>
-      <p:sp>
-        <p:nvSpPr>
-          <p:cNvPr id="2" name="矩形 1">
+      <p:pic>
+        <p:nvPicPr>
+          <p:cNvPr id="2" name="图片 1">
             <a:extLst>
               <a:ext uri="{FF2B5EF4-FFF2-40B4-BE49-F238E27FC236}">
-                <a16:creationId xmlns:a16="http://schemas.microsoft.com/office/drawing/2014/main" id="{440E8E7B-FEDE-4549-8B65-4CB2E2F2608A}"/>
+                <a16:creationId xmlns:a16="http://schemas.microsoft.com/office/drawing/2014/main" id="{FA14AEF7-2908-4B8E-AFBC-DB6EC9CFE0CB}"/>
               </a:ext>
             </a:extLst>
           </p:cNvPr>
-          <p:cNvSpPr/>
+          <p:cNvPicPr>
+            <a:picLocks noChangeAspect="1"/>
+          </p:cNvPicPr>
           <p:nvPr/>
-        </p:nvSpPr>
-        <p:spPr>
-          <a:xfrm>
-            <a:off x="389399" y="1164134"/>
-            <a:ext cx="11169113" cy="5693866"/>
-          </a:xfrm>
-          <a:prstGeom prst="rect">
-            <a:avLst/>
-          </a:prstGeom>
-        </p:spPr>
-        <p:txBody>
-          <a:bodyPr wrap="square">
-            <a:spAutoFit/>
-          </a:bodyPr>
-          <a:lstStyle/>
-          <a:p>
-            <a:r>
-              <a:rPr lang="zh-CN" altLang="en-US" sz="1400" dirty="0"/>
-              <a:t>功能列表：</a:t>
-            </a:r>
-          </a:p>
-          <a:p>
-            <a:endParaRPr lang="zh-CN" altLang="en-US" sz="1400" dirty="0"/>
-          </a:p>
-          <a:p>
-            <a:pPr marL="228600" indent="-228600">
-              <a:buFont typeface="+mj-lt"/>
-              <a:buAutoNum type="arabicPeriod"/>
-            </a:pPr>
-            <a:r>
-              <a:rPr lang="zh-CN" altLang="en-US" sz="1400" dirty="0"/>
-              <a:t>实时监控</a:t>
-            </a:r>
-            <a:br>
-              <a:rPr lang="zh-CN" altLang="en-US" sz="1400" dirty="0"/>
-            </a:br>
-            <a:r>
-              <a:rPr lang="zh-CN" altLang="en-US" sz="1400" dirty="0"/>
-              <a:t>实时查看集群中每个资源的实时访问以及流控情况；</a:t>
-            </a:r>
-            <a:br>
-              <a:rPr lang="zh-CN" altLang="en-US" sz="1400" dirty="0"/>
-            </a:br>
-            <a:r>
-              <a:rPr lang="zh-CN" altLang="en-US" sz="1400" dirty="0">
-                <a:solidFill>
-                  <a:srgbClr val="FF0000"/>
-                </a:solidFill>
-              </a:rPr>
-              <a:t>仅存储 5 分钟以内的数据，持久化需要定制开发</a:t>
-            </a:r>
-            <a:br>
-              <a:rPr lang="zh-CN" altLang="en-US" sz="1400" dirty="0">
-                <a:solidFill>
-                  <a:srgbClr val="FF0000"/>
-                </a:solidFill>
-              </a:rPr>
-            </a:br>
-            <a:endParaRPr lang="zh-CN" altLang="en-US" sz="1400" dirty="0"/>
-          </a:p>
-          <a:p>
-            <a:pPr marL="228600" indent="-228600">
-              <a:buFont typeface="+mj-lt"/>
-              <a:buAutoNum type="arabicPeriod"/>
-            </a:pPr>
-            <a:r>
-              <a:rPr lang="zh-CN" altLang="en-US" sz="1400" dirty="0"/>
-              <a:t>簇点链路</a:t>
-            </a:r>
-            <a:br>
-              <a:rPr lang="zh-CN" altLang="en-US" sz="1400" dirty="0"/>
-            </a:br>
-            <a:r>
-              <a:rPr lang="zh-CN" altLang="en-US" sz="1400" dirty="0"/>
-              <a:t>展示资源调用链路，方便设置流控、降级规则；</a:t>
-            </a:r>
-            <a:br>
-              <a:rPr lang="zh-CN" altLang="en-US" sz="1400" dirty="0"/>
-            </a:br>
-            <a:r>
-              <a:rPr lang="zh-CN" altLang="en-US" sz="1400" dirty="0">
-                <a:solidFill>
-                  <a:srgbClr val="FF0000"/>
-                </a:solidFill>
-              </a:rPr>
-              <a:t>内存中，仅展示启动后调用过的资源</a:t>
-            </a:r>
-            <a:endParaRPr lang="zh-CN" altLang="en-US" sz="1400" dirty="0"/>
-          </a:p>
-          <a:p>
-            <a:pPr marL="228600" indent="-228600">
-              <a:buFont typeface="+mj-lt"/>
-              <a:buAutoNum type="arabicPeriod"/>
-            </a:pPr>
-            <a:endParaRPr lang="zh-CN" altLang="en-US" sz="1400" dirty="0"/>
-          </a:p>
-          <a:p>
-            <a:pPr marL="228600" indent="-228600">
-              <a:buFont typeface="+mj-lt"/>
-              <a:buAutoNum type="arabicPeriod"/>
-            </a:pPr>
-            <a:r>
-              <a:rPr lang="zh-CN" altLang="en-US" sz="1400" dirty="0"/>
-              <a:t>流控规则</a:t>
-            </a:r>
-            <a:br>
-              <a:rPr lang="zh-CN" altLang="en-US" sz="1400" dirty="0"/>
-            </a:br>
-            <a:r>
-              <a:rPr lang="zh-CN" altLang="en-US" sz="1400" dirty="0"/>
-              <a:t>流控规则</a:t>
-            </a:r>
-            <a:r>
-              <a:rPr lang="en-US" altLang="zh-CN" sz="1400" dirty="0"/>
-              <a:t>(</a:t>
-            </a:r>
-            <a:r>
-              <a:rPr lang="en-US" altLang="zh-CN" sz="1400" dirty="0" err="1"/>
-              <a:t>FlowRule</a:t>
-            </a:r>
-            <a:r>
-              <a:rPr lang="en-US" altLang="zh-CN" sz="1400" dirty="0"/>
-              <a:t>)</a:t>
-            </a:r>
-            <a:r>
-              <a:rPr lang="zh-CN" altLang="en-US" sz="1400" dirty="0"/>
-              <a:t>的增删改查</a:t>
-            </a:r>
-            <a:br>
-              <a:rPr lang="zh-CN" altLang="en-US" sz="1400" dirty="0"/>
-            </a:br>
-            <a:endParaRPr lang="zh-CN" altLang="en-US" sz="1400" dirty="0"/>
-          </a:p>
-          <a:p>
-            <a:pPr marL="228600" indent="-228600">
-              <a:buFont typeface="+mj-lt"/>
-              <a:buAutoNum type="arabicPeriod"/>
-            </a:pPr>
-            <a:r>
-              <a:rPr lang="zh-CN" altLang="en-US" sz="1400" dirty="0"/>
-              <a:t>降级规则</a:t>
-            </a:r>
-            <a:br>
-              <a:rPr lang="zh-CN" altLang="en-US" sz="1400" dirty="0"/>
-            </a:br>
-            <a:r>
-              <a:rPr lang="zh-CN" altLang="en-US" sz="1400" dirty="0"/>
-              <a:t>降级规则</a:t>
-            </a:r>
-            <a:r>
-              <a:rPr lang="en-US" altLang="zh-CN" sz="1400" dirty="0"/>
-              <a:t>(</a:t>
-            </a:r>
-            <a:r>
-              <a:rPr lang="en-US" altLang="zh-CN" sz="1400" dirty="0" err="1"/>
-              <a:t>DegradeRule</a:t>
-            </a:r>
-            <a:r>
-              <a:rPr lang="en-US" altLang="zh-CN" sz="1400" dirty="0"/>
-              <a:t>)</a:t>
-            </a:r>
-            <a:r>
-              <a:rPr lang="zh-CN" altLang="en-US" sz="1400" dirty="0"/>
-              <a:t>的增删改查</a:t>
-            </a:r>
-          </a:p>
-          <a:p>
-            <a:pPr marL="228600" indent="-228600">
-              <a:buFont typeface="+mj-lt"/>
-              <a:buAutoNum type="arabicPeriod"/>
-            </a:pPr>
-            <a:endParaRPr lang="zh-CN" altLang="en-US" sz="1400" dirty="0"/>
-          </a:p>
-          <a:p>
-            <a:pPr marL="228600" indent="-228600">
-              <a:buFont typeface="+mj-lt"/>
-              <a:buAutoNum type="arabicPeriod"/>
-            </a:pPr>
-            <a:r>
-              <a:rPr lang="zh-CN" altLang="en-US" sz="1400" dirty="0"/>
-              <a:t>系统规则</a:t>
-            </a:r>
-            <a:br>
-              <a:rPr lang="zh-CN" altLang="en-US" sz="1400" dirty="0"/>
-            </a:br>
-            <a:r>
-              <a:rPr lang="zh-CN" altLang="en-US" sz="1400" dirty="0"/>
-              <a:t>系统规则</a:t>
-            </a:r>
-            <a:r>
-              <a:rPr lang="en-US" altLang="zh-CN" sz="1400" dirty="0"/>
-              <a:t>(</a:t>
-            </a:r>
-            <a:r>
-              <a:rPr lang="en-US" altLang="zh-CN" sz="1400" dirty="0" err="1"/>
-              <a:t>SystemRule</a:t>
-            </a:r>
-            <a:r>
-              <a:rPr lang="en-US" altLang="zh-CN" sz="1400" dirty="0"/>
-              <a:t>)</a:t>
-            </a:r>
-            <a:r>
-              <a:rPr lang="zh-CN" altLang="en-US" sz="1400" dirty="0"/>
-              <a:t>的增删改查</a:t>
-            </a:r>
-          </a:p>
-          <a:p>
-            <a:pPr marL="228600" indent="-228600">
-              <a:buFont typeface="+mj-lt"/>
-              <a:buAutoNum type="arabicPeriod"/>
-            </a:pPr>
-            <a:endParaRPr lang="zh-CN" altLang="en-US" sz="1400" dirty="0"/>
-          </a:p>
-          <a:p>
-            <a:pPr marL="228600" indent="-228600">
-              <a:buFont typeface="+mj-lt"/>
-              <a:buAutoNum type="arabicPeriod"/>
-            </a:pPr>
-            <a:r>
-              <a:rPr lang="zh-CN" altLang="en-US" sz="1400" dirty="0"/>
-              <a:t>机器列表</a:t>
-            </a:r>
-            <a:br>
-              <a:rPr lang="zh-CN" altLang="en-US" sz="1400" dirty="0"/>
-            </a:br>
-            <a:r>
-              <a:rPr lang="zh-CN" altLang="en-US" sz="1400" dirty="0"/>
-              <a:t>提供机器自发现功能，方便查看集群机器数量和机器健康状况</a:t>
-            </a:r>
-          </a:p>
-          <a:p>
-            <a:r>
-              <a:rPr lang="zh-CN" altLang="en-US" sz="1400" dirty="0"/>
-              <a:t>     </a:t>
-            </a:r>
-            <a:r>
-              <a:rPr lang="zh-CN" altLang="en-US" sz="1400" dirty="0">
-                <a:solidFill>
-                  <a:srgbClr val="FF0000"/>
-                </a:solidFill>
-              </a:rPr>
-              <a:t>若应用已退出，过 5 分钟没有收到心跳，控制台就会标记对应机器为失联状态，但不会将对应应用从列表中移除</a:t>
-            </a:r>
-            <a:endParaRPr lang="zh-CN" altLang="en-US" sz="1400" dirty="0"/>
-          </a:p>
-          <a:p>
-            <a:endParaRPr lang="zh-CN" altLang="en-US" sz="1400" dirty="0"/>
-          </a:p>
-          <a:p>
-            <a:r>
-              <a:rPr lang="zh-CN" altLang="en-US" sz="1400" dirty="0"/>
-              <a:t>注：</a:t>
-            </a:r>
-            <a:r>
-              <a:rPr lang="en-US" altLang="zh-CN" sz="1400" dirty="0"/>
-              <a:t> </a:t>
-            </a:r>
-          </a:p>
-          <a:p>
-            <a:r>
-              <a:rPr lang="en-US" altLang="zh-CN" sz="1400" dirty="0"/>
-              <a:t>      </a:t>
-            </a:r>
-            <a:r>
-              <a:rPr lang="en-US" altLang="zh-CN" sz="1400" dirty="0">
-                <a:sym typeface="+mn-ea"/>
-              </a:rPr>
-              <a:t>3</a:t>
-            </a:r>
-            <a:r>
-              <a:rPr lang="zh-CN" altLang="en-US" sz="1400" dirty="0">
-                <a:sym typeface="+mn-ea"/>
-              </a:rPr>
-              <a:t>种规则的持久化需要定制开发；</a:t>
-            </a:r>
-            <a:r>
-              <a:rPr lang="en-US" altLang="zh-CN" sz="1400" dirty="0"/>
-              <a:t>      </a:t>
-            </a:r>
-          </a:p>
-          <a:p>
-            <a:r>
-              <a:rPr lang="zh-CN" altLang="en-US" sz="1400" dirty="0"/>
-              <a:t>      规则配置是以</a:t>
-            </a:r>
-            <a:r>
-              <a:rPr lang="en-US" altLang="zh-CN" sz="1400" dirty="0" err="1"/>
-              <a:t>ip</a:t>
-            </a:r>
-            <a:r>
-              <a:rPr lang="zh-CN" altLang="en-US" sz="1400" dirty="0"/>
-              <a:t>、端口为单位的，如果</a:t>
-            </a:r>
-            <a:r>
-              <a:rPr lang="en-US" altLang="zh-CN" sz="1400" dirty="0"/>
-              <a:t>1</a:t>
-            </a:r>
-            <a:r>
-              <a:rPr lang="zh-CN" altLang="en-US" sz="1400" dirty="0"/>
-              <a:t>个</a:t>
-            </a:r>
-            <a:r>
-              <a:rPr lang="en-US" altLang="zh-CN" sz="1400" dirty="0" err="1"/>
-              <a:t>dubbo</a:t>
-            </a:r>
-            <a:r>
-              <a:rPr lang="zh-CN" altLang="en-US" sz="1400" dirty="0"/>
-              <a:t>服务不同机器部了</a:t>
-            </a:r>
-            <a:r>
-              <a:rPr lang="en-US" altLang="zh-CN" sz="1400" dirty="0"/>
-              <a:t>4</a:t>
-            </a:r>
-            <a:r>
-              <a:rPr lang="zh-CN" altLang="en-US" sz="1400" dirty="0"/>
-              <a:t>个节点，各节点的规则是分开配置的；</a:t>
-            </a:r>
-          </a:p>
-        </p:txBody>
-      </p:sp>
+        </p:nvPicPr>
+        <p:blipFill>
+          <a:blip r:embed="rId5"/>
+          <a:stretch>
+            <a:fillRect/>
+          </a:stretch>
+        </p:blipFill>
+        <p:spPr>
+          <a:xfrm>
+            <a:off x="2212467" y="1174700"/>
+            <a:ext cx="5876925" cy="5683321"/>
+          </a:xfrm>
+          <a:prstGeom prst="rect">
+            <a:avLst/>
+          </a:prstGeom>
+        </p:spPr>
+      </p:pic>
     </p:spTree>
     <p:extLst>
       <p:ext uri="{BB962C8B-B14F-4D97-AF65-F5344CB8AC3E}">
-        <p14:creationId xmlns:p14="http://schemas.microsoft.com/office/powerpoint/2010/main" val="1199420536"/>
+        <p14:creationId xmlns:p14="http://schemas.microsoft.com/office/powerpoint/2010/main" val="3181578948"/>
       </p:ext>
     </p:extLst>
   </p:cSld>
@@ -10863,10 +10640,10 @@
       </p:pic>
       <p:sp>
         <p:nvSpPr>
-          <p:cNvPr id="3" name="矩形 2">
+          <p:cNvPr id="2" name="矩形 1">
             <a:extLst>
               <a:ext uri="{FF2B5EF4-FFF2-40B4-BE49-F238E27FC236}">
-                <a16:creationId xmlns:a16="http://schemas.microsoft.com/office/drawing/2014/main" id="{622CA644-DB1B-42DC-9034-D6F0C200E803}"/>
+                <a16:creationId xmlns:a16="http://schemas.microsoft.com/office/drawing/2014/main" id="{440E8E7B-FEDE-4549-8B65-4CB2E2F2608A}"/>
               </a:ext>
             </a:extLst>
           </p:cNvPr>
@@ -10875,8 +10652,8 @@
         </p:nvSpPr>
         <p:spPr>
           <a:xfrm>
-            <a:off x="1174812" y="1553492"/>
-            <a:ext cx="8670524" cy="646331"/>
+            <a:off x="389399" y="1164134"/>
+            <a:ext cx="11169113" cy="5693866"/>
           </a:xfrm>
           <a:prstGeom prst="rect">
             <a:avLst/>
@@ -10889,143 +10666,313 @@
           <a:lstStyle/>
           <a:p>
             <a:r>
-              <a:rPr lang="en-US" altLang="zh-CN" dirty="0">
-                <a:solidFill>
-                  <a:srgbClr val="24292E"/>
-                </a:solidFill>
-                <a:latin typeface="-apple-system"/>
-              </a:rPr>
-              <a:t>Sentinel </a:t>
-            </a:r>
-            <a:r>
-              <a:rPr lang="zh-CN" altLang="en-US" dirty="0">
-                <a:solidFill>
-                  <a:srgbClr val="24292E"/>
-                </a:solidFill>
-                <a:latin typeface="-apple-system"/>
-              </a:rPr>
-              <a:t>提供一个轻量级的开源控制台，它提供机器发现、单机资源实时监控、集群资源汇总，以及规则管理的功能。</a:t>
-            </a:r>
-            <a:endParaRPr lang="zh-CN" altLang="en-US" dirty="0"/>
-          </a:p>
-        </p:txBody>
-      </p:sp>
-      <p:sp>
-        <p:nvSpPr>
-          <p:cNvPr id="7" name="文本框 6">
-            <a:extLst>
-              <a:ext uri="{FF2B5EF4-FFF2-40B4-BE49-F238E27FC236}">
-                <a16:creationId xmlns:a16="http://schemas.microsoft.com/office/drawing/2014/main" id="{EE76B62B-2043-4C32-B3DE-B4C3A4E096EC}"/>
-              </a:ext>
-            </a:extLst>
-          </p:cNvPr>
-          <p:cNvSpPr txBox="1"/>
-          <p:nvPr/>
-        </p:nvSpPr>
-        <p:spPr>
-          <a:xfrm flipH="1">
-            <a:off x="1174812" y="2578615"/>
-            <a:ext cx="2508090" cy="369332"/>
-          </a:xfrm>
-          <a:prstGeom prst="rect">
-            <a:avLst/>
-          </a:prstGeom>
-          <a:noFill/>
-        </p:spPr>
-        <p:txBody>
-          <a:bodyPr wrap="square" rtlCol="0">
-            <a:spAutoFit/>
-          </a:bodyPr>
-          <a:lstStyle/>
-          <a:p>
-            <a:r>
-              <a:rPr lang="en-US" altLang="zh-CN" dirty="0"/>
-              <a:t>"</a:t>
-            </a:r>
-            <a:r>
-              <a:rPr lang="zh-CN" altLang="en-US" dirty="0"/>
+              <a:rPr lang="zh-CN" altLang="en-US" sz="1400" dirty="0"/>
+              <a:t>功能列表：</a:t>
+            </a:r>
+          </a:p>
+          <a:p>
+            <a:endParaRPr lang="zh-CN" altLang="en-US" sz="1400" dirty="0"/>
+          </a:p>
+          <a:p>
+            <a:pPr marL="228600" indent="-228600">
+              <a:buFont typeface="+mj-lt"/>
+              <a:buAutoNum type="arabicPeriod"/>
+            </a:pPr>
+            <a:r>
+              <a:rPr lang="zh-CN" altLang="en-US" sz="1400" dirty="0"/>
+              <a:t>实时监控</a:t>
+            </a:r>
+            <a:br>
+              <a:rPr lang="zh-CN" altLang="en-US" sz="1400" dirty="0"/>
+            </a:br>
+            <a:r>
+              <a:rPr lang="zh-CN" altLang="en-US" sz="1400" dirty="0"/>
+              <a:t>实时查看集群中每个资源的实时访问以及流控情况；</a:t>
+            </a:r>
+            <a:br>
+              <a:rPr lang="zh-CN" altLang="en-US" sz="1400" dirty="0"/>
+            </a:br>
+            <a:r>
+              <a:rPr lang="zh-CN" altLang="en-US" sz="1400" dirty="0">
+                <a:solidFill>
+                  <a:srgbClr val="FF0000"/>
+                </a:solidFill>
+              </a:rPr>
+              <a:t>仅存储 5 分钟以内的数据，持久化需要定制开发</a:t>
+            </a:r>
+            <a:br>
+              <a:rPr lang="zh-CN" altLang="en-US" sz="1400" dirty="0">
+                <a:solidFill>
+                  <a:srgbClr val="FF0000"/>
+                </a:solidFill>
+              </a:rPr>
+            </a:br>
+            <a:endParaRPr lang="zh-CN" altLang="en-US" sz="1400" dirty="0"/>
+          </a:p>
+          <a:p>
+            <a:pPr marL="228600" indent="-228600">
+              <a:buFont typeface="+mj-lt"/>
+              <a:buAutoNum type="arabicPeriod"/>
+            </a:pPr>
+            <a:r>
+              <a:rPr lang="zh-CN" altLang="en-US" sz="1400" dirty="0"/>
+              <a:t>簇点链路</a:t>
+            </a:r>
+            <a:br>
+              <a:rPr lang="zh-CN" altLang="en-US" sz="1400" dirty="0"/>
+            </a:br>
+            <a:r>
+              <a:rPr lang="zh-CN" altLang="en-US" sz="1400" dirty="0"/>
+              <a:t>展示资源调用链路，方便设置流控、降级规则；</a:t>
+            </a:r>
+            <a:br>
+              <a:rPr lang="zh-CN" altLang="en-US" sz="1400" dirty="0"/>
+            </a:br>
+            <a:r>
+              <a:rPr lang="zh-CN" altLang="en-US" sz="1400" dirty="0">
+                <a:solidFill>
+                  <a:srgbClr val="FF0000"/>
+                </a:solidFill>
+              </a:rPr>
+              <a:t>内存中，仅展示启动后调用过的资源</a:t>
+            </a:r>
+            <a:endParaRPr lang="zh-CN" altLang="en-US" sz="1400" dirty="0"/>
+          </a:p>
+          <a:p>
+            <a:pPr marL="228600" indent="-228600">
+              <a:buFont typeface="+mj-lt"/>
+              <a:buAutoNum type="arabicPeriod"/>
+            </a:pPr>
+            <a:endParaRPr lang="zh-CN" altLang="en-US" sz="1400" dirty="0"/>
+          </a:p>
+          <a:p>
+            <a:pPr marL="228600" indent="-228600">
+              <a:buFont typeface="+mj-lt"/>
+              <a:buAutoNum type="arabicPeriod"/>
+            </a:pPr>
+            <a:r>
+              <a:rPr lang="zh-CN" altLang="en-US" sz="1400" dirty="0"/>
+              <a:t>流控规则</a:t>
+            </a:r>
+            <a:br>
+              <a:rPr lang="zh-CN" altLang="en-US" sz="1400" dirty="0"/>
+            </a:br>
+            <a:r>
+              <a:rPr lang="zh-CN" altLang="en-US" sz="1400" dirty="0"/>
+              <a:t>流控规则</a:t>
+            </a:r>
+            <a:r>
+              <a:rPr lang="en-US" altLang="zh-CN" sz="1400" dirty="0"/>
+              <a:t>(</a:t>
+            </a:r>
+            <a:r>
+              <a:rPr lang="en-US" altLang="zh-CN" sz="1400" dirty="0" err="1"/>
+              <a:t>FlowRule</a:t>
+            </a:r>
+            <a:r>
+              <a:rPr lang="en-US" altLang="zh-CN" sz="1400" dirty="0"/>
+              <a:t>)</a:t>
+            </a:r>
+            <a:r>
+              <a:rPr lang="zh-CN" altLang="en-US" sz="1400" dirty="0"/>
+              <a:t>的增删改查</a:t>
+            </a:r>
+            <a:br>
+              <a:rPr lang="zh-CN" altLang="en-US" sz="1400" dirty="0"/>
+            </a:br>
+            <a:endParaRPr lang="zh-CN" altLang="en-US" sz="1400" dirty="0"/>
+          </a:p>
+          <a:p>
+            <a:pPr marL="228600" indent="-228600">
+              <a:buFont typeface="+mj-lt"/>
+              <a:buAutoNum type="arabicPeriod"/>
+            </a:pPr>
+            <a:r>
+              <a:rPr lang="zh-CN" altLang="en-US" sz="1400" dirty="0"/>
+              <a:t>降级规则</a:t>
+            </a:r>
+            <a:br>
+              <a:rPr lang="zh-CN" altLang="en-US" sz="1400" dirty="0"/>
+            </a:br>
+            <a:r>
+              <a:rPr lang="zh-CN" altLang="en-US" sz="1400" dirty="0"/>
+              <a:t>降级规则</a:t>
+            </a:r>
+            <a:r>
+              <a:rPr lang="en-US" altLang="zh-CN" sz="1400" dirty="0"/>
+              <a:t>(</a:t>
+            </a:r>
+            <a:r>
+              <a:rPr lang="en-US" altLang="zh-CN" sz="1400" dirty="0" err="1"/>
+              <a:t>DegradeRule</a:t>
+            </a:r>
+            <a:r>
+              <a:rPr lang="en-US" altLang="zh-CN" sz="1400" dirty="0"/>
+              <a:t>)</a:t>
+            </a:r>
+            <a:r>
+              <a:rPr lang="zh-CN" altLang="en-US" sz="1400" dirty="0"/>
+              <a:t>的增删改查</a:t>
+            </a:r>
+          </a:p>
+          <a:p>
+            <a:pPr marL="228600" indent="-228600">
+              <a:buFont typeface="+mj-lt"/>
+              <a:buAutoNum type="arabicPeriod"/>
+            </a:pPr>
+            <a:endParaRPr lang="zh-CN" altLang="en-US" sz="1400" dirty="0"/>
+          </a:p>
+          <a:p>
+            <a:pPr marL="228600" indent="-228600">
+              <a:buFont typeface="+mj-lt"/>
+              <a:buAutoNum type="arabicPeriod"/>
+            </a:pPr>
+            <a:r>
+              <a:rPr lang="zh-CN" altLang="en-US" sz="1400" dirty="0"/>
+              <a:t>系统规则</a:t>
+            </a:r>
+            <a:br>
+              <a:rPr lang="zh-CN" altLang="en-US" sz="1400" dirty="0"/>
+            </a:br>
+            <a:r>
+              <a:rPr lang="zh-CN" altLang="en-US" sz="1400" dirty="0"/>
+              <a:t>系统规则</a:t>
+            </a:r>
+            <a:r>
+              <a:rPr lang="en-US" altLang="zh-CN" sz="1400" dirty="0"/>
+              <a:t>(</a:t>
+            </a:r>
+            <a:r>
+              <a:rPr lang="en-US" altLang="zh-CN" sz="1400" dirty="0" err="1"/>
+              <a:t>SystemRule</a:t>
+            </a:r>
+            <a:r>
+              <a:rPr lang="en-US" altLang="zh-CN" sz="1400" dirty="0"/>
+              <a:t>)</a:t>
+            </a:r>
+            <a:r>
+              <a:rPr lang="zh-CN" altLang="en-US" sz="1400" dirty="0"/>
+              <a:t>的增删改查</a:t>
+            </a:r>
+          </a:p>
+          <a:p>
+            <a:pPr marL="228600" indent="-228600">
+              <a:buFont typeface="+mj-lt"/>
+              <a:buAutoNum type="arabicPeriod"/>
+            </a:pPr>
+            <a:endParaRPr lang="zh-CN" altLang="en-US" sz="1400" dirty="0"/>
+          </a:p>
+          <a:p>
+            <a:pPr marL="228600" indent="-228600">
+              <a:buFont typeface="+mj-lt"/>
+              <a:buAutoNum type="arabicPeriod"/>
+            </a:pPr>
+            <a:r>
+              <a:rPr lang="zh-CN" altLang="en-US" sz="1400" dirty="0"/>
               <a:t>机器列表</a:t>
             </a:r>
-            <a:r>
-              <a:rPr lang="en-US" altLang="zh-CN" dirty="0"/>
-              <a:t>"</a:t>
-            </a:r>
-            <a:r>
-              <a:rPr lang="zh-CN" altLang="en-US" dirty="0"/>
-              <a:t>中显示机器</a:t>
-            </a:r>
-          </a:p>
-        </p:txBody>
-      </p:sp>
-      <p:sp>
-        <p:nvSpPr>
-          <p:cNvPr id="10" name="文本框 9">
-            <a:extLst>
-              <a:ext uri="{FF2B5EF4-FFF2-40B4-BE49-F238E27FC236}">
-                <a16:creationId xmlns:a16="http://schemas.microsoft.com/office/drawing/2014/main" id="{2E44E461-B324-4B93-9550-B29A50FFFB56}"/>
-              </a:ext>
-            </a:extLst>
-          </p:cNvPr>
-          <p:cNvSpPr txBox="1"/>
-          <p:nvPr/>
-        </p:nvSpPr>
-        <p:spPr>
-          <a:xfrm>
-            <a:off x="1174812" y="3244334"/>
-            <a:ext cx="5032147" cy="369332"/>
-          </a:xfrm>
-          <a:prstGeom prst="rect">
-            <a:avLst/>
-          </a:prstGeom>
-          <a:noFill/>
-        </p:spPr>
-        <p:txBody>
-          <a:bodyPr wrap="none" rtlCol="0">
-            <a:spAutoFit/>
-          </a:bodyPr>
-          <a:lstStyle/>
-          <a:p>
-            <a:r>
-              <a:rPr lang="zh-CN" altLang="en-US" dirty="0"/>
-              <a:t>成功接入控制台，机器列表中就会展示该的机器</a:t>
-            </a:r>
-          </a:p>
-        </p:txBody>
-      </p:sp>
-      <p:pic>
-        <p:nvPicPr>
-          <p:cNvPr id="11" name="图片 10">
-            <a:extLst>
-              <a:ext uri="{FF2B5EF4-FFF2-40B4-BE49-F238E27FC236}">
-                <a16:creationId xmlns:a16="http://schemas.microsoft.com/office/drawing/2014/main" id="{256F7DFB-A8BE-48F6-8236-3FACEEA73AC8}"/>
-              </a:ext>
-            </a:extLst>
-          </p:cNvPr>
-          <p:cNvPicPr>
-            <a:picLocks noChangeAspect="1"/>
-          </p:cNvPicPr>
-          <p:nvPr/>
-        </p:nvPicPr>
-        <p:blipFill>
-          <a:blip r:embed="rId5"/>
-          <a:stretch>
-            <a:fillRect/>
-          </a:stretch>
-        </p:blipFill>
-        <p:spPr>
-          <a:xfrm>
-            <a:off x="136603" y="3613666"/>
-            <a:ext cx="11918713" cy="2552921"/>
-          </a:xfrm>
-          <a:prstGeom prst="rect">
-            <a:avLst/>
-          </a:prstGeom>
-        </p:spPr>
-      </p:pic>
+            <a:br>
+              <a:rPr lang="zh-CN" altLang="en-US" sz="1400" dirty="0"/>
+            </a:br>
+            <a:r>
+              <a:rPr lang="zh-CN" altLang="en-US" sz="1400" dirty="0"/>
+              <a:t>提供机器自发现功能，方便查看集群机器数量和机器健康状况</a:t>
+            </a:r>
+          </a:p>
+          <a:p>
+            <a:r>
+              <a:rPr lang="zh-CN" altLang="en-US" sz="1400" dirty="0"/>
+              <a:t>     </a:t>
+            </a:r>
+            <a:r>
+              <a:rPr lang="zh-CN" altLang="en-US" sz="1400" dirty="0">
+                <a:solidFill>
+                  <a:srgbClr val="FF0000"/>
+                </a:solidFill>
+              </a:rPr>
+              <a:t>若应用已退出，过 5 分钟没有收到心跳，控制台就会标记对应机器为失联状态，但不会将对应应用从列表中移除</a:t>
+            </a:r>
+            <a:endParaRPr lang="zh-CN" altLang="en-US" sz="1400" dirty="0"/>
+          </a:p>
+          <a:p>
+            <a:endParaRPr lang="zh-CN" altLang="en-US" sz="1400" dirty="0"/>
+          </a:p>
+          <a:p>
+            <a:r>
+              <a:rPr lang="zh-CN" altLang="en-US" sz="1400" dirty="0"/>
+              <a:t>注：</a:t>
+            </a:r>
+            <a:r>
+              <a:rPr lang="en-US" altLang="zh-CN" sz="1400" dirty="0"/>
+              <a:t> </a:t>
+            </a:r>
+          </a:p>
+          <a:p>
+            <a:r>
+              <a:rPr lang="en-US" altLang="zh-CN" sz="1400" dirty="0"/>
+              <a:t>      </a:t>
+            </a:r>
+            <a:r>
+              <a:rPr lang="en-US" altLang="zh-CN" sz="1400" dirty="0">
+                <a:sym typeface="+mn-ea"/>
+              </a:rPr>
+              <a:t>3</a:t>
+            </a:r>
+            <a:r>
+              <a:rPr lang="zh-CN" altLang="en-US" sz="1400" dirty="0">
+                <a:sym typeface="+mn-ea"/>
+              </a:rPr>
+              <a:t>种规则的持久化需要定制开发；</a:t>
+            </a:r>
+            <a:r>
+              <a:rPr lang="en-US" altLang="zh-CN" sz="1400" dirty="0"/>
+              <a:t>      </a:t>
+            </a:r>
+          </a:p>
+          <a:p>
+            <a:r>
+              <a:rPr lang="zh-CN" altLang="en-US" sz="1400" dirty="0"/>
+              <a:t>      规则配置是以</a:t>
+            </a:r>
+            <a:r>
+              <a:rPr lang="en-US" altLang="zh-CN" sz="1400" dirty="0" err="1"/>
+              <a:t>ip</a:t>
+            </a:r>
+            <a:r>
+              <a:rPr lang="zh-CN" altLang="en-US" sz="1400" dirty="0"/>
+              <a:t>、端口为单位的，如果</a:t>
+            </a:r>
+            <a:r>
+              <a:rPr lang="en-US" altLang="zh-CN" sz="1400" dirty="0"/>
+              <a:t>1</a:t>
+            </a:r>
+            <a:r>
+              <a:rPr lang="zh-CN" altLang="en-US" sz="1400" dirty="0"/>
+              <a:t>个</a:t>
+            </a:r>
+            <a:r>
+              <a:rPr lang="en-US" altLang="zh-CN" sz="1400" dirty="0" err="1"/>
+              <a:t>dubbo</a:t>
+            </a:r>
+            <a:r>
+              <a:rPr lang="zh-CN" altLang="en-US" sz="1400" dirty="0"/>
+              <a:t>服务不同机器部了</a:t>
+            </a:r>
+            <a:r>
+              <a:rPr lang="en-US" altLang="zh-CN" sz="1400" dirty="0"/>
+              <a:t>4</a:t>
+            </a:r>
+            <a:r>
+              <a:rPr lang="zh-CN" altLang="en-US" sz="1400" dirty="0"/>
+              <a:t>个节点，各节点的规则是分开配置的；</a:t>
+            </a:r>
+          </a:p>
+        </p:txBody>
+      </p:sp>
     </p:spTree>
     <p:extLst>
       <p:ext uri="{BB962C8B-B14F-4D97-AF65-F5344CB8AC3E}">
-        <p14:creationId xmlns:p14="http://schemas.microsoft.com/office/powerpoint/2010/main" val="817814060"/>
+        <p14:creationId xmlns:p14="http://schemas.microsoft.com/office/powerpoint/2010/main" val="1199420536"/>
       </p:ext>
     </p:extLst>
   </p:cSld>
@@ -11174,7 +11121,7 @@
         <p:spPr>
           <a:xfrm>
             <a:off x="1174812" y="1553492"/>
-            <a:ext cx="8670524" cy="369332"/>
+            <a:ext cx="8670524" cy="646331"/>
           </a:xfrm>
           <a:prstGeom prst="rect">
             <a:avLst/>
@@ -11187,24 +11134,115 @@
           <a:lstStyle/>
           <a:p>
             <a:r>
+              <a:rPr lang="en-US" altLang="zh-CN" dirty="0">
+                <a:solidFill>
+                  <a:srgbClr val="24292E"/>
+                </a:solidFill>
+                <a:latin typeface="-apple-system"/>
+              </a:rPr>
+              <a:t>Sentinel </a:t>
+            </a:r>
+            <a:r>
               <a:rPr lang="zh-CN" altLang="en-US" dirty="0">
                 <a:solidFill>
                   <a:srgbClr val="24292E"/>
                 </a:solidFill>
                 <a:latin typeface="-apple-system"/>
               </a:rPr>
-              <a:t>显示刚刚调用的资源</a:t>
+              <a:t>提供一个轻量级的开源控制台，它提供机器发现、单机资源实时监控、集群资源汇总，以及规则管理的功能。</a:t>
             </a:r>
             <a:endParaRPr lang="zh-CN" altLang="en-US" dirty="0"/>
+          </a:p>
+        </p:txBody>
+      </p:sp>
+      <p:sp>
+        <p:nvSpPr>
+          <p:cNvPr id="7" name="文本框 6">
+            <a:extLst>
+              <a:ext uri="{FF2B5EF4-FFF2-40B4-BE49-F238E27FC236}">
+                <a16:creationId xmlns:a16="http://schemas.microsoft.com/office/drawing/2014/main" id="{EE76B62B-2043-4C32-B3DE-B4C3A4E096EC}"/>
+              </a:ext>
+            </a:extLst>
+          </p:cNvPr>
+          <p:cNvSpPr txBox="1"/>
+          <p:nvPr/>
+        </p:nvSpPr>
+        <p:spPr>
+          <a:xfrm flipH="1">
+            <a:off x="1174812" y="2578615"/>
+            <a:ext cx="2508090" cy="369332"/>
+          </a:xfrm>
+          <a:prstGeom prst="rect">
+            <a:avLst/>
+          </a:prstGeom>
+          <a:noFill/>
+        </p:spPr>
+        <p:txBody>
+          <a:bodyPr wrap="square" rtlCol="0">
+            <a:spAutoFit/>
+          </a:bodyPr>
+          <a:lstStyle/>
+          <a:p>
+            <a:r>
+              <a:rPr lang="en-US" altLang="zh-CN" dirty="0"/>
+              <a:t>"</a:t>
+            </a:r>
+            <a:r>
+              <a:rPr lang="zh-CN" altLang="en-US" dirty="0"/>
+              <a:t>机器列表</a:t>
+            </a:r>
+            <a:r>
+              <a:rPr lang="en-US" altLang="zh-CN" dirty="0"/>
+              <a:t>"</a:t>
+            </a:r>
+            <a:r>
+              <a:rPr lang="zh-CN" altLang="en-US" dirty="0"/>
+              <a:t>中显示机器</a:t>
+            </a:r>
+          </a:p>
+        </p:txBody>
+      </p:sp>
+      <p:sp>
+        <p:nvSpPr>
+          <p:cNvPr id="10" name="文本框 9">
+            <a:extLst>
+              <a:ext uri="{FF2B5EF4-FFF2-40B4-BE49-F238E27FC236}">
+                <a16:creationId xmlns:a16="http://schemas.microsoft.com/office/drawing/2014/main" id="{2E44E461-B324-4B93-9550-B29A50FFFB56}"/>
+              </a:ext>
+            </a:extLst>
+          </p:cNvPr>
+          <p:cNvSpPr txBox="1"/>
+          <p:nvPr/>
+        </p:nvSpPr>
+        <p:spPr>
+          <a:xfrm>
+            <a:off x="1174812" y="3244334"/>
+            <a:ext cx="5032147" cy="369332"/>
+          </a:xfrm>
+          <a:prstGeom prst="rect">
+            <a:avLst/>
+          </a:prstGeom>
+          <a:noFill/>
+        </p:spPr>
+        <p:txBody>
+          <a:bodyPr wrap="none" rtlCol="0">
+            <a:spAutoFit/>
+          </a:bodyPr>
+          <a:lstStyle/>
+          <a:p>
+            <a:r>
+              <a:rPr lang="zh-CN" altLang="en-US" dirty="0"/>
+              <a:t>成功接入控制台，机器列表中就会展示该的机器</a:t>
+            </a:r>
           </a:p>
         </p:txBody>
       </p:sp>
       <p:pic>
         <p:nvPicPr>
-          <p:cNvPr id="4" name="图片 3">
+          <p:cNvPr id="11" name="图片 10">
             <a:extLst>
               <a:ext uri="{FF2B5EF4-FFF2-40B4-BE49-F238E27FC236}">
-                <a16:creationId xmlns:a16="http://schemas.microsoft.com/office/drawing/2014/main" id="{011D83D7-980C-4320-BFE7-6B12251B420A}"/>
+                <a16:creationId xmlns:a16="http://schemas.microsoft.com/office/drawing/2014/main" id="{256F7DFB-A8BE-48F6-8236-3FACEEA73AC8}"/>
               </a:ext>
             </a:extLst>
           </p:cNvPr>
@@ -11221,38 +11259,8 @@
         </p:blipFill>
         <p:spPr>
           <a:xfrm>
-            <a:off x="1334494" y="4388906"/>
-            <a:ext cx="8870449" cy="2469094"/>
-          </a:xfrm>
-          <a:prstGeom prst="rect">
-            <a:avLst/>
-          </a:prstGeom>
-        </p:spPr>
-      </p:pic>
-      <p:pic>
-        <p:nvPicPr>
-          <p:cNvPr id="6" name="图片 5">
-            <a:extLst>
-              <a:ext uri="{FF2B5EF4-FFF2-40B4-BE49-F238E27FC236}">
-                <a16:creationId xmlns:a16="http://schemas.microsoft.com/office/drawing/2014/main" id="{DA141C65-B54D-41ED-81D6-F813CF438146}"/>
-              </a:ext>
-            </a:extLst>
-          </p:cNvPr>
-          <p:cNvPicPr>
-            <a:picLocks noChangeAspect="1"/>
-          </p:cNvPicPr>
-          <p:nvPr/>
-        </p:nvPicPr>
-        <p:blipFill>
-          <a:blip r:embed="rId6"/>
-          <a:stretch>
-            <a:fillRect/>
-          </a:stretch>
-        </p:blipFill>
-        <p:spPr>
-          <a:xfrm>
-            <a:off x="1174812" y="2072225"/>
-            <a:ext cx="9464860" cy="2316681"/>
+            <a:off x="136603" y="3613666"/>
+            <a:ext cx="11918713" cy="2552921"/>
           </a:xfrm>
           <a:prstGeom prst="rect">
             <a:avLst/>
@@ -11262,7 +11270,7 @@
     </p:spTree>
     <p:extLst>
       <p:ext uri="{BB962C8B-B14F-4D97-AF65-F5344CB8AC3E}">
-        <p14:creationId xmlns:p14="http://schemas.microsoft.com/office/powerpoint/2010/main" val="788667116"/>
+        <p14:creationId xmlns:p14="http://schemas.microsoft.com/office/powerpoint/2010/main" val="817814060"/>
       </p:ext>
     </p:extLst>
   </p:cSld>
@@ -11424,30 +11432,24 @@
           <a:lstStyle/>
           <a:p>
             <a:r>
-              <a:rPr lang="en-US" altLang="zh-CN" b="1" dirty="0"/>
-              <a:t>"</a:t>
-            </a:r>
-            <a:r>
-              <a:rPr lang="zh-CN" altLang="en-US" b="1" dirty="0"/>
-              <a:t>实时监控</a:t>
-            </a:r>
-            <a:r>
-              <a:rPr lang="en-US" altLang="zh-CN" b="1" dirty="0"/>
-              <a:t>"</a:t>
-            </a:r>
-            <a:r>
-              <a:rPr lang="zh-CN" altLang="en-US" b="1" dirty="0"/>
-              <a:t>汇总资源信息</a:t>
-            </a:r>
+              <a:rPr lang="zh-CN" altLang="en-US" dirty="0">
+                <a:solidFill>
+                  <a:srgbClr val="24292E"/>
+                </a:solidFill>
+                <a:latin typeface="-apple-system"/>
+              </a:rPr>
+              <a:t>显示刚刚调用的资源</a:t>
+            </a:r>
+            <a:endParaRPr lang="zh-CN" altLang="en-US" dirty="0"/>
           </a:p>
         </p:txBody>
       </p:sp>
       <p:pic>
         <p:nvPicPr>
-          <p:cNvPr id="2" name="图片 1">
+          <p:cNvPr id="4" name="图片 3">
             <a:extLst>
               <a:ext uri="{FF2B5EF4-FFF2-40B4-BE49-F238E27FC236}">
-                <a16:creationId xmlns:a16="http://schemas.microsoft.com/office/drawing/2014/main" id="{95F66E2E-DDE0-48FA-91E4-7C2E4F6D1413}"/>
+                <a16:creationId xmlns:a16="http://schemas.microsoft.com/office/drawing/2014/main" id="{011D83D7-980C-4320-BFE7-6B12251B420A}"/>
               </a:ext>
             </a:extLst>
           </p:cNvPr>
@@ -11464,8 +11466,38 @@
         </p:blipFill>
         <p:spPr>
           <a:xfrm>
-            <a:off x="1305731" y="2170285"/>
-            <a:ext cx="9083827" cy="3330229"/>
+            <a:off x="1334494" y="4388906"/>
+            <a:ext cx="8870449" cy="2469094"/>
+          </a:xfrm>
+          <a:prstGeom prst="rect">
+            <a:avLst/>
+          </a:prstGeom>
+        </p:spPr>
+      </p:pic>
+      <p:pic>
+        <p:nvPicPr>
+          <p:cNvPr id="6" name="图片 5">
+            <a:extLst>
+              <a:ext uri="{FF2B5EF4-FFF2-40B4-BE49-F238E27FC236}">
+                <a16:creationId xmlns:a16="http://schemas.microsoft.com/office/drawing/2014/main" id="{DA141C65-B54D-41ED-81D6-F813CF438146}"/>
+              </a:ext>
+            </a:extLst>
+          </p:cNvPr>
+          <p:cNvPicPr>
+            <a:picLocks noChangeAspect="1"/>
+          </p:cNvPicPr>
+          <p:nvPr/>
+        </p:nvPicPr>
+        <p:blipFill>
+          <a:blip r:embed="rId6"/>
+          <a:stretch>
+            <a:fillRect/>
+          </a:stretch>
+        </p:blipFill>
+        <p:spPr>
+          <a:xfrm>
+            <a:off x="1174812" y="2072225"/>
+            <a:ext cx="9464860" cy="2316681"/>
           </a:xfrm>
           <a:prstGeom prst="rect">
             <a:avLst/>
@@ -11475,7 +11507,7 @@
     </p:spTree>
     <p:extLst>
       <p:ext uri="{BB962C8B-B14F-4D97-AF65-F5344CB8AC3E}">
-        <p14:creationId xmlns:p14="http://schemas.microsoft.com/office/powerpoint/2010/main" val="2280048489"/>
+        <p14:creationId xmlns:p14="http://schemas.microsoft.com/office/powerpoint/2010/main" val="788667116"/>
       </p:ext>
     </p:extLst>
   </p:cSld>
@@ -11637,18 +11669,30 @@
           <a:lstStyle/>
           <a:p>
             <a:r>
+              <a:rPr lang="en-US" altLang="zh-CN" b="1" dirty="0"/>
+              <a:t>"</a:t>
+            </a:r>
+            <a:r>
               <a:rPr lang="zh-CN" altLang="en-US" b="1" dirty="0"/>
-              <a:t>规则管理</a:t>
+              <a:t>实时监控</a:t>
+            </a:r>
+            <a:r>
+              <a:rPr lang="en-US" altLang="zh-CN" b="1" dirty="0"/>
+              <a:t>"</a:t>
+            </a:r>
+            <a:r>
+              <a:rPr lang="zh-CN" altLang="en-US" b="1" dirty="0"/>
+              <a:t>汇总资源信息</a:t>
             </a:r>
           </a:p>
         </p:txBody>
       </p:sp>
       <p:pic>
         <p:nvPicPr>
-          <p:cNvPr id="5" name="图片 4">
+          <p:cNvPr id="2" name="图片 1">
             <a:extLst>
               <a:ext uri="{FF2B5EF4-FFF2-40B4-BE49-F238E27FC236}">
-                <a16:creationId xmlns:a16="http://schemas.microsoft.com/office/drawing/2014/main" id="{A9B0966B-9F07-421A-96B9-683045CB6394}"/>
+                <a16:creationId xmlns:a16="http://schemas.microsoft.com/office/drawing/2014/main" id="{95F66E2E-DDE0-48FA-91E4-7C2E4F6D1413}"/>
               </a:ext>
             </a:extLst>
           </p:cNvPr>
@@ -11665,38 +11709,8 @@
         </p:blipFill>
         <p:spPr>
           <a:xfrm>
-            <a:off x="1174812" y="1922824"/>
-            <a:ext cx="1767993" cy="4343776"/>
-          </a:xfrm>
-          <a:prstGeom prst="rect">
-            <a:avLst/>
-          </a:prstGeom>
-        </p:spPr>
-      </p:pic>
-      <p:pic>
-        <p:nvPicPr>
-          <p:cNvPr id="6" name="图片 5">
-            <a:extLst>
-              <a:ext uri="{FF2B5EF4-FFF2-40B4-BE49-F238E27FC236}">
-                <a16:creationId xmlns:a16="http://schemas.microsoft.com/office/drawing/2014/main" id="{5599CF4C-4BE1-4C7D-A29A-2AF0211005A9}"/>
-              </a:ext>
-            </a:extLst>
-          </p:cNvPr>
-          <p:cNvPicPr>
-            <a:picLocks noChangeAspect="1"/>
-          </p:cNvPicPr>
-          <p:nvPr/>
-        </p:nvPicPr>
-        <p:blipFill>
-          <a:blip r:embed="rId6"/>
-          <a:stretch>
-            <a:fillRect/>
-          </a:stretch>
-        </p:blipFill>
-        <p:spPr>
-          <a:xfrm>
-            <a:off x="3370826" y="1818999"/>
-            <a:ext cx="7270110" cy="4755292"/>
+            <a:off x="1305731" y="2170285"/>
+            <a:ext cx="9083827" cy="3330229"/>
           </a:xfrm>
           <a:prstGeom prst="rect">
             <a:avLst/>
@@ -11706,7 +11720,7 @@
     </p:spTree>
     <p:extLst>
       <p:ext uri="{BB962C8B-B14F-4D97-AF65-F5344CB8AC3E}">
-        <p14:creationId xmlns:p14="http://schemas.microsoft.com/office/powerpoint/2010/main" val="4088128556"/>
+        <p14:creationId xmlns:p14="http://schemas.microsoft.com/office/powerpoint/2010/main" val="2280048489"/>
       </p:ext>
     </p:extLst>
   </p:cSld>
@@ -11876,10 +11890,10 @@
       </p:sp>
       <p:pic>
         <p:nvPicPr>
-          <p:cNvPr id="2" name="图片 1">
+          <p:cNvPr id="5" name="图片 4">
             <a:extLst>
               <a:ext uri="{FF2B5EF4-FFF2-40B4-BE49-F238E27FC236}">
-                <a16:creationId xmlns:a16="http://schemas.microsoft.com/office/drawing/2014/main" id="{132F9D57-F0A5-48FA-8F5D-B2EA7A86FFBB}"/>
+                <a16:creationId xmlns:a16="http://schemas.microsoft.com/office/drawing/2014/main" id="{A9B0966B-9F07-421A-96B9-683045CB6394}"/>
               </a:ext>
             </a:extLst>
           </p:cNvPr>
@@ -11896,8 +11910,8 @@
         </p:blipFill>
         <p:spPr>
           <a:xfrm>
-            <a:off x="3203706" y="1922824"/>
-            <a:ext cx="7553325" cy="4600575"/>
+            <a:off x="1174812" y="1922824"/>
+            <a:ext cx="1767993" cy="4343776"/>
           </a:xfrm>
           <a:prstGeom prst="rect">
             <a:avLst/>
@@ -11906,10 +11920,10 @@
       </p:pic>
       <p:pic>
         <p:nvPicPr>
-          <p:cNvPr id="8" name="图片 7">
+          <p:cNvPr id="6" name="图片 5">
             <a:extLst>
               <a:ext uri="{FF2B5EF4-FFF2-40B4-BE49-F238E27FC236}">
-                <a16:creationId xmlns:a16="http://schemas.microsoft.com/office/drawing/2014/main" id="{320A3091-F30B-4D07-BAF9-AC018D2BE994}"/>
+                <a16:creationId xmlns:a16="http://schemas.microsoft.com/office/drawing/2014/main" id="{5599CF4C-4BE1-4C7D-A29A-2AF0211005A9}"/>
               </a:ext>
             </a:extLst>
           </p:cNvPr>
@@ -11926,8 +11940,8 @@
         </p:blipFill>
         <p:spPr>
           <a:xfrm>
-            <a:off x="893859" y="1922824"/>
-            <a:ext cx="1295400" cy="3962400"/>
+            <a:off x="3370826" y="1818999"/>
+            <a:ext cx="7270110" cy="4755292"/>
           </a:xfrm>
           <a:prstGeom prst="rect">
             <a:avLst/>
@@ -11937,7 +11951,7 @@
     </p:spTree>
     <p:extLst>
       <p:ext uri="{BB962C8B-B14F-4D97-AF65-F5344CB8AC3E}">
-        <p14:creationId xmlns:p14="http://schemas.microsoft.com/office/powerpoint/2010/main" val="760946903"/>
+        <p14:creationId xmlns:p14="http://schemas.microsoft.com/office/powerpoint/2010/main" val="4088128556"/>
       </p:ext>
     </p:extLst>
   </p:cSld>
@@ -12071,12 +12085,46 @@
           </a:ln>
         </p:spPr>
       </p:pic>
+      <p:sp>
+        <p:nvSpPr>
+          <p:cNvPr id="3" name="矩形 2">
+            <a:extLst>
+              <a:ext uri="{FF2B5EF4-FFF2-40B4-BE49-F238E27FC236}">
+                <a16:creationId xmlns:a16="http://schemas.microsoft.com/office/drawing/2014/main" id="{622CA644-DB1B-42DC-9034-D6F0C200E803}"/>
+              </a:ext>
+            </a:extLst>
+          </p:cNvPr>
+          <p:cNvSpPr/>
+          <p:nvPr/>
+        </p:nvSpPr>
+        <p:spPr>
+          <a:xfrm>
+            <a:off x="1174812" y="1553492"/>
+            <a:ext cx="8670524" cy="369332"/>
+          </a:xfrm>
+          <a:prstGeom prst="rect">
+            <a:avLst/>
+          </a:prstGeom>
+        </p:spPr>
+        <p:txBody>
+          <a:bodyPr wrap="square">
+            <a:spAutoFit/>
+          </a:bodyPr>
+          <a:lstStyle/>
+          <a:p>
+            <a:r>
+              <a:rPr lang="zh-CN" altLang="en-US" b="1" dirty="0"/>
+              <a:t>规则管理</a:t>
+            </a:r>
+          </a:p>
+        </p:txBody>
+      </p:sp>
       <p:pic>
         <p:nvPicPr>
-          <p:cNvPr id="4" name="图片 3">
+          <p:cNvPr id="2" name="图片 1">
             <a:extLst>
               <a:ext uri="{FF2B5EF4-FFF2-40B4-BE49-F238E27FC236}">
-                <a16:creationId xmlns:a16="http://schemas.microsoft.com/office/drawing/2014/main" id="{A4647CE8-7F0F-4972-A694-812D8602336C}"/>
+                <a16:creationId xmlns:a16="http://schemas.microsoft.com/office/drawing/2014/main" id="{132F9D57-F0A5-48FA-8F5D-B2EA7A86FFBB}"/>
               </a:ext>
             </a:extLst>
           </p:cNvPr>
@@ -12093,8 +12141,38 @@
         </p:blipFill>
         <p:spPr>
           <a:xfrm>
-            <a:off x="0" y="2055055"/>
-            <a:ext cx="12192000" cy="2747889"/>
+            <a:off x="3203706" y="1922824"/>
+            <a:ext cx="7553325" cy="4600575"/>
+          </a:xfrm>
+          <a:prstGeom prst="rect">
+            <a:avLst/>
+          </a:prstGeom>
+        </p:spPr>
+      </p:pic>
+      <p:pic>
+        <p:nvPicPr>
+          <p:cNvPr id="8" name="图片 7">
+            <a:extLst>
+              <a:ext uri="{FF2B5EF4-FFF2-40B4-BE49-F238E27FC236}">
+                <a16:creationId xmlns:a16="http://schemas.microsoft.com/office/drawing/2014/main" id="{320A3091-F30B-4D07-BAF9-AC018D2BE994}"/>
+              </a:ext>
+            </a:extLst>
+          </p:cNvPr>
+          <p:cNvPicPr>
+            <a:picLocks noChangeAspect="1"/>
+          </p:cNvPicPr>
+          <p:nvPr/>
+        </p:nvPicPr>
+        <p:blipFill>
+          <a:blip r:embed="rId6"/>
+          <a:stretch>
+            <a:fillRect/>
+          </a:stretch>
+        </p:blipFill>
+        <p:spPr>
+          <a:xfrm>
+            <a:off x="893859" y="1922824"/>
+            <a:ext cx="1295400" cy="3962400"/>
           </a:xfrm>
           <a:prstGeom prst="rect">
             <a:avLst/>
@@ -12104,7 +12182,7 @@
     </p:spTree>
     <p:extLst>
       <p:ext uri="{BB962C8B-B14F-4D97-AF65-F5344CB8AC3E}">
-        <p14:creationId xmlns:p14="http://schemas.microsoft.com/office/powerpoint/2010/main" val="2250567807"/>
+        <p14:creationId xmlns:p14="http://schemas.microsoft.com/office/powerpoint/2010/main" val="760946903"/>
       </p:ext>
     </p:extLst>
   </p:cSld>
@@ -12240,10 +12318,10 @@
       </p:pic>
       <p:pic>
         <p:nvPicPr>
-          <p:cNvPr id="2" name="图片 1">
+          <p:cNvPr id="4" name="图片 3">
             <a:extLst>
               <a:ext uri="{FF2B5EF4-FFF2-40B4-BE49-F238E27FC236}">
-                <a16:creationId xmlns:a16="http://schemas.microsoft.com/office/drawing/2014/main" id="{14DC6E28-F0D5-4BE4-8EE3-0C3B91E62636}"/>
+                <a16:creationId xmlns:a16="http://schemas.microsoft.com/office/drawing/2014/main" id="{A4647CE8-7F0F-4972-A694-812D8602336C}"/>
               </a:ext>
             </a:extLst>
           </p:cNvPr>
@@ -12260,8 +12338,8 @@
         </p:blipFill>
         <p:spPr>
           <a:xfrm>
-            <a:off x="1215059" y="1266825"/>
-            <a:ext cx="8648700" cy="4324350"/>
+            <a:off x="0" y="2055055"/>
+            <a:ext cx="12192000" cy="2747889"/>
           </a:xfrm>
           <a:prstGeom prst="rect">
             <a:avLst/>
@@ -12271,7 +12349,7 @@
     </p:spTree>
     <p:extLst>
       <p:ext uri="{BB962C8B-B14F-4D97-AF65-F5344CB8AC3E}">
-        <p14:creationId xmlns:p14="http://schemas.microsoft.com/office/powerpoint/2010/main" val="1450708820"/>
+        <p14:creationId xmlns:p14="http://schemas.microsoft.com/office/powerpoint/2010/main" val="2250567807"/>
       </p:ext>
     </p:extLst>
   </p:cSld>
@@ -12338,7 +12416,7 @@
         <p:spPr>
           <a:xfrm>
             <a:off x="572313" y="359870"/>
-            <a:ext cx="1974900" cy="436017"/>
+            <a:ext cx="2338782" cy="436017"/>
           </a:xfrm>
           <a:prstGeom prst="rect">
             <a:avLst/>
@@ -12366,8 +12444,12 @@
           </a:lstStyle>
           <a:p>
             <a:r>
+              <a:rPr lang="en-US" altLang="zh-CN" sz="2500" dirty="0"/>
+              <a:t>Sentinel </a:t>
+            </a:r>
+            <a:r>
               <a:rPr lang="zh-CN" altLang="en-US" sz="2500" dirty="0"/>
-              <a:t>动态规则扩展</a:t>
+              <a:t>控制台</a:t>
             </a:r>
           </a:p>
         </p:txBody>
@@ -12401,199 +12483,12 @@
           </a:ln>
         </p:spPr>
       </p:pic>
-      <p:sp>
-        <p:nvSpPr>
-          <p:cNvPr id="2" name="文本框 1">
+      <p:pic>
+        <p:nvPicPr>
+          <p:cNvPr id="2" name="图片 1">
             <a:extLst>
               <a:ext uri="{FF2B5EF4-FFF2-40B4-BE49-F238E27FC236}">
-                <a16:creationId xmlns:a16="http://schemas.microsoft.com/office/drawing/2014/main" id="{3F07C448-348F-43CD-A1F3-F0911792A073}"/>
-              </a:ext>
-            </a:extLst>
-          </p:cNvPr>
-          <p:cNvSpPr txBox="1"/>
-          <p:nvPr/>
-        </p:nvSpPr>
-        <p:spPr>
-          <a:xfrm>
-            <a:off x="970845" y="1670756"/>
-            <a:ext cx="8517075" cy="646331"/>
-          </a:xfrm>
-          <a:prstGeom prst="rect">
-            <a:avLst/>
-          </a:prstGeom>
-          <a:noFill/>
-        </p:spPr>
-        <p:txBody>
-          <a:bodyPr wrap="none" rtlCol="0">
-            <a:spAutoFit/>
-          </a:bodyPr>
-          <a:lstStyle/>
-          <a:p>
-            <a:r>
-              <a:rPr lang="zh-CN" altLang="en-US" dirty="0"/>
-              <a:t>目前控制台的规则推送也是通过 规则查询更改 </a:t>
-            </a:r>
-            <a:r>
-              <a:rPr lang="en-US" altLang="zh-CN" dirty="0"/>
-              <a:t>HTTP </a:t>
-            </a:r>
-            <a:r>
-              <a:rPr lang="zh-CN" altLang="en-US" dirty="0"/>
-              <a:t>命令来更改规则。这也意味着</a:t>
-            </a:r>
-            <a:endParaRPr lang="en-US" altLang="zh-CN" dirty="0"/>
-          </a:p>
-          <a:p>
-            <a:r>
-              <a:rPr lang="zh-CN" altLang="en-US" dirty="0"/>
-              <a:t>这些规则仅在内存态生效，应用重启之后，该规则会丢失。</a:t>
-            </a:r>
-          </a:p>
-        </p:txBody>
-      </p:sp>
-      <p:sp>
-        <p:nvSpPr>
-          <p:cNvPr id="3" name="文本框 2">
-            <a:extLst>
-              <a:ext uri="{FF2B5EF4-FFF2-40B4-BE49-F238E27FC236}">
-                <a16:creationId xmlns:a16="http://schemas.microsoft.com/office/drawing/2014/main" id="{691091F3-2E58-483E-94C0-5330DD2D37F1}"/>
-              </a:ext>
-            </a:extLst>
-          </p:cNvPr>
-          <p:cNvSpPr txBox="1"/>
-          <p:nvPr/>
-        </p:nvSpPr>
-        <p:spPr>
-          <a:xfrm>
-            <a:off x="970845" y="2443811"/>
-            <a:ext cx="4280339" cy="1200329"/>
-          </a:xfrm>
-          <a:prstGeom prst="rect">
-            <a:avLst/>
-          </a:prstGeom>
-          <a:noFill/>
-        </p:spPr>
-        <p:txBody>
-          <a:bodyPr wrap="none" rtlCol="0">
-            <a:spAutoFit/>
-          </a:bodyPr>
-          <a:lstStyle/>
-          <a:p>
-            <a:r>
-              <a:rPr lang="en-US" altLang="zh-CN" dirty="0"/>
-              <a:t>Sentinel </a:t>
-            </a:r>
-            <a:r>
-              <a:rPr lang="zh-CN" altLang="en-US" dirty="0"/>
-              <a:t>提供两种方式修改规则：</a:t>
-            </a:r>
-            <a:endParaRPr lang="en-US" altLang="zh-CN" dirty="0"/>
-          </a:p>
-          <a:p>
-            <a:pPr marL="285750" indent="-285750">
-              <a:buFont typeface="Arial" panose="020B0604020202020204" pitchFamily="34" charset="0"/>
-              <a:buChar char="•"/>
-            </a:pPr>
-            <a:r>
-              <a:rPr lang="zh-CN" altLang="en-US" dirty="0"/>
-              <a:t>通过 </a:t>
-            </a:r>
-            <a:r>
-              <a:rPr lang="en-US" altLang="zh-CN" dirty="0"/>
-              <a:t>API </a:t>
-            </a:r>
-            <a:r>
-              <a:rPr lang="zh-CN" altLang="en-US" dirty="0"/>
-              <a:t>直接修改 </a:t>
-            </a:r>
-            <a:r>
-              <a:rPr lang="en-US" altLang="zh-CN" dirty="0"/>
-              <a:t>(</a:t>
-            </a:r>
-            <a:r>
-              <a:rPr lang="en-US" altLang="zh-CN" dirty="0" err="1"/>
-              <a:t>loadRules</a:t>
-            </a:r>
-            <a:r>
-              <a:rPr lang="en-US" altLang="zh-CN" dirty="0"/>
-              <a:t>)</a:t>
-            </a:r>
-          </a:p>
-          <a:p>
-            <a:pPr marL="285750" indent="-285750">
-              <a:buFont typeface="Arial" panose="020B0604020202020204" pitchFamily="34" charset="0"/>
-              <a:buChar char="•"/>
-            </a:pPr>
-            <a:r>
-              <a:rPr lang="zh-CN" altLang="en-US" dirty="0"/>
-              <a:t>通过 </a:t>
-            </a:r>
-            <a:r>
-              <a:rPr lang="en-US" altLang="zh-CN" dirty="0" err="1"/>
-              <a:t>DataSource</a:t>
-            </a:r>
-            <a:r>
-              <a:rPr lang="en-US" altLang="zh-CN" dirty="0"/>
-              <a:t> </a:t>
-            </a:r>
-            <a:r>
-              <a:rPr lang="zh-CN" altLang="en-US" dirty="0"/>
-              <a:t>适配不同数据源修改</a:t>
-            </a:r>
-          </a:p>
-          <a:p>
-            <a:endParaRPr lang="zh-CN" altLang="en-US" dirty="0"/>
-          </a:p>
-        </p:txBody>
-      </p:sp>
-      <p:sp>
-        <p:nvSpPr>
-          <p:cNvPr id="31" name="矩形 30">
-            <a:extLst>
-              <a:ext uri="{FF2B5EF4-FFF2-40B4-BE49-F238E27FC236}">
-                <a16:creationId xmlns:a16="http://schemas.microsoft.com/office/drawing/2014/main" id="{2FB29F09-9D52-4A86-8280-8E9D91E84E13}"/>
-              </a:ext>
-            </a:extLst>
-          </p:cNvPr>
-          <p:cNvSpPr/>
-          <p:nvPr/>
-        </p:nvSpPr>
-        <p:spPr>
-          <a:xfrm>
-            <a:off x="970845" y="3586198"/>
-            <a:ext cx="1851789" cy="369332"/>
-          </a:xfrm>
-          <a:prstGeom prst="rect">
-            <a:avLst/>
-          </a:prstGeom>
-        </p:spPr>
-        <p:txBody>
-          <a:bodyPr wrap="none">
-            <a:spAutoFit/>
-          </a:bodyPr>
-          <a:lstStyle/>
-          <a:p>
-            <a:r>
-              <a:rPr lang="en-US" altLang="zh-CN" dirty="0" err="1"/>
-              <a:t>DataSource</a:t>
-            </a:r>
-            <a:r>
-              <a:rPr lang="en-US" altLang="zh-CN" dirty="0"/>
-              <a:t> </a:t>
-            </a:r>
-            <a:r>
-              <a:rPr lang="zh-CN" altLang="en-US" dirty="0"/>
-              <a:t>扩展</a:t>
-            </a:r>
-          </a:p>
-        </p:txBody>
-      </p:sp>
-      <p:pic>
-        <p:nvPicPr>
-          <p:cNvPr id="128" name="图片 127">
-            <a:extLst>
-              <a:ext uri="{FF2B5EF4-FFF2-40B4-BE49-F238E27FC236}">
-                <a16:creationId xmlns:a16="http://schemas.microsoft.com/office/drawing/2014/main" id="{00AE7BC3-27E5-4607-A548-638CBECB36A5}"/>
+                <a16:creationId xmlns:a16="http://schemas.microsoft.com/office/drawing/2014/main" id="{14DC6E28-F0D5-4BE4-8EE3-0C3B91E62636}"/>
               </a:ext>
             </a:extLst>
           </p:cNvPr>
@@ -12610,8 +12505,8 @@
         </p:blipFill>
         <p:spPr>
           <a:xfrm>
-            <a:off x="5063615" y="2540490"/>
-            <a:ext cx="6873836" cy="4000847"/>
+            <a:off x="1215059" y="1266825"/>
+            <a:ext cx="8648700" cy="4324350"/>
           </a:xfrm>
           <a:prstGeom prst="rect">
             <a:avLst/>
@@ -12621,7 +12516,7 @@
     </p:spTree>
     <p:extLst>
       <p:ext uri="{BB962C8B-B14F-4D97-AF65-F5344CB8AC3E}">
-        <p14:creationId xmlns:p14="http://schemas.microsoft.com/office/powerpoint/2010/main" val="1663074339"/>
+        <p14:creationId xmlns:p14="http://schemas.microsoft.com/office/powerpoint/2010/main" val="1450708820"/>
       </p:ext>
     </p:extLst>
   </p:cSld>
@@ -13127,10 +13022,155 @@
       </p:pic>
       <p:sp>
         <p:nvSpPr>
-          <p:cNvPr id="5" name="矩形 4">
+          <p:cNvPr id="2" name="文本框 1">
             <a:extLst>
               <a:ext uri="{FF2B5EF4-FFF2-40B4-BE49-F238E27FC236}">
-                <a16:creationId xmlns:a16="http://schemas.microsoft.com/office/drawing/2014/main" id="{127BA53B-7A31-47C7-91CA-51089E0338EF}"/>
+                <a16:creationId xmlns:a16="http://schemas.microsoft.com/office/drawing/2014/main" id="{3F07C448-348F-43CD-A1F3-F0911792A073}"/>
+              </a:ext>
+            </a:extLst>
+          </p:cNvPr>
+          <p:cNvSpPr txBox="1"/>
+          <p:nvPr/>
+        </p:nvSpPr>
+        <p:spPr>
+          <a:xfrm>
+            <a:off x="970845" y="1670756"/>
+            <a:ext cx="8517075" cy="646331"/>
+          </a:xfrm>
+          <a:prstGeom prst="rect">
+            <a:avLst/>
+          </a:prstGeom>
+          <a:noFill/>
+        </p:spPr>
+        <p:txBody>
+          <a:bodyPr wrap="none" rtlCol="0">
+            <a:spAutoFit/>
+          </a:bodyPr>
+          <a:lstStyle/>
+          <a:p>
+            <a:r>
+              <a:rPr lang="zh-CN" altLang="en-US" dirty="0"/>
+              <a:t>目前控制台的规则推送也是通过 规则查询更改 </a:t>
+            </a:r>
+            <a:r>
+              <a:rPr lang="en-US" altLang="zh-CN" dirty="0"/>
+              <a:t>HTTP </a:t>
+            </a:r>
+            <a:r>
+              <a:rPr lang="zh-CN" altLang="en-US" dirty="0"/>
+              <a:t>命令来更改规则。这也意味着</a:t>
+            </a:r>
+            <a:endParaRPr lang="en-US" altLang="zh-CN" dirty="0"/>
+          </a:p>
+          <a:p>
+            <a:r>
+              <a:rPr lang="zh-CN" altLang="en-US" dirty="0"/>
+              <a:t>这些规则仅在内存态生效，应用重启之后，该规则会丢失。</a:t>
+            </a:r>
+          </a:p>
+        </p:txBody>
+      </p:sp>
+      <p:sp>
+        <p:nvSpPr>
+          <p:cNvPr id="3" name="文本框 2">
+            <a:extLst>
+              <a:ext uri="{FF2B5EF4-FFF2-40B4-BE49-F238E27FC236}">
+                <a16:creationId xmlns:a16="http://schemas.microsoft.com/office/drawing/2014/main" id="{691091F3-2E58-483E-94C0-5330DD2D37F1}"/>
+              </a:ext>
+            </a:extLst>
+          </p:cNvPr>
+          <p:cNvSpPr txBox="1"/>
+          <p:nvPr/>
+        </p:nvSpPr>
+        <p:spPr>
+          <a:xfrm>
+            <a:off x="970845" y="2443811"/>
+            <a:ext cx="4280339" cy="1200329"/>
+          </a:xfrm>
+          <a:prstGeom prst="rect">
+            <a:avLst/>
+          </a:prstGeom>
+          <a:noFill/>
+        </p:spPr>
+        <p:txBody>
+          <a:bodyPr wrap="none" rtlCol="0">
+            <a:spAutoFit/>
+          </a:bodyPr>
+          <a:lstStyle/>
+          <a:p>
+            <a:r>
+              <a:rPr lang="en-US" altLang="zh-CN" dirty="0"/>
+              <a:t>Sentinel </a:t>
+            </a:r>
+            <a:r>
+              <a:rPr lang="zh-CN" altLang="en-US" dirty="0"/>
+              <a:t>提供两种方式修改规则：</a:t>
+            </a:r>
+            <a:endParaRPr lang="en-US" altLang="zh-CN" dirty="0"/>
+          </a:p>
+          <a:p>
+            <a:pPr marL="285750" indent="-285750">
+              <a:buFont typeface="Arial" panose="020B0604020202020204" pitchFamily="34" charset="0"/>
+              <a:buChar char="•"/>
+            </a:pPr>
+            <a:r>
+              <a:rPr lang="zh-CN" altLang="en-US" dirty="0"/>
+              <a:t>通过 </a:t>
+            </a:r>
+            <a:r>
+              <a:rPr lang="en-US" altLang="zh-CN" dirty="0"/>
+              <a:t>API </a:t>
+            </a:r>
+            <a:r>
+              <a:rPr lang="zh-CN" altLang="en-US" dirty="0"/>
+              <a:t>直接修改 </a:t>
+            </a:r>
+            <a:r>
+              <a:rPr lang="en-US" altLang="zh-CN" dirty="0"/>
+              <a:t>(</a:t>
+            </a:r>
+            <a:r>
+              <a:rPr lang="en-US" altLang="zh-CN" dirty="0" err="1"/>
+              <a:t>loadRules</a:t>
+            </a:r>
+            <a:r>
+              <a:rPr lang="en-US" altLang="zh-CN" dirty="0"/>
+              <a:t>)</a:t>
+            </a:r>
+          </a:p>
+          <a:p>
+            <a:pPr marL="285750" indent="-285750">
+              <a:buFont typeface="Arial" panose="020B0604020202020204" pitchFamily="34" charset="0"/>
+              <a:buChar char="•"/>
+            </a:pPr>
+            <a:r>
+              <a:rPr lang="zh-CN" altLang="en-US" dirty="0"/>
+              <a:t>通过 </a:t>
+            </a:r>
+            <a:r>
+              <a:rPr lang="en-US" altLang="zh-CN" dirty="0" err="1"/>
+              <a:t>DataSource</a:t>
+            </a:r>
+            <a:r>
+              <a:rPr lang="en-US" altLang="zh-CN" dirty="0"/>
+              <a:t> </a:t>
+            </a:r>
+            <a:r>
+              <a:rPr lang="zh-CN" altLang="en-US" dirty="0"/>
+              <a:t>适配不同数据源修改</a:t>
+            </a:r>
+          </a:p>
+          <a:p>
+            <a:endParaRPr lang="zh-CN" altLang="en-US" dirty="0"/>
+          </a:p>
+        </p:txBody>
+      </p:sp>
+      <p:sp>
+        <p:nvSpPr>
+          <p:cNvPr id="31" name="矩形 30">
+            <a:extLst>
+              <a:ext uri="{FF2B5EF4-FFF2-40B4-BE49-F238E27FC236}">
+                <a16:creationId xmlns:a16="http://schemas.microsoft.com/office/drawing/2014/main" id="{2FB29F09-9D52-4A86-8280-8E9D91E84E13}"/>
               </a:ext>
             </a:extLst>
           </p:cNvPr>
@@ -13139,15 +13179,15 @@
         </p:nvSpPr>
         <p:spPr>
           <a:xfrm>
-            <a:off x="1185332" y="1789416"/>
-            <a:ext cx="9674579" cy="1754326"/>
-          </a:xfrm>
-          <a:prstGeom prst="rect">
-            <a:avLst/>
-          </a:prstGeom>
-        </p:spPr>
-        <p:txBody>
-          <a:bodyPr wrap="square">
+            <a:off x="970845" y="3586198"/>
+            <a:ext cx="1851789" cy="369332"/>
+          </a:xfrm>
+          <a:prstGeom prst="rect">
+            <a:avLst/>
+          </a:prstGeom>
+        </p:spPr>
+        <p:txBody>
+          <a:bodyPr wrap="none">
             <a:spAutoFit/>
           </a:bodyPr>
           <a:lstStyle/>
@@ -13162,74 +13202,45 @@
             </a:r>
             <a:r>
               <a:rPr lang="zh-CN" altLang="en-US" dirty="0"/>
-              <a:t>扩展常见的实现方式有</a:t>
-            </a:r>
-            <a:r>
-              <a:rPr lang="en-US" altLang="zh-CN" dirty="0"/>
-              <a:t>:</a:t>
-            </a:r>
-          </a:p>
-          <a:p>
-            <a:endParaRPr lang="en-US" altLang="zh-CN" dirty="0"/>
-          </a:p>
-          <a:p>
-            <a:pPr marL="285750" indent="-285750">
-              <a:buFont typeface="Arial" panose="020B0604020202020204" pitchFamily="34" charset="0"/>
-              <a:buChar char="•"/>
-            </a:pPr>
-            <a:r>
-              <a:rPr lang="zh-CN" altLang="en-US" dirty="0"/>
-              <a:t>拉模式：客户端主动向某个规则管理中心定期轮询拉取规则，这个规则中心可以是 </a:t>
-            </a:r>
-            <a:r>
-              <a:rPr lang="en-US" altLang="zh-CN" dirty="0"/>
-              <a:t>RDBMS</a:t>
-            </a:r>
-            <a:r>
-              <a:rPr lang="zh-CN" altLang="en-US" dirty="0"/>
-              <a:t>、文件，甚至是 </a:t>
-            </a:r>
-            <a:r>
-              <a:rPr lang="en-US" altLang="zh-CN" dirty="0"/>
-              <a:t>VCS </a:t>
-            </a:r>
-            <a:r>
-              <a:rPr lang="zh-CN" altLang="en-US" dirty="0"/>
-              <a:t>等。这样做的方式是简单，缺点是无法及时获取变更；</a:t>
-            </a:r>
-          </a:p>
-          <a:p>
-            <a:pPr marL="285750" indent="-285750">
-              <a:buFont typeface="Arial" panose="020B0604020202020204" pitchFamily="34" charset="0"/>
-              <a:buChar char="•"/>
-            </a:pPr>
-            <a:r>
-              <a:rPr lang="zh-CN" altLang="en-US" dirty="0"/>
-              <a:t>推模式：规则中心统一推送，客户端通过注册监听器的方式时刻监听变化，比如使用 </a:t>
-            </a:r>
-            <a:r>
-              <a:rPr lang="en-US" altLang="zh-CN" dirty="0" err="1"/>
-              <a:t>Nacos</a:t>
-            </a:r>
-            <a:r>
-              <a:rPr lang="zh-CN" altLang="en-US" dirty="0"/>
-              <a:t>、</a:t>
-            </a:r>
-            <a:r>
-              <a:rPr lang="en-US" altLang="zh-CN" dirty="0"/>
-              <a:t>Zookeeper </a:t>
-            </a:r>
-            <a:r>
-              <a:rPr lang="zh-CN" altLang="en-US" dirty="0"/>
-              <a:t>等配置中心。这种方式有更好的实时性和一致性保证。</a:t>
-            </a:r>
-          </a:p>
-        </p:txBody>
-      </p:sp>
+              <a:t>扩展</a:t>
+            </a:r>
+          </a:p>
+        </p:txBody>
+      </p:sp>
+      <p:pic>
+        <p:nvPicPr>
+          <p:cNvPr id="128" name="图片 127">
+            <a:extLst>
+              <a:ext uri="{FF2B5EF4-FFF2-40B4-BE49-F238E27FC236}">
+                <a16:creationId xmlns:a16="http://schemas.microsoft.com/office/drawing/2014/main" id="{00AE7BC3-27E5-4607-A548-638CBECB36A5}"/>
+              </a:ext>
+            </a:extLst>
+          </p:cNvPr>
+          <p:cNvPicPr>
+            <a:picLocks noChangeAspect="1"/>
+          </p:cNvPicPr>
+          <p:nvPr/>
+        </p:nvPicPr>
+        <p:blipFill>
+          <a:blip r:embed="rId5"/>
+          <a:stretch>
+            <a:fillRect/>
+          </a:stretch>
+        </p:blipFill>
+        <p:spPr>
+          <a:xfrm>
+            <a:off x="5063615" y="2540490"/>
+            <a:ext cx="6873836" cy="4000847"/>
+          </a:xfrm>
+          <a:prstGeom prst="rect">
+            <a:avLst/>
+          </a:prstGeom>
+        </p:spPr>
+      </p:pic>
     </p:spTree>
     <p:extLst>
       <p:ext uri="{BB962C8B-B14F-4D97-AF65-F5344CB8AC3E}">
-        <p14:creationId xmlns:p14="http://schemas.microsoft.com/office/powerpoint/2010/main" val="3471036296"/>
+        <p14:creationId xmlns:p14="http://schemas.microsoft.com/office/powerpoint/2010/main" val="1663074339"/>
       </p:ext>
     </p:extLst>
   </p:cSld>
@@ -13295,8 +13306,8 @@
         </p:nvSpPr>
         <p:spPr>
           <a:xfrm>
-            <a:off x="572313" y="336787"/>
-            <a:ext cx="1487587" cy="482183"/>
+            <a:off x="572313" y="359870"/>
+            <a:ext cx="1974900" cy="436017"/>
           </a:xfrm>
           <a:prstGeom prst="rect">
             <a:avLst/>
@@ -13324,13 +13335,9 @@
           </a:lstStyle>
           <a:p>
             <a:r>
-              <a:rPr lang="zh-CN" altLang="en-US" sz="2800" dirty="0">
-                <a:latin typeface="微软雅黑" panose="020B0503020204020204" pitchFamily="34" charset="-122"/>
-                <a:ea typeface="微软雅黑" panose="020B0503020204020204" pitchFamily="34" charset="-122"/>
-              </a:rPr>
-              <a:t>工作流程</a:t>
-            </a:r>
-            <a:endParaRPr lang="zh-CN" altLang="en-US" sz="2500" dirty="0"/>
+              <a:rPr lang="zh-CN" altLang="en-US" sz="2500" dirty="0"/>
+              <a:t>动态规则扩展</a:t>
+            </a:r>
           </a:p>
         </p:txBody>
       </p:sp>
@@ -13363,42 +13370,12 @@
           </a:ln>
         </p:spPr>
       </p:pic>
-      <p:pic>
-        <p:nvPicPr>
-          <p:cNvPr id="6" name="图片 5">
+      <p:sp>
+        <p:nvSpPr>
+          <p:cNvPr id="5" name="矩形 4">
             <a:extLst>
               <a:ext uri="{FF2B5EF4-FFF2-40B4-BE49-F238E27FC236}">
-                <a16:creationId xmlns:a16="http://schemas.microsoft.com/office/drawing/2014/main" id="{12539E59-4B2F-4101-8964-289B46ACA119}"/>
-              </a:ext>
-            </a:extLst>
-          </p:cNvPr>
-          <p:cNvPicPr>
-            <a:picLocks noChangeAspect="1"/>
-          </p:cNvPicPr>
-          <p:nvPr/>
-        </p:nvPicPr>
-        <p:blipFill>
-          <a:blip r:embed="rId5"/>
-          <a:stretch>
-            <a:fillRect/>
-          </a:stretch>
-        </p:blipFill>
-        <p:spPr>
-          <a:xfrm>
-            <a:off x="5046266" y="2562860"/>
-            <a:ext cx="7145655" cy="4295140"/>
-          </a:xfrm>
-          <a:prstGeom prst="rect">
-            <a:avLst/>
-          </a:prstGeom>
-        </p:spPr>
-      </p:pic>
-      <p:sp>
-        <p:nvSpPr>
-          <p:cNvPr id="3" name="矩形 2">
-            <a:extLst>
-              <a:ext uri="{FF2B5EF4-FFF2-40B4-BE49-F238E27FC236}">
-                <a16:creationId xmlns:a16="http://schemas.microsoft.com/office/drawing/2014/main" id="{865D701B-B158-4376-916C-9549FD4F2035}"/>
+                <a16:creationId xmlns:a16="http://schemas.microsoft.com/office/drawing/2014/main" id="{127BA53B-7A31-47C7-91CA-51089E0338EF}"/>
               </a:ext>
             </a:extLst>
           </p:cNvPr>
@@ -13407,8 +13384,8 @@
         </p:nvSpPr>
         <p:spPr>
           <a:xfrm>
-            <a:off x="532556" y="1174679"/>
-            <a:ext cx="10294470" cy="1707455"/>
+            <a:off x="1185332" y="1789416"/>
+            <a:ext cx="9674579" cy="1754326"/>
           </a:xfrm>
           <a:prstGeom prst="rect">
             <a:avLst/>
@@ -13420,113 +13397,76 @@
           </a:bodyPr>
           <a:lstStyle/>
           <a:p>
+            <a:r>
+              <a:rPr lang="en-US" altLang="zh-CN" dirty="0" err="1"/>
+              <a:t>DataSource</a:t>
+            </a:r>
+            <a:r>
+              <a:rPr lang="en-US" altLang="zh-CN" dirty="0"/>
+              <a:t> </a:t>
+            </a:r>
+            <a:r>
+              <a:rPr lang="zh-CN" altLang="en-US" dirty="0"/>
+              <a:t>扩展常见的实现方式有</a:t>
+            </a:r>
+            <a:r>
+              <a:rPr lang="en-US" altLang="zh-CN" dirty="0"/>
+              <a:t>:</a:t>
+            </a:r>
+          </a:p>
+          <a:p>
+            <a:endParaRPr lang="en-US" altLang="zh-CN" dirty="0"/>
+          </a:p>
+          <a:p>
             <a:pPr marL="285750" indent="-285750">
-              <a:lnSpc>
-                <a:spcPct val="150000"/>
-              </a:lnSpc>
               <a:buFont typeface="Arial" panose="020B0604020202020204" pitchFamily="34" charset="0"/>
               <a:buChar char="•"/>
             </a:pPr>
             <a:r>
-              <a:rPr lang="zh-CN" altLang="en-US" dirty="0">
-                <a:latin typeface="宋体" panose="02010600030101010101" pitchFamily="2" charset="-122"/>
-                <a:cs typeface="宋体" panose="02010600030101010101" pitchFamily="2" charset="-122"/>
-              </a:rPr>
-              <a:t>在Sentinel 中，所有资源都对应一个资源名称以及一个执行链即：一系列插槽</a:t>
-            </a:r>
-            <a:r>
-              <a:rPr lang="en-US" altLang="zh-CN" dirty="0">
-                <a:latin typeface="宋体" panose="02010600030101010101" pitchFamily="2" charset="-122"/>
-                <a:cs typeface="宋体" panose="02010600030101010101" pitchFamily="2" charset="-122"/>
-              </a:rPr>
-              <a:t>Slot</a:t>
-            </a:r>
-            <a:r>
-              <a:rPr lang="zh-CN" altLang="en-US" dirty="0">
-                <a:latin typeface="宋体" panose="02010600030101010101" pitchFamily="2" charset="-122"/>
-                <a:cs typeface="宋体" panose="02010600030101010101" pitchFamily="2" charset="-122"/>
-              </a:rPr>
-              <a:t>；</a:t>
+              <a:rPr lang="zh-CN" altLang="en-US" dirty="0"/>
+              <a:t>拉模式：客户端主动向某个规则管理中心定期轮询拉取规则，这个规则中心可以是 </a:t>
+            </a:r>
+            <a:r>
+              <a:rPr lang="en-US" altLang="zh-CN" dirty="0"/>
+              <a:t>RDBMS</a:t>
+            </a:r>
+            <a:r>
+              <a:rPr lang="zh-CN" altLang="en-US" dirty="0"/>
+              <a:t>、文件，甚至是 </a:t>
+            </a:r>
+            <a:r>
+              <a:rPr lang="en-US" altLang="zh-CN" dirty="0"/>
+              <a:t>VCS </a:t>
+            </a:r>
+            <a:r>
+              <a:rPr lang="zh-CN" altLang="en-US" dirty="0"/>
+              <a:t>等。这样做的方式是简单，缺点是无法及时获取变更；</a:t>
             </a:r>
           </a:p>
           <a:p>
             <a:pPr marL="285750" indent="-285750">
-              <a:lnSpc>
-                <a:spcPct val="150000"/>
-              </a:lnSpc>
               <a:buFont typeface="Arial" panose="020B0604020202020204" pitchFamily="34" charset="0"/>
               <a:buChar char="•"/>
             </a:pPr>
             <a:r>
-              <a:rPr lang="zh-CN" altLang="en-US" dirty="0">
-                <a:latin typeface="宋体" panose="02010600030101010101" pitchFamily="2" charset="-122"/>
-                <a:cs typeface="宋体" panose="02010600030101010101" pitchFamily="2" charset="-122"/>
-              </a:rPr>
-              <a:t>每次资源访问都会创建Entry </a:t>
-            </a:r>
-            <a:r>
-              <a:rPr lang="en-US" altLang="zh-CN" dirty="0">
-                <a:latin typeface="宋体" panose="02010600030101010101" pitchFamily="2" charset="-122"/>
-                <a:cs typeface="宋体" panose="02010600030101010101" pitchFamily="2" charset="-122"/>
-              </a:rPr>
-              <a:t>,</a:t>
-            </a:r>
-            <a:r>
-              <a:rPr lang="zh-CN" altLang="en-US" dirty="0">
-                <a:latin typeface="宋体" panose="02010600030101010101" pitchFamily="2" charset="-122"/>
-                <a:cs typeface="宋体" panose="02010600030101010101" pitchFamily="2" charset="-122"/>
-              </a:rPr>
-              <a:t>Entry 通过主流框架的适配自动创建或通过调用 API 显式创建；</a:t>
-            </a:r>
-          </a:p>
-          <a:p>
-            <a:pPr marL="285750" indent="-285750">
-              <a:lnSpc>
-                <a:spcPct val="150000"/>
-              </a:lnSpc>
-              <a:buFont typeface="Arial" panose="020B0604020202020204" pitchFamily="34" charset="0"/>
-              <a:buChar char="•"/>
-            </a:pPr>
-            <a:r>
-              <a:rPr lang="zh-CN" altLang="en-US" dirty="0">
-                <a:latin typeface="宋体" panose="02010600030101010101" pitchFamily="2" charset="-122"/>
-                <a:cs typeface="宋体" panose="02010600030101010101" pitchFamily="2" charset="-122"/>
-              </a:rPr>
-              <a:t>每一个 Entry 创建的时候，同时也会关联改资源名的执行链；</a:t>
-            </a:r>
-            <a:endParaRPr lang="en-US" altLang="zh-CN" dirty="0">
-              <a:latin typeface="宋体" panose="02010600030101010101" pitchFamily="2" charset="-122"/>
-              <a:cs typeface="宋体" panose="02010600030101010101" pitchFamily="2" charset="-122"/>
-            </a:endParaRPr>
-          </a:p>
-          <a:p>
-            <a:pPr marL="285750" indent="-285750">
-              <a:lnSpc>
-                <a:spcPct val="150000"/>
-              </a:lnSpc>
-              <a:buFont typeface="Arial" panose="020B0604020202020204" pitchFamily="34" charset="0"/>
-              <a:buChar char="•"/>
-            </a:pPr>
-            <a:r>
-              <a:rPr lang="zh-CN" altLang="en-US" dirty="0">
-                <a:latin typeface="宋体" panose="02010600030101010101" pitchFamily="2" charset="-122"/>
-                <a:cs typeface="宋体" panose="02010600030101010101" pitchFamily="2" charset="-122"/>
-              </a:rPr>
-              <a:t>每个</a:t>
-            </a:r>
-            <a:r>
-              <a:rPr lang="en-US" altLang="zh-CN" dirty="0">
-                <a:latin typeface="宋体" panose="02010600030101010101" pitchFamily="2" charset="-122"/>
-                <a:cs typeface="宋体" panose="02010600030101010101" pitchFamily="2" charset="-122"/>
-              </a:rPr>
-              <a:t>Slot</a:t>
-            </a:r>
-            <a:r>
-              <a:rPr lang="zh-CN" altLang="en-US" dirty="0">
-                <a:latin typeface="宋体" panose="02010600030101010101" pitchFamily="2" charset="-122"/>
-                <a:cs typeface="宋体" panose="02010600030101010101" pitchFamily="2" charset="-122"/>
-              </a:rPr>
-              <a:t>有不同指责；</a:t>
+              <a:rPr lang="zh-CN" altLang="en-US" dirty="0"/>
+              <a:t>推模式：规则中心统一推送，客户端通过注册监听器的方式时刻监听变化，比如使用 </a:t>
+            </a:r>
+            <a:r>
+              <a:rPr lang="en-US" altLang="zh-CN" dirty="0" err="1"/>
+              <a:t>Nacos</a:t>
+            </a:r>
+            <a:r>
+              <a:rPr lang="zh-CN" altLang="en-US" dirty="0"/>
+              <a:t>、</a:t>
+            </a:r>
+            <a:r>
+              <a:rPr lang="en-US" altLang="zh-CN" dirty="0"/>
+              <a:t>Zookeeper </a:t>
+            </a:r>
+            <a:r>
+              <a:rPr lang="zh-CN" altLang="en-US" dirty="0"/>
+              <a:t>等配置中心。这种方式有更好的实时性和一致性保证。</a:t>
             </a:r>
           </a:p>
         </p:txBody>
@@ -13534,7 +13474,7 @@
     </p:spTree>
     <p:extLst>
       <p:ext uri="{BB962C8B-B14F-4D97-AF65-F5344CB8AC3E}">
-        <p14:creationId xmlns:p14="http://schemas.microsoft.com/office/powerpoint/2010/main" val="281897767"/>
+        <p14:creationId xmlns:p14="http://schemas.microsoft.com/office/powerpoint/2010/main" val="3471036296"/>
       </p:ext>
     </p:extLst>
   </p:cSld>
@@ -13670,145 +13610,168 @@
       </p:pic>
       <p:pic>
         <p:nvPicPr>
-          <p:cNvPr id="4098" name="Picture 2" descr="Slot Chain SPI">
+          <p:cNvPr id="6" name="图片 5">
             <a:extLst>
               <a:ext uri="{FF2B5EF4-FFF2-40B4-BE49-F238E27FC236}">
-                <a16:creationId xmlns:a16="http://schemas.microsoft.com/office/drawing/2014/main" id="{BA7D1651-509C-48BB-B831-ACCE44D0AD12}"/>
+                <a16:creationId xmlns:a16="http://schemas.microsoft.com/office/drawing/2014/main" id="{12539E59-4B2F-4101-8964-289B46ACA119}"/>
               </a:ext>
             </a:extLst>
           </p:cNvPr>
           <p:cNvPicPr>
-            <a:picLocks noChangeAspect="1" noChangeArrowheads="1"/>
+            <a:picLocks noChangeAspect="1"/>
           </p:cNvPicPr>
           <p:nvPr/>
         </p:nvPicPr>
         <p:blipFill>
-          <a:blip r:embed="rId5">
-            <a:extLst>
-              <a:ext uri="{28A0092B-C50C-407E-A947-70E740481C1C}">
-                <a14:useLocalDpi xmlns:a14="http://schemas.microsoft.com/office/drawing/2010/main" val="0"/>
-              </a:ext>
-            </a:extLst>
-          </a:blip>
-          <a:srcRect/>
+          <a:blip r:embed="rId5"/>
           <a:stretch>
             <a:fillRect/>
           </a:stretch>
         </p:blipFill>
-        <p:spPr bwMode="auto">
-          <a:xfrm>
-            <a:off x="432353" y="2299035"/>
-            <a:ext cx="10744200" cy="3409950"/>
-          </a:xfrm>
-          <a:prstGeom prst="rect">
-            <a:avLst/>
-          </a:prstGeom>
-          <a:noFill/>
-          <a:extLst>
-            <a:ext uri="{909E8E84-426E-40DD-AFC4-6F175D3DCCD1}">
-              <a14:hiddenFill xmlns:a14="http://schemas.microsoft.com/office/drawing/2010/main">
-                <a:solidFill>
-                  <a:srgbClr val="FFFFFF"/>
-                </a:solidFill>
-              </a14:hiddenFill>
-            </a:ext>
-          </a:extLst>
+        <p:spPr>
+          <a:xfrm>
+            <a:off x="5046266" y="2562860"/>
+            <a:ext cx="7145655" cy="4295140"/>
+          </a:xfrm>
+          <a:prstGeom prst="rect">
+            <a:avLst/>
+          </a:prstGeom>
         </p:spPr>
       </p:pic>
       <p:sp>
         <p:nvSpPr>
-          <p:cNvPr id="5" name="文本框 4">
+          <p:cNvPr id="3" name="矩形 2">
             <a:extLst>
               <a:ext uri="{FF2B5EF4-FFF2-40B4-BE49-F238E27FC236}">
-                <a16:creationId xmlns:a16="http://schemas.microsoft.com/office/drawing/2014/main" id="{B41D10FE-BFB8-4941-9F6F-5E5DBDE2F966}"/>
+                <a16:creationId xmlns:a16="http://schemas.microsoft.com/office/drawing/2014/main" id="{865D701B-B158-4376-916C-9549FD4F2035}"/>
               </a:ext>
             </a:extLst>
           </p:cNvPr>
-          <p:cNvSpPr txBox="1"/>
+          <p:cNvSpPr/>
           <p:nvPr/>
         </p:nvSpPr>
         <p:spPr>
           <a:xfrm>
-            <a:off x="432353" y="1530409"/>
-            <a:ext cx="9668031" cy="646331"/>
-          </a:xfrm>
-          <a:prstGeom prst="rect">
-            <a:avLst/>
-          </a:prstGeom>
-          <a:noFill/>
-        </p:spPr>
-        <p:txBody>
-          <a:bodyPr wrap="none" rtlCol="0">
+            <a:off x="532556" y="1174679"/>
+            <a:ext cx="10294470" cy="1707455"/>
+          </a:xfrm>
+          <a:prstGeom prst="rect">
+            <a:avLst/>
+          </a:prstGeom>
+        </p:spPr>
+        <p:txBody>
+          <a:bodyPr wrap="square">
             <a:spAutoFit/>
           </a:bodyPr>
           <a:lstStyle/>
           <a:p>
-            <a:r>
-              <a:rPr lang="en-US" altLang="zh-CN" dirty="0"/>
-              <a:t>Sentinel </a:t>
-            </a:r>
-            <a:r>
-              <a:rPr lang="zh-CN" altLang="en-US" dirty="0"/>
-              <a:t>将 </a:t>
-            </a:r>
-            <a:r>
-              <a:rPr lang="en-US" altLang="zh-CN" dirty="0" err="1"/>
-              <a:t>SlotChainBuilder</a:t>
-            </a:r>
-            <a:r>
-              <a:rPr lang="en-US" altLang="zh-CN" dirty="0"/>
-              <a:t> </a:t>
-            </a:r>
-            <a:r>
-              <a:rPr lang="zh-CN" altLang="en-US" dirty="0"/>
-              <a:t>作为 </a:t>
-            </a:r>
-            <a:r>
-              <a:rPr lang="en-US" altLang="zh-CN" dirty="0"/>
-              <a:t>SPI </a:t>
-            </a:r>
-            <a:r>
-              <a:rPr lang="zh-CN" altLang="en-US" dirty="0"/>
-              <a:t>接口进行扩展，使得 </a:t>
-            </a:r>
-            <a:r>
-              <a:rPr lang="en-US" altLang="zh-CN" dirty="0"/>
-              <a:t>Slot Chain </a:t>
-            </a:r>
-            <a:r>
-              <a:rPr lang="zh-CN" altLang="en-US" dirty="0"/>
-              <a:t>具备了扩展的能力。</a:t>
-            </a:r>
-            <a:endParaRPr lang="en-US" altLang="zh-CN" dirty="0"/>
-          </a:p>
-          <a:p>
-            <a:r>
-              <a:rPr lang="zh-CN" altLang="en-US" dirty="0"/>
-              <a:t>您可以自行加入自定义的 </a:t>
-            </a:r>
-            <a:r>
-              <a:rPr lang="en-US" altLang="zh-CN" dirty="0"/>
-              <a:t>slot </a:t>
-            </a:r>
-            <a:r>
-              <a:rPr lang="zh-CN" altLang="en-US" dirty="0"/>
-              <a:t>并编排 </a:t>
-            </a:r>
-            <a:r>
-              <a:rPr lang="en-US" altLang="zh-CN" dirty="0"/>
-              <a:t>slot </a:t>
-            </a:r>
-            <a:r>
-              <a:rPr lang="zh-CN" altLang="en-US" dirty="0"/>
-              <a:t>间的顺序，从而可以给 </a:t>
-            </a:r>
-            <a:r>
-              <a:rPr lang="en-US" altLang="zh-CN" dirty="0"/>
-              <a:t>Sentinel </a:t>
-            </a:r>
-            <a:r>
-              <a:rPr lang="zh-CN" altLang="en-US" dirty="0"/>
-              <a:t>添加自定义的功能。</a:t>
+            <a:pPr marL="285750" indent="-285750">
+              <a:lnSpc>
+                <a:spcPct val="150000"/>
+              </a:lnSpc>
+              <a:buFont typeface="Arial" panose="020B0604020202020204" pitchFamily="34" charset="0"/>
+              <a:buChar char="•"/>
+            </a:pPr>
+            <a:r>
+              <a:rPr lang="zh-CN" altLang="en-US" dirty="0">
+                <a:latin typeface="宋体" panose="02010600030101010101" pitchFamily="2" charset="-122"/>
+                <a:cs typeface="宋体" panose="02010600030101010101" pitchFamily="2" charset="-122"/>
+              </a:rPr>
+              <a:t>在Sentinel 中，所有资源都对应一个资源名称以及一个执行链即：一系列插槽</a:t>
+            </a:r>
+            <a:r>
+              <a:rPr lang="en-US" altLang="zh-CN" dirty="0">
+                <a:latin typeface="宋体" panose="02010600030101010101" pitchFamily="2" charset="-122"/>
+                <a:cs typeface="宋体" panose="02010600030101010101" pitchFamily="2" charset="-122"/>
+              </a:rPr>
+              <a:t>Slot</a:t>
+            </a:r>
+            <a:r>
+              <a:rPr lang="zh-CN" altLang="en-US" dirty="0">
+                <a:latin typeface="宋体" panose="02010600030101010101" pitchFamily="2" charset="-122"/>
+                <a:cs typeface="宋体" panose="02010600030101010101" pitchFamily="2" charset="-122"/>
+              </a:rPr>
+              <a:t>；</a:t>
+            </a:r>
+          </a:p>
+          <a:p>
+            <a:pPr marL="285750" indent="-285750">
+              <a:lnSpc>
+                <a:spcPct val="150000"/>
+              </a:lnSpc>
+              <a:buFont typeface="Arial" panose="020B0604020202020204" pitchFamily="34" charset="0"/>
+              <a:buChar char="•"/>
+            </a:pPr>
+            <a:r>
+              <a:rPr lang="zh-CN" altLang="en-US" dirty="0">
+                <a:latin typeface="宋体" panose="02010600030101010101" pitchFamily="2" charset="-122"/>
+                <a:cs typeface="宋体" panose="02010600030101010101" pitchFamily="2" charset="-122"/>
+              </a:rPr>
+              <a:t>每次资源访问都会创建Entry </a:t>
+            </a:r>
+            <a:r>
+              <a:rPr lang="en-US" altLang="zh-CN" dirty="0">
+                <a:latin typeface="宋体" panose="02010600030101010101" pitchFamily="2" charset="-122"/>
+                <a:cs typeface="宋体" panose="02010600030101010101" pitchFamily="2" charset="-122"/>
+              </a:rPr>
+              <a:t>,</a:t>
+            </a:r>
+            <a:r>
+              <a:rPr lang="zh-CN" altLang="en-US" dirty="0">
+                <a:latin typeface="宋体" panose="02010600030101010101" pitchFamily="2" charset="-122"/>
+                <a:cs typeface="宋体" panose="02010600030101010101" pitchFamily="2" charset="-122"/>
+              </a:rPr>
+              <a:t>Entry 通过主流框架的适配自动创建或通过调用 API 显式创建；</a:t>
+            </a:r>
+          </a:p>
+          <a:p>
+            <a:pPr marL="285750" indent="-285750">
+              <a:lnSpc>
+                <a:spcPct val="150000"/>
+              </a:lnSpc>
+              <a:buFont typeface="Arial" panose="020B0604020202020204" pitchFamily="34" charset="0"/>
+              <a:buChar char="•"/>
+            </a:pPr>
+            <a:r>
+              <a:rPr lang="zh-CN" altLang="en-US" dirty="0">
+                <a:latin typeface="宋体" panose="02010600030101010101" pitchFamily="2" charset="-122"/>
+                <a:cs typeface="宋体" panose="02010600030101010101" pitchFamily="2" charset="-122"/>
+              </a:rPr>
+              <a:t>每一个 Entry 创建的时候，同时也会关联改资源名的执行链；</a:t>
+            </a:r>
+            <a:endParaRPr lang="en-US" altLang="zh-CN" dirty="0">
+              <a:latin typeface="宋体" panose="02010600030101010101" pitchFamily="2" charset="-122"/>
+              <a:cs typeface="宋体" panose="02010600030101010101" pitchFamily="2" charset="-122"/>
+            </a:endParaRPr>
+          </a:p>
+          <a:p>
+            <a:pPr marL="285750" indent="-285750">
+              <a:lnSpc>
+                <a:spcPct val="150000"/>
+              </a:lnSpc>
+              <a:buFont typeface="Arial" panose="020B0604020202020204" pitchFamily="34" charset="0"/>
+              <a:buChar char="•"/>
+            </a:pPr>
+            <a:r>
+              <a:rPr lang="zh-CN" altLang="en-US" dirty="0">
+                <a:latin typeface="宋体" panose="02010600030101010101" pitchFamily="2" charset="-122"/>
+                <a:cs typeface="宋体" panose="02010600030101010101" pitchFamily="2" charset="-122"/>
+              </a:rPr>
+              <a:t>每个</a:t>
+            </a:r>
+            <a:r>
+              <a:rPr lang="en-US" altLang="zh-CN" dirty="0">
+                <a:latin typeface="宋体" panose="02010600030101010101" pitchFamily="2" charset="-122"/>
+                <a:cs typeface="宋体" panose="02010600030101010101" pitchFamily="2" charset="-122"/>
+              </a:rPr>
+              <a:t>Slot</a:t>
+            </a:r>
+            <a:r>
+              <a:rPr lang="zh-CN" altLang="en-US" dirty="0">
+                <a:latin typeface="宋体" panose="02010600030101010101" pitchFamily="2" charset="-122"/>
+                <a:cs typeface="宋体" panose="02010600030101010101" pitchFamily="2" charset="-122"/>
+              </a:rPr>
+              <a:t>有不同指责；</a:t>
             </a:r>
           </a:p>
         </p:txBody>
@@ -13816,7 +13779,7 @@
     </p:spTree>
     <p:extLst>
       <p:ext uri="{BB962C8B-B14F-4D97-AF65-F5344CB8AC3E}">
-        <p14:creationId xmlns:p14="http://schemas.microsoft.com/office/powerpoint/2010/main" val="3125159668"/>
+        <p14:creationId xmlns:p14="http://schemas.microsoft.com/office/powerpoint/2010/main" val="281897767"/>
       </p:ext>
     </p:extLst>
   </p:cSld>
@@ -13882,8 +13845,8 @@
         </p:nvSpPr>
         <p:spPr>
           <a:xfrm>
-            <a:off x="572313" y="359870"/>
-            <a:ext cx="1333698" cy="436017"/>
+            <a:off x="572313" y="336787"/>
+            <a:ext cx="1487587" cy="482183"/>
           </a:xfrm>
           <a:prstGeom prst="rect">
             <a:avLst/>
@@ -13911,9 +13874,13 @@
           </a:lstStyle>
           <a:p>
             <a:r>
-              <a:rPr lang="zh-CN" altLang="en-US" sz="2500" dirty="0"/>
-              <a:t>规则配置</a:t>
-            </a:r>
+              <a:rPr lang="zh-CN" altLang="en-US" sz="2800" dirty="0">
+                <a:latin typeface="微软雅黑" panose="020B0503020204020204" pitchFamily="34" charset="-122"/>
+                <a:ea typeface="微软雅黑" panose="020B0503020204020204" pitchFamily="34" charset="-122"/>
+              </a:rPr>
+              <a:t>工作流程</a:t>
+            </a:r>
+            <a:endParaRPr lang="zh-CN" altLang="en-US" sz="2500" dirty="0"/>
           </a:p>
         </p:txBody>
       </p:sp>
@@ -13946,12 +13913,59 @@
           </a:ln>
         </p:spPr>
       </p:pic>
-      <p:sp>
-        <p:nvSpPr>
-          <p:cNvPr id="2" name="文本框 1">
+      <p:pic>
+        <p:nvPicPr>
+          <p:cNvPr id="4098" name="Picture 2" descr="Slot Chain SPI">
             <a:extLst>
               <a:ext uri="{FF2B5EF4-FFF2-40B4-BE49-F238E27FC236}">
-                <a16:creationId xmlns:a16="http://schemas.microsoft.com/office/drawing/2014/main" id="{3F07C448-348F-43CD-A1F3-F0911792A073}"/>
+                <a16:creationId xmlns:a16="http://schemas.microsoft.com/office/drawing/2014/main" id="{BA7D1651-509C-48BB-B831-ACCE44D0AD12}"/>
+              </a:ext>
+            </a:extLst>
+          </p:cNvPr>
+          <p:cNvPicPr>
+            <a:picLocks noChangeAspect="1" noChangeArrowheads="1"/>
+          </p:cNvPicPr>
+          <p:nvPr/>
+        </p:nvPicPr>
+        <p:blipFill>
+          <a:blip r:embed="rId5">
+            <a:extLst>
+              <a:ext uri="{28A0092B-C50C-407E-A947-70E740481C1C}">
+                <a14:useLocalDpi xmlns:a14="http://schemas.microsoft.com/office/drawing/2010/main" val="0"/>
+              </a:ext>
+            </a:extLst>
+          </a:blip>
+          <a:srcRect/>
+          <a:stretch>
+            <a:fillRect/>
+          </a:stretch>
+        </p:blipFill>
+        <p:spPr bwMode="auto">
+          <a:xfrm>
+            <a:off x="432353" y="2299035"/>
+            <a:ext cx="10744200" cy="3409950"/>
+          </a:xfrm>
+          <a:prstGeom prst="rect">
+            <a:avLst/>
+          </a:prstGeom>
+          <a:noFill/>
+          <a:extLst>
+            <a:ext uri="{909E8E84-426E-40DD-AFC4-6F175D3DCCD1}">
+              <a14:hiddenFill xmlns:a14="http://schemas.microsoft.com/office/drawing/2010/main">
+                <a:solidFill>
+                  <a:srgbClr val="FFFFFF"/>
+                </a:solidFill>
+              </a14:hiddenFill>
+            </a:ext>
+          </a:extLst>
+        </p:spPr>
+      </p:pic>
+      <p:sp>
+        <p:nvSpPr>
+          <p:cNvPr id="5" name="文本框 4">
+            <a:extLst>
+              <a:ext uri="{FF2B5EF4-FFF2-40B4-BE49-F238E27FC236}">
+                <a16:creationId xmlns:a16="http://schemas.microsoft.com/office/drawing/2014/main" id="{B41D10FE-BFB8-4941-9F6F-5E5DBDE2F966}"/>
               </a:ext>
             </a:extLst>
           </p:cNvPr>
@@ -13960,8 +13974,8 @@
         </p:nvSpPr>
         <p:spPr>
           <a:xfrm>
-            <a:off x="1103300" y="1919908"/>
-            <a:ext cx="1627369" cy="646331"/>
+            <a:off x="432353" y="1530409"/>
+            <a:ext cx="9668031" cy="646331"/>
           </a:xfrm>
           <a:prstGeom prst="rect">
             <a:avLst/>
@@ -13974,235 +13988,80 @@
           </a:bodyPr>
           <a:lstStyle/>
           <a:p>
-            <a:pPr marL="285750" indent="-285750">
-              <a:buFont typeface="Arial" panose="020B0604020202020204" pitchFamily="34" charset="0"/>
-              <a:buChar char="•"/>
-            </a:pPr>
+            <a:r>
+              <a:rPr lang="en-US" altLang="zh-CN" dirty="0"/>
+              <a:t>Sentinel </a:t>
+            </a:r>
             <a:r>
               <a:rPr lang="zh-CN" altLang="en-US" dirty="0"/>
-              <a:t>流控规则：</a:t>
+              <a:t>将 </a:t>
+            </a:r>
+            <a:r>
+              <a:rPr lang="en-US" altLang="zh-CN" dirty="0" err="1"/>
+              <a:t>SlotChainBuilder</a:t>
+            </a:r>
+            <a:r>
+              <a:rPr lang="en-US" altLang="zh-CN" dirty="0"/>
+              <a:t> </a:t>
+            </a:r>
+            <a:r>
+              <a:rPr lang="zh-CN" altLang="en-US" dirty="0"/>
+              <a:t>作为 </a:t>
+            </a:r>
+            <a:r>
+              <a:rPr lang="en-US" altLang="zh-CN" dirty="0"/>
+              <a:t>SPI </a:t>
+            </a:r>
+            <a:r>
+              <a:rPr lang="zh-CN" altLang="en-US" dirty="0"/>
+              <a:t>接口进行扩展，使得 </a:t>
+            </a:r>
+            <a:r>
+              <a:rPr lang="en-US" altLang="zh-CN" dirty="0"/>
+              <a:t>Slot Chain </a:t>
+            </a:r>
+            <a:r>
+              <a:rPr lang="zh-CN" altLang="en-US" dirty="0"/>
+              <a:t>具备了扩展的能力。</a:t>
             </a:r>
             <a:endParaRPr lang="en-US" altLang="zh-CN" dirty="0"/>
           </a:p>
           <a:p>
-            <a:endParaRPr lang="zh-CN" altLang="en-US" dirty="0"/>
-          </a:p>
-        </p:txBody>
-      </p:sp>
-      <p:sp>
-        <p:nvSpPr>
-          <p:cNvPr id="4" name="Rectangle 1">
-            <a:extLst>
-              <a:ext uri="{FF2B5EF4-FFF2-40B4-BE49-F238E27FC236}">
-                <a16:creationId xmlns:a16="http://schemas.microsoft.com/office/drawing/2014/main" id="{B3603325-C143-4096-8508-F585138860A5}"/>
-              </a:ext>
-            </a:extLst>
-          </p:cNvPr>
-          <p:cNvSpPr>
-            <a:spLocks noChangeArrowheads="1"/>
-          </p:cNvSpPr>
-          <p:nvPr/>
-        </p:nvSpPr>
-        <p:spPr bwMode="auto">
-          <a:xfrm>
-            <a:off x="0" y="-138499"/>
-            <a:ext cx="65" cy="276999"/>
-          </a:xfrm>
-          <a:prstGeom prst="rect">
-            <a:avLst/>
-          </a:prstGeom>
-          <a:solidFill>
-            <a:srgbClr val="FFFFFF"/>
-          </a:solidFill>
-          <a:ln>
-            <a:noFill/>
-          </a:ln>
-          <a:effectLst/>
-          <a:extLst>
-            <a:ext uri="{91240B29-F687-4F45-9708-019B960494DF}">
-              <a14:hiddenLine xmlns:a14="http://schemas.microsoft.com/office/drawing/2010/main" w="9525">
-                <a:solidFill>
-                  <a:schemeClr val="tx1"/>
-                </a:solidFill>
-                <a:miter lim="800000"/>
-                <a:headEnd/>
-                <a:tailEnd/>
-              </a14:hiddenLine>
-            </a:ext>
-            <a:ext uri="{AF507438-7753-43E0-B8FC-AC1667EBCBE1}">
-              <a14:hiddenEffects xmlns:a14="http://schemas.microsoft.com/office/drawing/2010/main">
-                <a:effectLst>
-                  <a:outerShdw dist="35921" dir="2700000" algn="ctr" rotWithShape="0">
-                    <a:schemeClr val="bg2"/>
-                  </a:outerShdw>
-                </a:effectLst>
-              </a14:hiddenEffects>
-            </a:ext>
-          </a:extLst>
-        </p:spPr>
-        <p:txBody>
-          <a:bodyPr vert="horz" wrap="none" lIns="0" tIns="0" rIns="0" bIns="0" numCol="1" anchor="ctr" anchorCtr="0" compatLnSpc="1">
-            <a:prstTxWarp prst="textNoShape">
-              <a:avLst/>
-            </a:prstTxWarp>
-            <a:spAutoFit/>
-          </a:bodyPr>
-          <a:lstStyle/>
-          <a:p>
-            <a:pPr marL="0" marR="0" lvl="0" indent="0" algn="l" defTabSz="914400" rtl="0" eaLnBrk="0" fontAlgn="base" latinLnBrk="0" hangingPunct="0">
-              <a:lnSpc>
-                <a:spcPct val="100000"/>
-              </a:lnSpc>
-              <a:spcBef>
-                <a:spcPct val="0"/>
-              </a:spcBef>
-              <a:spcAft>
-                <a:spcPct val="0"/>
-              </a:spcAft>
-              <a:buClrTx/>
-              <a:buSzTx/>
-              <a:buFontTx/>
-              <a:buNone/>
-              <a:tabLst/>
-            </a:pPr>
-            <a:endParaRPr kumimoji="0" lang="zh-CN" altLang="zh-CN" sz="1800" b="0" i="0" u="none" strike="noStrike" cap="none" normalizeH="0" baseline="0" dirty="0">
-              <a:ln>
-                <a:noFill/>
-              </a:ln>
-              <a:solidFill>
-                <a:schemeClr val="tx1"/>
-              </a:solidFill>
-              <a:effectLst/>
-              <a:latin typeface="Arial" panose="020B0604020202020204" pitchFamily="34" charset="0"/>
-            </a:endParaRPr>
-          </a:p>
-        </p:txBody>
-      </p:sp>
-      <p:sp>
-        <p:nvSpPr>
-          <p:cNvPr id="7" name="矩形 6">
-            <a:extLst>
-              <a:ext uri="{FF2B5EF4-FFF2-40B4-BE49-F238E27FC236}">
-                <a16:creationId xmlns:a16="http://schemas.microsoft.com/office/drawing/2014/main" id="{708F115F-A5CF-4A5D-9DCB-72F3315E7695}"/>
-              </a:ext>
-            </a:extLst>
-          </p:cNvPr>
-          <p:cNvSpPr/>
-          <p:nvPr/>
-        </p:nvSpPr>
-        <p:spPr>
-          <a:xfrm>
-            <a:off x="1103300" y="2621887"/>
-            <a:ext cx="6096000" cy="1477328"/>
-          </a:xfrm>
-          <a:prstGeom prst="rect">
-            <a:avLst/>
-          </a:prstGeom>
-        </p:spPr>
-        <p:txBody>
-          <a:bodyPr>
-            <a:spAutoFit/>
-          </a:bodyPr>
-          <a:lstStyle/>
-          <a:p>
+            <a:r>
+              <a:rPr lang="zh-CN" altLang="en-US" dirty="0"/>
+              <a:t>您可以自行加入自定义的 </a:t>
+            </a:r>
             <a:r>
               <a:rPr lang="en-US" altLang="zh-CN" dirty="0"/>
-              <a:t>resource</a:t>
+              <a:t>slot </a:t>
             </a:r>
             <a:r>
               <a:rPr lang="zh-CN" altLang="en-US" dirty="0"/>
-              <a:t>：资源名，即限流规则的作用对象</a:t>
-            </a:r>
-          </a:p>
-          <a:p>
+              <a:t>并编排 </a:t>
+            </a:r>
             <a:r>
               <a:rPr lang="en-US" altLang="zh-CN" dirty="0"/>
-              <a:t>count: </a:t>
+              <a:t>slot </a:t>
             </a:r>
             <a:r>
               <a:rPr lang="zh-CN" altLang="en-US" dirty="0"/>
-              <a:t>限流阈值</a:t>
-            </a:r>
-          </a:p>
-          <a:p>
+              <a:t>间的顺序，从而可以给 </a:t>
+            </a:r>
             <a:r>
               <a:rPr lang="en-US" altLang="zh-CN" dirty="0"/>
-              <a:t>grade: </a:t>
+              <a:t>Sentinel </a:t>
             </a:r>
             <a:r>
               <a:rPr lang="zh-CN" altLang="en-US" dirty="0"/>
-              <a:t>限流阈值类型，</a:t>
-            </a:r>
-            <a:r>
-              <a:rPr lang="en-US" altLang="zh-CN" dirty="0"/>
-              <a:t>QPS </a:t>
-            </a:r>
-            <a:r>
-              <a:rPr lang="zh-CN" altLang="en-US" dirty="0"/>
-              <a:t>或线程数</a:t>
-            </a:r>
-          </a:p>
-          <a:p>
-            <a:r>
-              <a:rPr lang="en-US" altLang="zh-CN" dirty="0"/>
-              <a:t>strategy: </a:t>
-            </a:r>
-            <a:r>
-              <a:rPr lang="zh-CN" altLang="en-US" dirty="0"/>
-              <a:t>根据调用关系选择策略</a:t>
-            </a:r>
-            <a:endParaRPr lang="en-US" altLang="zh-CN" dirty="0"/>
-          </a:p>
-          <a:p>
-            <a:r>
-              <a:rPr lang="en-US" altLang="zh-CN" dirty="0" err="1"/>
-              <a:t>controlBehavior</a:t>
-            </a:r>
-            <a:r>
-              <a:rPr lang="en-US" altLang="zh-CN" dirty="0"/>
-              <a:t>:</a:t>
-            </a:r>
-            <a:r>
-              <a:rPr lang="zh-CN" altLang="en-US" dirty="0"/>
-              <a:t>拦截后行为</a:t>
-            </a:r>
-          </a:p>
-        </p:txBody>
-      </p:sp>
-      <p:pic>
-        <p:nvPicPr>
-          <p:cNvPr id="8" name="图片 7">
-            <a:extLst>
-              <a:ext uri="{FF2B5EF4-FFF2-40B4-BE49-F238E27FC236}">
-                <a16:creationId xmlns:a16="http://schemas.microsoft.com/office/drawing/2014/main" id="{1B0DC697-2A2B-4629-B00F-08C7B81142A6}"/>
-              </a:ext>
-            </a:extLst>
-          </p:cNvPr>
-          <p:cNvPicPr>
-            <a:picLocks noChangeAspect="1"/>
-          </p:cNvPicPr>
-          <p:nvPr/>
-        </p:nvPicPr>
-        <p:blipFill>
-          <a:blip r:embed="rId5"/>
-          <a:stretch>
-            <a:fillRect/>
-          </a:stretch>
-        </p:blipFill>
-        <p:spPr>
-          <a:xfrm>
-            <a:off x="5474891" y="3060700"/>
-            <a:ext cx="6717030" cy="3797300"/>
-          </a:xfrm>
-          <a:prstGeom prst="rect">
-            <a:avLst/>
-          </a:prstGeom>
-        </p:spPr>
-      </p:pic>
+              <a:t>添加自定义的功能。</a:t>
+            </a:r>
+          </a:p>
+        </p:txBody>
+      </p:sp>
     </p:spTree>
     <p:extLst>
       <p:ext uri="{BB962C8B-B14F-4D97-AF65-F5344CB8AC3E}">
-        <p14:creationId xmlns:p14="http://schemas.microsoft.com/office/powerpoint/2010/main" val="1593808945"/>
+        <p14:creationId xmlns:p14="http://schemas.microsoft.com/office/powerpoint/2010/main" val="3125159668"/>
       </p:ext>
     </p:extLst>
   </p:cSld>
@@ -14346,8 +14205,8 @@
         </p:nvSpPr>
         <p:spPr>
           <a:xfrm>
-            <a:off x="1103300" y="1360783"/>
-            <a:ext cx="2089033" cy="646331"/>
+            <a:off x="1103300" y="1919908"/>
+            <a:ext cx="1627369" cy="646331"/>
           </a:xfrm>
           <a:prstGeom prst="rect">
             <a:avLst/>
@@ -14366,7 +14225,7 @@
             </a:pPr>
             <a:r>
               <a:rPr lang="zh-CN" altLang="en-US" dirty="0"/>
-              <a:t>热点参数规则：</a:t>
+              <a:t>流控规则：</a:t>
             </a:r>
             <a:endParaRPr lang="en-US" altLang="zh-CN" dirty="0"/>
           </a:p>
@@ -14466,10 +14325,10 @@
       </p:sp>
       <p:sp>
         <p:nvSpPr>
-          <p:cNvPr id="6" name="矩形 5">
+          <p:cNvPr id="7" name="矩形 6">
             <a:extLst>
               <a:ext uri="{FF2B5EF4-FFF2-40B4-BE49-F238E27FC236}">
-                <a16:creationId xmlns:a16="http://schemas.microsoft.com/office/drawing/2014/main" id="{2CEB124F-4E57-47E9-9D83-ACF61118ECA3}"/>
+                <a16:creationId xmlns:a16="http://schemas.microsoft.com/office/drawing/2014/main" id="{708F115F-A5CF-4A5D-9DCB-72F3315E7695}"/>
               </a:ext>
             </a:extLst>
           </p:cNvPr>
@@ -14478,209 +14337,117 @@
         </p:nvSpPr>
         <p:spPr>
           <a:xfrm>
-            <a:off x="1103300" y="2007114"/>
-            <a:ext cx="10137913" cy="1200329"/>
-          </a:xfrm>
-          <a:prstGeom prst="rect">
-            <a:avLst/>
-          </a:prstGeom>
-        </p:spPr>
-        <p:txBody>
-          <a:bodyPr wrap="square">
+            <a:off x="1103300" y="2621887"/>
+            <a:ext cx="6096000" cy="1477328"/>
+          </a:xfrm>
+          <a:prstGeom prst="rect">
+            <a:avLst/>
+          </a:prstGeom>
+        </p:spPr>
+        <p:txBody>
+          <a:bodyPr>
             <a:spAutoFit/>
           </a:bodyPr>
           <a:lstStyle/>
           <a:p>
             <a:r>
-              <a:rPr lang="zh-CN" altLang="en-US" dirty="0">
-                <a:solidFill>
-                  <a:srgbClr val="24292E"/>
-                </a:solidFill>
-                <a:latin typeface="-apple-system"/>
-              </a:rPr>
-              <a:t>何为热点？热点即经常访问的数据。很多时候我们希望统计某个热点数据中访问频次最高的 </a:t>
-            </a:r>
-            <a:r>
-              <a:rPr lang="en-US" altLang="zh-CN" dirty="0">
-                <a:solidFill>
-                  <a:srgbClr val="24292E"/>
-                </a:solidFill>
-                <a:latin typeface="-apple-system"/>
-              </a:rPr>
-              <a:t>Top K </a:t>
-            </a:r>
-            <a:r>
-              <a:rPr lang="zh-CN" altLang="en-US" dirty="0">
-                <a:solidFill>
-                  <a:srgbClr val="24292E"/>
-                </a:solidFill>
-                <a:latin typeface="-apple-system"/>
-              </a:rPr>
-              <a:t>数据，并对其访问进行限制。比如：</a:t>
-            </a:r>
-          </a:p>
-          <a:p>
-            <a:pPr>
-              <a:buFont typeface="Arial" panose="020B0604020202020204" pitchFamily="34" charset="0"/>
-              <a:buChar char="•"/>
-            </a:pPr>
-            <a:r>
-              <a:rPr lang="zh-CN" altLang="en-US" dirty="0">
-                <a:solidFill>
-                  <a:srgbClr val="24292E"/>
-                </a:solidFill>
-                <a:latin typeface="-apple-system"/>
-              </a:rPr>
-              <a:t>商品 </a:t>
-            </a:r>
-            <a:r>
-              <a:rPr lang="en-US" altLang="zh-CN" dirty="0">
-                <a:solidFill>
-                  <a:srgbClr val="24292E"/>
-                </a:solidFill>
-                <a:latin typeface="-apple-system"/>
-              </a:rPr>
-              <a:t>ID </a:t>
-            </a:r>
-            <a:r>
-              <a:rPr lang="zh-CN" altLang="en-US" dirty="0">
-                <a:solidFill>
-                  <a:srgbClr val="24292E"/>
-                </a:solidFill>
-                <a:latin typeface="-apple-system"/>
-              </a:rPr>
-              <a:t>为参数，统计一段时间内最常购买的商品 </a:t>
-            </a:r>
-            <a:r>
-              <a:rPr lang="en-US" altLang="zh-CN" dirty="0">
-                <a:solidFill>
-                  <a:srgbClr val="24292E"/>
-                </a:solidFill>
-                <a:latin typeface="-apple-system"/>
-              </a:rPr>
-              <a:t>ID </a:t>
-            </a:r>
-            <a:r>
-              <a:rPr lang="zh-CN" altLang="en-US" dirty="0">
-                <a:solidFill>
-                  <a:srgbClr val="24292E"/>
-                </a:solidFill>
-                <a:latin typeface="-apple-system"/>
-              </a:rPr>
-              <a:t>并进行限制</a:t>
-            </a:r>
-          </a:p>
-          <a:p>
-            <a:pPr>
-              <a:buFont typeface="Arial" panose="020B0604020202020204" pitchFamily="34" charset="0"/>
-              <a:buChar char="•"/>
-            </a:pPr>
-            <a:r>
-              <a:rPr lang="zh-CN" altLang="en-US" dirty="0">
-                <a:solidFill>
-                  <a:srgbClr val="24292E"/>
-                </a:solidFill>
-                <a:latin typeface="-apple-system"/>
-              </a:rPr>
-              <a:t>用户 </a:t>
-            </a:r>
-            <a:r>
-              <a:rPr lang="en-US" altLang="zh-CN" dirty="0">
-                <a:solidFill>
-                  <a:srgbClr val="24292E"/>
-                </a:solidFill>
-                <a:latin typeface="-apple-system"/>
-              </a:rPr>
-              <a:t>ID </a:t>
-            </a:r>
-            <a:r>
-              <a:rPr lang="zh-CN" altLang="en-US" dirty="0">
-                <a:solidFill>
-                  <a:srgbClr val="24292E"/>
-                </a:solidFill>
-                <a:latin typeface="-apple-system"/>
-              </a:rPr>
-              <a:t>为参数，针对一段时间内频繁访问的用户 </a:t>
-            </a:r>
-            <a:r>
-              <a:rPr lang="en-US" altLang="zh-CN" dirty="0">
-                <a:solidFill>
-                  <a:srgbClr val="24292E"/>
-                </a:solidFill>
-                <a:latin typeface="-apple-system"/>
-              </a:rPr>
-              <a:t>ID </a:t>
-            </a:r>
-            <a:r>
-              <a:rPr lang="zh-CN" altLang="en-US" dirty="0">
-                <a:solidFill>
-                  <a:srgbClr val="24292E"/>
-                </a:solidFill>
-                <a:latin typeface="-apple-system"/>
-              </a:rPr>
-              <a:t>进行限制</a:t>
-            </a:r>
-            <a:endParaRPr lang="zh-CN" altLang="en-US" b="0" i="0" dirty="0">
-              <a:solidFill>
-                <a:srgbClr val="24292E"/>
-              </a:solidFill>
-              <a:effectLst/>
-              <a:latin typeface="-apple-system"/>
-            </a:endParaRPr>
+              <a:rPr lang="en-US" altLang="zh-CN" dirty="0"/>
+              <a:t>resource</a:t>
+            </a:r>
+            <a:r>
+              <a:rPr lang="zh-CN" altLang="en-US" dirty="0"/>
+              <a:t>：资源名，即限流规则的作用对象</a:t>
+            </a:r>
+          </a:p>
+          <a:p>
+            <a:r>
+              <a:rPr lang="en-US" altLang="zh-CN" dirty="0"/>
+              <a:t>count: </a:t>
+            </a:r>
+            <a:r>
+              <a:rPr lang="zh-CN" altLang="en-US" dirty="0"/>
+              <a:t>限流阈值</a:t>
+            </a:r>
+          </a:p>
+          <a:p>
+            <a:r>
+              <a:rPr lang="en-US" altLang="zh-CN" dirty="0"/>
+              <a:t>grade: </a:t>
+            </a:r>
+            <a:r>
+              <a:rPr lang="zh-CN" altLang="en-US" dirty="0"/>
+              <a:t>限流阈值类型，</a:t>
+            </a:r>
+            <a:r>
+              <a:rPr lang="en-US" altLang="zh-CN" dirty="0"/>
+              <a:t>QPS </a:t>
+            </a:r>
+            <a:r>
+              <a:rPr lang="zh-CN" altLang="en-US" dirty="0"/>
+              <a:t>或线程数</a:t>
+            </a:r>
+          </a:p>
+          <a:p>
+            <a:r>
+              <a:rPr lang="en-US" altLang="zh-CN" dirty="0"/>
+              <a:t>strategy: </a:t>
+            </a:r>
+            <a:r>
+              <a:rPr lang="zh-CN" altLang="en-US" dirty="0"/>
+              <a:t>根据调用关系选择策略</a:t>
+            </a:r>
+            <a:endParaRPr lang="en-US" altLang="zh-CN" dirty="0"/>
+          </a:p>
+          <a:p>
+            <a:r>
+              <a:rPr lang="en-US" altLang="zh-CN" dirty="0" err="1"/>
+              <a:t>controlBehavior</a:t>
+            </a:r>
+            <a:r>
+              <a:rPr lang="en-US" altLang="zh-CN" dirty="0"/>
+              <a:t>:</a:t>
+            </a:r>
+            <a:r>
+              <a:rPr lang="zh-CN" altLang="en-US" dirty="0"/>
+              <a:t>拦截后行为</a:t>
+            </a:r>
           </a:p>
         </p:txBody>
       </p:sp>
       <p:pic>
         <p:nvPicPr>
-          <p:cNvPr id="5122" name="Picture 2" descr="Sentinel Parameter Flow Control">
+          <p:cNvPr id="8" name="图片 7">
             <a:extLst>
               <a:ext uri="{FF2B5EF4-FFF2-40B4-BE49-F238E27FC236}">
-                <a16:creationId xmlns:a16="http://schemas.microsoft.com/office/drawing/2014/main" id="{E1213DE9-985F-462C-BDC3-82F50BE2F605}"/>
+                <a16:creationId xmlns:a16="http://schemas.microsoft.com/office/drawing/2014/main" id="{1B0DC697-2A2B-4629-B00F-08C7B81142A6}"/>
               </a:ext>
             </a:extLst>
           </p:cNvPr>
           <p:cNvPicPr>
-            <a:picLocks noChangeAspect="1" noChangeArrowheads="1"/>
+            <a:picLocks noChangeAspect="1"/>
           </p:cNvPicPr>
           <p:nvPr/>
         </p:nvPicPr>
         <p:blipFill>
-          <a:blip r:embed="rId5">
-            <a:extLst>
-              <a:ext uri="{28A0092B-C50C-407E-A947-70E740481C1C}">
-                <a14:useLocalDpi xmlns:a14="http://schemas.microsoft.com/office/drawing/2010/main" val="0"/>
-              </a:ext>
-            </a:extLst>
-          </a:blip>
-          <a:srcRect/>
+          <a:blip r:embed="rId5"/>
           <a:stretch>
             <a:fillRect/>
           </a:stretch>
         </p:blipFill>
-        <p:spPr bwMode="auto">
-          <a:xfrm>
-            <a:off x="1362904" y="3266662"/>
-            <a:ext cx="8591550" cy="2609850"/>
-          </a:xfrm>
-          <a:prstGeom prst="rect">
-            <a:avLst/>
-          </a:prstGeom>
-          <a:noFill/>
-          <a:extLst>
-            <a:ext uri="{909E8E84-426E-40DD-AFC4-6F175D3DCCD1}">
-              <a14:hiddenFill xmlns:a14="http://schemas.microsoft.com/office/drawing/2010/main">
-                <a:solidFill>
-                  <a:srgbClr val="FFFFFF"/>
-                </a:solidFill>
-              </a14:hiddenFill>
-            </a:ext>
-          </a:extLst>
+        <p:spPr>
+          <a:xfrm>
+            <a:off x="5474891" y="3060700"/>
+            <a:ext cx="6717030" cy="3797300"/>
+          </a:xfrm>
+          <a:prstGeom prst="rect">
+            <a:avLst/>
+          </a:prstGeom>
         </p:spPr>
       </p:pic>
     </p:spTree>
     <p:extLst>
       <p:ext uri="{BB962C8B-B14F-4D97-AF65-F5344CB8AC3E}">
-        <p14:creationId xmlns:p14="http://schemas.microsoft.com/office/powerpoint/2010/main" val="880581816"/>
+        <p14:creationId xmlns:p14="http://schemas.microsoft.com/office/powerpoint/2010/main" val="1593808945"/>
       </p:ext>
     </p:extLst>
   </p:cSld>
@@ -14942,70 +14709,223 @@
           </a:p>
         </p:txBody>
       </p:sp>
+      <p:sp>
+        <p:nvSpPr>
+          <p:cNvPr id="6" name="矩形 5">
+            <a:extLst>
+              <a:ext uri="{FF2B5EF4-FFF2-40B4-BE49-F238E27FC236}">
+                <a16:creationId xmlns:a16="http://schemas.microsoft.com/office/drawing/2014/main" id="{2CEB124F-4E57-47E9-9D83-ACF61118ECA3}"/>
+              </a:ext>
+            </a:extLst>
+          </p:cNvPr>
+          <p:cNvSpPr/>
+          <p:nvPr/>
+        </p:nvSpPr>
+        <p:spPr>
+          <a:xfrm>
+            <a:off x="1103300" y="2007114"/>
+            <a:ext cx="10137913" cy="1200329"/>
+          </a:xfrm>
+          <a:prstGeom prst="rect">
+            <a:avLst/>
+          </a:prstGeom>
+        </p:spPr>
+        <p:txBody>
+          <a:bodyPr wrap="square">
+            <a:spAutoFit/>
+          </a:bodyPr>
+          <a:lstStyle/>
+          <a:p>
+            <a:r>
+              <a:rPr lang="zh-CN" altLang="en-US" dirty="0">
+                <a:solidFill>
+                  <a:srgbClr val="24292E"/>
+                </a:solidFill>
+                <a:latin typeface="-apple-system"/>
+              </a:rPr>
+              <a:t>何为热点？热点即经常访问的数据。很多时候我们希望统计某个热点数据中访问频次最高的 </a:t>
+            </a:r>
+            <a:r>
+              <a:rPr lang="en-US" altLang="zh-CN" dirty="0">
+                <a:solidFill>
+                  <a:srgbClr val="24292E"/>
+                </a:solidFill>
+                <a:latin typeface="-apple-system"/>
+              </a:rPr>
+              <a:t>Top K </a:t>
+            </a:r>
+            <a:r>
+              <a:rPr lang="zh-CN" altLang="en-US" dirty="0">
+                <a:solidFill>
+                  <a:srgbClr val="24292E"/>
+                </a:solidFill>
+                <a:latin typeface="-apple-system"/>
+              </a:rPr>
+              <a:t>数据，并对其访问进行限制。比如：</a:t>
+            </a:r>
+          </a:p>
+          <a:p>
+            <a:pPr>
+              <a:buFont typeface="Arial" panose="020B0604020202020204" pitchFamily="34" charset="0"/>
+              <a:buChar char="•"/>
+            </a:pPr>
+            <a:r>
+              <a:rPr lang="zh-CN" altLang="en-US" dirty="0">
+                <a:solidFill>
+                  <a:srgbClr val="24292E"/>
+                </a:solidFill>
+                <a:latin typeface="-apple-system"/>
+              </a:rPr>
+              <a:t>商品 </a:t>
+            </a:r>
+            <a:r>
+              <a:rPr lang="en-US" altLang="zh-CN" dirty="0">
+                <a:solidFill>
+                  <a:srgbClr val="24292E"/>
+                </a:solidFill>
+                <a:latin typeface="-apple-system"/>
+              </a:rPr>
+              <a:t>ID </a:t>
+            </a:r>
+            <a:r>
+              <a:rPr lang="zh-CN" altLang="en-US" dirty="0">
+                <a:solidFill>
+                  <a:srgbClr val="24292E"/>
+                </a:solidFill>
+                <a:latin typeface="-apple-system"/>
+              </a:rPr>
+              <a:t>为参数，统计一段时间内最常购买的商品 </a:t>
+            </a:r>
+            <a:r>
+              <a:rPr lang="en-US" altLang="zh-CN" dirty="0">
+                <a:solidFill>
+                  <a:srgbClr val="24292E"/>
+                </a:solidFill>
+                <a:latin typeface="-apple-system"/>
+              </a:rPr>
+              <a:t>ID </a:t>
+            </a:r>
+            <a:r>
+              <a:rPr lang="zh-CN" altLang="en-US" dirty="0">
+                <a:solidFill>
+                  <a:srgbClr val="24292E"/>
+                </a:solidFill>
+                <a:latin typeface="-apple-system"/>
+              </a:rPr>
+              <a:t>并进行限制</a:t>
+            </a:r>
+          </a:p>
+          <a:p>
+            <a:pPr>
+              <a:buFont typeface="Arial" panose="020B0604020202020204" pitchFamily="34" charset="0"/>
+              <a:buChar char="•"/>
+            </a:pPr>
+            <a:r>
+              <a:rPr lang="zh-CN" altLang="en-US" dirty="0">
+                <a:solidFill>
+                  <a:srgbClr val="24292E"/>
+                </a:solidFill>
+                <a:latin typeface="-apple-system"/>
+              </a:rPr>
+              <a:t>用户 </a:t>
+            </a:r>
+            <a:r>
+              <a:rPr lang="en-US" altLang="zh-CN" dirty="0">
+                <a:solidFill>
+                  <a:srgbClr val="24292E"/>
+                </a:solidFill>
+                <a:latin typeface="-apple-system"/>
+              </a:rPr>
+              <a:t>ID </a:t>
+            </a:r>
+            <a:r>
+              <a:rPr lang="zh-CN" altLang="en-US" dirty="0">
+                <a:solidFill>
+                  <a:srgbClr val="24292E"/>
+                </a:solidFill>
+                <a:latin typeface="-apple-system"/>
+              </a:rPr>
+              <a:t>为参数，针对一段时间内频繁访问的用户 </a:t>
+            </a:r>
+            <a:r>
+              <a:rPr lang="en-US" altLang="zh-CN" dirty="0">
+                <a:solidFill>
+                  <a:srgbClr val="24292E"/>
+                </a:solidFill>
+                <a:latin typeface="-apple-system"/>
+              </a:rPr>
+              <a:t>ID </a:t>
+            </a:r>
+            <a:r>
+              <a:rPr lang="zh-CN" altLang="en-US" dirty="0">
+                <a:solidFill>
+                  <a:srgbClr val="24292E"/>
+                </a:solidFill>
+                <a:latin typeface="-apple-system"/>
+              </a:rPr>
+              <a:t>进行限制</a:t>
+            </a:r>
+            <a:endParaRPr lang="zh-CN" altLang="en-US" b="0" i="0" dirty="0">
+              <a:solidFill>
+                <a:srgbClr val="24292E"/>
+              </a:solidFill>
+              <a:effectLst/>
+              <a:latin typeface="-apple-system"/>
+            </a:endParaRPr>
+          </a:p>
+        </p:txBody>
+      </p:sp>
       <p:pic>
         <p:nvPicPr>
-          <p:cNvPr id="3" name="图片 2">
+          <p:cNvPr id="5122" name="Picture 2" descr="Sentinel Parameter Flow Control">
             <a:extLst>
               <a:ext uri="{FF2B5EF4-FFF2-40B4-BE49-F238E27FC236}">
-                <a16:creationId xmlns:a16="http://schemas.microsoft.com/office/drawing/2014/main" id="{D6DBC636-B38B-4950-A60D-B0BDE9DEC22A}"/>
+                <a16:creationId xmlns:a16="http://schemas.microsoft.com/office/drawing/2014/main" id="{E1213DE9-985F-462C-BDC3-82F50BE2F605}"/>
               </a:ext>
             </a:extLst>
           </p:cNvPr>
           <p:cNvPicPr>
-            <a:picLocks noChangeAspect="1"/>
+            <a:picLocks noChangeAspect="1" noChangeArrowheads="1"/>
           </p:cNvPicPr>
           <p:nvPr/>
         </p:nvPicPr>
         <p:blipFill>
-          <a:blip r:embed="rId5"/>
+          <a:blip r:embed="rId5">
+            <a:extLst>
+              <a:ext uri="{28A0092B-C50C-407E-A947-70E740481C1C}">
+                <a14:useLocalDpi xmlns:a14="http://schemas.microsoft.com/office/drawing/2010/main" val="0"/>
+              </a:ext>
+            </a:extLst>
+          </a:blip>
+          <a:srcRect/>
           <a:stretch>
             <a:fillRect/>
           </a:stretch>
         </p:blipFill>
-        <p:spPr>
-          <a:xfrm>
-            <a:off x="1103300" y="1981200"/>
-            <a:ext cx="6858000" cy="2895600"/>
-          </a:xfrm>
-          <a:prstGeom prst="rect">
-            <a:avLst/>
-          </a:prstGeom>
-        </p:spPr>
-      </p:pic>
-      <p:pic>
-        <p:nvPicPr>
-          <p:cNvPr id="5" name="图片 4">
-            <a:extLst>
-              <a:ext uri="{FF2B5EF4-FFF2-40B4-BE49-F238E27FC236}">
-                <a16:creationId xmlns:a16="http://schemas.microsoft.com/office/drawing/2014/main" id="{35B5D74C-863A-426B-989B-878BD7ECF451}"/>
-              </a:ext>
-            </a:extLst>
-          </p:cNvPr>
-          <p:cNvPicPr>
-            <a:picLocks noChangeAspect="1"/>
-          </p:cNvPicPr>
-          <p:nvPr/>
-        </p:nvPicPr>
-        <p:blipFill>
-          <a:blip r:embed="rId6"/>
-          <a:stretch>
-            <a:fillRect/>
-          </a:stretch>
-        </p:blipFill>
-        <p:spPr>
-          <a:xfrm>
-            <a:off x="1103300" y="4876800"/>
-            <a:ext cx="5600700" cy="1990725"/>
-          </a:xfrm>
-          <a:prstGeom prst="rect">
-            <a:avLst/>
-          </a:prstGeom>
+        <p:spPr bwMode="auto">
+          <a:xfrm>
+            <a:off x="1362904" y="3266662"/>
+            <a:ext cx="8591550" cy="2609850"/>
+          </a:xfrm>
+          <a:prstGeom prst="rect">
+            <a:avLst/>
+          </a:prstGeom>
+          <a:noFill/>
+          <a:extLst>
+            <a:ext uri="{909E8E84-426E-40DD-AFC4-6F175D3DCCD1}">
+              <a14:hiddenFill xmlns:a14="http://schemas.microsoft.com/office/drawing/2010/main">
+                <a:solidFill>
+                  <a:srgbClr val="FFFFFF"/>
+                </a:solidFill>
+              </a14:hiddenFill>
+            </a:ext>
+          </a:extLst>
         </p:spPr>
       </p:pic>
     </p:spTree>
     <p:extLst>
       <p:ext uri="{BB962C8B-B14F-4D97-AF65-F5344CB8AC3E}">
-        <p14:creationId xmlns:p14="http://schemas.microsoft.com/office/powerpoint/2010/main" val="3057454818"/>
+        <p14:creationId xmlns:p14="http://schemas.microsoft.com/office/powerpoint/2010/main" val="880581816"/>
       </p:ext>
     </p:extLst>
   </p:cSld>
@@ -15149,8 +15069,8 @@
         </p:nvSpPr>
         <p:spPr>
           <a:xfrm>
-            <a:off x="1103300" y="1919908"/>
-            <a:ext cx="4532010" cy="646331"/>
+            <a:off x="1103300" y="1360783"/>
+            <a:ext cx="2089033" cy="646331"/>
           </a:xfrm>
           <a:prstGeom prst="rect">
             <a:avLst/>
@@ -15169,31 +15089,7 @@
             </a:pPr>
             <a:r>
               <a:rPr lang="zh-CN" altLang="en-US" dirty="0"/>
-              <a:t>集群流控</a:t>
-            </a:r>
-            <a:r>
-              <a:rPr lang="zh-CN" altLang="en-US" dirty="0">
-                <a:sym typeface="+mn-ea"/>
-              </a:rPr>
-              <a:t>规则</a:t>
-            </a:r>
-            <a:r>
-              <a:rPr lang="en-US" altLang="zh-CN" dirty="0">
-                <a:sym typeface="+mn-ea"/>
-              </a:rPr>
-              <a:t>(</a:t>
-            </a:r>
-            <a:r>
-              <a:rPr lang="zh-CN" altLang="en-US" dirty="0">
-                <a:sym typeface="+mn-ea"/>
-              </a:rPr>
-              <a:t>和单机流控规则配置类似</a:t>
-            </a:r>
-            <a:r>
-              <a:rPr lang="en-US" altLang="zh-CN" dirty="0">
-                <a:sym typeface="+mn-ea"/>
-              </a:rPr>
-              <a:t>)</a:t>
+              <a:t>热点参数规则：</a:t>
             </a:r>
             <a:endParaRPr lang="en-US" altLang="zh-CN" dirty="0"/>
           </a:p>
@@ -15291,215 +15187,12 @@
           </a:p>
         </p:txBody>
       </p:sp>
-      <p:sp>
-        <p:nvSpPr>
-          <p:cNvPr id="7" name="矩形 6">
+      <p:pic>
+        <p:nvPicPr>
+          <p:cNvPr id="3" name="图片 2">
             <a:extLst>
               <a:ext uri="{FF2B5EF4-FFF2-40B4-BE49-F238E27FC236}">
-                <a16:creationId xmlns:a16="http://schemas.microsoft.com/office/drawing/2014/main" id="{708F115F-A5CF-4A5D-9DCB-72F3315E7695}"/>
-              </a:ext>
-            </a:extLst>
-          </p:cNvPr>
-          <p:cNvSpPr/>
-          <p:nvPr/>
-        </p:nvSpPr>
-        <p:spPr>
-          <a:xfrm>
-            <a:off x="1103300" y="2566239"/>
-            <a:ext cx="6096000" cy="3693319"/>
-          </a:xfrm>
-          <a:prstGeom prst="rect">
-            <a:avLst/>
-          </a:prstGeom>
-        </p:spPr>
-        <p:txBody>
-          <a:bodyPr>
-            <a:spAutoFit/>
-          </a:bodyPr>
-          <a:lstStyle/>
-          <a:p>
-            <a:r>
-              <a:rPr lang="en-US" altLang="zh-CN" dirty="0"/>
-              <a:t>resource</a:t>
-            </a:r>
-            <a:r>
-              <a:rPr lang="zh-CN" altLang="en-US" dirty="0"/>
-              <a:t>：资源名，即限流规则的作用对象</a:t>
-            </a:r>
-          </a:p>
-          <a:p>
-            <a:r>
-              <a:rPr lang="en-US" altLang="zh-CN" dirty="0"/>
-              <a:t>count: </a:t>
-            </a:r>
-            <a:r>
-              <a:rPr lang="zh-CN" altLang="en-US" dirty="0"/>
-              <a:t>限流阈值</a:t>
-            </a:r>
-          </a:p>
-          <a:p>
-            <a:r>
-              <a:rPr lang="en-US" altLang="zh-CN" dirty="0"/>
-              <a:t>grade: </a:t>
-            </a:r>
-            <a:r>
-              <a:rPr lang="zh-CN" altLang="en-US" dirty="0"/>
-              <a:t>限流阈值类型，</a:t>
-            </a:r>
-            <a:r>
-              <a:rPr lang="en-US" altLang="zh-CN" dirty="0"/>
-              <a:t>QPS </a:t>
-            </a:r>
-            <a:r>
-              <a:rPr lang="zh-CN" altLang="en-US" dirty="0"/>
-              <a:t>或线程数</a:t>
-            </a:r>
-          </a:p>
-          <a:p>
-            <a:r>
-              <a:rPr lang="en-US" altLang="zh-CN" dirty="0"/>
-              <a:t>strategy: </a:t>
-            </a:r>
-            <a:r>
-              <a:rPr lang="zh-CN" altLang="en-US" dirty="0"/>
-              <a:t>根据调用关系选择策略</a:t>
-            </a:r>
-            <a:endParaRPr lang="en-US" altLang="zh-CN" dirty="0"/>
-          </a:p>
-          <a:p>
-            <a:r>
-              <a:rPr lang="en-US" altLang="zh-CN" dirty="0" err="1"/>
-              <a:t>controlBehavior</a:t>
-            </a:r>
-            <a:r>
-              <a:rPr lang="en-US" altLang="zh-CN" dirty="0"/>
-              <a:t>:</a:t>
-            </a:r>
-            <a:r>
-              <a:rPr lang="zh-CN" altLang="en-US" dirty="0"/>
-              <a:t>拦截后行为</a:t>
-            </a:r>
-            <a:endParaRPr lang="en-US" altLang="zh-CN" dirty="0"/>
-          </a:p>
-          <a:p>
-            <a:r>
-              <a:rPr lang="en-US" altLang="zh-CN" dirty="0" err="1"/>
-              <a:t>clusterMode</a:t>
-            </a:r>
-            <a:r>
-              <a:rPr lang="zh-CN" altLang="en-US" dirty="0"/>
-              <a:t>：标识是否为集群限流配置</a:t>
-            </a:r>
-            <a:endParaRPr lang="en-US" altLang="zh-CN" dirty="0"/>
-          </a:p>
-          <a:p>
-            <a:r>
-              <a:rPr lang="en-US" altLang="zh-CN" dirty="0" err="1"/>
-              <a:t>flowId</a:t>
-            </a:r>
-            <a:r>
-              <a:rPr lang="zh-CN" altLang="en-US" dirty="0"/>
-              <a:t>：全局唯一的规则 </a:t>
-            </a:r>
-            <a:r>
-              <a:rPr lang="en-US" altLang="zh-CN" dirty="0"/>
-              <a:t>ID</a:t>
-            </a:r>
-            <a:r>
-              <a:rPr lang="zh-CN" altLang="en-US" dirty="0"/>
-              <a:t>，由集群限流</a:t>
-            </a:r>
-            <a:endParaRPr lang="en-US" altLang="zh-CN" dirty="0"/>
-          </a:p>
-          <a:p>
-            <a:r>
-              <a:rPr lang="zh-CN" altLang="en-US" dirty="0"/>
-              <a:t>管控端分配</a:t>
-            </a:r>
-            <a:endParaRPr lang="en-US" altLang="zh-CN" dirty="0"/>
-          </a:p>
-          <a:p>
-            <a:r>
-              <a:rPr lang="en-US" altLang="zh-CN" dirty="0" err="1"/>
-              <a:t>thresholdType</a:t>
-            </a:r>
-            <a:r>
-              <a:rPr lang="en-US" altLang="zh-CN" dirty="0"/>
-              <a:t> </a:t>
-            </a:r>
-            <a:r>
-              <a:rPr lang="zh-CN" altLang="en-US" dirty="0"/>
-              <a:t>：阈值模式，默认（</a:t>
-            </a:r>
-            <a:r>
-              <a:rPr lang="en-US" altLang="zh-CN" dirty="0"/>
-              <a:t>0</a:t>
-            </a:r>
-            <a:r>
-              <a:rPr lang="zh-CN" altLang="en-US" dirty="0"/>
-              <a:t>）</a:t>
-            </a:r>
-            <a:endParaRPr lang="en-US" altLang="zh-CN" dirty="0"/>
-          </a:p>
-          <a:p>
-            <a:r>
-              <a:rPr lang="zh-CN" altLang="en-US" dirty="0"/>
-              <a:t>为单机均摊，</a:t>
-            </a:r>
-            <a:r>
-              <a:rPr lang="en-US" altLang="zh-CN" dirty="0"/>
-              <a:t>1 </a:t>
-            </a:r>
-            <a:r>
-              <a:rPr lang="zh-CN" altLang="en-US" dirty="0"/>
-              <a:t>为全局阈值</a:t>
-            </a:r>
-            <a:endParaRPr lang="en-US" altLang="zh-CN" dirty="0"/>
-          </a:p>
-          <a:p>
-            <a:r>
-              <a:rPr lang="en-US" altLang="zh-CN" dirty="0" err="1"/>
-              <a:t>fallbackToLocalWhenFail</a:t>
-            </a:r>
-            <a:r>
-              <a:rPr lang="en-US" altLang="zh-CN" dirty="0"/>
-              <a:t>:</a:t>
-            </a:r>
-            <a:r>
-              <a:rPr lang="zh-CN" altLang="en-US" dirty="0"/>
-              <a:t>在 </a:t>
-            </a:r>
-            <a:r>
-              <a:rPr lang="en-US" altLang="zh-CN" dirty="0"/>
-              <a:t>client </a:t>
-            </a:r>
-            <a:r>
-              <a:rPr lang="zh-CN" altLang="en-US" dirty="0"/>
-              <a:t>连接</a:t>
-            </a:r>
-            <a:endParaRPr lang="en-US" altLang="zh-CN" dirty="0"/>
-          </a:p>
-          <a:p>
-            <a:r>
-              <a:rPr lang="zh-CN" altLang="en-US" dirty="0"/>
-              <a:t>失败或通信失败时，是否退化到本地</a:t>
-            </a:r>
-            <a:endParaRPr lang="en-US" altLang="zh-CN" dirty="0"/>
-          </a:p>
-          <a:p>
-            <a:r>
-              <a:rPr lang="zh-CN" altLang="en-US" dirty="0"/>
-              <a:t>的限流模式</a:t>
-            </a:r>
-          </a:p>
-        </p:txBody>
-      </p:sp>
-      <p:pic>
-        <p:nvPicPr>
-          <p:cNvPr id="10" name="图片 9">
-            <a:extLst>
-              <a:ext uri="{FF2B5EF4-FFF2-40B4-BE49-F238E27FC236}">
-                <a16:creationId xmlns:a16="http://schemas.microsoft.com/office/drawing/2014/main" id="{2B0BCA36-4006-427B-96D4-FA9AD3B39096}"/>
+                <a16:creationId xmlns:a16="http://schemas.microsoft.com/office/drawing/2014/main" id="{D6DBC636-B38B-4950-A60D-B0BDE9DEC22A}"/>
               </a:ext>
             </a:extLst>
           </p:cNvPr>
@@ -15516,8 +15209,38 @@
         </p:blipFill>
         <p:spPr>
           <a:xfrm>
-            <a:off x="5474891" y="3060700"/>
-            <a:ext cx="6717030" cy="3797300"/>
+            <a:off x="1103300" y="1981200"/>
+            <a:ext cx="6858000" cy="2895600"/>
+          </a:xfrm>
+          <a:prstGeom prst="rect">
+            <a:avLst/>
+          </a:prstGeom>
+        </p:spPr>
+      </p:pic>
+      <p:pic>
+        <p:nvPicPr>
+          <p:cNvPr id="5" name="图片 4">
+            <a:extLst>
+              <a:ext uri="{FF2B5EF4-FFF2-40B4-BE49-F238E27FC236}">
+                <a16:creationId xmlns:a16="http://schemas.microsoft.com/office/drawing/2014/main" id="{35B5D74C-863A-426B-989B-878BD7ECF451}"/>
+              </a:ext>
+            </a:extLst>
+          </p:cNvPr>
+          <p:cNvPicPr>
+            <a:picLocks noChangeAspect="1"/>
+          </p:cNvPicPr>
+          <p:nvPr/>
+        </p:nvPicPr>
+        <p:blipFill>
+          <a:blip r:embed="rId6"/>
+          <a:stretch>
+            <a:fillRect/>
+          </a:stretch>
+        </p:blipFill>
+        <p:spPr>
+          <a:xfrm>
+            <a:off x="1103300" y="4876800"/>
+            <a:ext cx="5600700" cy="1990725"/>
           </a:xfrm>
           <a:prstGeom prst="rect">
             <a:avLst/>
@@ -15527,7 +15250,7 @@
     </p:spTree>
     <p:extLst>
       <p:ext uri="{BB962C8B-B14F-4D97-AF65-F5344CB8AC3E}">
-        <p14:creationId xmlns:p14="http://schemas.microsoft.com/office/powerpoint/2010/main" val="3136771395"/>
+        <p14:creationId xmlns:p14="http://schemas.microsoft.com/office/powerpoint/2010/main" val="3057454818"/>
       </p:ext>
     </p:extLst>
   </p:cSld>
@@ -15672,7 +15395,7 @@
         <p:spPr>
           <a:xfrm>
             <a:off x="1103300" y="1919908"/>
-            <a:ext cx="1858201" cy="646331"/>
+            <a:ext cx="4532010" cy="646331"/>
           </a:xfrm>
           <a:prstGeom prst="rect">
             <a:avLst/>
@@ -15691,13 +15414,31 @@
             </a:pPr>
             <a:r>
               <a:rPr lang="zh-CN" altLang="en-US" dirty="0"/>
-              <a:t>熔断降级</a:t>
+              <a:t>集群流控</a:t>
             </a:r>
             <a:r>
               <a:rPr lang="zh-CN" altLang="en-US" dirty="0">
                 <a:sym typeface="+mn-ea"/>
               </a:rPr>
               <a:t>规则</a:t>
+            </a:r>
+            <a:r>
+              <a:rPr lang="en-US" altLang="zh-CN" dirty="0">
+                <a:sym typeface="+mn-ea"/>
+              </a:rPr>
+              <a:t>(</a:t>
+            </a:r>
+            <a:r>
+              <a:rPr lang="zh-CN" altLang="en-US" dirty="0">
+                <a:sym typeface="+mn-ea"/>
+              </a:rPr>
+              <a:t>和单机流控规则配置类似</a:t>
+            </a:r>
+            <a:r>
+              <a:rPr lang="en-US" altLang="zh-CN" dirty="0">
+                <a:sym typeface="+mn-ea"/>
+              </a:rPr>
+              <a:t>)</a:t>
             </a:r>
             <a:endParaRPr lang="en-US" altLang="zh-CN" dirty="0"/>
           </a:p>
@@ -15795,12 +15536,215 @@
           </a:p>
         </p:txBody>
       </p:sp>
+      <p:sp>
+        <p:nvSpPr>
+          <p:cNvPr id="7" name="矩形 6">
+            <a:extLst>
+              <a:ext uri="{FF2B5EF4-FFF2-40B4-BE49-F238E27FC236}">
+                <a16:creationId xmlns:a16="http://schemas.microsoft.com/office/drawing/2014/main" id="{708F115F-A5CF-4A5D-9DCB-72F3315E7695}"/>
+              </a:ext>
+            </a:extLst>
+          </p:cNvPr>
+          <p:cNvSpPr/>
+          <p:nvPr/>
+        </p:nvSpPr>
+        <p:spPr>
+          <a:xfrm>
+            <a:off x="1103300" y="2566239"/>
+            <a:ext cx="6096000" cy="3693319"/>
+          </a:xfrm>
+          <a:prstGeom prst="rect">
+            <a:avLst/>
+          </a:prstGeom>
+        </p:spPr>
+        <p:txBody>
+          <a:bodyPr>
+            <a:spAutoFit/>
+          </a:bodyPr>
+          <a:lstStyle/>
+          <a:p>
+            <a:r>
+              <a:rPr lang="en-US" altLang="zh-CN" dirty="0"/>
+              <a:t>resource</a:t>
+            </a:r>
+            <a:r>
+              <a:rPr lang="zh-CN" altLang="en-US" dirty="0"/>
+              <a:t>：资源名，即限流规则的作用对象</a:t>
+            </a:r>
+          </a:p>
+          <a:p>
+            <a:r>
+              <a:rPr lang="en-US" altLang="zh-CN" dirty="0"/>
+              <a:t>count: </a:t>
+            </a:r>
+            <a:r>
+              <a:rPr lang="zh-CN" altLang="en-US" dirty="0"/>
+              <a:t>限流阈值</a:t>
+            </a:r>
+          </a:p>
+          <a:p>
+            <a:r>
+              <a:rPr lang="en-US" altLang="zh-CN" dirty="0"/>
+              <a:t>grade: </a:t>
+            </a:r>
+            <a:r>
+              <a:rPr lang="zh-CN" altLang="en-US" dirty="0"/>
+              <a:t>限流阈值类型，</a:t>
+            </a:r>
+            <a:r>
+              <a:rPr lang="en-US" altLang="zh-CN" dirty="0"/>
+              <a:t>QPS </a:t>
+            </a:r>
+            <a:r>
+              <a:rPr lang="zh-CN" altLang="en-US" dirty="0"/>
+              <a:t>或线程数</a:t>
+            </a:r>
+          </a:p>
+          <a:p>
+            <a:r>
+              <a:rPr lang="en-US" altLang="zh-CN" dirty="0"/>
+              <a:t>strategy: </a:t>
+            </a:r>
+            <a:r>
+              <a:rPr lang="zh-CN" altLang="en-US" dirty="0"/>
+              <a:t>根据调用关系选择策略</a:t>
+            </a:r>
+            <a:endParaRPr lang="en-US" altLang="zh-CN" dirty="0"/>
+          </a:p>
+          <a:p>
+            <a:r>
+              <a:rPr lang="en-US" altLang="zh-CN" dirty="0" err="1"/>
+              <a:t>controlBehavior</a:t>
+            </a:r>
+            <a:r>
+              <a:rPr lang="en-US" altLang="zh-CN" dirty="0"/>
+              <a:t>:</a:t>
+            </a:r>
+            <a:r>
+              <a:rPr lang="zh-CN" altLang="en-US" dirty="0"/>
+              <a:t>拦截后行为</a:t>
+            </a:r>
+            <a:endParaRPr lang="en-US" altLang="zh-CN" dirty="0"/>
+          </a:p>
+          <a:p>
+            <a:r>
+              <a:rPr lang="en-US" altLang="zh-CN" dirty="0" err="1"/>
+              <a:t>clusterMode</a:t>
+            </a:r>
+            <a:r>
+              <a:rPr lang="zh-CN" altLang="en-US" dirty="0"/>
+              <a:t>：标识是否为集群限流配置</a:t>
+            </a:r>
+            <a:endParaRPr lang="en-US" altLang="zh-CN" dirty="0"/>
+          </a:p>
+          <a:p>
+            <a:r>
+              <a:rPr lang="en-US" altLang="zh-CN" dirty="0" err="1"/>
+              <a:t>flowId</a:t>
+            </a:r>
+            <a:r>
+              <a:rPr lang="zh-CN" altLang="en-US" dirty="0"/>
+              <a:t>：全局唯一的规则 </a:t>
+            </a:r>
+            <a:r>
+              <a:rPr lang="en-US" altLang="zh-CN" dirty="0"/>
+              <a:t>ID</a:t>
+            </a:r>
+            <a:r>
+              <a:rPr lang="zh-CN" altLang="en-US" dirty="0"/>
+              <a:t>，由集群限流</a:t>
+            </a:r>
+            <a:endParaRPr lang="en-US" altLang="zh-CN" dirty="0"/>
+          </a:p>
+          <a:p>
+            <a:r>
+              <a:rPr lang="zh-CN" altLang="en-US" dirty="0"/>
+              <a:t>管控端分配</a:t>
+            </a:r>
+            <a:endParaRPr lang="en-US" altLang="zh-CN" dirty="0"/>
+          </a:p>
+          <a:p>
+            <a:r>
+              <a:rPr lang="en-US" altLang="zh-CN" dirty="0" err="1"/>
+              <a:t>thresholdType</a:t>
+            </a:r>
+            <a:r>
+              <a:rPr lang="en-US" altLang="zh-CN" dirty="0"/>
+              <a:t> </a:t>
+            </a:r>
+            <a:r>
+              <a:rPr lang="zh-CN" altLang="en-US" dirty="0"/>
+              <a:t>：阈值模式，默认（</a:t>
+            </a:r>
+            <a:r>
+              <a:rPr lang="en-US" altLang="zh-CN" dirty="0"/>
+              <a:t>0</a:t>
+            </a:r>
+            <a:r>
+              <a:rPr lang="zh-CN" altLang="en-US" dirty="0"/>
+              <a:t>）</a:t>
+            </a:r>
+            <a:endParaRPr lang="en-US" altLang="zh-CN" dirty="0"/>
+          </a:p>
+          <a:p>
+            <a:r>
+              <a:rPr lang="zh-CN" altLang="en-US" dirty="0"/>
+              <a:t>为单机均摊，</a:t>
+            </a:r>
+            <a:r>
+              <a:rPr lang="en-US" altLang="zh-CN" dirty="0"/>
+              <a:t>1 </a:t>
+            </a:r>
+            <a:r>
+              <a:rPr lang="zh-CN" altLang="en-US" dirty="0"/>
+              <a:t>为全局阈值</a:t>
+            </a:r>
+            <a:endParaRPr lang="en-US" altLang="zh-CN" dirty="0"/>
+          </a:p>
+          <a:p>
+            <a:r>
+              <a:rPr lang="en-US" altLang="zh-CN" dirty="0" err="1"/>
+              <a:t>fallbackToLocalWhenFail</a:t>
+            </a:r>
+            <a:r>
+              <a:rPr lang="en-US" altLang="zh-CN" dirty="0"/>
+              <a:t>:</a:t>
+            </a:r>
+            <a:r>
+              <a:rPr lang="zh-CN" altLang="en-US" dirty="0"/>
+              <a:t>在 </a:t>
+            </a:r>
+            <a:r>
+              <a:rPr lang="en-US" altLang="zh-CN" dirty="0"/>
+              <a:t>client </a:t>
+            </a:r>
+            <a:r>
+              <a:rPr lang="zh-CN" altLang="en-US" dirty="0"/>
+              <a:t>连接</a:t>
+            </a:r>
+            <a:endParaRPr lang="en-US" altLang="zh-CN" dirty="0"/>
+          </a:p>
+          <a:p>
+            <a:r>
+              <a:rPr lang="zh-CN" altLang="en-US" dirty="0"/>
+              <a:t>失败或通信失败时，是否退化到本地</a:t>
+            </a:r>
+            <a:endParaRPr lang="en-US" altLang="zh-CN" dirty="0"/>
+          </a:p>
+          <a:p>
+            <a:r>
+              <a:rPr lang="zh-CN" altLang="en-US" dirty="0"/>
+              <a:t>的限流模式</a:t>
+            </a:r>
+          </a:p>
+        </p:txBody>
+      </p:sp>
       <p:pic>
         <p:nvPicPr>
-          <p:cNvPr id="9" name="图片 8">
+          <p:cNvPr id="10" name="图片 9">
             <a:extLst>
               <a:ext uri="{FF2B5EF4-FFF2-40B4-BE49-F238E27FC236}">
-                <a16:creationId xmlns:a16="http://schemas.microsoft.com/office/drawing/2014/main" id="{5FCD315D-AE73-4752-9E60-30E9BCD27766}"/>
+                <a16:creationId xmlns:a16="http://schemas.microsoft.com/office/drawing/2014/main" id="{2B0BCA36-4006-427B-96D4-FA9AD3B39096}"/>
               </a:ext>
             </a:extLst>
           </p:cNvPr>
@@ -15817,8 +15761,8 @@
         </p:blipFill>
         <p:spPr>
           <a:xfrm>
-            <a:off x="1239162" y="2566239"/>
-            <a:ext cx="4838065" cy="2571115"/>
+            <a:off x="5474891" y="3060700"/>
+            <a:ext cx="6717030" cy="3797300"/>
           </a:xfrm>
           <a:prstGeom prst="rect">
             <a:avLst/>
@@ -15828,7 +15772,7 @@
     </p:spTree>
     <p:extLst>
       <p:ext uri="{BB962C8B-B14F-4D97-AF65-F5344CB8AC3E}">
-        <p14:creationId xmlns:p14="http://schemas.microsoft.com/office/powerpoint/2010/main" val="2129435442"/>
+        <p14:creationId xmlns:p14="http://schemas.microsoft.com/office/powerpoint/2010/main" val="3136771395"/>
       </p:ext>
     </p:extLst>
   </p:cSld>
@@ -15991,8 +15935,8 @@
               <a:buChar char="•"/>
             </a:pPr>
             <a:r>
-              <a:rPr lang="en-US" altLang="zh-CN" dirty="0" err="1"/>
-              <a:t>系统保护</a:t>
+              <a:rPr lang="zh-CN" altLang="en-US" dirty="0"/>
+              <a:t>熔断降级</a:t>
             </a:r>
             <a:r>
               <a:rPr lang="zh-CN" altLang="en-US" dirty="0">
@@ -16098,10 +16042,10 @@
       </p:sp>
       <p:pic>
         <p:nvPicPr>
-          <p:cNvPr id="8" name="图片 7">
+          <p:cNvPr id="9" name="图片 8">
             <a:extLst>
               <a:ext uri="{FF2B5EF4-FFF2-40B4-BE49-F238E27FC236}">
-                <a16:creationId xmlns:a16="http://schemas.microsoft.com/office/drawing/2014/main" id="{A4485AB9-F930-48D2-8229-6CE9ECF38F87}"/>
+                <a16:creationId xmlns:a16="http://schemas.microsoft.com/office/drawing/2014/main" id="{5FCD315D-AE73-4752-9E60-30E9BCD27766}"/>
               </a:ext>
             </a:extLst>
           </p:cNvPr>
@@ -16118,8 +16062,8 @@
         </p:blipFill>
         <p:spPr>
           <a:xfrm>
-            <a:off x="2185035" y="3145155"/>
-            <a:ext cx="5009515" cy="2249170"/>
+            <a:off x="1239162" y="2566239"/>
+            <a:ext cx="4838065" cy="2571115"/>
           </a:xfrm>
           <a:prstGeom prst="rect">
             <a:avLst/>
@@ -16129,7 +16073,7 @@
     </p:spTree>
     <p:extLst>
       <p:ext uri="{BB962C8B-B14F-4D97-AF65-F5344CB8AC3E}">
-        <p14:creationId xmlns:p14="http://schemas.microsoft.com/office/powerpoint/2010/main" val="910305628"/>
+        <p14:creationId xmlns:p14="http://schemas.microsoft.com/office/powerpoint/2010/main" val="2129435442"/>
       </p:ext>
     </p:extLst>
   </p:cSld>
@@ -16225,9 +16169,8 @@
           <a:p>
             <a:r>
               <a:rPr lang="zh-CN" altLang="en-US" sz="2500" dirty="0"/>
-              <a:t>业务场景</a:t>
-            </a:r>
-            <a:endParaRPr sz="2500" dirty="0"/>
+              <a:t>规则配置</a:t>
+            </a:r>
           </a:p>
         </p:txBody>
       </p:sp>
@@ -16265,7 +16208,7 @@
           <p:cNvPr id="2" name="文本框 1">
             <a:extLst>
               <a:ext uri="{FF2B5EF4-FFF2-40B4-BE49-F238E27FC236}">
-                <a16:creationId xmlns:a16="http://schemas.microsoft.com/office/drawing/2014/main" id="{0D334C9D-8E88-4BF8-985C-D329F9D84685}"/>
+                <a16:creationId xmlns:a16="http://schemas.microsoft.com/office/drawing/2014/main" id="{3F07C448-348F-43CD-A1F3-F0911792A073}"/>
               </a:ext>
             </a:extLst>
           </p:cNvPr>
@@ -16274,8 +16217,8 @@
         </p:nvSpPr>
         <p:spPr>
           <a:xfrm>
-            <a:off x="291548" y="1457739"/>
-            <a:ext cx="10701969" cy="4770537"/>
+            <a:off x="1103300" y="1919908"/>
+            <a:ext cx="1858201" cy="646331"/>
           </a:xfrm>
           <a:prstGeom prst="rect">
             <a:avLst/>
@@ -16288,157 +16231,150 @@
           </a:bodyPr>
           <a:lstStyle/>
           <a:p>
-            <a:r>
-              <a:rPr lang="en-US" altLang="zh-CN" dirty="0"/>
-              <a:t>grade</a:t>
-            </a:r>
-            <a:r>
-              <a:rPr lang="zh-CN" altLang="en-US" dirty="0"/>
-              <a:t>属性</a:t>
+            <a:pPr marL="285750" indent="-285750">
+              <a:buFont typeface="Arial" panose="020B0604020202020204" pitchFamily="34" charset="0"/>
+              <a:buChar char="•"/>
+            </a:pPr>
+            <a:r>
+              <a:rPr lang="en-US" altLang="zh-CN" dirty="0" err="1"/>
+              <a:t>系统保护</a:t>
             </a:r>
             <a:r>
               <a:rPr lang="zh-CN" altLang="en-US" dirty="0">
                 <a:sym typeface="+mn-ea"/>
               </a:rPr>
-              <a:t>设置和适用场景</a:t>
-            </a:r>
+              <a:t>规则</a:t>
+            </a:r>
+            <a:endParaRPr lang="en-US" altLang="zh-CN" dirty="0"/>
+          </a:p>
+          <a:p>
             <a:endParaRPr lang="zh-CN" altLang="en-US" dirty="0"/>
           </a:p>
-          <a:p>
-            <a:r>
-              <a:rPr lang="zh-CN" altLang="en-US" dirty="0">
-                <a:sym typeface="+mn-ea"/>
-              </a:rPr>
-              <a:t>根据</a:t>
-            </a:r>
-            <a:r>
-              <a:rPr lang="en-US" altLang="zh-CN" dirty="0" err="1">
-                <a:sym typeface="+mn-ea"/>
-              </a:rPr>
-              <a:t>程数</a:t>
-            </a:r>
-            <a:endParaRPr lang="en-US" altLang="zh-CN" dirty="0">
-              <a:sym typeface="+mn-ea"/>
+        </p:txBody>
+      </p:sp>
+      <p:sp>
+        <p:nvSpPr>
+          <p:cNvPr id="4" name="Rectangle 1">
+            <a:extLst>
+              <a:ext uri="{FF2B5EF4-FFF2-40B4-BE49-F238E27FC236}">
+                <a16:creationId xmlns:a16="http://schemas.microsoft.com/office/drawing/2014/main" id="{B3603325-C143-4096-8508-F585138860A5}"/>
+              </a:ext>
+            </a:extLst>
+          </p:cNvPr>
+          <p:cNvSpPr>
+            <a:spLocks noChangeArrowheads="1"/>
+          </p:cNvSpPr>
+          <p:nvPr/>
+        </p:nvSpPr>
+        <p:spPr bwMode="auto">
+          <a:xfrm>
+            <a:off x="0" y="-138499"/>
+            <a:ext cx="65" cy="276999"/>
+          </a:xfrm>
+          <a:prstGeom prst="rect">
+            <a:avLst/>
+          </a:prstGeom>
+          <a:solidFill>
+            <a:srgbClr val="FFFFFF"/>
+          </a:solidFill>
+          <a:ln>
+            <a:noFill/>
+          </a:ln>
+          <a:effectLst/>
+          <a:extLst>
+            <a:ext uri="{91240B29-F687-4F45-9708-019B960494DF}">
+              <a14:hiddenLine xmlns:a14="http://schemas.microsoft.com/office/drawing/2010/main" w="9525">
+                <a:solidFill>
+                  <a:schemeClr val="tx1"/>
+                </a:solidFill>
+                <a:miter lim="800000"/>
+                <a:headEnd/>
+                <a:tailEnd/>
+              </a14:hiddenLine>
+            </a:ext>
+            <a:ext uri="{AF507438-7753-43E0-B8FC-AC1667EBCBE1}">
+              <a14:hiddenEffects xmlns:a14="http://schemas.microsoft.com/office/drawing/2010/main">
+                <a:effectLst>
+                  <a:outerShdw dist="35921" dir="2700000" algn="ctr" rotWithShape="0">
+                    <a:schemeClr val="bg2"/>
+                  </a:outerShdw>
+                </a:effectLst>
+              </a14:hiddenEffects>
+            </a:ext>
+          </a:extLst>
+        </p:spPr>
+        <p:txBody>
+          <a:bodyPr vert="horz" wrap="none" lIns="0" tIns="0" rIns="0" bIns="0" numCol="1" anchor="ctr" anchorCtr="0" compatLnSpc="1">
+            <a:prstTxWarp prst="textNoShape">
+              <a:avLst/>
+            </a:prstTxWarp>
+            <a:spAutoFit/>
+          </a:bodyPr>
+          <a:lstStyle/>
+          <a:p>
+            <a:pPr marL="0" marR="0" lvl="0" indent="0" algn="l" defTabSz="914400" rtl="0" eaLnBrk="0" fontAlgn="base" latinLnBrk="0" hangingPunct="0">
+              <a:lnSpc>
+                <a:spcPct val="100000"/>
+              </a:lnSpc>
+              <a:spcBef>
+                <a:spcPct val="0"/>
+              </a:spcBef>
+              <a:spcAft>
+                <a:spcPct val="0"/>
+              </a:spcAft>
+              <a:buClrTx/>
+              <a:buSzTx/>
+              <a:buFontTx/>
+              <a:buNone/>
+              <a:tabLst/>
+            </a:pPr>
+            <a:endParaRPr kumimoji="0" lang="zh-CN" altLang="zh-CN" sz="1800" b="0" i="0" u="none" strike="noStrike" cap="none" normalizeH="0" baseline="0" dirty="0">
+              <a:ln>
+                <a:noFill/>
+              </a:ln>
+              <a:solidFill>
+                <a:schemeClr val="tx1"/>
+              </a:solidFill>
+              <a:effectLst/>
+              <a:latin typeface="Arial" panose="020B0604020202020204" pitchFamily="34" charset="0"/>
             </a:endParaRPr>
           </a:p>
-          <a:p>
-            <a:endParaRPr lang="en-US" altLang="zh-CN" dirty="0">
-              <a:sym typeface="+mn-ea"/>
-            </a:endParaRPr>
-          </a:p>
-          <a:p>
-            <a:r>
-              <a:rPr lang="zh-CN" altLang="en-US" dirty="0">
-                <a:sym typeface="+mn-ea"/>
-              </a:rPr>
-              <a:t>场景：Service Consumer 作为客户端去调用远程服务。每一个服务都可能会依赖几个下游服务，</a:t>
-            </a:r>
-            <a:endParaRPr lang="en-US" altLang="zh-CN" dirty="0">
-              <a:sym typeface="+mn-ea"/>
-            </a:endParaRPr>
-          </a:p>
-          <a:p>
-            <a:r>
-              <a:rPr lang="zh-CN" altLang="en-US" dirty="0">
-                <a:sym typeface="+mn-ea"/>
-              </a:rPr>
-              <a:t>若某个服务 A 依赖的下游服务 B 出现了不稳定的情况，服务 A 请求 服务 B 的响应时间变长，</a:t>
-            </a:r>
-            <a:endParaRPr lang="en-US" altLang="zh-CN" dirty="0">
-              <a:sym typeface="+mn-ea"/>
-            </a:endParaRPr>
-          </a:p>
-          <a:p>
-            <a:r>
-              <a:rPr lang="zh-CN" altLang="en-US" dirty="0">
-                <a:sym typeface="+mn-ea"/>
-              </a:rPr>
-              <a:t>从而服务 A 调用服务 B 的线程就会产生堆积，最终可能耗尽服务 A 的线程数。</a:t>
-            </a:r>
-            <a:endParaRPr lang="en-US" altLang="zh-CN" dirty="0">
-              <a:sym typeface="+mn-ea"/>
-            </a:endParaRPr>
-          </a:p>
-          <a:p>
-            <a:r>
-              <a:rPr lang="zh-CN" altLang="en-US" dirty="0">
-                <a:sym typeface="+mn-ea"/>
-              </a:rPr>
-              <a:t>我们通过用并发线程数来控制对下游服务 B 的访问，来保证下游服务不可靠的时候，不会拖垮服务自身</a:t>
-            </a:r>
-            <a:endParaRPr lang="en-US" altLang="zh-CN" dirty="0">
-              <a:sym typeface="+mn-ea"/>
-            </a:endParaRPr>
-          </a:p>
-          <a:p>
-            <a:endParaRPr lang="en-US" altLang="zh-CN" sz="2000" dirty="0"/>
-          </a:p>
-          <a:p>
-            <a:r>
-              <a:rPr lang="zh-CN" altLang="en-US" sz="2000" dirty="0"/>
-              <a:t>根据</a:t>
-            </a:r>
-            <a:r>
-              <a:rPr lang="en-US" altLang="zh-CN" sz="2000" dirty="0"/>
-              <a:t>QPS</a:t>
-            </a:r>
-          </a:p>
-          <a:p>
-            <a:r>
-              <a:rPr lang="en-US" altLang="zh-CN" dirty="0" err="1"/>
-              <a:t>controlBehavior</a:t>
-            </a:r>
-            <a:r>
-              <a:rPr lang="zh-CN" altLang="en-US" dirty="0"/>
-              <a:t>：</a:t>
-            </a:r>
-            <a:r>
-              <a:rPr lang="zh-CN" altLang="en-US" sz="2000" dirty="0">
-                <a:sym typeface="+mn-ea"/>
-              </a:rPr>
-              <a:t>直接拒绝</a:t>
-            </a:r>
-            <a:endParaRPr lang="en-US" altLang="zh-CN" sz="2000" dirty="0">
-              <a:sym typeface="+mn-ea"/>
-            </a:endParaRPr>
-          </a:p>
-          <a:p>
-            <a:endParaRPr lang="en-US" altLang="zh-CN" sz="2000" dirty="0"/>
-          </a:p>
-          <a:p>
-            <a:r>
-              <a:rPr lang="zh-CN" altLang="en-US" sz="2000" dirty="0"/>
-              <a:t>场景：Service Provider 用于向外界提供服务，处理各个消费者的调用请求。为了保护 Provider</a:t>
-            </a:r>
-            <a:endParaRPr lang="en-US" altLang="zh-CN" sz="2000" dirty="0"/>
-          </a:p>
-          <a:p>
-            <a:r>
-              <a:rPr lang="zh-CN" altLang="en-US" sz="2000" dirty="0"/>
-              <a:t> 不被激增的流量拖垮影响稳定性，可以给 Provider 配置 QPS 模式的限流，这样当每秒的请求</a:t>
-            </a:r>
-            <a:endParaRPr lang="en-US" altLang="zh-CN" sz="2000" dirty="0"/>
-          </a:p>
-          <a:p>
-            <a:r>
-              <a:rPr lang="zh-CN" altLang="en-US" sz="2000" dirty="0"/>
-              <a:t>量超过设定的阈值时会自动拒绝多的请求</a:t>
-            </a:r>
-          </a:p>
-          <a:p>
-            <a:endParaRPr lang="zh-CN" altLang="en-US" sz="2000" dirty="0">
-              <a:sym typeface="+mn-ea"/>
-            </a:endParaRPr>
-          </a:p>
-          <a:p>
-            <a:endParaRPr lang="zh-CN" altLang="en-US" dirty="0"/>
-          </a:p>
-        </p:txBody>
-      </p:sp>
+        </p:txBody>
+      </p:sp>
+      <p:pic>
+        <p:nvPicPr>
+          <p:cNvPr id="8" name="图片 7">
+            <a:extLst>
+              <a:ext uri="{FF2B5EF4-FFF2-40B4-BE49-F238E27FC236}">
+                <a16:creationId xmlns:a16="http://schemas.microsoft.com/office/drawing/2014/main" id="{A4485AB9-F930-48D2-8229-6CE9ECF38F87}"/>
+              </a:ext>
+            </a:extLst>
+          </p:cNvPr>
+          <p:cNvPicPr>
+            <a:picLocks noChangeAspect="1"/>
+          </p:cNvPicPr>
+          <p:nvPr/>
+        </p:nvPicPr>
+        <p:blipFill>
+          <a:blip r:embed="rId5"/>
+          <a:stretch>
+            <a:fillRect/>
+          </a:stretch>
+        </p:blipFill>
+        <p:spPr>
+          <a:xfrm>
+            <a:off x="2185035" y="3145155"/>
+            <a:ext cx="5009515" cy="2249170"/>
+          </a:xfrm>
+          <a:prstGeom prst="rect">
+            <a:avLst/>
+          </a:prstGeom>
+        </p:spPr>
+      </p:pic>
     </p:spTree>
     <p:extLst>
       <p:ext uri="{BB962C8B-B14F-4D97-AF65-F5344CB8AC3E}">
-        <p14:creationId xmlns:p14="http://schemas.microsoft.com/office/powerpoint/2010/main" val="2365584252"/>
+        <p14:creationId xmlns:p14="http://schemas.microsoft.com/office/powerpoint/2010/main" val="910305628"/>
       </p:ext>
     </p:extLst>
   </p:cSld>
@@ -16951,273 +16887,183 @@
       </p:pic>
       <p:sp>
         <p:nvSpPr>
-          <p:cNvPr id="4" name="矩形 3">
+          <p:cNvPr id="2" name="文本框 1">
             <a:extLst>
               <a:ext uri="{FF2B5EF4-FFF2-40B4-BE49-F238E27FC236}">
-                <a16:creationId xmlns:a16="http://schemas.microsoft.com/office/drawing/2014/main" id="{40524153-F03C-4252-BE72-A664D14988D3}"/>
+                <a16:creationId xmlns:a16="http://schemas.microsoft.com/office/drawing/2014/main" id="{0D334C9D-8E88-4BF8-985C-D329F9D84685}"/>
               </a:ext>
             </a:extLst>
           </p:cNvPr>
-          <p:cNvSpPr/>
+          <p:cNvSpPr txBox="1"/>
           <p:nvPr/>
         </p:nvSpPr>
         <p:spPr>
           <a:xfrm>
-            <a:off x="572313" y="1382286"/>
-            <a:ext cx="10031896" cy="4093428"/>
-          </a:xfrm>
-          <a:prstGeom prst="rect">
-            <a:avLst/>
-          </a:prstGeom>
-        </p:spPr>
-        <p:txBody>
-          <a:bodyPr wrap="square">
+            <a:off x="291548" y="1457739"/>
+            <a:ext cx="10701969" cy="4770537"/>
+          </a:xfrm>
+          <a:prstGeom prst="rect">
+            <a:avLst/>
+          </a:prstGeom>
+          <a:noFill/>
+        </p:spPr>
+        <p:txBody>
+          <a:bodyPr wrap="none" rtlCol="0">
             <a:spAutoFit/>
           </a:bodyPr>
           <a:lstStyle/>
           <a:p>
             <a:r>
-              <a:rPr lang="en-US" altLang="zh-CN" sz="2000" dirty="0">
+              <a:rPr lang="en-US" altLang="zh-CN" dirty="0"/>
+              <a:t>grade</a:t>
+            </a:r>
+            <a:r>
+              <a:rPr lang="zh-CN" altLang="en-US" dirty="0"/>
+              <a:t>属性</a:t>
+            </a:r>
+            <a:r>
+              <a:rPr lang="zh-CN" altLang="en-US" dirty="0">
                 <a:sym typeface="+mn-ea"/>
               </a:rPr>
-              <a:t>strategy</a:t>
+              <a:t>设置和适用场景</a:t>
+            </a:r>
+            <a:endParaRPr lang="zh-CN" altLang="en-US" dirty="0"/>
+          </a:p>
+          <a:p>
+            <a:r>
+              <a:rPr lang="zh-CN" altLang="en-US" dirty="0">
+                <a:sym typeface="+mn-ea"/>
+              </a:rPr>
+              <a:t>根据</a:t>
+            </a:r>
+            <a:r>
+              <a:rPr lang="en-US" altLang="zh-CN" dirty="0" err="1">
+                <a:sym typeface="+mn-ea"/>
+              </a:rPr>
+              <a:t>程数</a:t>
+            </a:r>
+            <a:endParaRPr lang="en-US" altLang="zh-CN" dirty="0">
+              <a:sym typeface="+mn-ea"/>
+            </a:endParaRPr>
+          </a:p>
+          <a:p>
+            <a:endParaRPr lang="en-US" altLang="zh-CN" dirty="0">
+              <a:sym typeface="+mn-ea"/>
+            </a:endParaRPr>
+          </a:p>
+          <a:p>
+            <a:r>
+              <a:rPr lang="zh-CN" altLang="en-US" dirty="0">
+                <a:sym typeface="+mn-ea"/>
+              </a:rPr>
+              <a:t>场景：Service Consumer 作为客户端去调用远程服务。每一个服务都可能会依赖几个下游服务，</a:t>
+            </a:r>
+            <a:endParaRPr lang="en-US" altLang="zh-CN" dirty="0">
+              <a:sym typeface="+mn-ea"/>
+            </a:endParaRPr>
+          </a:p>
+          <a:p>
+            <a:r>
+              <a:rPr lang="zh-CN" altLang="en-US" dirty="0">
+                <a:sym typeface="+mn-ea"/>
+              </a:rPr>
+              <a:t>若某个服务 A 依赖的下游服务 B 出现了不稳定的情况，服务 A 请求 服务 B 的响应时间变长，</a:t>
+            </a:r>
+            <a:endParaRPr lang="en-US" altLang="zh-CN" dirty="0">
+              <a:sym typeface="+mn-ea"/>
+            </a:endParaRPr>
+          </a:p>
+          <a:p>
+            <a:r>
+              <a:rPr lang="zh-CN" altLang="en-US" dirty="0">
+                <a:sym typeface="+mn-ea"/>
+              </a:rPr>
+              <a:t>从而服务 A 调用服务 B 的线程就会产生堆积，最终可能耗尽服务 A 的线程数。</a:t>
+            </a:r>
+            <a:endParaRPr lang="en-US" altLang="zh-CN" dirty="0">
+              <a:sym typeface="+mn-ea"/>
+            </a:endParaRPr>
+          </a:p>
+          <a:p>
+            <a:r>
+              <a:rPr lang="zh-CN" altLang="en-US" dirty="0">
+                <a:sym typeface="+mn-ea"/>
+              </a:rPr>
+              <a:t>我们通过用并发线程数来控制对下游服务 B 的访问，来保证下游服务不可靠的时候，不会拖垮服务自身</a:t>
+            </a:r>
+            <a:endParaRPr lang="en-US" altLang="zh-CN" dirty="0">
+              <a:sym typeface="+mn-ea"/>
+            </a:endParaRPr>
+          </a:p>
+          <a:p>
+            <a:endParaRPr lang="en-US" altLang="zh-CN" sz="2000" dirty="0"/>
+          </a:p>
+          <a:p>
+            <a:r>
+              <a:rPr lang="zh-CN" altLang="en-US" sz="2000" dirty="0"/>
+              <a:t>根据</a:t>
+            </a:r>
+            <a:r>
+              <a:rPr lang="en-US" altLang="zh-CN" sz="2000" dirty="0"/>
+              <a:t>QPS</a:t>
+            </a:r>
+          </a:p>
+          <a:p>
+            <a:r>
+              <a:rPr lang="en-US" altLang="zh-CN" dirty="0" err="1"/>
+              <a:t>controlBehavior</a:t>
+            </a:r>
+            <a:r>
+              <a:rPr lang="zh-CN" altLang="en-US" dirty="0"/>
+              <a:t>：</a:t>
             </a:r>
             <a:r>
               <a:rPr lang="zh-CN" altLang="en-US" sz="2000" dirty="0">
                 <a:sym typeface="+mn-ea"/>
               </a:rPr>
-              <a:t>属性设置和适用场景</a:t>
-            </a:r>
-            <a:endParaRPr lang="zh-CN" altLang="en-US" sz="2000" dirty="0"/>
-          </a:p>
-          <a:p>
-            <a:r>
-              <a:rPr lang="zh-CN" altLang="en-US" sz="2000" dirty="0">
-                <a:sym typeface="+mn-ea"/>
-              </a:rPr>
-              <a:t>根据调用方 </a:t>
+              <a:t>直接拒绝</a:t>
             </a:r>
             <a:endParaRPr lang="en-US" altLang="zh-CN" sz="2000" dirty="0">
               <a:sym typeface="+mn-ea"/>
             </a:endParaRPr>
           </a:p>
           <a:p>
-            <a:r>
-              <a:rPr lang="en-US" altLang="zh-CN" dirty="0" err="1">
-                <a:sym typeface="+mn-ea"/>
-              </a:rPr>
-              <a:t>ContextUtil.enter</a:t>
-            </a:r>
-            <a:r>
-              <a:rPr lang="en-US" altLang="zh-CN" dirty="0">
-                <a:sym typeface="+mn-ea"/>
-              </a:rPr>
-              <a:t>(</a:t>
-            </a:r>
-            <a:r>
-              <a:rPr lang="en-US" altLang="zh-CN" dirty="0" err="1">
-                <a:sym typeface="+mn-ea"/>
-              </a:rPr>
-              <a:t>resourceName</a:t>
-            </a:r>
-            <a:r>
-              <a:rPr lang="en-US" altLang="zh-CN" dirty="0">
-                <a:sym typeface="+mn-ea"/>
-              </a:rPr>
-              <a:t>, origin) </a:t>
-            </a:r>
-            <a:r>
-              <a:rPr lang="en-US" altLang="zh-CN" dirty="0" err="1">
-                <a:sym typeface="+mn-ea"/>
-              </a:rPr>
-              <a:t>方法中的</a:t>
-            </a:r>
-            <a:r>
-              <a:rPr lang="en-US" altLang="zh-CN" dirty="0">
-                <a:sym typeface="+mn-ea"/>
-              </a:rPr>
-              <a:t> origin </a:t>
-            </a:r>
-            <a:r>
-              <a:rPr lang="en-US" altLang="zh-CN" dirty="0" err="1">
-                <a:sym typeface="+mn-ea"/>
-              </a:rPr>
-              <a:t>参数标明了调用方身份</a:t>
-            </a:r>
-            <a:endParaRPr lang="en-US" altLang="zh-CN" sz="2000" dirty="0">
+            <a:endParaRPr lang="en-US" altLang="zh-CN" sz="2000" dirty="0"/>
+          </a:p>
+          <a:p>
+            <a:r>
+              <a:rPr lang="zh-CN" altLang="en-US" sz="2000" dirty="0"/>
+              <a:t>场景：Service Provider 用于向外界提供服务，处理各个消费者的调用请求。为了保护 Provider</a:t>
+            </a:r>
+            <a:endParaRPr lang="en-US" altLang="zh-CN" sz="2000" dirty="0"/>
+          </a:p>
+          <a:p>
+            <a:r>
+              <a:rPr lang="zh-CN" altLang="en-US" sz="2000" dirty="0"/>
+              <a:t> 不被激增的流量拖垮影响稳定性，可以给 Provider 配置 QPS 模式的限流，这样当每秒的请求</a:t>
+            </a:r>
+            <a:endParaRPr lang="en-US" altLang="zh-CN" sz="2000" dirty="0"/>
+          </a:p>
+          <a:p>
+            <a:r>
+              <a:rPr lang="zh-CN" altLang="en-US" sz="2000" dirty="0"/>
+              <a:t>量超过设定的阈值时会自动拒绝多的请求</a:t>
+            </a:r>
+          </a:p>
+          <a:p>
+            <a:endParaRPr lang="zh-CN" altLang="en-US" sz="2000" dirty="0">
               <a:sym typeface="+mn-ea"/>
             </a:endParaRPr>
           </a:p>
           <a:p>
-            <a:r>
-              <a:rPr lang="en-US" altLang="zh-CN" dirty="0" err="1">
-                <a:sym typeface="+mn-ea"/>
-              </a:rPr>
-              <a:t>limitApp</a:t>
-            </a:r>
-            <a:r>
-              <a:rPr lang="zh-CN" altLang="en-US" dirty="0">
-                <a:sym typeface="+mn-ea"/>
-              </a:rPr>
-              <a:t>：{some_origin_name}</a:t>
-            </a:r>
-            <a:r>
-              <a:rPr lang="en-US" altLang="zh-CN" dirty="0">
-                <a:sym typeface="+mn-ea"/>
-              </a:rPr>
-              <a:t>(</a:t>
-            </a:r>
-            <a:r>
-              <a:rPr lang="zh-CN" altLang="en-US" dirty="0">
-                <a:sym typeface="+mn-ea"/>
-              </a:rPr>
-              <a:t>特定</a:t>
-            </a:r>
-            <a:r>
-              <a:rPr lang="en-US" altLang="zh-CN" dirty="0">
-                <a:sym typeface="+mn-ea"/>
-              </a:rPr>
-              <a:t>)</a:t>
-            </a:r>
-            <a:r>
-              <a:rPr lang="zh-CN" altLang="en-US" dirty="0">
-                <a:sym typeface="+mn-ea"/>
-              </a:rPr>
-              <a:t> &gt; other</a:t>
-            </a:r>
-            <a:r>
-              <a:rPr lang="en-US" altLang="zh-CN" dirty="0">
-                <a:sym typeface="+mn-ea"/>
-              </a:rPr>
-              <a:t>(</a:t>
-            </a:r>
-            <a:r>
-              <a:rPr lang="zh-CN" altLang="en-US" dirty="0">
-                <a:sym typeface="+mn-ea"/>
-              </a:rPr>
-              <a:t>除特定</a:t>
-            </a:r>
-            <a:r>
-              <a:rPr lang="en-US" altLang="zh-CN" dirty="0">
-                <a:sym typeface="+mn-ea"/>
-              </a:rPr>
-              <a:t>)</a:t>
-            </a:r>
-            <a:r>
-              <a:rPr lang="zh-CN" altLang="en-US" dirty="0">
-                <a:sym typeface="+mn-ea"/>
-              </a:rPr>
-              <a:t> &gt; default</a:t>
-            </a:r>
-            <a:r>
-              <a:rPr lang="en-US" altLang="zh-CN" dirty="0">
-                <a:sym typeface="+mn-ea"/>
-              </a:rPr>
-              <a:t>(</a:t>
-            </a:r>
-            <a:r>
-              <a:rPr lang="zh-CN" altLang="en-US" dirty="0">
-                <a:sym typeface="+mn-ea"/>
-              </a:rPr>
-              <a:t>不区分</a:t>
-            </a:r>
-            <a:r>
-              <a:rPr lang="en-US" altLang="zh-CN" dirty="0">
-                <a:sym typeface="+mn-ea"/>
-              </a:rPr>
-              <a:t>)</a:t>
-            </a:r>
-          </a:p>
-          <a:p>
-            <a:r>
-              <a:rPr lang="zh-CN" altLang="en-US" dirty="0">
-                <a:sym typeface="+mn-ea"/>
-              </a:rPr>
-              <a:t>场景：根据不同调用方调用限流</a:t>
-            </a:r>
-            <a:endParaRPr lang="en-US" altLang="zh-CN" dirty="0">
-              <a:sym typeface="+mn-ea"/>
-            </a:endParaRPr>
-          </a:p>
-          <a:p>
-            <a:endParaRPr lang="en-US" altLang="zh-CN" dirty="0">
-              <a:sym typeface="+mn-ea"/>
-            </a:endParaRPr>
-          </a:p>
-          <a:p>
-            <a:endParaRPr lang="en-US" altLang="zh-CN" dirty="0"/>
-          </a:p>
-          <a:p>
-            <a:r>
-              <a:rPr lang="zh-CN" altLang="en-US" sz="2000" dirty="0">
-                <a:sym typeface="+mn-ea"/>
-              </a:rPr>
-              <a:t>根据关联资源 </a:t>
-            </a:r>
-            <a:endParaRPr lang="en-US" altLang="zh-CN" sz="2000" dirty="0">
-              <a:sym typeface="+mn-ea"/>
-            </a:endParaRPr>
-          </a:p>
-          <a:p>
-            <a:r>
-              <a:rPr lang="en-US" altLang="zh-CN" dirty="0" err="1">
-                <a:sym typeface="+mn-ea"/>
-              </a:rPr>
-              <a:t>refResource</a:t>
-            </a:r>
-            <a:r>
-              <a:rPr lang="zh-CN" altLang="en-US" dirty="0">
-                <a:sym typeface="+mn-ea"/>
-              </a:rPr>
-              <a:t>：关联的资源名称</a:t>
-            </a:r>
-            <a:endParaRPr lang="en-US" altLang="zh-CN" dirty="0">
-              <a:sym typeface="+mn-ea"/>
-            </a:endParaRPr>
-          </a:p>
-          <a:p>
-            <a:r>
-              <a:rPr lang="zh-CN" altLang="en-US" dirty="0">
-                <a:sym typeface="+mn-ea"/>
-              </a:rPr>
-              <a:t>场景：写库操作过于频繁时，读数据的请求会限流</a:t>
-            </a:r>
-          </a:p>
-          <a:p>
-            <a:endParaRPr lang="en-US" altLang="zh-CN" dirty="0">
-              <a:sym typeface="+mn-ea"/>
-            </a:endParaRPr>
-          </a:p>
-          <a:p>
-            <a:endParaRPr lang="en-US" altLang="zh-CN" dirty="0"/>
-          </a:p>
-          <a:p>
-            <a:r>
-              <a:rPr lang="zh-CN" altLang="en-US" sz="2000" dirty="0">
-                <a:sym typeface="+mn-ea"/>
-              </a:rPr>
-              <a:t>根据调用链路入口</a:t>
-            </a:r>
-            <a:r>
-              <a:rPr lang="en-US" altLang="zh-CN" sz="2000" dirty="0">
-                <a:sym typeface="+mn-ea"/>
-              </a:rPr>
-              <a:t> </a:t>
-            </a:r>
-          </a:p>
-          <a:p>
-            <a:r>
-              <a:rPr lang="zh-CN" altLang="en-US" dirty="0"/>
-              <a:t>场景：只根据调用链路某个入口的统计信息对资源限流</a:t>
-            </a:r>
-            <a:endParaRPr lang="zh-CN" altLang="en-US" sz="2000" dirty="0"/>
+            <a:endParaRPr lang="zh-CN" altLang="en-US" dirty="0"/>
           </a:p>
         </p:txBody>
       </p:sp>
     </p:spTree>
     <p:extLst>
       <p:ext uri="{BB962C8B-B14F-4D97-AF65-F5344CB8AC3E}">
-        <p14:creationId xmlns:p14="http://schemas.microsoft.com/office/powerpoint/2010/main" val="1373236582"/>
+        <p14:creationId xmlns:p14="http://schemas.microsoft.com/office/powerpoint/2010/main" val="2365584252"/>
       </p:ext>
     </p:extLst>
   </p:cSld>
@@ -17362,8 +17208,8 @@
         </p:nvSpPr>
         <p:spPr>
           <a:xfrm>
-            <a:off x="572313" y="1368826"/>
-            <a:ext cx="10031896" cy="369332"/>
+            <a:off x="572313" y="1382286"/>
+            <a:ext cx="10031896" cy="4093428"/>
           </a:xfrm>
           <a:prstGeom prst="rect">
             <a:avLst/>
@@ -17376,132 +17222,247 @@
           <a:lstStyle/>
           <a:p>
             <a:r>
+              <a:rPr lang="en-US" altLang="zh-CN" sz="2000" dirty="0">
+                <a:sym typeface="+mn-ea"/>
+              </a:rPr>
+              <a:t>strategy</a:t>
+            </a:r>
+            <a:r>
+              <a:rPr lang="zh-CN" altLang="en-US" sz="2000" dirty="0">
+                <a:sym typeface="+mn-ea"/>
+              </a:rPr>
+              <a:t>属性设置和适用场景</a:t>
+            </a:r>
+            <a:endParaRPr lang="zh-CN" altLang="en-US" sz="2000" dirty="0"/>
+          </a:p>
+          <a:p>
+            <a:r>
+              <a:rPr lang="zh-CN" altLang="en-US" sz="2000" dirty="0">
+                <a:sym typeface="+mn-ea"/>
+              </a:rPr>
+              <a:t>根据调用方 </a:t>
+            </a:r>
+            <a:endParaRPr lang="en-US" altLang="zh-CN" sz="2000" dirty="0">
+              <a:sym typeface="+mn-ea"/>
+            </a:endParaRPr>
+          </a:p>
+          <a:p>
+            <a:r>
+              <a:rPr lang="en-US" altLang="zh-CN" dirty="0" err="1">
+                <a:sym typeface="+mn-ea"/>
+              </a:rPr>
+              <a:t>ContextUtil.enter</a:t>
+            </a:r>
+            <a:r>
+              <a:rPr lang="en-US" altLang="zh-CN" dirty="0">
+                <a:sym typeface="+mn-ea"/>
+              </a:rPr>
+              <a:t>(</a:t>
+            </a:r>
+            <a:r>
+              <a:rPr lang="en-US" altLang="zh-CN" dirty="0" err="1">
+                <a:sym typeface="+mn-ea"/>
+              </a:rPr>
+              <a:t>resourceName</a:t>
+            </a:r>
+            <a:r>
+              <a:rPr lang="en-US" altLang="zh-CN" dirty="0">
+                <a:sym typeface="+mn-ea"/>
+              </a:rPr>
+              <a:t>, origin) </a:t>
+            </a:r>
+            <a:r>
+              <a:rPr lang="en-US" altLang="zh-CN" dirty="0" err="1">
+                <a:sym typeface="+mn-ea"/>
+              </a:rPr>
+              <a:t>方法中的</a:t>
+            </a:r>
+            <a:r>
+              <a:rPr lang="en-US" altLang="zh-CN" dirty="0">
+                <a:sym typeface="+mn-ea"/>
+              </a:rPr>
+              <a:t> origin </a:t>
+            </a:r>
+            <a:r>
+              <a:rPr lang="en-US" altLang="zh-CN" dirty="0" err="1">
+                <a:sym typeface="+mn-ea"/>
+              </a:rPr>
+              <a:t>参数标明了调用方身份</a:t>
+            </a:r>
+            <a:endParaRPr lang="en-US" altLang="zh-CN" sz="2000" dirty="0">
+              <a:sym typeface="+mn-ea"/>
+            </a:endParaRPr>
+          </a:p>
+          <a:p>
+            <a:r>
+              <a:rPr lang="en-US" altLang="zh-CN" dirty="0" err="1">
+                <a:sym typeface="+mn-ea"/>
+              </a:rPr>
+              <a:t>limitApp</a:t>
+            </a:r>
+            <a:r>
               <a:rPr lang="zh-CN" altLang="en-US" dirty="0">
                 <a:sym typeface="+mn-ea"/>
               </a:rPr>
-              <a:t>场景： </a:t>
-            </a:r>
-            <a:endParaRPr lang="zh-CN" altLang="en-US" dirty="0"/>
-          </a:p>
-        </p:txBody>
-      </p:sp>
-      <p:sp>
-        <p:nvSpPr>
-          <p:cNvPr id="2" name="矩形 1">
-            <a:extLst>
-              <a:ext uri="{FF2B5EF4-FFF2-40B4-BE49-F238E27FC236}">
-                <a16:creationId xmlns:a16="http://schemas.microsoft.com/office/drawing/2014/main" id="{F40C7836-5091-4719-B5FA-92F17F92B67B}"/>
-              </a:ext>
-            </a:extLst>
-          </p:cNvPr>
-          <p:cNvSpPr/>
-          <p:nvPr/>
-        </p:nvSpPr>
-        <p:spPr>
-          <a:xfrm>
-            <a:off x="767278" y="1738158"/>
-            <a:ext cx="10657364" cy="1477328"/>
-          </a:xfrm>
-          <a:prstGeom prst="rect">
-            <a:avLst/>
-          </a:prstGeom>
-        </p:spPr>
-        <p:txBody>
-          <a:bodyPr wrap="square">
-            <a:spAutoFit/>
-          </a:bodyPr>
-          <a:lstStyle/>
+              <a:t>：{some_origin_name}</a:t>
+            </a:r>
+            <a:r>
+              <a:rPr lang="en-US" altLang="zh-CN" dirty="0">
+                <a:sym typeface="+mn-ea"/>
+              </a:rPr>
+              <a:t>(</a:t>
+            </a:r>
+            <a:r>
+              <a:rPr lang="zh-CN" altLang="en-US" dirty="0">
+                <a:sym typeface="+mn-ea"/>
+              </a:rPr>
+              <a:t>特定</a:t>
+            </a:r>
+            <a:r>
+              <a:rPr lang="en-US" altLang="zh-CN" dirty="0">
+                <a:sym typeface="+mn-ea"/>
+              </a:rPr>
+              <a:t>)</a:t>
+            </a:r>
+            <a:r>
+              <a:rPr lang="zh-CN" altLang="en-US" dirty="0">
+                <a:sym typeface="+mn-ea"/>
+              </a:rPr>
+              <a:t> &gt; other</a:t>
+            </a:r>
+            <a:r>
+              <a:rPr lang="en-US" altLang="zh-CN" dirty="0">
+                <a:sym typeface="+mn-ea"/>
+              </a:rPr>
+              <a:t>(</a:t>
+            </a:r>
+            <a:r>
+              <a:rPr lang="zh-CN" altLang="en-US" dirty="0">
+                <a:sym typeface="+mn-ea"/>
+              </a:rPr>
+              <a:t>除特定</a:t>
+            </a:r>
+            <a:r>
+              <a:rPr lang="en-US" altLang="zh-CN" dirty="0">
+                <a:sym typeface="+mn-ea"/>
+              </a:rPr>
+              <a:t>)</a:t>
+            </a:r>
+            <a:r>
+              <a:rPr lang="zh-CN" altLang="en-US" dirty="0">
+                <a:sym typeface="+mn-ea"/>
+              </a:rPr>
+              <a:t> &gt; default</a:t>
+            </a:r>
+            <a:r>
+              <a:rPr lang="en-US" altLang="zh-CN" dirty="0">
+                <a:sym typeface="+mn-ea"/>
+              </a:rPr>
+              <a:t>(</a:t>
+            </a:r>
+            <a:r>
+              <a:rPr lang="zh-CN" altLang="en-US" dirty="0">
+                <a:sym typeface="+mn-ea"/>
+              </a:rPr>
+              <a:t>不区分</a:t>
+            </a:r>
+            <a:r>
+              <a:rPr lang="en-US" altLang="zh-CN" dirty="0">
+                <a:sym typeface="+mn-ea"/>
+              </a:rPr>
+              <a:t>)</a:t>
+            </a:r>
+          </a:p>
+          <a:p>
+            <a:r>
+              <a:rPr lang="zh-CN" altLang="en-US" dirty="0">
+                <a:sym typeface="+mn-ea"/>
+              </a:rPr>
+              <a:t>场景：根据不同调用方调用限流</a:t>
+            </a:r>
+            <a:endParaRPr lang="en-US" altLang="zh-CN" dirty="0">
+              <a:sym typeface="+mn-ea"/>
+            </a:endParaRPr>
+          </a:p>
+          <a:p>
+            <a:endParaRPr lang="en-US" altLang="zh-CN" dirty="0">
+              <a:sym typeface="+mn-ea"/>
+            </a:endParaRPr>
+          </a:p>
+          <a:p>
+            <a:endParaRPr lang="en-US" altLang="zh-CN" dirty="0"/>
+          </a:p>
+          <a:p>
+            <a:r>
+              <a:rPr lang="zh-CN" altLang="en-US" sz="2000" dirty="0">
+                <a:sym typeface="+mn-ea"/>
+              </a:rPr>
+              <a:t>根据关联资源 </a:t>
+            </a:r>
+            <a:endParaRPr lang="en-US" altLang="zh-CN" sz="2000" dirty="0">
+              <a:sym typeface="+mn-ea"/>
+            </a:endParaRPr>
+          </a:p>
+          <a:p>
+            <a:r>
+              <a:rPr lang="en-US" altLang="zh-CN" dirty="0" err="1">
+                <a:sym typeface="+mn-ea"/>
+              </a:rPr>
+              <a:t>refResource</a:t>
+            </a:r>
+            <a:r>
+              <a:rPr lang="zh-CN" altLang="en-US" dirty="0">
+                <a:sym typeface="+mn-ea"/>
+              </a:rPr>
+              <a:t>：关联的资源名称</a:t>
+            </a:r>
+            <a:endParaRPr lang="en-US" altLang="zh-CN" dirty="0">
+              <a:sym typeface="+mn-ea"/>
+            </a:endParaRPr>
+          </a:p>
+          <a:p>
+            <a:r>
+              <a:rPr lang="zh-CN" altLang="en-US" dirty="0">
+                <a:sym typeface="+mn-ea"/>
+              </a:rPr>
+              <a:t>场景：写库操作过于频繁时，读数据的请求会限流</a:t>
+            </a:r>
+          </a:p>
+          <a:p>
+            <a:endParaRPr lang="en-US" altLang="zh-CN" dirty="0">
+              <a:sym typeface="+mn-ea"/>
+            </a:endParaRPr>
+          </a:p>
+          <a:p>
+            <a:endParaRPr lang="en-US" altLang="zh-CN" dirty="0"/>
+          </a:p>
+          <a:p>
+            <a:r>
+              <a:rPr lang="zh-CN" altLang="en-US" sz="2000" dirty="0">
+                <a:sym typeface="+mn-ea"/>
+              </a:rPr>
+              <a:t>根据调用链路入口</a:t>
+            </a:r>
+            <a:r>
+              <a:rPr lang="en-US" altLang="zh-CN" sz="2000" dirty="0">
+                <a:sym typeface="+mn-ea"/>
+              </a:rPr>
+              <a:t> </a:t>
+            </a:r>
+          </a:p>
           <a:p>
             <a:r>
               <a:rPr lang="zh-CN" altLang="en-US" dirty="0"/>
-              <a:t>在 </a:t>
-            </a:r>
-            <a:r>
-              <a:rPr lang="en-US" altLang="zh-CN" dirty="0"/>
-              <a:t>Apache </a:t>
-            </a:r>
-            <a:r>
-              <a:rPr lang="en-US" altLang="zh-CN" dirty="0" err="1"/>
-              <a:t>RocketMQ</a:t>
-            </a:r>
-            <a:r>
-              <a:rPr lang="en-US" altLang="zh-CN" dirty="0"/>
-              <a:t> </a:t>
-            </a:r>
-            <a:r>
-              <a:rPr lang="zh-CN" altLang="en-US" dirty="0"/>
-              <a:t>中，当消费者去消费消息的时候，无论是通过 </a:t>
-            </a:r>
-            <a:r>
-              <a:rPr lang="en-US" altLang="zh-CN" dirty="0"/>
-              <a:t>pull </a:t>
-            </a:r>
-            <a:r>
-              <a:rPr lang="zh-CN" altLang="en-US" dirty="0"/>
-              <a:t>的方式还是 </a:t>
-            </a:r>
-            <a:r>
-              <a:rPr lang="en-US" altLang="zh-CN" dirty="0"/>
-              <a:t>push </a:t>
-            </a:r>
-            <a:r>
-              <a:rPr lang="zh-CN" altLang="en-US" dirty="0"/>
-              <a:t>的方式，都可能会出现大批量的消息突刺。如果此时要处理所有消息，很可能会导致系统负载过高，影响稳定性。但其实可能后面几秒之内都没有消息投递，若直接把多余的消息丢掉则没有充分利用系统处理消息的能力。我们希望可以把消息突刺均摊到一段时间内，让系统负载保持在消息处理水位之下的同时尽可能地处理更多消息，从而起到“削峰填谷”的效果：</a:t>
-            </a:r>
-          </a:p>
-        </p:txBody>
-      </p:sp>
-      <p:pic>
-        <p:nvPicPr>
-          <p:cNvPr id="7170" name="Picture 2" descr="åå³°å¡«è°·">
-            <a:extLst>
-              <a:ext uri="{FF2B5EF4-FFF2-40B4-BE49-F238E27FC236}">
-                <a16:creationId xmlns:a16="http://schemas.microsoft.com/office/drawing/2014/main" id="{8C4278AE-3EB6-40A9-A6A5-8CE8DB0A7707}"/>
-              </a:ext>
-            </a:extLst>
-          </p:cNvPr>
-          <p:cNvPicPr>
-            <a:picLocks noChangeAspect="1" noChangeArrowheads="1"/>
-          </p:cNvPicPr>
-          <p:nvPr/>
-        </p:nvPicPr>
-        <p:blipFill>
-          <a:blip r:embed="rId5">
-            <a:extLst>
-              <a:ext uri="{28A0092B-C50C-407E-A947-70E740481C1C}">
-                <a14:useLocalDpi xmlns:a14="http://schemas.microsoft.com/office/drawing/2010/main" val="0"/>
-              </a:ext>
-            </a:extLst>
-          </a:blip>
-          <a:srcRect/>
-          <a:stretch>
-            <a:fillRect/>
-          </a:stretch>
-        </p:blipFill>
-        <p:spPr bwMode="auto">
-          <a:xfrm>
-            <a:off x="1541808" y="3724102"/>
-            <a:ext cx="5848350" cy="3095625"/>
-          </a:xfrm>
-          <a:prstGeom prst="rect">
-            <a:avLst/>
-          </a:prstGeom>
-          <a:noFill/>
-          <a:extLst>
-            <a:ext uri="{909E8E84-426E-40DD-AFC4-6F175D3DCCD1}">
-              <a14:hiddenFill xmlns:a14="http://schemas.microsoft.com/office/drawing/2010/main">
-                <a:solidFill>
-                  <a:srgbClr val="FFFFFF"/>
-                </a:solidFill>
-              </a14:hiddenFill>
-            </a:ext>
-          </a:extLst>
-        </p:spPr>
-      </p:pic>
+              <a:t>场景：只根据调用链路某个入口的统计信息对资源限流</a:t>
+            </a:r>
+            <a:endParaRPr lang="zh-CN" altLang="en-US" sz="2000" dirty="0"/>
+          </a:p>
+        </p:txBody>
+      </p:sp>
     </p:spTree>
     <p:extLst>
       <p:ext uri="{BB962C8B-B14F-4D97-AF65-F5344CB8AC3E}">
-        <p14:creationId xmlns:p14="http://schemas.microsoft.com/office/powerpoint/2010/main" val="2063164638"/>
+        <p14:creationId xmlns:p14="http://schemas.microsoft.com/office/powerpoint/2010/main" val="1373236582"/>
       </p:ext>
     </p:extLst>
   </p:cSld>
@@ -17568,7 +17529,7 @@
         <p:spPr>
           <a:xfrm>
             <a:off x="572313" y="359870"/>
-            <a:ext cx="2295500" cy="436017"/>
+            <a:ext cx="1333698" cy="436017"/>
           </a:xfrm>
           <a:prstGeom prst="rect">
             <a:avLst/>
@@ -17597,7 +17558,7 @@
           <a:p>
             <a:r>
               <a:rPr lang="zh-CN" altLang="en-US" sz="2500" dirty="0"/>
-              <a:t>主流框架的适配</a:t>
+              <a:t>业务场景</a:t>
             </a:r>
             <a:endParaRPr sz="2500" dirty="0"/>
           </a:p>
@@ -17646,6 +17607,290 @@
         </p:nvSpPr>
         <p:spPr>
           <a:xfrm>
+            <a:off x="572313" y="1368826"/>
+            <a:ext cx="10031896" cy="369332"/>
+          </a:xfrm>
+          <a:prstGeom prst="rect">
+            <a:avLst/>
+          </a:prstGeom>
+        </p:spPr>
+        <p:txBody>
+          <a:bodyPr wrap="square">
+            <a:spAutoFit/>
+          </a:bodyPr>
+          <a:lstStyle/>
+          <a:p>
+            <a:r>
+              <a:rPr lang="zh-CN" altLang="en-US" dirty="0">
+                <a:sym typeface="+mn-ea"/>
+              </a:rPr>
+              <a:t>场景： </a:t>
+            </a:r>
+            <a:endParaRPr lang="zh-CN" altLang="en-US" dirty="0"/>
+          </a:p>
+        </p:txBody>
+      </p:sp>
+      <p:sp>
+        <p:nvSpPr>
+          <p:cNvPr id="2" name="矩形 1">
+            <a:extLst>
+              <a:ext uri="{FF2B5EF4-FFF2-40B4-BE49-F238E27FC236}">
+                <a16:creationId xmlns:a16="http://schemas.microsoft.com/office/drawing/2014/main" id="{F40C7836-5091-4719-B5FA-92F17F92B67B}"/>
+              </a:ext>
+            </a:extLst>
+          </p:cNvPr>
+          <p:cNvSpPr/>
+          <p:nvPr/>
+        </p:nvSpPr>
+        <p:spPr>
+          <a:xfrm>
+            <a:off x="767278" y="1738158"/>
+            <a:ext cx="10657364" cy="1477328"/>
+          </a:xfrm>
+          <a:prstGeom prst="rect">
+            <a:avLst/>
+          </a:prstGeom>
+        </p:spPr>
+        <p:txBody>
+          <a:bodyPr wrap="square">
+            <a:spAutoFit/>
+          </a:bodyPr>
+          <a:lstStyle/>
+          <a:p>
+            <a:r>
+              <a:rPr lang="zh-CN" altLang="en-US" dirty="0"/>
+              <a:t>在 </a:t>
+            </a:r>
+            <a:r>
+              <a:rPr lang="en-US" altLang="zh-CN" dirty="0"/>
+              <a:t>Apache </a:t>
+            </a:r>
+            <a:r>
+              <a:rPr lang="en-US" altLang="zh-CN" dirty="0" err="1"/>
+              <a:t>RocketMQ</a:t>
+            </a:r>
+            <a:r>
+              <a:rPr lang="en-US" altLang="zh-CN" dirty="0"/>
+              <a:t> </a:t>
+            </a:r>
+            <a:r>
+              <a:rPr lang="zh-CN" altLang="en-US" dirty="0"/>
+              <a:t>中，当消费者去消费消息的时候，无论是通过 </a:t>
+            </a:r>
+            <a:r>
+              <a:rPr lang="en-US" altLang="zh-CN" dirty="0"/>
+              <a:t>pull </a:t>
+            </a:r>
+            <a:r>
+              <a:rPr lang="zh-CN" altLang="en-US" dirty="0"/>
+              <a:t>的方式还是 </a:t>
+            </a:r>
+            <a:r>
+              <a:rPr lang="en-US" altLang="zh-CN" dirty="0"/>
+              <a:t>push </a:t>
+            </a:r>
+            <a:r>
+              <a:rPr lang="zh-CN" altLang="en-US" dirty="0"/>
+              <a:t>的方式，都可能会出现大批量的消息突刺。如果此时要处理所有消息，很可能会导致系统负载过高，影响稳定性。但其实可能后面几秒之内都没有消息投递，若直接把多余的消息丢掉则没有充分利用系统处理消息的能力。我们希望可以把消息突刺均摊到一段时间内，让系统负载保持在消息处理水位之下的同时尽可能地处理更多消息，从而起到“削峰填谷”的效果：</a:t>
+            </a:r>
+          </a:p>
+        </p:txBody>
+      </p:sp>
+      <p:pic>
+        <p:nvPicPr>
+          <p:cNvPr id="7170" name="Picture 2" descr="åå³°å¡«è°·">
+            <a:extLst>
+              <a:ext uri="{FF2B5EF4-FFF2-40B4-BE49-F238E27FC236}">
+                <a16:creationId xmlns:a16="http://schemas.microsoft.com/office/drawing/2014/main" id="{8C4278AE-3EB6-40A9-A6A5-8CE8DB0A7707}"/>
+              </a:ext>
+            </a:extLst>
+          </p:cNvPr>
+          <p:cNvPicPr>
+            <a:picLocks noChangeAspect="1" noChangeArrowheads="1"/>
+          </p:cNvPicPr>
+          <p:nvPr/>
+        </p:nvPicPr>
+        <p:blipFill>
+          <a:blip r:embed="rId5">
+            <a:extLst>
+              <a:ext uri="{28A0092B-C50C-407E-A947-70E740481C1C}">
+                <a14:useLocalDpi xmlns:a14="http://schemas.microsoft.com/office/drawing/2010/main" val="0"/>
+              </a:ext>
+            </a:extLst>
+          </a:blip>
+          <a:srcRect/>
+          <a:stretch>
+            <a:fillRect/>
+          </a:stretch>
+        </p:blipFill>
+        <p:spPr bwMode="auto">
+          <a:xfrm>
+            <a:off x="1541808" y="3724102"/>
+            <a:ext cx="5848350" cy="3095625"/>
+          </a:xfrm>
+          <a:prstGeom prst="rect">
+            <a:avLst/>
+          </a:prstGeom>
+          <a:noFill/>
+          <a:extLst>
+            <a:ext uri="{909E8E84-426E-40DD-AFC4-6F175D3DCCD1}">
+              <a14:hiddenFill xmlns:a14="http://schemas.microsoft.com/office/drawing/2010/main">
+                <a:solidFill>
+                  <a:srgbClr val="FFFFFF"/>
+                </a:solidFill>
+              </a14:hiddenFill>
+            </a:ext>
+          </a:extLst>
+        </p:spPr>
+      </p:pic>
+    </p:spTree>
+    <p:extLst>
+      <p:ext uri="{BB962C8B-B14F-4D97-AF65-F5344CB8AC3E}">
+        <p14:creationId xmlns:p14="http://schemas.microsoft.com/office/powerpoint/2010/main" val="2063164638"/>
+      </p:ext>
+    </p:extLst>
+  </p:cSld>
+  <p:clrMapOvr>
+    <a:masterClrMapping/>
+  </p:clrMapOvr>
+  <p:transition spd="slow"/>
+</p:sld>
+</file>
+
+<file path=ppt/slides/slide33.xml><?xml version="1.0" encoding="utf-8"?>
+<p:sld xmlns:a="http://schemas.openxmlformats.org/drawingml/2006/main" xmlns:r="http://schemas.openxmlformats.org/officeDocument/2006/relationships" xmlns:p="http://schemas.openxmlformats.org/presentationml/2006/main">
+  <p:cSld>
+    <p:spTree>
+      <p:nvGrpSpPr>
+        <p:cNvPr id="1" name=""/>
+        <p:cNvGrpSpPr/>
+        <p:nvPr/>
+      </p:nvGrpSpPr>
+      <p:grpSpPr>
+        <a:xfrm>
+          <a:off x="0" y="0"/>
+          <a:ext cx="0" cy="0"/>
+          <a:chOff x="0" y="0"/>
+          <a:chExt cx="0" cy="0"/>
+        </a:xfrm>
+      </p:grpSpPr>
+      <p:pic>
+        <p:nvPicPr>
+          <p:cNvPr id="142" name="pasted-image.pdf"/>
+          <p:cNvPicPr>
+            <a:picLocks noChangeAspect="1"/>
+          </p:cNvPicPr>
+          <p:nvPr/>
+        </p:nvPicPr>
+        <p:blipFill>
+          <a:blip r:embed="rId3"/>
+          <a:srcRect b="82595"/>
+          <a:stretch>
+            <a:fillRect/>
+          </a:stretch>
+        </p:blipFill>
+        <p:spPr>
+          <a:xfrm>
+            <a:off x="0" y="-18922"/>
+            <a:ext cx="12191921" cy="1193622"/>
+          </a:xfrm>
+          <a:prstGeom prst="rect">
+            <a:avLst/>
+          </a:prstGeom>
+          <a:ln w="12700">
+            <a:miter lim="400000"/>
+            <a:headEnd/>
+            <a:tailEnd/>
+          </a:ln>
+        </p:spPr>
+      </p:pic>
+      <p:sp>
+        <p:nvSpPr>
+          <p:cNvPr id="143" name="Shape 143" descr="NETEASE…"/>
+          <p:cNvSpPr/>
+          <p:nvPr/>
+        </p:nvSpPr>
+        <p:spPr>
+          <a:xfrm>
+            <a:off x="572313" y="359870"/>
+            <a:ext cx="2295500" cy="436017"/>
+          </a:xfrm>
+          <a:prstGeom prst="rect">
+            <a:avLst/>
+          </a:prstGeom>
+          <a:ln w="12700">
+            <a:miter lim="400000"/>
+          </a:ln>
+        </p:spPr>
+        <p:txBody>
+          <a:bodyPr wrap="none" lIns="25400" tIns="25400" rIns="25400" bIns="25400" anchor="ctr">
+            <a:spAutoFit/>
+          </a:bodyPr>
+          <a:lstStyle>
+            <a:lvl1pPr algn="l">
+              <a:defRPr sz="5000">
+                <a:solidFill>
+                  <a:srgbClr val="FFFFFF"/>
+                </a:solidFill>
+                <a:latin typeface="苹方-简" panose="020B0800000000000000" charset="-122"/>
+                <a:ea typeface="苹方-简" panose="020B0800000000000000" charset="-122"/>
+                <a:cs typeface="苹方-简" panose="020B0800000000000000" charset="-122"/>
+                <a:sym typeface="苹方-简" panose="020B0800000000000000" charset="-122"/>
+              </a:defRPr>
+            </a:lvl1pPr>
+          </a:lstStyle>
+          <a:p>
+            <a:r>
+              <a:rPr lang="zh-CN" altLang="en-US" sz="2500" dirty="0"/>
+              <a:t>主流框架的适配</a:t>
+            </a:r>
+            <a:endParaRPr sz="2500" dirty="0"/>
+          </a:p>
+        </p:txBody>
+      </p:sp>
+      <p:pic>
+        <p:nvPicPr>
+          <p:cNvPr id="144" name="pasted-image.pdf"/>
+          <p:cNvPicPr>
+            <a:picLocks noChangeAspect="1"/>
+          </p:cNvPicPr>
+          <p:nvPr/>
+        </p:nvPicPr>
+        <p:blipFill>
+          <a:blip r:embed="rId4"/>
+          <a:stretch>
+            <a:fillRect/>
+          </a:stretch>
+        </p:blipFill>
+        <p:spPr>
+          <a:xfrm>
+            <a:off x="9723361" y="406933"/>
+            <a:ext cx="1835151" cy="341893"/>
+          </a:xfrm>
+          <a:prstGeom prst="rect">
+            <a:avLst/>
+          </a:prstGeom>
+          <a:ln w="12700">
+            <a:miter lim="400000"/>
+            <a:headEnd/>
+            <a:tailEnd/>
+          </a:ln>
+        </p:spPr>
+      </p:pic>
+      <p:sp>
+        <p:nvSpPr>
+          <p:cNvPr id="4" name="矩形 3">
+            <a:extLst>
+              <a:ext uri="{FF2B5EF4-FFF2-40B4-BE49-F238E27FC236}">
+                <a16:creationId xmlns:a16="http://schemas.microsoft.com/office/drawing/2014/main" id="{40524153-F03C-4252-BE72-A664D14988D3}"/>
+              </a:ext>
+            </a:extLst>
+          </p:cNvPr>
+          <p:cNvSpPr/>
+          <p:nvPr/>
+        </p:nvSpPr>
+        <p:spPr>
+          <a:xfrm>
             <a:off x="572313" y="1382286"/>
             <a:ext cx="10031896" cy="5478423"/>
           </a:xfrm>
@@ -18009,7 +18254,7 @@
 </p:sld>
 </file>
 
-<file path=ppt/slides/slide33.xml><?xml version="1.0" encoding="utf-8"?>
+<file path=ppt/slides/slide34.xml><?xml version="1.0" encoding="utf-8"?>
 <p:sld xmlns:a="http://schemas.openxmlformats.org/drawingml/2006/main" xmlns:r="http://schemas.openxmlformats.org/officeDocument/2006/relationships" xmlns:p="http://schemas.openxmlformats.org/presentationml/2006/main">
   <p:cSld>
     <p:spTree>

--- a/Sentinel基本原理.pptx
+++ b/Sentinel基本原理.pptx
@@ -5,7 +5,7 @@
     <p:sldMasterId id="2147483648" r:id="rId1"/>
   </p:sldMasterIdLst>
   <p:notesMasterIdLst>
-    <p:notesMasterId r:id="rId36"/>
+    <p:notesMasterId r:id="rId39"/>
   </p:notesMasterIdLst>
   <p:sldIdLst>
     <p:sldId id="257" r:id="rId2"/>
@@ -40,8 +40,11 @@
     <p:sldId id="306" r:id="rId31"/>
     <p:sldId id="319" r:id="rId32"/>
     <p:sldId id="333" r:id="rId33"/>
-    <p:sldId id="332" r:id="rId34"/>
-    <p:sldId id="260" r:id="rId35"/>
+    <p:sldId id="335" r:id="rId34"/>
+    <p:sldId id="337" r:id="rId35"/>
+    <p:sldId id="336" r:id="rId36"/>
+    <p:sldId id="332" r:id="rId37"/>
+    <p:sldId id="260" r:id="rId38"/>
   </p:sldIdLst>
   <p:sldSz cx="12192000" cy="6858000"/>
   <p:notesSz cx="6858000" cy="9144000"/>
@@ -5509,6 +5512,1068 @@
               </a:rPr>
               <a:t>/ fallback</a:t>
             </a:r>
+          </a:p>
+          <a:p>
+            <a:endParaRPr dirty="0"/>
+          </a:p>
+        </p:txBody>
+      </p:sp>
+    </p:spTree>
+    <p:extLst>
+      <p:ext uri="{BB962C8B-B14F-4D97-AF65-F5344CB8AC3E}">
+        <p14:creationId xmlns:p14="http://schemas.microsoft.com/office/powerpoint/2010/main" val="403699278"/>
+      </p:ext>
+    </p:extLst>
+  </p:cSld>
+  <p:clrMapOvr>
+    <a:masterClrMapping/>
+  </p:clrMapOvr>
+</p:notes>
+</file>
+
+<file path=ppt/notesSlides/notesSlide34.xml><?xml version="1.0" encoding="utf-8"?>
+<p:notes xmlns:a="http://schemas.openxmlformats.org/drawingml/2006/main" xmlns:r="http://schemas.openxmlformats.org/officeDocument/2006/relationships" xmlns:p="http://schemas.openxmlformats.org/presentationml/2006/main">
+  <p:cSld>
+    <p:spTree>
+      <p:nvGrpSpPr>
+        <p:cNvPr id="1" name=""/>
+        <p:cNvGrpSpPr/>
+        <p:nvPr/>
+      </p:nvGrpSpPr>
+      <p:grpSpPr>
+        <a:xfrm>
+          <a:off x="0" y="0"/>
+          <a:ext cx="0" cy="0"/>
+          <a:chOff x="0" y="0"/>
+          <a:chExt cx="0" cy="0"/>
+        </a:xfrm>
+      </p:grpSpPr>
+      <p:sp>
+        <p:nvSpPr>
+          <p:cNvPr id="147" name="Shape 147"/>
+          <p:cNvSpPr>
+            <a:spLocks noGrp="1" noRot="1" noChangeAspect="1"/>
+          </p:cNvSpPr>
+          <p:nvPr>
+            <p:ph type="sldImg"/>
+          </p:nvPr>
+        </p:nvSpPr>
+        <p:spPr>
+          <a:xfrm>
+            <a:off x="381000" y="685800"/>
+            <a:ext cx="6096000" cy="3429000"/>
+          </a:xfrm>
+          <a:prstGeom prst="rect">
+            <a:avLst/>
+          </a:prstGeom>
+        </p:spPr>
+        <p:txBody>
+          <a:bodyPr/>
+          <a:lstStyle/>
+          <a:p>
+            <a:endParaRPr/>
+          </a:p>
+        </p:txBody>
+      </p:sp>
+      <p:sp>
+        <p:nvSpPr>
+          <p:cNvPr id="148" name="Shape 148"/>
+          <p:cNvSpPr>
+            <a:spLocks noGrp="1"/>
+          </p:cNvSpPr>
+          <p:nvPr>
+            <p:ph type="body" sz="quarter" idx="1"/>
+          </p:nvPr>
+        </p:nvSpPr>
+        <p:spPr>
+          <a:prstGeom prst="rect">
+            <a:avLst/>
+          </a:prstGeom>
+        </p:spPr>
+        <p:txBody>
+          <a:bodyPr/>
+          <a:lstStyle/>
+          <a:p>
+            <a:pPr marL="0" indent="0">
+              <a:buFont typeface="Wingdings" panose="05000000000000000000" charset="0"/>
+              <a:buNone/>
+            </a:pPr>
+            <a:r>
+              <a:rPr lang="zh-CN" altLang="en-US" sz="1200" dirty="0"/>
+              <a:t>原理概述：略</a:t>
+            </a:r>
+            <a:endParaRPr lang="en-US" altLang="zh-CN" sz="1200" dirty="0"/>
+          </a:p>
+          <a:p>
+            <a:pPr marL="0" indent="0">
+              <a:buFont typeface="Wingdings" panose="05000000000000000000" charset="0"/>
+              <a:buNone/>
+            </a:pPr>
+            <a:r>
+              <a:rPr lang="zh-CN" altLang="en-US" sz="1200" dirty="0"/>
+              <a:t>初始化用两个格子</a:t>
+            </a:r>
+          </a:p>
+          <a:p>
+            <a:pPr marL="0" indent="0">
+              <a:buFont typeface="Wingdings" panose="05000000000000000000" charset="0"/>
+              <a:buNone/>
+            </a:pPr>
+            <a:r>
+              <a:rPr lang="zh-CN" altLang="en-US" sz="1200" dirty="0"/>
+              <a:t>格子越多越平滑，但是损害越多；格子越少，其实不平滑但是精确。不同场景用不同的大小，例如秒杀这种，格子越少越好；但是如果是长期高流量，格子</a:t>
+            </a:r>
+            <a:r>
+              <a:rPr lang="en-US" altLang="zh-CN" sz="1200" dirty="0"/>
+              <a:t>10</a:t>
+            </a:r>
+            <a:r>
+              <a:rPr lang="zh-CN" altLang="en-US" sz="1200" dirty="0"/>
+              <a:t>比较好</a:t>
+            </a:r>
+            <a:endParaRPr lang="en-US" altLang="zh-CN" sz="1200" dirty="0"/>
+          </a:p>
+          <a:p>
+            <a:pPr marL="0" indent="0">
+              <a:buFont typeface="Wingdings" panose="05000000000000000000" charset="0"/>
+              <a:buNone/>
+            </a:pPr>
+            <a:r>
+              <a:rPr lang="en-US" altLang="zh-CN" sz="1200" dirty="0"/>
+              <a:t>1,</a:t>
+            </a:r>
+            <a:r>
+              <a:rPr lang="zh-CN" altLang="en-US" sz="1200" dirty="0"/>
+              <a:t>根据当前时间算出格子列表的角标</a:t>
+            </a:r>
+            <a:r>
+              <a:rPr lang="en-US" altLang="zh-CN" sz="1200" dirty="0"/>
+              <a:t>,</a:t>
+            </a:r>
+            <a:r>
+              <a:rPr lang="zh-CN" altLang="en-US" sz="1200" dirty="0"/>
+              <a:t>当前时间除以窗口长度取整数，在模格子数组长度。</a:t>
+            </a:r>
+            <a:r>
+              <a:rPr lang="en-US" altLang="zh-CN" sz="1200" kern="1200" dirty="0">
+                <a:solidFill>
+                  <a:schemeClr val="tx1"/>
+                </a:solidFill>
+                <a:effectLst/>
+                <a:latin typeface="+mn-lt"/>
+                <a:ea typeface="+mn-ea"/>
+                <a:cs typeface="+mn-cs"/>
+              </a:rPr>
+              <a:t>long </a:t>
+            </a:r>
+            <a:r>
+              <a:rPr lang="en-US" altLang="zh-CN" dirty="0" err="1"/>
+              <a:t>timeId</a:t>
+            </a:r>
+            <a:r>
+              <a:rPr lang="en-US" altLang="zh-CN" dirty="0"/>
+              <a:t> = </a:t>
+            </a:r>
+            <a:r>
+              <a:rPr lang="en-US" altLang="zh-CN" dirty="0" err="1"/>
+              <a:t>timeMillis</a:t>
+            </a:r>
+            <a:r>
+              <a:rPr lang="en-US" altLang="zh-CN" dirty="0"/>
+              <a:t> / </a:t>
+            </a:r>
+            <a:r>
+              <a:rPr lang="en-US" altLang="zh-CN" sz="1200" kern="1200" dirty="0" err="1">
+                <a:solidFill>
+                  <a:schemeClr val="tx1"/>
+                </a:solidFill>
+                <a:effectLst/>
+                <a:latin typeface="+mn-lt"/>
+                <a:ea typeface="+mn-ea"/>
+                <a:cs typeface="+mn-cs"/>
+              </a:rPr>
+              <a:t>windowLengthInMs</a:t>
+            </a:r>
+            <a:r>
+              <a:rPr lang="en-US" altLang="zh-CN" sz="1200" kern="1200" dirty="0">
+                <a:solidFill>
+                  <a:schemeClr val="tx1"/>
+                </a:solidFill>
+                <a:effectLst/>
+                <a:latin typeface="+mn-lt"/>
+                <a:ea typeface="+mn-ea"/>
+                <a:cs typeface="+mn-cs"/>
+              </a:rPr>
+              <a:t>;</a:t>
+            </a:r>
+            <a:r>
+              <a:rPr lang="en-US" altLang="zh-CN" dirty="0"/>
+              <a:t> </a:t>
+            </a:r>
+            <a:r>
+              <a:rPr lang="en-US" altLang="zh-CN" dirty="0" err="1"/>
+              <a:t>timeId</a:t>
+            </a:r>
+            <a:r>
+              <a:rPr lang="en-US" altLang="zh-CN" dirty="0"/>
+              <a:t> % </a:t>
+            </a:r>
+            <a:r>
+              <a:rPr lang="en-US" altLang="zh-CN" sz="1200" kern="1200" dirty="0" err="1">
+                <a:solidFill>
+                  <a:schemeClr val="tx1"/>
+                </a:solidFill>
+                <a:effectLst/>
+                <a:latin typeface="+mn-lt"/>
+                <a:ea typeface="+mn-ea"/>
+                <a:cs typeface="+mn-cs"/>
+              </a:rPr>
+              <a:t>array</a:t>
+            </a:r>
+            <a:r>
+              <a:rPr lang="en-US" altLang="zh-CN" dirty="0" err="1"/>
+              <a:t>.length</a:t>
+            </a:r>
+            <a:r>
+              <a:rPr lang="en-US" altLang="zh-CN" dirty="0"/>
+              <a:t>();</a:t>
+            </a:r>
+            <a:endParaRPr lang="en-US" altLang="zh-CN" sz="1200" dirty="0"/>
+          </a:p>
+          <a:p>
+            <a:pPr marL="0" indent="0">
+              <a:buFont typeface="Wingdings" panose="05000000000000000000" charset="0"/>
+              <a:buNone/>
+            </a:pPr>
+            <a:r>
+              <a:rPr lang="en-US" altLang="zh-CN" sz="1200" dirty="0"/>
+              <a:t>2,</a:t>
+            </a:r>
+            <a:r>
+              <a:rPr lang="zh-CN" altLang="en-US" sz="1200" dirty="0"/>
+              <a:t>根据当前时间算出格子开始时间。</a:t>
+            </a:r>
+            <a:r>
+              <a:rPr lang="en-US" altLang="zh-CN" dirty="0" err="1"/>
+              <a:t>timeMillis</a:t>
+            </a:r>
+            <a:r>
+              <a:rPr lang="en-US" altLang="zh-CN" dirty="0"/>
+              <a:t> - </a:t>
+            </a:r>
+            <a:r>
+              <a:rPr lang="en-US" altLang="zh-CN" dirty="0" err="1"/>
+              <a:t>timeMillis</a:t>
+            </a:r>
+            <a:r>
+              <a:rPr lang="en-US" altLang="zh-CN" dirty="0"/>
+              <a:t> % </a:t>
+            </a:r>
+            <a:r>
+              <a:rPr lang="en-US" altLang="zh-CN" sz="1200" kern="1200" dirty="0" err="1">
+                <a:solidFill>
+                  <a:schemeClr val="tx1"/>
+                </a:solidFill>
+                <a:effectLst/>
+                <a:latin typeface="+mn-lt"/>
+                <a:ea typeface="+mn-ea"/>
+                <a:cs typeface="+mn-cs"/>
+              </a:rPr>
+              <a:t>windowLengthInMs</a:t>
+            </a:r>
+            <a:r>
+              <a:rPr lang="en-US" altLang="zh-CN" sz="1200" kern="1200" dirty="0">
+                <a:solidFill>
+                  <a:schemeClr val="tx1"/>
+                </a:solidFill>
+                <a:effectLst/>
+                <a:latin typeface="+mn-lt"/>
+                <a:ea typeface="+mn-ea"/>
+                <a:cs typeface="+mn-cs"/>
+              </a:rPr>
+              <a:t>;</a:t>
+            </a:r>
+          </a:p>
+          <a:p>
+            <a:pPr marL="0" indent="0">
+              <a:buFont typeface="Wingdings" panose="05000000000000000000" charset="0"/>
+              <a:buNone/>
+            </a:pPr>
+            <a:r>
+              <a:rPr lang="en-US" altLang="zh-CN" sz="1200" kern="1200" dirty="0">
+                <a:solidFill>
+                  <a:schemeClr val="tx1"/>
+                </a:solidFill>
+                <a:effectLst/>
+                <a:latin typeface="+mn-lt"/>
+                <a:ea typeface="+mn-ea"/>
+                <a:cs typeface="+mn-cs"/>
+              </a:rPr>
+              <a:t>3</a:t>
+            </a:r>
+            <a:r>
+              <a:rPr lang="zh-CN" altLang="en-US" sz="1200" kern="1200" dirty="0">
+                <a:solidFill>
+                  <a:schemeClr val="tx1"/>
+                </a:solidFill>
+                <a:effectLst/>
+                <a:latin typeface="+mn-lt"/>
+                <a:ea typeface="+mn-ea"/>
+                <a:cs typeface="+mn-cs"/>
+              </a:rPr>
+              <a:t>，根据角标获取到的格子，用算出来的开始时间校验是不是需要的。</a:t>
+            </a:r>
+            <a:endParaRPr lang="zh-CN" altLang="en-US" sz="1200" dirty="0"/>
+          </a:p>
+        </p:txBody>
+      </p:sp>
+    </p:spTree>
+    <p:extLst>
+      <p:ext uri="{BB962C8B-B14F-4D97-AF65-F5344CB8AC3E}">
+        <p14:creationId xmlns:p14="http://schemas.microsoft.com/office/powerpoint/2010/main" val="3559968658"/>
+      </p:ext>
+    </p:extLst>
+  </p:cSld>
+  <p:clrMapOvr>
+    <a:masterClrMapping/>
+  </p:clrMapOvr>
+</p:notes>
+</file>
+
+<file path=ppt/notesSlides/notesSlide35.xml><?xml version="1.0" encoding="utf-8"?>
+<p:notes xmlns:a="http://schemas.openxmlformats.org/drawingml/2006/main" xmlns:r="http://schemas.openxmlformats.org/officeDocument/2006/relationships" xmlns:p="http://schemas.openxmlformats.org/presentationml/2006/main">
+  <p:cSld>
+    <p:spTree>
+      <p:nvGrpSpPr>
+        <p:cNvPr id="1" name=""/>
+        <p:cNvGrpSpPr/>
+        <p:nvPr/>
+      </p:nvGrpSpPr>
+      <p:grpSpPr>
+        <a:xfrm>
+          <a:off x="0" y="0"/>
+          <a:ext cx="0" cy="0"/>
+          <a:chOff x="0" y="0"/>
+          <a:chExt cx="0" cy="0"/>
+        </a:xfrm>
+      </p:grpSpPr>
+      <p:sp>
+        <p:nvSpPr>
+          <p:cNvPr id="147" name="Shape 147"/>
+          <p:cNvSpPr>
+            <a:spLocks noGrp="1" noRot="1" noChangeAspect="1"/>
+          </p:cNvSpPr>
+          <p:nvPr>
+            <p:ph type="sldImg"/>
+          </p:nvPr>
+        </p:nvSpPr>
+        <p:spPr>
+          <a:xfrm>
+            <a:off x="381000" y="685800"/>
+            <a:ext cx="6096000" cy="3429000"/>
+          </a:xfrm>
+          <a:prstGeom prst="rect">
+            <a:avLst/>
+          </a:prstGeom>
+        </p:spPr>
+        <p:txBody>
+          <a:bodyPr/>
+          <a:lstStyle/>
+          <a:p>
+            <a:endParaRPr/>
+          </a:p>
+        </p:txBody>
+      </p:sp>
+      <p:sp>
+        <p:nvSpPr>
+          <p:cNvPr id="148" name="Shape 148"/>
+          <p:cNvSpPr>
+            <a:spLocks noGrp="1"/>
+          </p:cNvSpPr>
+          <p:nvPr>
+            <p:ph type="body" sz="quarter" idx="1"/>
+          </p:nvPr>
+        </p:nvSpPr>
+        <p:spPr>
+          <a:prstGeom prst="rect">
+            <a:avLst/>
+          </a:prstGeom>
+        </p:spPr>
+        <p:txBody>
+          <a:bodyPr/>
+          <a:lstStyle/>
+          <a:p>
+            <a:pPr marL="0" indent="0">
+              <a:buFont typeface="Wingdings" panose="05000000000000000000" charset="0"/>
+              <a:buNone/>
+            </a:pPr>
+            <a:r>
+              <a:rPr lang="zh-CN" altLang="en-US" sz="1200" b="0" i="0" kern="1200" dirty="0">
+                <a:solidFill>
+                  <a:schemeClr val="tx1"/>
+                </a:solidFill>
+                <a:effectLst/>
+                <a:latin typeface="+mn-lt"/>
+                <a:ea typeface="+mn-ea"/>
+                <a:cs typeface="+mn-cs"/>
+              </a:rPr>
+              <a:t>原理概述：</a:t>
+            </a:r>
+            <a:endParaRPr lang="en-US" altLang="zh-CN" sz="1200" b="0" i="0" kern="1200" dirty="0">
+              <a:solidFill>
+                <a:schemeClr val="tx1"/>
+              </a:solidFill>
+              <a:effectLst/>
+              <a:latin typeface="+mn-lt"/>
+              <a:ea typeface="+mn-ea"/>
+              <a:cs typeface="+mn-cs"/>
+            </a:endParaRPr>
+          </a:p>
+          <a:p>
+            <a:pPr marL="228600" indent="-228600">
+              <a:buFont typeface="+mj-lt"/>
+              <a:buAutoNum type="arabicPeriod"/>
+            </a:pPr>
+            <a:r>
+              <a:rPr lang="zh-CN" altLang="en-US" sz="1200" b="0" i="0" kern="1200" dirty="0">
+                <a:solidFill>
+                  <a:schemeClr val="tx1"/>
+                </a:solidFill>
+                <a:effectLst/>
+                <a:latin typeface="+mn-lt"/>
+                <a:ea typeface="+mn-ea"/>
+                <a:cs typeface="+mn-cs"/>
+              </a:rPr>
+              <a:t>接口限制 </a:t>
+            </a:r>
+            <a:r>
+              <a:rPr lang="en-US" altLang="zh-CN" sz="1200" b="0" i="0" kern="1200" dirty="0">
+                <a:solidFill>
+                  <a:schemeClr val="tx1"/>
+                </a:solidFill>
+                <a:effectLst/>
+                <a:latin typeface="+mn-lt"/>
+                <a:ea typeface="+mn-ea"/>
+                <a:cs typeface="+mn-cs"/>
+              </a:rPr>
+              <a:t>t </a:t>
+            </a:r>
+            <a:r>
+              <a:rPr lang="zh-CN" altLang="en-US" sz="1200" b="0" i="0" kern="1200" dirty="0">
+                <a:solidFill>
+                  <a:schemeClr val="tx1"/>
+                </a:solidFill>
+                <a:effectLst/>
+                <a:latin typeface="+mn-lt"/>
+                <a:ea typeface="+mn-ea"/>
+                <a:cs typeface="+mn-cs"/>
+              </a:rPr>
+              <a:t>秒内最大访问次数为 </a:t>
+            </a:r>
+            <a:r>
+              <a:rPr lang="en-US" altLang="zh-CN" sz="1200" b="0" i="0" kern="1200" dirty="0">
+                <a:solidFill>
+                  <a:schemeClr val="tx1"/>
+                </a:solidFill>
+                <a:effectLst/>
+                <a:latin typeface="+mn-lt"/>
+                <a:ea typeface="+mn-ea"/>
+                <a:cs typeface="+mn-cs"/>
+              </a:rPr>
+              <a:t>n</a:t>
+            </a:r>
+            <a:r>
+              <a:rPr lang="zh-CN" altLang="en-US" sz="1200" b="0" i="0" kern="1200" dirty="0">
+                <a:solidFill>
+                  <a:schemeClr val="tx1"/>
+                </a:solidFill>
+                <a:effectLst/>
+                <a:latin typeface="+mn-lt"/>
+                <a:ea typeface="+mn-ea"/>
+                <a:cs typeface="+mn-cs"/>
+              </a:rPr>
+              <a:t>，则每隔 </a:t>
+            </a:r>
+            <a:r>
+              <a:rPr lang="en-US" altLang="zh-CN" sz="1200" b="0" i="0" kern="1200" dirty="0">
+                <a:solidFill>
+                  <a:schemeClr val="tx1"/>
+                </a:solidFill>
+                <a:effectLst/>
+                <a:latin typeface="+mn-lt"/>
+                <a:ea typeface="+mn-ea"/>
+                <a:cs typeface="+mn-cs"/>
+              </a:rPr>
+              <a:t>t/n </a:t>
+            </a:r>
+            <a:r>
+              <a:rPr lang="zh-CN" altLang="en-US" sz="1200" b="0" i="0" kern="1200" dirty="0">
+                <a:solidFill>
+                  <a:schemeClr val="tx1"/>
+                </a:solidFill>
+                <a:effectLst/>
+                <a:latin typeface="+mn-lt"/>
+                <a:ea typeface="+mn-ea"/>
+                <a:cs typeface="+mn-cs"/>
+              </a:rPr>
+              <a:t>秒会放一个 </a:t>
+            </a:r>
+            <a:r>
+              <a:rPr lang="en-US" altLang="zh-CN" sz="1200" b="0" i="0" kern="1200" dirty="0">
+                <a:solidFill>
+                  <a:schemeClr val="tx1"/>
+                </a:solidFill>
+                <a:effectLst/>
+                <a:latin typeface="+mn-lt"/>
+                <a:ea typeface="+mn-ea"/>
+                <a:cs typeface="+mn-cs"/>
+              </a:rPr>
+              <a:t>token </a:t>
+            </a:r>
+            <a:r>
+              <a:rPr lang="zh-CN" altLang="en-US" sz="1200" b="0" i="0" kern="1200" dirty="0">
+                <a:solidFill>
+                  <a:schemeClr val="tx1"/>
+                </a:solidFill>
+                <a:effectLst/>
+                <a:latin typeface="+mn-lt"/>
+                <a:ea typeface="+mn-ea"/>
+                <a:cs typeface="+mn-cs"/>
+              </a:rPr>
+              <a:t>到桶中；</a:t>
+            </a:r>
+          </a:p>
+          <a:p>
+            <a:pPr marL="228600" indent="-228600">
+              <a:buFont typeface="+mj-lt"/>
+              <a:buAutoNum type="arabicPeriod"/>
+            </a:pPr>
+            <a:r>
+              <a:rPr lang="zh-CN" altLang="en-US" sz="1200" b="0" i="0" kern="1200" dirty="0">
+                <a:solidFill>
+                  <a:schemeClr val="tx1"/>
+                </a:solidFill>
+                <a:effectLst/>
+                <a:latin typeface="+mn-lt"/>
+                <a:ea typeface="+mn-ea"/>
+                <a:cs typeface="+mn-cs"/>
+              </a:rPr>
+              <a:t>桶中最多可以存放 </a:t>
+            </a:r>
+            <a:r>
+              <a:rPr lang="en-US" altLang="zh-CN" sz="1200" b="0" i="0" kern="1200" dirty="0">
+                <a:solidFill>
+                  <a:schemeClr val="tx1"/>
+                </a:solidFill>
+                <a:effectLst/>
+                <a:latin typeface="+mn-lt"/>
+                <a:ea typeface="+mn-ea"/>
+                <a:cs typeface="+mn-cs"/>
+              </a:rPr>
+              <a:t>b </a:t>
+            </a:r>
+            <a:r>
+              <a:rPr lang="zh-CN" altLang="en-US" sz="1200" b="0" i="0" kern="1200" dirty="0">
+                <a:solidFill>
+                  <a:schemeClr val="tx1"/>
+                </a:solidFill>
+                <a:effectLst/>
+                <a:latin typeface="+mn-lt"/>
+                <a:ea typeface="+mn-ea"/>
+                <a:cs typeface="+mn-cs"/>
+              </a:rPr>
+              <a:t>个 </a:t>
+            </a:r>
+            <a:r>
+              <a:rPr lang="en-US" altLang="zh-CN" sz="1200" b="0" i="0" kern="1200" dirty="0">
+                <a:solidFill>
+                  <a:schemeClr val="tx1"/>
+                </a:solidFill>
+                <a:effectLst/>
+                <a:latin typeface="+mn-lt"/>
+                <a:ea typeface="+mn-ea"/>
+                <a:cs typeface="+mn-cs"/>
+              </a:rPr>
+              <a:t>token</a:t>
+            </a:r>
+            <a:r>
+              <a:rPr lang="zh-CN" altLang="en-US" sz="1200" b="0" i="0" kern="1200" dirty="0">
+                <a:solidFill>
+                  <a:schemeClr val="tx1"/>
+                </a:solidFill>
+                <a:effectLst/>
+                <a:latin typeface="+mn-lt"/>
+                <a:ea typeface="+mn-ea"/>
+                <a:cs typeface="+mn-cs"/>
+              </a:rPr>
+              <a:t>，如果 </a:t>
+            </a:r>
+            <a:r>
+              <a:rPr lang="en-US" altLang="zh-CN" sz="1200" b="0" i="0" kern="1200" dirty="0">
+                <a:solidFill>
+                  <a:schemeClr val="tx1"/>
+                </a:solidFill>
+                <a:effectLst/>
+                <a:latin typeface="+mn-lt"/>
+                <a:ea typeface="+mn-ea"/>
+                <a:cs typeface="+mn-cs"/>
+              </a:rPr>
+              <a:t>token </a:t>
+            </a:r>
+            <a:r>
+              <a:rPr lang="zh-CN" altLang="en-US" sz="1200" b="0" i="0" kern="1200" dirty="0">
+                <a:solidFill>
+                  <a:schemeClr val="tx1"/>
+                </a:solidFill>
+                <a:effectLst/>
+                <a:latin typeface="+mn-lt"/>
+                <a:ea typeface="+mn-ea"/>
+                <a:cs typeface="+mn-cs"/>
+              </a:rPr>
+              <a:t>到达时令牌桶已经满了，那么这个 </a:t>
+            </a:r>
+            <a:r>
+              <a:rPr lang="en-US" altLang="zh-CN" sz="1200" b="0" i="0" kern="1200" dirty="0">
+                <a:solidFill>
+                  <a:schemeClr val="tx1"/>
+                </a:solidFill>
+                <a:effectLst/>
+                <a:latin typeface="+mn-lt"/>
+                <a:ea typeface="+mn-ea"/>
+                <a:cs typeface="+mn-cs"/>
+              </a:rPr>
+              <a:t>token </a:t>
+            </a:r>
+            <a:r>
+              <a:rPr lang="zh-CN" altLang="en-US" sz="1200" b="0" i="0" kern="1200" dirty="0">
+                <a:solidFill>
+                  <a:schemeClr val="tx1"/>
+                </a:solidFill>
+                <a:effectLst/>
+                <a:latin typeface="+mn-lt"/>
+                <a:ea typeface="+mn-ea"/>
+                <a:cs typeface="+mn-cs"/>
+              </a:rPr>
+              <a:t>会被丢弃；</a:t>
+            </a:r>
+          </a:p>
+          <a:p>
+            <a:pPr marL="228600" indent="-228600">
+              <a:buFont typeface="+mj-lt"/>
+              <a:buAutoNum type="arabicPeriod"/>
+            </a:pPr>
+            <a:r>
+              <a:rPr lang="zh-CN" altLang="en-US" sz="1200" b="0" i="0" kern="1200" dirty="0">
+                <a:solidFill>
+                  <a:schemeClr val="tx1"/>
+                </a:solidFill>
+                <a:effectLst/>
+                <a:latin typeface="+mn-lt"/>
+                <a:ea typeface="+mn-ea"/>
+                <a:cs typeface="+mn-cs"/>
+              </a:rPr>
+              <a:t>接口请求会先从令牌桶中取 </a:t>
+            </a:r>
+            <a:r>
+              <a:rPr lang="en-US" altLang="zh-CN" sz="1200" b="0" i="0" kern="1200" dirty="0">
+                <a:solidFill>
+                  <a:schemeClr val="tx1"/>
+                </a:solidFill>
+                <a:effectLst/>
+                <a:latin typeface="+mn-lt"/>
+                <a:ea typeface="+mn-ea"/>
+                <a:cs typeface="+mn-cs"/>
+              </a:rPr>
+              <a:t>token</a:t>
+            </a:r>
+            <a:r>
+              <a:rPr lang="zh-CN" altLang="en-US" sz="1200" b="0" i="0" kern="1200" dirty="0">
+                <a:solidFill>
+                  <a:schemeClr val="tx1"/>
+                </a:solidFill>
+                <a:effectLst/>
+                <a:latin typeface="+mn-lt"/>
+                <a:ea typeface="+mn-ea"/>
+                <a:cs typeface="+mn-cs"/>
+              </a:rPr>
+              <a:t>，拿到 </a:t>
+            </a:r>
+            <a:r>
+              <a:rPr lang="en-US" altLang="zh-CN" sz="1200" b="0" i="0" kern="1200" dirty="0">
+                <a:solidFill>
+                  <a:schemeClr val="tx1"/>
+                </a:solidFill>
+                <a:effectLst/>
+                <a:latin typeface="+mn-lt"/>
+                <a:ea typeface="+mn-ea"/>
+                <a:cs typeface="+mn-cs"/>
+              </a:rPr>
+              <a:t>token </a:t>
+            </a:r>
+            <a:r>
+              <a:rPr lang="zh-CN" altLang="en-US" sz="1200" b="0" i="0" kern="1200" dirty="0">
+                <a:solidFill>
+                  <a:schemeClr val="tx1"/>
+                </a:solidFill>
+                <a:effectLst/>
+                <a:latin typeface="+mn-lt"/>
+                <a:ea typeface="+mn-ea"/>
+                <a:cs typeface="+mn-cs"/>
+              </a:rPr>
+              <a:t>则处理接口请求，拿不到 </a:t>
+            </a:r>
+            <a:r>
+              <a:rPr lang="en-US" altLang="zh-CN" sz="1200" b="0" i="0" kern="1200" dirty="0">
+                <a:solidFill>
+                  <a:schemeClr val="tx1"/>
+                </a:solidFill>
+                <a:effectLst/>
+                <a:latin typeface="+mn-lt"/>
+                <a:ea typeface="+mn-ea"/>
+                <a:cs typeface="+mn-cs"/>
+              </a:rPr>
+              <a:t>token </a:t>
+            </a:r>
+            <a:r>
+              <a:rPr lang="zh-CN" altLang="en-US" sz="1200" b="0" i="0" kern="1200" dirty="0">
+                <a:solidFill>
+                  <a:schemeClr val="tx1"/>
+                </a:solidFill>
+                <a:effectLst/>
+                <a:latin typeface="+mn-lt"/>
+                <a:ea typeface="+mn-ea"/>
+                <a:cs typeface="+mn-cs"/>
+              </a:rPr>
+              <a:t>则执行限流。</a:t>
+            </a:r>
+          </a:p>
+          <a:p>
+            <a:pPr marL="0" indent="0">
+              <a:buFont typeface="Wingdings" panose="05000000000000000000" charset="0"/>
+              <a:buNone/>
+            </a:pPr>
+            <a:endParaRPr lang="en-US" altLang="zh-CN" sz="1200" b="0" i="0" kern="1200" dirty="0">
+              <a:solidFill>
+                <a:schemeClr val="tx1"/>
+              </a:solidFill>
+              <a:effectLst/>
+              <a:latin typeface="+mn-lt"/>
+              <a:ea typeface="+mn-ea"/>
+              <a:cs typeface="+mn-cs"/>
+            </a:endParaRPr>
+          </a:p>
+          <a:p>
+            <a:pPr marL="0" indent="0">
+              <a:buFont typeface="Wingdings" panose="05000000000000000000" charset="0"/>
+              <a:buNone/>
+            </a:pPr>
+            <a:r>
+              <a:rPr lang="zh-CN" altLang="en-US" sz="1200" b="0" i="0" kern="1200" dirty="0">
+                <a:solidFill>
+                  <a:schemeClr val="tx1"/>
+                </a:solidFill>
+                <a:effectLst/>
+                <a:latin typeface="+mn-lt"/>
+                <a:ea typeface="+mn-ea"/>
+                <a:cs typeface="+mn-cs"/>
+              </a:rPr>
+              <a:t>这种方式主要用于处理间隔性突发的流量，例如消息队列。想象一下这样的场景，在某一秒有大量的请求到来，而接下来的几秒则处于空闲状态，我们希望系统能够在接下来的空闲期间逐渐处理这些请求，而不是在第一秒直接拒绝多余的请求。</a:t>
+            </a:r>
+            <a:endParaRPr lang="en-US" altLang="zh-CN" sz="1200" b="0" i="0" kern="1200" dirty="0">
+              <a:solidFill>
+                <a:schemeClr val="tx1"/>
+              </a:solidFill>
+              <a:effectLst/>
+              <a:latin typeface="+mn-lt"/>
+              <a:ea typeface="+mn-ea"/>
+              <a:cs typeface="+mn-cs"/>
+            </a:endParaRPr>
+          </a:p>
+          <a:p>
+            <a:pPr marL="0" indent="0">
+              <a:buFont typeface="Wingdings" panose="05000000000000000000" charset="0"/>
+              <a:buNone/>
+            </a:pPr>
+            <a:r>
+              <a:rPr lang="en-US" altLang="zh-CN" sz="1200" b="0" i="0" kern="1200" dirty="0">
+                <a:solidFill>
+                  <a:schemeClr val="tx1"/>
+                </a:solidFill>
+                <a:effectLst/>
+                <a:latin typeface="+mn-lt"/>
+                <a:ea typeface="+mn-ea"/>
+                <a:cs typeface="+mn-cs"/>
+              </a:rPr>
+              <a:t>1</a:t>
+            </a:r>
+            <a:r>
+              <a:rPr lang="zh-CN" altLang="en-US" sz="1200" b="0" i="0" kern="1200" dirty="0">
+                <a:solidFill>
+                  <a:schemeClr val="tx1"/>
+                </a:solidFill>
+                <a:effectLst/>
+                <a:latin typeface="+mn-lt"/>
+                <a:ea typeface="+mn-ea"/>
+                <a:cs typeface="+mn-cs"/>
+              </a:rPr>
+              <a:t>，用当前时间去和预期时间做比较，如果当前时间大于预期时间就过，小于的话就</a:t>
+            </a:r>
+            <a:r>
+              <a:rPr lang="en-US" altLang="zh-CN" sz="1200" b="0" i="0" kern="1200" dirty="0">
+                <a:solidFill>
+                  <a:schemeClr val="tx1"/>
+                </a:solidFill>
+                <a:effectLst/>
+                <a:latin typeface="+mn-lt"/>
+                <a:ea typeface="+mn-ea"/>
+                <a:cs typeface="+mn-cs"/>
+              </a:rPr>
+              <a:t>sleep</a:t>
+            </a:r>
+            <a:r>
+              <a:rPr lang="zh-CN" altLang="en-US" sz="1200" b="0" i="0" kern="1200" dirty="0">
+                <a:solidFill>
+                  <a:schemeClr val="tx1"/>
+                </a:solidFill>
+                <a:effectLst/>
+                <a:latin typeface="+mn-lt"/>
+                <a:ea typeface="+mn-ea"/>
+                <a:cs typeface="+mn-cs"/>
+              </a:rPr>
+              <a:t>差的时间。</a:t>
+            </a:r>
+            <a:endParaRPr lang="zh-CN" altLang="en-US" sz="1200" dirty="0"/>
+          </a:p>
+        </p:txBody>
+      </p:sp>
+    </p:spTree>
+    <p:extLst>
+      <p:ext uri="{BB962C8B-B14F-4D97-AF65-F5344CB8AC3E}">
+        <p14:creationId xmlns:p14="http://schemas.microsoft.com/office/powerpoint/2010/main" val="4209078369"/>
+      </p:ext>
+    </p:extLst>
+  </p:cSld>
+  <p:clrMapOvr>
+    <a:masterClrMapping/>
+  </p:clrMapOvr>
+</p:notes>
+</file>
+
+<file path=ppt/notesSlides/notesSlide36.xml><?xml version="1.0" encoding="utf-8"?>
+<p:notes xmlns:a="http://schemas.openxmlformats.org/drawingml/2006/main" xmlns:r="http://schemas.openxmlformats.org/officeDocument/2006/relationships" xmlns:p="http://schemas.openxmlformats.org/presentationml/2006/main">
+  <p:cSld>
+    <p:spTree>
+      <p:nvGrpSpPr>
+        <p:cNvPr id="1" name=""/>
+        <p:cNvGrpSpPr/>
+        <p:nvPr/>
+      </p:nvGrpSpPr>
+      <p:grpSpPr>
+        <a:xfrm>
+          <a:off x="0" y="0"/>
+          <a:ext cx="0" cy="0"/>
+          <a:chOff x="0" y="0"/>
+          <a:chExt cx="0" cy="0"/>
+        </a:xfrm>
+      </p:grpSpPr>
+      <p:sp>
+        <p:nvSpPr>
+          <p:cNvPr id="147" name="Shape 147"/>
+          <p:cNvSpPr>
+            <a:spLocks noGrp="1" noRot="1" noChangeAspect="1"/>
+          </p:cNvSpPr>
+          <p:nvPr>
+            <p:ph type="sldImg"/>
+          </p:nvPr>
+        </p:nvSpPr>
+        <p:spPr>
+          <a:xfrm>
+            <a:off x="381000" y="685800"/>
+            <a:ext cx="6096000" cy="3429000"/>
+          </a:xfrm>
+          <a:prstGeom prst="rect">
+            <a:avLst/>
+          </a:prstGeom>
+        </p:spPr>
+        <p:txBody>
+          <a:bodyPr/>
+          <a:lstStyle/>
+          <a:p>
+            <a:endParaRPr/>
+          </a:p>
+        </p:txBody>
+      </p:sp>
+      <p:sp>
+        <p:nvSpPr>
+          <p:cNvPr id="148" name="Shape 148"/>
+          <p:cNvSpPr>
+            <a:spLocks noGrp="1"/>
+          </p:cNvSpPr>
+          <p:nvPr>
+            <p:ph type="body" sz="quarter" idx="1"/>
+          </p:nvPr>
+        </p:nvSpPr>
+        <p:spPr>
+          <a:prstGeom prst="rect">
+            <a:avLst/>
+          </a:prstGeom>
+        </p:spPr>
+        <p:txBody>
+          <a:bodyPr/>
+          <a:lstStyle/>
+          <a:p>
+            <a:pPr marL="0" marR="0" lvl="0" indent="0" algn="l" defTabSz="914400" rtl="0" eaLnBrk="1" fontAlgn="auto" latinLnBrk="0" hangingPunct="1">
+              <a:lnSpc>
+                <a:spcPct val="100000"/>
+              </a:lnSpc>
+              <a:spcBef>
+                <a:spcPts val="0"/>
+              </a:spcBef>
+              <a:spcAft>
+                <a:spcPts val="0"/>
+              </a:spcAft>
+              <a:buClrTx/>
+              <a:buSzTx/>
+              <a:buFontTx/>
+              <a:buNone/>
+              <a:tabLst/>
+              <a:defRPr/>
+            </a:pPr>
+            <a:r>
+              <a:rPr lang="zh-CN" altLang="en-US" dirty="0"/>
+              <a:t>为什么要使用集群流控呢？假设我们希望给某个用户限制调用某个 </a:t>
+            </a:r>
+            <a:r>
+              <a:rPr lang="en-US" altLang="zh-CN" dirty="0"/>
+              <a:t>API </a:t>
+            </a:r>
+            <a:r>
+              <a:rPr lang="zh-CN" altLang="en-US" dirty="0"/>
+              <a:t>的总 </a:t>
+            </a:r>
+            <a:r>
+              <a:rPr lang="en-US" altLang="zh-CN" dirty="0"/>
+              <a:t>QPS </a:t>
+            </a:r>
+            <a:r>
+              <a:rPr lang="zh-CN" altLang="en-US" dirty="0"/>
+              <a:t>为 </a:t>
+            </a:r>
+            <a:r>
+              <a:rPr lang="en-US" altLang="zh-CN" dirty="0"/>
+              <a:t>50</a:t>
+            </a:r>
+            <a:r>
+              <a:rPr lang="zh-CN" altLang="en-US" dirty="0"/>
+              <a:t>，但机器数可能很多（比如有 </a:t>
+            </a:r>
+            <a:r>
+              <a:rPr lang="en-US" altLang="zh-CN" dirty="0"/>
+              <a:t>100 </a:t>
+            </a:r>
+            <a:r>
+              <a:rPr lang="zh-CN" altLang="en-US" dirty="0"/>
+              <a:t>台）。这时候我们很自然地就想到，找一个 </a:t>
+            </a:r>
+            <a:r>
+              <a:rPr lang="en-US" altLang="zh-CN" dirty="0"/>
+              <a:t>server </a:t>
+            </a:r>
+            <a:r>
+              <a:rPr lang="zh-CN" altLang="en-US" dirty="0"/>
+              <a:t>来专门来统计总的调用量，其它的实例都与这台 </a:t>
+            </a:r>
+            <a:r>
+              <a:rPr lang="en-US" altLang="zh-CN" dirty="0"/>
+              <a:t>server </a:t>
+            </a:r>
+            <a:r>
+              <a:rPr lang="zh-CN" altLang="en-US" dirty="0"/>
+              <a:t>通信来判断是否可以调用。这就是最基础的集群流控的方式。</a:t>
+            </a:r>
+          </a:p>
+          <a:p>
+            <a:pPr marL="0" marR="0" lvl="0" indent="0" algn="l" defTabSz="914400" rtl="0" eaLnBrk="1" fontAlgn="auto" latinLnBrk="0" hangingPunct="1">
+              <a:lnSpc>
+                <a:spcPct val="100000"/>
+              </a:lnSpc>
+              <a:spcBef>
+                <a:spcPts val="0"/>
+              </a:spcBef>
+              <a:spcAft>
+                <a:spcPts val="0"/>
+              </a:spcAft>
+              <a:buClrTx/>
+              <a:buSzTx/>
+              <a:buFontTx/>
+              <a:buNone/>
+              <a:tabLst/>
+              <a:defRPr/>
+            </a:pPr>
+            <a:r>
+              <a:rPr lang="zh-CN" altLang="en-US" dirty="0">
+                <a:solidFill>
+                  <a:srgbClr val="24292E"/>
+                </a:solidFill>
+                <a:latin typeface="-apple-system"/>
+              </a:rPr>
+              <a:t>另外集群流控还可以解决流量不均匀导致总体限流效果不佳的问题。假设集群中有 </a:t>
+            </a:r>
+            <a:r>
+              <a:rPr lang="en-US" altLang="zh-CN" dirty="0">
+                <a:solidFill>
+                  <a:srgbClr val="24292E"/>
+                </a:solidFill>
+                <a:latin typeface="-apple-system"/>
+              </a:rPr>
+              <a:t>10 </a:t>
+            </a:r>
+            <a:r>
+              <a:rPr lang="zh-CN" altLang="en-US" dirty="0">
+                <a:solidFill>
+                  <a:srgbClr val="24292E"/>
+                </a:solidFill>
+                <a:latin typeface="-apple-system"/>
+              </a:rPr>
+              <a:t>台机器，我们给每台机器设置单机限流阈值为 </a:t>
+            </a:r>
+            <a:r>
+              <a:rPr lang="en-US" altLang="zh-CN" dirty="0">
+                <a:solidFill>
+                  <a:srgbClr val="24292E"/>
+                </a:solidFill>
+                <a:latin typeface="-apple-system"/>
+              </a:rPr>
+              <a:t>10 QPS</a:t>
+            </a:r>
+            <a:r>
+              <a:rPr lang="zh-CN" altLang="en-US" dirty="0">
+                <a:solidFill>
+                  <a:srgbClr val="24292E"/>
+                </a:solidFill>
+                <a:latin typeface="-apple-system"/>
+              </a:rPr>
+              <a:t>，理想情况下整个集群的限流阈值就为 </a:t>
+            </a:r>
+            <a:r>
+              <a:rPr lang="en-US" altLang="zh-CN" dirty="0">
+                <a:solidFill>
+                  <a:srgbClr val="24292E"/>
+                </a:solidFill>
+                <a:latin typeface="-apple-system"/>
+              </a:rPr>
+              <a:t>100 QPS</a:t>
+            </a:r>
+            <a:r>
+              <a:rPr lang="zh-CN" altLang="en-US" dirty="0">
+                <a:solidFill>
+                  <a:srgbClr val="24292E"/>
+                </a:solidFill>
+                <a:latin typeface="-apple-system"/>
+              </a:rPr>
+              <a:t>。不过实际情况下流量到每台机器可能会不均匀，会导致总量没有到的情况下某些机器就开始限流。因此仅靠单机维度去限制的话会无法精确地限制总体流量。而集群流控可以精确地控制整个集群的调用总量，结合单机限流兜底，可以更好地发挥流量控制的效果。</a:t>
+            </a:r>
+            <a:endParaRPr lang="zh-CN" altLang="en-US" dirty="0"/>
           </a:p>
           <a:p>
             <a:endParaRPr dirty="0"/>
@@ -18243,6 +19308,1844 @@
     </p:spTree>
     <p:extLst>
       <p:ext uri="{BB962C8B-B14F-4D97-AF65-F5344CB8AC3E}">
+        <p14:creationId xmlns:p14="http://schemas.microsoft.com/office/powerpoint/2010/main" val="1411575536"/>
+      </p:ext>
+    </p:extLst>
+  </p:cSld>
+  <p:clrMapOvr>
+    <a:masterClrMapping/>
+  </p:clrMapOvr>
+  <p:transition spd="slow"/>
+</p:sld>
+</file>
+
+<file path=ppt/slides/slide34.xml><?xml version="1.0" encoding="utf-8"?>
+<p:sld xmlns:a="http://schemas.openxmlformats.org/drawingml/2006/main" xmlns:r="http://schemas.openxmlformats.org/officeDocument/2006/relationships" xmlns:p="http://schemas.openxmlformats.org/presentationml/2006/main">
+  <p:cSld>
+    <p:spTree>
+      <p:nvGrpSpPr>
+        <p:cNvPr id="1" name=""/>
+        <p:cNvGrpSpPr/>
+        <p:nvPr/>
+      </p:nvGrpSpPr>
+      <p:grpSpPr>
+        <a:xfrm>
+          <a:off x="0" y="0"/>
+          <a:ext cx="0" cy="0"/>
+          <a:chOff x="0" y="0"/>
+          <a:chExt cx="0" cy="0"/>
+        </a:xfrm>
+      </p:grpSpPr>
+      <p:pic>
+        <p:nvPicPr>
+          <p:cNvPr id="142" name="pasted-image.pdf"/>
+          <p:cNvPicPr>
+            <a:picLocks noChangeAspect="1"/>
+          </p:cNvPicPr>
+          <p:nvPr/>
+        </p:nvPicPr>
+        <p:blipFill>
+          <a:blip r:embed="rId3"/>
+          <a:srcRect b="82595"/>
+          <a:stretch>
+            <a:fillRect/>
+          </a:stretch>
+        </p:blipFill>
+        <p:spPr>
+          <a:xfrm>
+            <a:off x="0" y="-18922"/>
+            <a:ext cx="12191921" cy="1193622"/>
+          </a:xfrm>
+          <a:prstGeom prst="rect">
+            <a:avLst/>
+          </a:prstGeom>
+          <a:ln w="12700">
+            <a:miter lim="400000"/>
+            <a:headEnd/>
+            <a:tailEnd/>
+          </a:ln>
+        </p:spPr>
+      </p:pic>
+      <p:sp>
+        <p:nvSpPr>
+          <p:cNvPr id="143" name="Shape 143" descr="NETEASE…"/>
+          <p:cNvSpPr/>
+          <p:nvPr/>
+        </p:nvSpPr>
+        <p:spPr>
+          <a:xfrm>
+            <a:off x="572313" y="359870"/>
+            <a:ext cx="1974900" cy="436017"/>
+          </a:xfrm>
+          <a:prstGeom prst="rect">
+            <a:avLst/>
+          </a:prstGeom>
+          <a:ln w="12700">
+            <a:miter lim="400000"/>
+          </a:ln>
+        </p:spPr>
+        <p:txBody>
+          <a:bodyPr wrap="none" lIns="25400" tIns="25400" rIns="25400" bIns="25400" anchor="ctr">
+            <a:spAutoFit/>
+          </a:bodyPr>
+          <a:lstStyle>
+            <a:lvl1pPr algn="l">
+              <a:defRPr sz="5000">
+                <a:solidFill>
+                  <a:srgbClr val="FFFFFF"/>
+                </a:solidFill>
+                <a:latin typeface="苹方-简" panose="020B0800000000000000" charset="-122"/>
+                <a:ea typeface="苹方-简" panose="020B0800000000000000" charset="-122"/>
+                <a:cs typeface="苹方-简" panose="020B0800000000000000" charset="-122"/>
+                <a:sym typeface="苹方-简" panose="020B0800000000000000" charset="-122"/>
+              </a:defRPr>
+            </a:lvl1pPr>
+          </a:lstStyle>
+          <a:p>
+            <a:r>
+              <a:rPr lang="zh-CN" altLang="en-US" sz="2500" dirty="0"/>
+              <a:t>滑动时间窗口</a:t>
+            </a:r>
+          </a:p>
+        </p:txBody>
+      </p:sp>
+      <p:pic>
+        <p:nvPicPr>
+          <p:cNvPr id="144" name="pasted-image.pdf"/>
+          <p:cNvPicPr>
+            <a:picLocks noChangeAspect="1"/>
+          </p:cNvPicPr>
+          <p:nvPr/>
+        </p:nvPicPr>
+        <p:blipFill>
+          <a:blip r:embed="rId4"/>
+          <a:stretch>
+            <a:fillRect/>
+          </a:stretch>
+        </p:blipFill>
+        <p:spPr>
+          <a:xfrm>
+            <a:off x="9723361" y="406933"/>
+            <a:ext cx="1835151" cy="341893"/>
+          </a:xfrm>
+          <a:prstGeom prst="rect">
+            <a:avLst/>
+          </a:prstGeom>
+          <a:ln w="12700">
+            <a:miter lim="400000"/>
+            <a:headEnd/>
+            <a:tailEnd/>
+          </a:ln>
+        </p:spPr>
+      </p:pic>
+      <p:sp>
+        <p:nvSpPr>
+          <p:cNvPr id="4" name="Rectangle 1">
+            <a:extLst>
+              <a:ext uri="{FF2B5EF4-FFF2-40B4-BE49-F238E27FC236}">
+                <a16:creationId xmlns:a16="http://schemas.microsoft.com/office/drawing/2014/main" id="{B3603325-C143-4096-8508-F585138860A5}"/>
+              </a:ext>
+            </a:extLst>
+          </p:cNvPr>
+          <p:cNvSpPr>
+            <a:spLocks noChangeArrowheads="1"/>
+          </p:cNvSpPr>
+          <p:nvPr/>
+        </p:nvSpPr>
+        <p:spPr bwMode="auto">
+          <a:xfrm>
+            <a:off x="0" y="-138499"/>
+            <a:ext cx="65" cy="276999"/>
+          </a:xfrm>
+          <a:prstGeom prst="rect">
+            <a:avLst/>
+          </a:prstGeom>
+          <a:solidFill>
+            <a:srgbClr val="FFFFFF"/>
+          </a:solidFill>
+          <a:ln>
+            <a:noFill/>
+          </a:ln>
+          <a:effectLst/>
+          <a:extLst>
+            <a:ext uri="{91240B29-F687-4F45-9708-019B960494DF}">
+              <a14:hiddenLine xmlns:a14="http://schemas.microsoft.com/office/drawing/2010/main" w="9525">
+                <a:solidFill>
+                  <a:schemeClr val="tx1"/>
+                </a:solidFill>
+                <a:miter lim="800000"/>
+                <a:headEnd/>
+                <a:tailEnd/>
+              </a14:hiddenLine>
+            </a:ext>
+            <a:ext uri="{AF507438-7753-43E0-B8FC-AC1667EBCBE1}">
+              <a14:hiddenEffects xmlns:a14="http://schemas.microsoft.com/office/drawing/2010/main">
+                <a:effectLst>
+                  <a:outerShdw dist="35921" dir="2700000" algn="ctr" rotWithShape="0">
+                    <a:schemeClr val="bg2"/>
+                  </a:outerShdw>
+                </a:effectLst>
+              </a14:hiddenEffects>
+            </a:ext>
+          </a:extLst>
+        </p:spPr>
+        <p:txBody>
+          <a:bodyPr vert="horz" wrap="none" lIns="0" tIns="0" rIns="0" bIns="0" numCol="1" anchor="ctr" anchorCtr="0" compatLnSpc="1">
+            <a:prstTxWarp prst="textNoShape">
+              <a:avLst/>
+            </a:prstTxWarp>
+            <a:spAutoFit/>
+          </a:bodyPr>
+          <a:lstStyle/>
+          <a:p>
+            <a:pPr marL="0" marR="0" lvl="0" indent="0" algn="l" defTabSz="914400" rtl="0" eaLnBrk="0" fontAlgn="base" latinLnBrk="0" hangingPunct="0">
+              <a:lnSpc>
+                <a:spcPct val="100000"/>
+              </a:lnSpc>
+              <a:spcBef>
+                <a:spcPct val="0"/>
+              </a:spcBef>
+              <a:spcAft>
+                <a:spcPct val="0"/>
+              </a:spcAft>
+              <a:buClrTx/>
+              <a:buSzTx/>
+              <a:buFontTx/>
+              <a:buNone/>
+              <a:tabLst/>
+            </a:pPr>
+            <a:endParaRPr kumimoji="0" lang="zh-CN" altLang="zh-CN" sz="1800" b="0" i="0" u="none" strike="noStrike" cap="none" normalizeH="0" baseline="0" dirty="0">
+              <a:ln>
+                <a:noFill/>
+              </a:ln>
+              <a:solidFill>
+                <a:schemeClr val="tx1"/>
+              </a:solidFill>
+              <a:effectLst/>
+              <a:latin typeface="Arial" panose="020B0604020202020204" pitchFamily="34" charset="0"/>
+            </a:endParaRPr>
+          </a:p>
+        </p:txBody>
+      </p:sp>
+      <p:cxnSp>
+        <p:nvCxnSpPr>
+          <p:cNvPr id="5" name="直接连接符 4">
+            <a:extLst>
+              <a:ext uri="{FF2B5EF4-FFF2-40B4-BE49-F238E27FC236}">
+                <a16:creationId xmlns:a16="http://schemas.microsoft.com/office/drawing/2014/main" id="{C760EFEC-FB2D-4384-A15D-8E37A4BD5EEC}"/>
+              </a:ext>
+            </a:extLst>
+          </p:cNvPr>
+          <p:cNvCxnSpPr/>
+          <p:nvPr/>
+        </p:nvCxnSpPr>
+        <p:spPr>
+          <a:xfrm>
+            <a:off x="2213113" y="2504661"/>
+            <a:ext cx="3299791" cy="0"/>
+          </a:xfrm>
+          <a:prstGeom prst="line">
+            <a:avLst/>
+          </a:prstGeom>
+          <a:ln>
+            <a:solidFill>
+              <a:schemeClr val="tx1"/>
+            </a:solidFill>
+          </a:ln>
+        </p:spPr>
+        <p:style>
+          <a:lnRef idx="1">
+            <a:schemeClr val="accent1"/>
+          </a:lnRef>
+          <a:fillRef idx="0">
+            <a:schemeClr val="accent1"/>
+          </a:fillRef>
+          <a:effectRef idx="0">
+            <a:schemeClr val="accent1"/>
+          </a:effectRef>
+          <a:fontRef idx="minor">
+            <a:schemeClr val="tx1"/>
+          </a:fontRef>
+        </p:style>
+      </p:cxnSp>
+      <p:cxnSp>
+        <p:nvCxnSpPr>
+          <p:cNvPr id="7" name="直接连接符 6">
+            <a:extLst>
+              <a:ext uri="{FF2B5EF4-FFF2-40B4-BE49-F238E27FC236}">
+                <a16:creationId xmlns:a16="http://schemas.microsoft.com/office/drawing/2014/main" id="{E0EB67BA-389E-4E82-A13E-B12C619816E9}"/>
+              </a:ext>
+            </a:extLst>
+          </p:cNvPr>
+          <p:cNvCxnSpPr/>
+          <p:nvPr/>
+        </p:nvCxnSpPr>
+        <p:spPr>
+          <a:xfrm flipV="1">
+            <a:off x="2213113" y="2372139"/>
+            <a:ext cx="0" cy="132522"/>
+          </a:xfrm>
+          <a:prstGeom prst="line">
+            <a:avLst/>
+          </a:prstGeom>
+          <a:ln>
+            <a:solidFill>
+              <a:schemeClr val="tx1"/>
+            </a:solidFill>
+          </a:ln>
+        </p:spPr>
+        <p:style>
+          <a:lnRef idx="1">
+            <a:schemeClr val="accent1"/>
+          </a:lnRef>
+          <a:fillRef idx="0">
+            <a:schemeClr val="accent1"/>
+          </a:fillRef>
+          <a:effectRef idx="0">
+            <a:schemeClr val="accent1"/>
+          </a:effectRef>
+          <a:fontRef idx="minor">
+            <a:schemeClr val="tx1"/>
+          </a:fontRef>
+        </p:style>
+      </p:cxnSp>
+      <p:cxnSp>
+        <p:nvCxnSpPr>
+          <p:cNvPr id="11" name="直接连接符 10">
+            <a:extLst>
+              <a:ext uri="{FF2B5EF4-FFF2-40B4-BE49-F238E27FC236}">
+                <a16:creationId xmlns:a16="http://schemas.microsoft.com/office/drawing/2014/main" id="{D267F8C9-AD2B-4B2B-B7EF-2342B18E3796}"/>
+              </a:ext>
+            </a:extLst>
+          </p:cNvPr>
+          <p:cNvCxnSpPr/>
+          <p:nvPr/>
+        </p:nvCxnSpPr>
+        <p:spPr>
+          <a:xfrm flipV="1">
+            <a:off x="2862470" y="2378765"/>
+            <a:ext cx="0" cy="132522"/>
+          </a:xfrm>
+          <a:prstGeom prst="line">
+            <a:avLst/>
+          </a:prstGeom>
+          <a:ln>
+            <a:solidFill>
+              <a:schemeClr val="tx1"/>
+            </a:solidFill>
+          </a:ln>
+        </p:spPr>
+        <p:style>
+          <a:lnRef idx="1">
+            <a:schemeClr val="accent1"/>
+          </a:lnRef>
+          <a:fillRef idx="0">
+            <a:schemeClr val="accent1"/>
+          </a:fillRef>
+          <a:effectRef idx="0">
+            <a:schemeClr val="accent1"/>
+          </a:effectRef>
+          <a:fontRef idx="minor">
+            <a:schemeClr val="tx1"/>
+          </a:fontRef>
+        </p:style>
+      </p:cxnSp>
+      <p:cxnSp>
+        <p:nvCxnSpPr>
+          <p:cNvPr id="12" name="直接连接符 11">
+            <a:extLst>
+              <a:ext uri="{FF2B5EF4-FFF2-40B4-BE49-F238E27FC236}">
+                <a16:creationId xmlns:a16="http://schemas.microsoft.com/office/drawing/2014/main" id="{264AC576-18C6-4F00-A218-5BB059AB2AAF}"/>
+              </a:ext>
+            </a:extLst>
+          </p:cNvPr>
+          <p:cNvCxnSpPr/>
+          <p:nvPr/>
+        </p:nvCxnSpPr>
+        <p:spPr>
+          <a:xfrm flipV="1">
+            <a:off x="3525078" y="2372139"/>
+            <a:ext cx="0" cy="132522"/>
+          </a:xfrm>
+          <a:prstGeom prst="line">
+            <a:avLst/>
+          </a:prstGeom>
+          <a:ln>
+            <a:solidFill>
+              <a:schemeClr val="tx1"/>
+            </a:solidFill>
+          </a:ln>
+        </p:spPr>
+        <p:style>
+          <a:lnRef idx="1">
+            <a:schemeClr val="accent1"/>
+          </a:lnRef>
+          <a:fillRef idx="0">
+            <a:schemeClr val="accent1"/>
+          </a:fillRef>
+          <a:effectRef idx="0">
+            <a:schemeClr val="accent1"/>
+          </a:effectRef>
+          <a:fontRef idx="minor">
+            <a:schemeClr val="tx1"/>
+          </a:fontRef>
+        </p:style>
+      </p:cxnSp>
+      <p:cxnSp>
+        <p:nvCxnSpPr>
+          <p:cNvPr id="13" name="直接连接符 12">
+            <a:extLst>
+              <a:ext uri="{FF2B5EF4-FFF2-40B4-BE49-F238E27FC236}">
+                <a16:creationId xmlns:a16="http://schemas.microsoft.com/office/drawing/2014/main" id="{63DE7C75-227F-44F0-8DA1-86362F5FDB42}"/>
+              </a:ext>
+            </a:extLst>
+          </p:cNvPr>
+          <p:cNvCxnSpPr/>
+          <p:nvPr/>
+        </p:nvCxnSpPr>
+        <p:spPr>
+          <a:xfrm flipV="1">
+            <a:off x="4174435" y="2372139"/>
+            <a:ext cx="0" cy="132522"/>
+          </a:xfrm>
+          <a:prstGeom prst="line">
+            <a:avLst/>
+          </a:prstGeom>
+          <a:ln>
+            <a:solidFill>
+              <a:schemeClr val="tx1"/>
+            </a:solidFill>
+          </a:ln>
+        </p:spPr>
+        <p:style>
+          <a:lnRef idx="1">
+            <a:schemeClr val="accent1"/>
+          </a:lnRef>
+          <a:fillRef idx="0">
+            <a:schemeClr val="accent1"/>
+          </a:fillRef>
+          <a:effectRef idx="0">
+            <a:schemeClr val="accent1"/>
+          </a:effectRef>
+          <a:fontRef idx="minor">
+            <a:schemeClr val="tx1"/>
+          </a:fontRef>
+        </p:style>
+      </p:cxnSp>
+      <p:cxnSp>
+        <p:nvCxnSpPr>
+          <p:cNvPr id="14" name="直接连接符 13">
+            <a:extLst>
+              <a:ext uri="{FF2B5EF4-FFF2-40B4-BE49-F238E27FC236}">
+                <a16:creationId xmlns:a16="http://schemas.microsoft.com/office/drawing/2014/main" id="{EA6D8223-1548-4C53-8C8B-D9E1F2B51ED2}"/>
+              </a:ext>
+            </a:extLst>
+          </p:cNvPr>
+          <p:cNvCxnSpPr/>
+          <p:nvPr/>
+        </p:nvCxnSpPr>
+        <p:spPr>
+          <a:xfrm flipV="1">
+            <a:off x="4896678" y="2378765"/>
+            <a:ext cx="0" cy="132522"/>
+          </a:xfrm>
+          <a:prstGeom prst="line">
+            <a:avLst/>
+          </a:prstGeom>
+          <a:ln>
+            <a:solidFill>
+              <a:schemeClr val="tx1"/>
+            </a:solidFill>
+          </a:ln>
+        </p:spPr>
+        <p:style>
+          <a:lnRef idx="1">
+            <a:schemeClr val="accent1"/>
+          </a:lnRef>
+          <a:fillRef idx="0">
+            <a:schemeClr val="accent1"/>
+          </a:fillRef>
+          <a:effectRef idx="0">
+            <a:schemeClr val="accent1"/>
+          </a:effectRef>
+          <a:fontRef idx="minor">
+            <a:schemeClr val="tx1"/>
+          </a:fontRef>
+        </p:style>
+      </p:cxnSp>
+      <p:cxnSp>
+        <p:nvCxnSpPr>
+          <p:cNvPr id="15" name="直接连接符 14">
+            <a:extLst>
+              <a:ext uri="{FF2B5EF4-FFF2-40B4-BE49-F238E27FC236}">
+                <a16:creationId xmlns:a16="http://schemas.microsoft.com/office/drawing/2014/main" id="{DA0E4F04-139D-499B-A701-7559F6A94255}"/>
+              </a:ext>
+            </a:extLst>
+          </p:cNvPr>
+          <p:cNvCxnSpPr/>
+          <p:nvPr/>
+        </p:nvCxnSpPr>
+        <p:spPr>
+          <a:xfrm flipV="1">
+            <a:off x="5512904" y="2372139"/>
+            <a:ext cx="0" cy="132522"/>
+          </a:xfrm>
+          <a:prstGeom prst="line">
+            <a:avLst/>
+          </a:prstGeom>
+          <a:ln>
+            <a:solidFill>
+              <a:schemeClr val="tx1"/>
+            </a:solidFill>
+          </a:ln>
+        </p:spPr>
+        <p:style>
+          <a:lnRef idx="1">
+            <a:schemeClr val="accent1"/>
+          </a:lnRef>
+          <a:fillRef idx="0">
+            <a:schemeClr val="accent1"/>
+          </a:fillRef>
+          <a:effectRef idx="0">
+            <a:schemeClr val="accent1"/>
+          </a:effectRef>
+          <a:fontRef idx="minor">
+            <a:schemeClr val="tx1"/>
+          </a:fontRef>
+        </p:style>
+      </p:cxnSp>
+      <p:cxnSp>
+        <p:nvCxnSpPr>
+          <p:cNvPr id="16" name="直接连接符 15">
+            <a:extLst>
+              <a:ext uri="{FF2B5EF4-FFF2-40B4-BE49-F238E27FC236}">
+                <a16:creationId xmlns:a16="http://schemas.microsoft.com/office/drawing/2014/main" id="{EEB41FFE-B73F-469D-941F-95F555753EFF}"/>
+              </a:ext>
+            </a:extLst>
+          </p:cNvPr>
+          <p:cNvCxnSpPr/>
+          <p:nvPr/>
+        </p:nvCxnSpPr>
+        <p:spPr>
+          <a:xfrm>
+            <a:off x="2862470" y="3001618"/>
+            <a:ext cx="3299791" cy="0"/>
+          </a:xfrm>
+          <a:prstGeom prst="line">
+            <a:avLst/>
+          </a:prstGeom>
+          <a:ln>
+            <a:solidFill>
+              <a:schemeClr val="tx1"/>
+            </a:solidFill>
+          </a:ln>
+        </p:spPr>
+        <p:style>
+          <a:lnRef idx="1">
+            <a:schemeClr val="accent1"/>
+          </a:lnRef>
+          <a:fillRef idx="0">
+            <a:schemeClr val="accent1"/>
+          </a:fillRef>
+          <a:effectRef idx="0">
+            <a:schemeClr val="accent1"/>
+          </a:effectRef>
+          <a:fontRef idx="minor">
+            <a:schemeClr val="tx1"/>
+          </a:fontRef>
+        </p:style>
+      </p:cxnSp>
+      <p:cxnSp>
+        <p:nvCxnSpPr>
+          <p:cNvPr id="17" name="直接连接符 16">
+            <a:extLst>
+              <a:ext uri="{FF2B5EF4-FFF2-40B4-BE49-F238E27FC236}">
+                <a16:creationId xmlns:a16="http://schemas.microsoft.com/office/drawing/2014/main" id="{8668D423-BE46-4B9A-998D-B8123C66C671}"/>
+              </a:ext>
+            </a:extLst>
+          </p:cNvPr>
+          <p:cNvCxnSpPr/>
+          <p:nvPr/>
+        </p:nvCxnSpPr>
+        <p:spPr>
+          <a:xfrm flipV="1">
+            <a:off x="2862470" y="2869096"/>
+            <a:ext cx="0" cy="132522"/>
+          </a:xfrm>
+          <a:prstGeom prst="line">
+            <a:avLst/>
+          </a:prstGeom>
+          <a:ln>
+            <a:solidFill>
+              <a:schemeClr val="tx1"/>
+            </a:solidFill>
+          </a:ln>
+        </p:spPr>
+        <p:style>
+          <a:lnRef idx="1">
+            <a:schemeClr val="accent1"/>
+          </a:lnRef>
+          <a:fillRef idx="0">
+            <a:schemeClr val="accent1"/>
+          </a:fillRef>
+          <a:effectRef idx="0">
+            <a:schemeClr val="accent1"/>
+          </a:effectRef>
+          <a:fontRef idx="minor">
+            <a:schemeClr val="tx1"/>
+          </a:fontRef>
+        </p:style>
+      </p:cxnSp>
+      <p:cxnSp>
+        <p:nvCxnSpPr>
+          <p:cNvPr id="18" name="直接连接符 17">
+            <a:extLst>
+              <a:ext uri="{FF2B5EF4-FFF2-40B4-BE49-F238E27FC236}">
+                <a16:creationId xmlns:a16="http://schemas.microsoft.com/office/drawing/2014/main" id="{85B11FE1-2538-41B7-ACCB-6EE5EAE51893}"/>
+              </a:ext>
+            </a:extLst>
+          </p:cNvPr>
+          <p:cNvCxnSpPr/>
+          <p:nvPr/>
+        </p:nvCxnSpPr>
+        <p:spPr>
+          <a:xfrm flipV="1">
+            <a:off x="3511827" y="2875722"/>
+            <a:ext cx="0" cy="132522"/>
+          </a:xfrm>
+          <a:prstGeom prst="line">
+            <a:avLst/>
+          </a:prstGeom>
+          <a:ln>
+            <a:solidFill>
+              <a:schemeClr val="tx1"/>
+            </a:solidFill>
+          </a:ln>
+        </p:spPr>
+        <p:style>
+          <a:lnRef idx="1">
+            <a:schemeClr val="accent1"/>
+          </a:lnRef>
+          <a:fillRef idx="0">
+            <a:schemeClr val="accent1"/>
+          </a:fillRef>
+          <a:effectRef idx="0">
+            <a:schemeClr val="accent1"/>
+          </a:effectRef>
+          <a:fontRef idx="minor">
+            <a:schemeClr val="tx1"/>
+          </a:fontRef>
+        </p:style>
+      </p:cxnSp>
+      <p:cxnSp>
+        <p:nvCxnSpPr>
+          <p:cNvPr id="19" name="直接连接符 18">
+            <a:extLst>
+              <a:ext uri="{FF2B5EF4-FFF2-40B4-BE49-F238E27FC236}">
+                <a16:creationId xmlns:a16="http://schemas.microsoft.com/office/drawing/2014/main" id="{013EE664-90C1-4805-A021-86091D719689}"/>
+              </a:ext>
+            </a:extLst>
+          </p:cNvPr>
+          <p:cNvCxnSpPr/>
+          <p:nvPr/>
+        </p:nvCxnSpPr>
+        <p:spPr>
+          <a:xfrm flipV="1">
+            <a:off x="4174435" y="2869096"/>
+            <a:ext cx="0" cy="132522"/>
+          </a:xfrm>
+          <a:prstGeom prst="line">
+            <a:avLst/>
+          </a:prstGeom>
+          <a:ln>
+            <a:solidFill>
+              <a:schemeClr val="tx1"/>
+            </a:solidFill>
+          </a:ln>
+        </p:spPr>
+        <p:style>
+          <a:lnRef idx="1">
+            <a:schemeClr val="accent1"/>
+          </a:lnRef>
+          <a:fillRef idx="0">
+            <a:schemeClr val="accent1"/>
+          </a:fillRef>
+          <a:effectRef idx="0">
+            <a:schemeClr val="accent1"/>
+          </a:effectRef>
+          <a:fontRef idx="minor">
+            <a:schemeClr val="tx1"/>
+          </a:fontRef>
+        </p:style>
+      </p:cxnSp>
+      <p:cxnSp>
+        <p:nvCxnSpPr>
+          <p:cNvPr id="20" name="直接连接符 19">
+            <a:extLst>
+              <a:ext uri="{FF2B5EF4-FFF2-40B4-BE49-F238E27FC236}">
+                <a16:creationId xmlns:a16="http://schemas.microsoft.com/office/drawing/2014/main" id="{9BA4A622-4D6F-4EAB-AE72-93D65A9695F9}"/>
+              </a:ext>
+            </a:extLst>
+          </p:cNvPr>
+          <p:cNvCxnSpPr/>
+          <p:nvPr/>
+        </p:nvCxnSpPr>
+        <p:spPr>
+          <a:xfrm flipV="1">
+            <a:off x="4896678" y="2875722"/>
+            <a:ext cx="0" cy="132522"/>
+          </a:xfrm>
+          <a:prstGeom prst="line">
+            <a:avLst/>
+          </a:prstGeom>
+          <a:ln>
+            <a:solidFill>
+              <a:schemeClr val="tx1"/>
+            </a:solidFill>
+          </a:ln>
+        </p:spPr>
+        <p:style>
+          <a:lnRef idx="1">
+            <a:schemeClr val="accent1"/>
+          </a:lnRef>
+          <a:fillRef idx="0">
+            <a:schemeClr val="accent1"/>
+          </a:fillRef>
+          <a:effectRef idx="0">
+            <a:schemeClr val="accent1"/>
+          </a:effectRef>
+          <a:fontRef idx="minor">
+            <a:schemeClr val="tx1"/>
+          </a:fontRef>
+        </p:style>
+      </p:cxnSp>
+      <p:cxnSp>
+        <p:nvCxnSpPr>
+          <p:cNvPr id="21" name="直接连接符 20">
+            <a:extLst>
+              <a:ext uri="{FF2B5EF4-FFF2-40B4-BE49-F238E27FC236}">
+                <a16:creationId xmlns:a16="http://schemas.microsoft.com/office/drawing/2014/main" id="{CC27D3A0-FE06-4FF0-B03A-E8FC9CB997CA}"/>
+              </a:ext>
+            </a:extLst>
+          </p:cNvPr>
+          <p:cNvCxnSpPr/>
+          <p:nvPr/>
+        </p:nvCxnSpPr>
+        <p:spPr>
+          <a:xfrm flipV="1">
+            <a:off x="5552661" y="2875722"/>
+            <a:ext cx="0" cy="132522"/>
+          </a:xfrm>
+          <a:prstGeom prst="line">
+            <a:avLst/>
+          </a:prstGeom>
+          <a:ln>
+            <a:solidFill>
+              <a:schemeClr val="tx1"/>
+            </a:solidFill>
+          </a:ln>
+        </p:spPr>
+        <p:style>
+          <a:lnRef idx="1">
+            <a:schemeClr val="accent1"/>
+          </a:lnRef>
+          <a:fillRef idx="0">
+            <a:schemeClr val="accent1"/>
+          </a:fillRef>
+          <a:effectRef idx="0">
+            <a:schemeClr val="accent1"/>
+          </a:effectRef>
+          <a:fontRef idx="minor">
+            <a:schemeClr val="tx1"/>
+          </a:fontRef>
+        </p:style>
+      </p:cxnSp>
+      <p:cxnSp>
+        <p:nvCxnSpPr>
+          <p:cNvPr id="22" name="直接连接符 21">
+            <a:extLst>
+              <a:ext uri="{FF2B5EF4-FFF2-40B4-BE49-F238E27FC236}">
+                <a16:creationId xmlns:a16="http://schemas.microsoft.com/office/drawing/2014/main" id="{A7E55EA5-BDA0-4C68-A908-E134A443BAF2}"/>
+              </a:ext>
+            </a:extLst>
+          </p:cNvPr>
+          <p:cNvCxnSpPr/>
+          <p:nvPr/>
+        </p:nvCxnSpPr>
+        <p:spPr>
+          <a:xfrm flipV="1">
+            <a:off x="6162261" y="2869096"/>
+            <a:ext cx="0" cy="132522"/>
+          </a:xfrm>
+          <a:prstGeom prst="line">
+            <a:avLst/>
+          </a:prstGeom>
+          <a:ln>
+            <a:solidFill>
+              <a:schemeClr val="tx1"/>
+            </a:solidFill>
+          </a:ln>
+        </p:spPr>
+        <p:style>
+          <a:lnRef idx="1">
+            <a:schemeClr val="accent1"/>
+          </a:lnRef>
+          <a:fillRef idx="0">
+            <a:schemeClr val="accent1"/>
+          </a:fillRef>
+          <a:effectRef idx="0">
+            <a:schemeClr val="accent1"/>
+          </a:effectRef>
+          <a:fontRef idx="minor">
+            <a:schemeClr val="tx1"/>
+          </a:fontRef>
+        </p:style>
+      </p:cxnSp>
+      <p:sp>
+        <p:nvSpPr>
+          <p:cNvPr id="9" name="左大括号 8">
+            <a:extLst>
+              <a:ext uri="{FF2B5EF4-FFF2-40B4-BE49-F238E27FC236}">
+                <a16:creationId xmlns:a16="http://schemas.microsoft.com/office/drawing/2014/main" id="{BE3F724C-773F-4725-9F0B-3CC4492DB9EB}"/>
+              </a:ext>
+            </a:extLst>
+          </p:cNvPr>
+          <p:cNvSpPr/>
+          <p:nvPr/>
+        </p:nvSpPr>
+        <p:spPr>
+          <a:xfrm rot="5400000">
+            <a:off x="2491404" y="1954698"/>
+            <a:ext cx="92767" cy="649350"/>
+          </a:xfrm>
+          <a:prstGeom prst="leftBrace">
+            <a:avLst/>
+          </a:prstGeom>
+          <a:ln>
+            <a:solidFill>
+              <a:schemeClr val="tx1"/>
+            </a:solidFill>
+          </a:ln>
+        </p:spPr>
+        <p:style>
+          <a:lnRef idx="1">
+            <a:schemeClr val="accent1"/>
+          </a:lnRef>
+          <a:fillRef idx="0">
+            <a:schemeClr val="accent1"/>
+          </a:fillRef>
+          <a:effectRef idx="0">
+            <a:schemeClr val="accent1"/>
+          </a:effectRef>
+          <a:fontRef idx="minor">
+            <a:schemeClr val="tx1"/>
+          </a:fontRef>
+        </p:style>
+        <p:txBody>
+          <a:bodyPr rtlCol="0" anchor="ctr"/>
+          <a:lstStyle/>
+          <a:p>
+            <a:pPr algn="ctr"/>
+            <a:endParaRPr lang="zh-CN" altLang="en-US"/>
+          </a:p>
+        </p:txBody>
+      </p:sp>
+      <p:sp>
+        <p:nvSpPr>
+          <p:cNvPr id="10" name="文本框 9">
+            <a:extLst>
+              <a:ext uri="{FF2B5EF4-FFF2-40B4-BE49-F238E27FC236}">
+                <a16:creationId xmlns:a16="http://schemas.microsoft.com/office/drawing/2014/main" id="{2FA49488-0B56-43A7-BD43-B9AA46B69A59}"/>
+              </a:ext>
+            </a:extLst>
+          </p:cNvPr>
+          <p:cNvSpPr txBox="1"/>
+          <p:nvPr/>
+        </p:nvSpPr>
+        <p:spPr>
+          <a:xfrm>
+            <a:off x="2213111" y="1922881"/>
+            <a:ext cx="874640" cy="276999"/>
+          </a:xfrm>
+          <a:prstGeom prst="rect">
+            <a:avLst/>
+          </a:prstGeom>
+          <a:noFill/>
+          <a:ln>
+            <a:solidFill>
+              <a:schemeClr val="bg1"/>
+            </a:solidFill>
+          </a:ln>
+        </p:spPr>
+        <p:txBody>
+          <a:bodyPr wrap="square" rtlCol="0">
+            <a:spAutoFit/>
+          </a:bodyPr>
+          <a:lstStyle/>
+          <a:p>
+            <a:r>
+              <a:rPr lang="en-US" altLang="zh-CN" sz="1200" dirty="0"/>
+              <a:t>200ms</a:t>
+            </a:r>
+            <a:endParaRPr lang="zh-CN" altLang="en-US" sz="1200" dirty="0"/>
+          </a:p>
+        </p:txBody>
+      </p:sp>
+      <p:sp>
+        <p:nvSpPr>
+          <p:cNvPr id="23" name="左大括号 22">
+            <a:extLst>
+              <a:ext uri="{FF2B5EF4-FFF2-40B4-BE49-F238E27FC236}">
+                <a16:creationId xmlns:a16="http://schemas.microsoft.com/office/drawing/2014/main" id="{1D4AA61F-9D8B-477C-A8F7-861DD2604ECC}"/>
+              </a:ext>
+            </a:extLst>
+          </p:cNvPr>
+          <p:cNvSpPr/>
+          <p:nvPr/>
+        </p:nvSpPr>
+        <p:spPr>
+          <a:xfrm rot="5400000" flipH="1">
+            <a:off x="4220174" y="1779107"/>
+            <a:ext cx="650639" cy="3299788"/>
+          </a:xfrm>
+          <a:prstGeom prst="leftBrace">
+            <a:avLst/>
+          </a:prstGeom>
+          <a:ln>
+            <a:solidFill>
+              <a:schemeClr val="tx1"/>
+            </a:solidFill>
+          </a:ln>
+        </p:spPr>
+        <p:style>
+          <a:lnRef idx="1">
+            <a:schemeClr val="accent1"/>
+          </a:lnRef>
+          <a:fillRef idx="0">
+            <a:schemeClr val="accent1"/>
+          </a:fillRef>
+          <a:effectRef idx="0">
+            <a:schemeClr val="accent1"/>
+          </a:effectRef>
+          <a:fontRef idx="minor">
+            <a:schemeClr val="tx1"/>
+          </a:fontRef>
+        </p:style>
+        <p:txBody>
+          <a:bodyPr rtlCol="0" anchor="ctr"/>
+          <a:lstStyle/>
+          <a:p>
+            <a:pPr algn="ctr"/>
+            <a:endParaRPr lang="zh-CN" altLang="en-US"/>
+          </a:p>
+        </p:txBody>
+      </p:sp>
+      <p:sp>
+        <p:nvSpPr>
+          <p:cNvPr id="24" name="文本框 23">
+            <a:extLst>
+              <a:ext uri="{FF2B5EF4-FFF2-40B4-BE49-F238E27FC236}">
+                <a16:creationId xmlns:a16="http://schemas.microsoft.com/office/drawing/2014/main" id="{C14A9724-411D-4F26-801D-5AB767A7DE55}"/>
+              </a:ext>
+            </a:extLst>
+          </p:cNvPr>
+          <p:cNvSpPr txBox="1"/>
+          <p:nvPr/>
+        </p:nvSpPr>
+        <p:spPr>
+          <a:xfrm>
+            <a:off x="3686514" y="1215791"/>
+            <a:ext cx="891591" cy="307777"/>
+          </a:xfrm>
+          <a:prstGeom prst="rect">
+            <a:avLst/>
+          </a:prstGeom>
+          <a:noFill/>
+        </p:spPr>
+        <p:txBody>
+          <a:bodyPr wrap="none" rtlCol="0">
+            <a:spAutoFit/>
+          </a:bodyPr>
+          <a:lstStyle/>
+          <a:p>
+            <a:r>
+              <a:rPr lang="zh-CN" altLang="en-US" sz="1400" dirty="0"/>
+              <a:t>滑动前</a:t>
+            </a:r>
+            <a:r>
+              <a:rPr lang="en-US" altLang="zh-CN" sz="1400" dirty="0"/>
+              <a:t>1s</a:t>
+            </a:r>
+            <a:endParaRPr lang="zh-CN" altLang="en-US" sz="1400" dirty="0"/>
+          </a:p>
+        </p:txBody>
+      </p:sp>
+      <p:sp>
+        <p:nvSpPr>
+          <p:cNvPr id="28" name="左大括号 27">
+            <a:extLst>
+              <a:ext uri="{FF2B5EF4-FFF2-40B4-BE49-F238E27FC236}">
+                <a16:creationId xmlns:a16="http://schemas.microsoft.com/office/drawing/2014/main" id="{2FF07142-F54F-4EA5-A341-19BD04381B7C}"/>
+              </a:ext>
+            </a:extLst>
+          </p:cNvPr>
+          <p:cNvSpPr/>
+          <p:nvPr/>
+        </p:nvSpPr>
+        <p:spPr>
+          <a:xfrm rot="16200000" flipH="1">
+            <a:off x="3537686" y="234903"/>
+            <a:ext cx="650639" cy="3299788"/>
+          </a:xfrm>
+          <a:prstGeom prst="leftBrace">
+            <a:avLst/>
+          </a:prstGeom>
+          <a:ln>
+            <a:solidFill>
+              <a:schemeClr val="tx1"/>
+            </a:solidFill>
+          </a:ln>
+        </p:spPr>
+        <p:style>
+          <a:lnRef idx="1">
+            <a:schemeClr val="accent1"/>
+          </a:lnRef>
+          <a:fillRef idx="0">
+            <a:schemeClr val="accent1"/>
+          </a:fillRef>
+          <a:effectRef idx="0">
+            <a:schemeClr val="accent1"/>
+          </a:effectRef>
+          <a:fontRef idx="minor">
+            <a:schemeClr val="tx1"/>
+          </a:fontRef>
+        </p:style>
+        <p:txBody>
+          <a:bodyPr rtlCol="0" anchor="ctr"/>
+          <a:lstStyle/>
+          <a:p>
+            <a:pPr algn="ctr"/>
+            <a:endParaRPr lang="zh-CN" altLang="en-US"/>
+          </a:p>
+        </p:txBody>
+      </p:sp>
+      <p:sp>
+        <p:nvSpPr>
+          <p:cNvPr id="29" name="文本框 28">
+            <a:extLst>
+              <a:ext uri="{FF2B5EF4-FFF2-40B4-BE49-F238E27FC236}">
+                <a16:creationId xmlns:a16="http://schemas.microsoft.com/office/drawing/2014/main" id="{5B9CDB61-F0AE-4E38-AED9-39F6304A3398}"/>
+              </a:ext>
+            </a:extLst>
+          </p:cNvPr>
+          <p:cNvSpPr txBox="1"/>
+          <p:nvPr/>
+        </p:nvSpPr>
+        <p:spPr>
+          <a:xfrm>
+            <a:off x="4369002" y="3750040"/>
+            <a:ext cx="891591" cy="307777"/>
+          </a:xfrm>
+          <a:prstGeom prst="rect">
+            <a:avLst/>
+          </a:prstGeom>
+          <a:noFill/>
+        </p:spPr>
+        <p:txBody>
+          <a:bodyPr wrap="none" rtlCol="0">
+            <a:spAutoFit/>
+          </a:bodyPr>
+          <a:lstStyle/>
+          <a:p>
+            <a:r>
+              <a:rPr lang="zh-CN" altLang="en-US" sz="1400" dirty="0"/>
+              <a:t>滑动后</a:t>
+            </a:r>
+            <a:r>
+              <a:rPr lang="en-US" altLang="zh-CN" sz="1400" dirty="0"/>
+              <a:t>1s</a:t>
+            </a:r>
+            <a:endParaRPr lang="zh-CN" altLang="en-US" sz="1400" dirty="0"/>
+          </a:p>
+        </p:txBody>
+      </p:sp>
+      <p:sp>
+        <p:nvSpPr>
+          <p:cNvPr id="31" name="矩形 30">
+            <a:extLst>
+              <a:ext uri="{FF2B5EF4-FFF2-40B4-BE49-F238E27FC236}">
+                <a16:creationId xmlns:a16="http://schemas.microsoft.com/office/drawing/2014/main" id="{6A9BC9CC-CD2B-471B-9E49-3C095E02DAF8}"/>
+              </a:ext>
+            </a:extLst>
+          </p:cNvPr>
+          <p:cNvSpPr/>
+          <p:nvPr/>
+        </p:nvSpPr>
+        <p:spPr>
+          <a:xfrm>
+            <a:off x="9660836" y="1559477"/>
+            <a:ext cx="914400" cy="914400"/>
+          </a:xfrm>
+          <a:prstGeom prst="rect">
+            <a:avLst/>
+          </a:prstGeom>
+        </p:spPr>
+        <p:style>
+          <a:lnRef idx="2">
+            <a:schemeClr val="accent1">
+              <a:shade val="50000"/>
+            </a:schemeClr>
+          </a:lnRef>
+          <a:fillRef idx="1">
+            <a:schemeClr val="accent1"/>
+          </a:fillRef>
+          <a:effectRef idx="0">
+            <a:schemeClr val="accent1"/>
+          </a:effectRef>
+          <a:fontRef idx="minor">
+            <a:schemeClr val="lt1"/>
+          </a:fontRef>
+        </p:style>
+        <p:txBody>
+          <a:bodyPr rtlCol="0" anchor="ctr"/>
+          <a:lstStyle/>
+          <a:p>
+            <a:pPr algn="ctr"/>
+            <a:endParaRPr lang="zh-CN" altLang="en-US" dirty="0">
+              <a:solidFill>
+                <a:schemeClr val="bg1"/>
+              </a:solidFill>
+            </a:endParaRPr>
+          </a:p>
+        </p:txBody>
+      </p:sp>
+      <p:sp>
+        <p:nvSpPr>
+          <p:cNvPr id="37" name="矩形 36">
+            <a:extLst>
+              <a:ext uri="{FF2B5EF4-FFF2-40B4-BE49-F238E27FC236}">
+                <a16:creationId xmlns:a16="http://schemas.microsoft.com/office/drawing/2014/main" id="{7AE297C9-D88E-42E5-B01D-BFFE0DBC7B2D}"/>
+              </a:ext>
+            </a:extLst>
+          </p:cNvPr>
+          <p:cNvSpPr/>
+          <p:nvPr/>
+        </p:nvSpPr>
+        <p:spPr>
+          <a:xfrm>
+            <a:off x="9660835" y="2499415"/>
+            <a:ext cx="914400" cy="914400"/>
+          </a:xfrm>
+          <a:prstGeom prst="rect">
+            <a:avLst/>
+          </a:prstGeom>
+        </p:spPr>
+        <p:style>
+          <a:lnRef idx="2">
+            <a:schemeClr val="accent1">
+              <a:shade val="50000"/>
+            </a:schemeClr>
+          </a:lnRef>
+          <a:fillRef idx="1">
+            <a:schemeClr val="accent1"/>
+          </a:fillRef>
+          <a:effectRef idx="0">
+            <a:schemeClr val="accent1"/>
+          </a:effectRef>
+          <a:fontRef idx="minor">
+            <a:schemeClr val="lt1"/>
+          </a:fontRef>
+        </p:style>
+        <p:txBody>
+          <a:bodyPr rtlCol="0" anchor="ctr"/>
+          <a:lstStyle/>
+          <a:p>
+            <a:pPr algn="ctr"/>
+            <a:endParaRPr lang="zh-CN" altLang="en-US" dirty="0">
+              <a:solidFill>
+                <a:schemeClr val="bg1"/>
+              </a:solidFill>
+            </a:endParaRPr>
+          </a:p>
+        </p:txBody>
+      </p:sp>
+      <p:sp>
+        <p:nvSpPr>
+          <p:cNvPr id="38" name="矩形 37">
+            <a:extLst>
+              <a:ext uri="{FF2B5EF4-FFF2-40B4-BE49-F238E27FC236}">
+                <a16:creationId xmlns:a16="http://schemas.microsoft.com/office/drawing/2014/main" id="{C0944729-CFBB-49DA-9AD0-5244BEAAF5A1}"/>
+              </a:ext>
+            </a:extLst>
+          </p:cNvPr>
+          <p:cNvSpPr/>
+          <p:nvPr/>
+        </p:nvSpPr>
+        <p:spPr>
+          <a:xfrm>
+            <a:off x="9660835" y="3439353"/>
+            <a:ext cx="914400" cy="914400"/>
+          </a:xfrm>
+          <a:prstGeom prst="rect">
+            <a:avLst/>
+          </a:prstGeom>
+        </p:spPr>
+        <p:style>
+          <a:lnRef idx="2">
+            <a:schemeClr val="accent1">
+              <a:shade val="50000"/>
+            </a:schemeClr>
+          </a:lnRef>
+          <a:fillRef idx="1">
+            <a:schemeClr val="accent1"/>
+          </a:fillRef>
+          <a:effectRef idx="0">
+            <a:schemeClr val="accent1"/>
+          </a:effectRef>
+          <a:fontRef idx="minor">
+            <a:schemeClr val="lt1"/>
+          </a:fontRef>
+        </p:style>
+        <p:txBody>
+          <a:bodyPr rtlCol="0" anchor="ctr"/>
+          <a:lstStyle/>
+          <a:p>
+            <a:pPr algn="ctr"/>
+            <a:endParaRPr lang="zh-CN" altLang="en-US" dirty="0">
+              <a:solidFill>
+                <a:schemeClr val="bg1"/>
+              </a:solidFill>
+            </a:endParaRPr>
+          </a:p>
+        </p:txBody>
+      </p:sp>
+      <p:sp>
+        <p:nvSpPr>
+          <p:cNvPr id="39" name="矩形 38">
+            <a:extLst>
+              <a:ext uri="{FF2B5EF4-FFF2-40B4-BE49-F238E27FC236}">
+                <a16:creationId xmlns:a16="http://schemas.microsoft.com/office/drawing/2014/main" id="{B46D77BA-43E2-4B8C-9CEB-2D3C59745677}"/>
+              </a:ext>
+            </a:extLst>
+          </p:cNvPr>
+          <p:cNvSpPr/>
+          <p:nvPr/>
+        </p:nvSpPr>
+        <p:spPr>
+          <a:xfrm>
+            <a:off x="9660835" y="4384123"/>
+            <a:ext cx="914400" cy="914400"/>
+          </a:xfrm>
+          <a:prstGeom prst="rect">
+            <a:avLst/>
+          </a:prstGeom>
+        </p:spPr>
+        <p:style>
+          <a:lnRef idx="2">
+            <a:schemeClr val="accent1">
+              <a:shade val="50000"/>
+            </a:schemeClr>
+          </a:lnRef>
+          <a:fillRef idx="1">
+            <a:schemeClr val="accent1"/>
+          </a:fillRef>
+          <a:effectRef idx="0">
+            <a:schemeClr val="accent1"/>
+          </a:effectRef>
+          <a:fontRef idx="minor">
+            <a:schemeClr val="lt1"/>
+          </a:fontRef>
+        </p:style>
+        <p:txBody>
+          <a:bodyPr rtlCol="0" anchor="ctr"/>
+          <a:lstStyle/>
+          <a:p>
+            <a:pPr algn="ctr"/>
+            <a:endParaRPr lang="zh-CN" altLang="en-US" dirty="0">
+              <a:solidFill>
+                <a:schemeClr val="bg1"/>
+              </a:solidFill>
+            </a:endParaRPr>
+          </a:p>
+        </p:txBody>
+      </p:sp>
+      <p:sp>
+        <p:nvSpPr>
+          <p:cNvPr id="40" name="矩形 39">
+            <a:extLst>
+              <a:ext uri="{FF2B5EF4-FFF2-40B4-BE49-F238E27FC236}">
+                <a16:creationId xmlns:a16="http://schemas.microsoft.com/office/drawing/2014/main" id="{8875D10C-4228-406D-B361-449EBC999A23}"/>
+              </a:ext>
+            </a:extLst>
+          </p:cNvPr>
+          <p:cNvSpPr/>
+          <p:nvPr/>
+        </p:nvSpPr>
+        <p:spPr>
+          <a:xfrm>
+            <a:off x="9660835" y="5328893"/>
+            <a:ext cx="914400" cy="914400"/>
+          </a:xfrm>
+          <a:prstGeom prst="rect">
+            <a:avLst/>
+          </a:prstGeom>
+        </p:spPr>
+        <p:style>
+          <a:lnRef idx="2">
+            <a:schemeClr val="accent1">
+              <a:shade val="50000"/>
+            </a:schemeClr>
+          </a:lnRef>
+          <a:fillRef idx="1">
+            <a:schemeClr val="accent1"/>
+          </a:fillRef>
+          <a:effectRef idx="0">
+            <a:schemeClr val="accent1"/>
+          </a:effectRef>
+          <a:fontRef idx="minor">
+            <a:schemeClr val="lt1"/>
+          </a:fontRef>
+        </p:style>
+        <p:txBody>
+          <a:bodyPr rtlCol="0" anchor="ctr"/>
+          <a:lstStyle/>
+          <a:p>
+            <a:pPr algn="ctr"/>
+            <a:endParaRPr lang="zh-CN" altLang="en-US" dirty="0">
+              <a:solidFill>
+                <a:schemeClr val="bg1"/>
+              </a:solidFill>
+            </a:endParaRPr>
+          </a:p>
+        </p:txBody>
+      </p:sp>
+      <p:sp>
+        <p:nvSpPr>
+          <p:cNvPr id="32" name="文本框 31">
+            <a:extLst>
+              <a:ext uri="{FF2B5EF4-FFF2-40B4-BE49-F238E27FC236}">
+                <a16:creationId xmlns:a16="http://schemas.microsoft.com/office/drawing/2014/main" id="{9B8DC10D-87FE-4753-A3FA-5F76A6650316}"/>
+              </a:ext>
+            </a:extLst>
+          </p:cNvPr>
+          <p:cNvSpPr txBox="1"/>
+          <p:nvPr/>
+        </p:nvSpPr>
+        <p:spPr>
+          <a:xfrm>
+            <a:off x="9564037" y="1133603"/>
+            <a:ext cx="1107996" cy="369332"/>
+          </a:xfrm>
+          <a:prstGeom prst="rect">
+            <a:avLst/>
+          </a:prstGeom>
+          <a:noFill/>
+        </p:spPr>
+        <p:txBody>
+          <a:bodyPr wrap="none" rtlCol="0">
+            <a:spAutoFit/>
+          </a:bodyPr>
+          <a:lstStyle/>
+          <a:p>
+            <a:r>
+              <a:rPr lang="zh-CN" altLang="en-US" dirty="0"/>
+              <a:t>格式数组</a:t>
+            </a:r>
+          </a:p>
+        </p:txBody>
+      </p:sp>
+    </p:spTree>
+    <p:extLst>
+      <p:ext uri="{BB962C8B-B14F-4D97-AF65-F5344CB8AC3E}">
+        <p14:creationId xmlns:p14="http://schemas.microsoft.com/office/powerpoint/2010/main" val="130730184"/>
+      </p:ext>
+    </p:extLst>
+  </p:cSld>
+  <p:clrMapOvr>
+    <a:masterClrMapping/>
+  </p:clrMapOvr>
+  <p:transition spd="slow"/>
+</p:sld>
+</file>
+
+<file path=ppt/slides/slide35.xml><?xml version="1.0" encoding="utf-8"?>
+<p:sld xmlns:a="http://schemas.openxmlformats.org/drawingml/2006/main" xmlns:r="http://schemas.openxmlformats.org/officeDocument/2006/relationships" xmlns:p="http://schemas.openxmlformats.org/presentationml/2006/main">
+  <p:cSld>
+    <p:spTree>
+      <p:nvGrpSpPr>
+        <p:cNvPr id="1" name=""/>
+        <p:cNvGrpSpPr/>
+        <p:nvPr/>
+      </p:nvGrpSpPr>
+      <p:grpSpPr>
+        <a:xfrm>
+          <a:off x="0" y="0"/>
+          <a:ext cx="0" cy="0"/>
+          <a:chOff x="0" y="0"/>
+          <a:chExt cx="0" cy="0"/>
+        </a:xfrm>
+      </p:grpSpPr>
+      <p:pic>
+        <p:nvPicPr>
+          <p:cNvPr id="142" name="pasted-image.pdf"/>
+          <p:cNvPicPr>
+            <a:picLocks noChangeAspect="1"/>
+          </p:cNvPicPr>
+          <p:nvPr/>
+        </p:nvPicPr>
+        <p:blipFill>
+          <a:blip r:embed="rId3"/>
+          <a:srcRect b="82595"/>
+          <a:stretch>
+            <a:fillRect/>
+          </a:stretch>
+        </p:blipFill>
+        <p:spPr>
+          <a:xfrm>
+            <a:off x="0" y="-18922"/>
+            <a:ext cx="12191921" cy="1193622"/>
+          </a:xfrm>
+          <a:prstGeom prst="rect">
+            <a:avLst/>
+          </a:prstGeom>
+          <a:ln w="12700">
+            <a:miter lim="400000"/>
+            <a:headEnd/>
+            <a:tailEnd/>
+          </a:ln>
+        </p:spPr>
+      </p:pic>
+      <p:sp>
+        <p:nvSpPr>
+          <p:cNvPr id="143" name="Shape 143" descr="NETEASE…"/>
+          <p:cNvSpPr/>
+          <p:nvPr/>
+        </p:nvSpPr>
+        <p:spPr>
+          <a:xfrm>
+            <a:off x="572313" y="359870"/>
+            <a:ext cx="1333698" cy="436017"/>
+          </a:xfrm>
+          <a:prstGeom prst="rect">
+            <a:avLst/>
+          </a:prstGeom>
+          <a:ln w="12700">
+            <a:miter lim="400000"/>
+          </a:ln>
+        </p:spPr>
+        <p:txBody>
+          <a:bodyPr wrap="none" lIns="25400" tIns="25400" rIns="25400" bIns="25400" anchor="ctr">
+            <a:spAutoFit/>
+          </a:bodyPr>
+          <a:lstStyle>
+            <a:lvl1pPr algn="l">
+              <a:defRPr sz="5000">
+                <a:solidFill>
+                  <a:srgbClr val="FFFFFF"/>
+                </a:solidFill>
+                <a:latin typeface="苹方-简" panose="020B0800000000000000" charset="-122"/>
+                <a:ea typeface="苹方-简" panose="020B0800000000000000" charset="-122"/>
+                <a:cs typeface="苹方-简" panose="020B0800000000000000" charset="-122"/>
+                <a:sym typeface="苹方-简" panose="020B0800000000000000" charset="-122"/>
+              </a:defRPr>
+            </a:lvl1pPr>
+          </a:lstStyle>
+          <a:p>
+            <a:r>
+              <a:rPr lang="zh-CN" altLang="en-US" sz="2500" dirty="0"/>
+              <a:t>漏桶算法</a:t>
+            </a:r>
+          </a:p>
+        </p:txBody>
+      </p:sp>
+      <p:pic>
+        <p:nvPicPr>
+          <p:cNvPr id="144" name="pasted-image.pdf"/>
+          <p:cNvPicPr>
+            <a:picLocks noChangeAspect="1"/>
+          </p:cNvPicPr>
+          <p:nvPr/>
+        </p:nvPicPr>
+        <p:blipFill>
+          <a:blip r:embed="rId4"/>
+          <a:stretch>
+            <a:fillRect/>
+          </a:stretch>
+        </p:blipFill>
+        <p:spPr>
+          <a:xfrm>
+            <a:off x="9723361" y="406933"/>
+            <a:ext cx="1835151" cy="341893"/>
+          </a:xfrm>
+          <a:prstGeom prst="rect">
+            <a:avLst/>
+          </a:prstGeom>
+          <a:ln w="12700">
+            <a:miter lim="400000"/>
+            <a:headEnd/>
+            <a:tailEnd/>
+          </a:ln>
+        </p:spPr>
+      </p:pic>
+      <p:sp>
+        <p:nvSpPr>
+          <p:cNvPr id="4" name="Rectangle 1">
+            <a:extLst>
+              <a:ext uri="{FF2B5EF4-FFF2-40B4-BE49-F238E27FC236}">
+                <a16:creationId xmlns:a16="http://schemas.microsoft.com/office/drawing/2014/main" id="{B3603325-C143-4096-8508-F585138860A5}"/>
+              </a:ext>
+            </a:extLst>
+          </p:cNvPr>
+          <p:cNvSpPr>
+            <a:spLocks noChangeArrowheads="1"/>
+          </p:cNvSpPr>
+          <p:nvPr/>
+        </p:nvSpPr>
+        <p:spPr bwMode="auto">
+          <a:xfrm>
+            <a:off x="0" y="-138499"/>
+            <a:ext cx="65" cy="276999"/>
+          </a:xfrm>
+          <a:prstGeom prst="rect">
+            <a:avLst/>
+          </a:prstGeom>
+          <a:solidFill>
+            <a:srgbClr val="FFFFFF"/>
+          </a:solidFill>
+          <a:ln>
+            <a:noFill/>
+          </a:ln>
+          <a:effectLst/>
+          <a:extLst>
+            <a:ext uri="{91240B29-F687-4F45-9708-019B960494DF}">
+              <a14:hiddenLine xmlns:a14="http://schemas.microsoft.com/office/drawing/2010/main" w="9525">
+                <a:solidFill>
+                  <a:schemeClr val="tx1"/>
+                </a:solidFill>
+                <a:miter lim="800000"/>
+                <a:headEnd/>
+                <a:tailEnd/>
+              </a14:hiddenLine>
+            </a:ext>
+            <a:ext uri="{AF507438-7753-43E0-B8FC-AC1667EBCBE1}">
+              <a14:hiddenEffects xmlns:a14="http://schemas.microsoft.com/office/drawing/2010/main">
+                <a:effectLst>
+                  <a:outerShdw dist="35921" dir="2700000" algn="ctr" rotWithShape="0">
+                    <a:schemeClr val="bg2"/>
+                  </a:outerShdw>
+                </a:effectLst>
+              </a14:hiddenEffects>
+            </a:ext>
+          </a:extLst>
+        </p:spPr>
+        <p:txBody>
+          <a:bodyPr vert="horz" wrap="none" lIns="0" tIns="0" rIns="0" bIns="0" numCol="1" anchor="ctr" anchorCtr="0" compatLnSpc="1">
+            <a:prstTxWarp prst="textNoShape">
+              <a:avLst/>
+            </a:prstTxWarp>
+            <a:spAutoFit/>
+          </a:bodyPr>
+          <a:lstStyle/>
+          <a:p>
+            <a:pPr marL="0" marR="0" lvl="0" indent="0" algn="l" defTabSz="914400" rtl="0" eaLnBrk="0" fontAlgn="base" latinLnBrk="0" hangingPunct="0">
+              <a:lnSpc>
+                <a:spcPct val="100000"/>
+              </a:lnSpc>
+              <a:spcBef>
+                <a:spcPct val="0"/>
+              </a:spcBef>
+              <a:spcAft>
+                <a:spcPct val="0"/>
+              </a:spcAft>
+              <a:buClrTx/>
+              <a:buSzTx/>
+              <a:buFontTx/>
+              <a:buNone/>
+              <a:tabLst/>
+            </a:pPr>
+            <a:endParaRPr kumimoji="0" lang="zh-CN" altLang="zh-CN" sz="1800" b="0" i="0" u="none" strike="noStrike" cap="none" normalizeH="0" baseline="0" dirty="0">
+              <a:ln>
+                <a:noFill/>
+              </a:ln>
+              <a:solidFill>
+                <a:schemeClr val="tx1"/>
+              </a:solidFill>
+              <a:effectLst/>
+              <a:latin typeface="Arial" panose="020B0604020202020204" pitchFamily="34" charset="0"/>
+            </a:endParaRPr>
+          </a:p>
+        </p:txBody>
+      </p:sp>
+      <p:pic>
+        <p:nvPicPr>
+          <p:cNvPr id="1026" name="Picture 2" descr="https://github.com/alibaba/Sentinel/wiki/image/queue.gif">
+            <a:extLst>
+              <a:ext uri="{FF2B5EF4-FFF2-40B4-BE49-F238E27FC236}">
+                <a16:creationId xmlns:a16="http://schemas.microsoft.com/office/drawing/2014/main" id="{856CD95B-46F5-42DC-9B37-44C9819475AD}"/>
+              </a:ext>
+            </a:extLst>
+          </p:cNvPr>
+          <p:cNvPicPr>
+            <a:picLocks noChangeAspect="1" noChangeArrowheads="1"/>
+          </p:cNvPicPr>
+          <p:nvPr/>
+        </p:nvPicPr>
+        <p:blipFill>
+          <a:blip r:embed="rId5">
+            <a:extLst>
+              <a:ext uri="{28A0092B-C50C-407E-A947-70E740481C1C}">
+                <a14:useLocalDpi xmlns:a14="http://schemas.microsoft.com/office/drawing/2010/main" val="0"/>
+              </a:ext>
+            </a:extLst>
+          </a:blip>
+          <a:srcRect/>
+          <a:stretch>
+            <a:fillRect/>
+          </a:stretch>
+        </p:blipFill>
+        <p:spPr bwMode="auto">
+          <a:xfrm>
+            <a:off x="945874" y="1536927"/>
+            <a:ext cx="7543800" cy="2743200"/>
+          </a:xfrm>
+          <a:prstGeom prst="rect">
+            <a:avLst/>
+          </a:prstGeom>
+          <a:noFill/>
+          <a:extLst>
+            <a:ext uri="{909E8E84-426E-40DD-AFC4-6F175D3DCCD1}">
+              <a14:hiddenFill xmlns:a14="http://schemas.microsoft.com/office/drawing/2010/main">
+                <a:solidFill>
+                  <a:srgbClr val="FFFFFF"/>
+                </a:solidFill>
+              </a14:hiddenFill>
+            </a:ext>
+          </a:extLst>
+        </p:spPr>
+      </p:pic>
+    </p:spTree>
+    <p:extLst>
+      <p:ext uri="{BB962C8B-B14F-4D97-AF65-F5344CB8AC3E}">
+        <p14:creationId xmlns:p14="http://schemas.microsoft.com/office/powerpoint/2010/main" val="304707004"/>
+      </p:ext>
+    </p:extLst>
+  </p:cSld>
+  <p:clrMapOvr>
+    <a:masterClrMapping/>
+  </p:clrMapOvr>
+  <p:transition spd="slow"/>
+</p:sld>
+</file>
+
+<file path=ppt/slides/slide36.xml><?xml version="1.0" encoding="utf-8"?>
+<p:sld xmlns:a="http://schemas.openxmlformats.org/drawingml/2006/main" xmlns:r="http://schemas.openxmlformats.org/officeDocument/2006/relationships" xmlns:p="http://schemas.openxmlformats.org/presentationml/2006/main">
+  <p:cSld>
+    <p:spTree>
+      <p:nvGrpSpPr>
+        <p:cNvPr id="1" name=""/>
+        <p:cNvGrpSpPr/>
+        <p:nvPr/>
+      </p:nvGrpSpPr>
+      <p:grpSpPr>
+        <a:xfrm>
+          <a:off x="0" y="0"/>
+          <a:ext cx="0" cy="0"/>
+          <a:chOff x="0" y="0"/>
+          <a:chExt cx="0" cy="0"/>
+        </a:xfrm>
+      </p:grpSpPr>
+      <p:pic>
+        <p:nvPicPr>
+          <p:cNvPr id="142" name="pasted-image.pdf"/>
+          <p:cNvPicPr>
+            <a:picLocks noChangeAspect="1"/>
+          </p:cNvPicPr>
+          <p:nvPr/>
+        </p:nvPicPr>
+        <p:blipFill>
+          <a:blip r:embed="rId3"/>
+          <a:srcRect b="82595"/>
+          <a:stretch>
+            <a:fillRect/>
+          </a:stretch>
+        </p:blipFill>
+        <p:spPr>
+          <a:xfrm>
+            <a:off x="0" y="-18922"/>
+            <a:ext cx="12191921" cy="1193622"/>
+          </a:xfrm>
+          <a:prstGeom prst="rect">
+            <a:avLst/>
+          </a:prstGeom>
+          <a:ln w="12700">
+            <a:miter lim="400000"/>
+            <a:headEnd/>
+            <a:tailEnd/>
+          </a:ln>
+        </p:spPr>
+      </p:pic>
+      <p:sp>
+        <p:nvSpPr>
+          <p:cNvPr id="143" name="Shape 143" descr="NETEASE…"/>
+          <p:cNvSpPr/>
+          <p:nvPr/>
+        </p:nvSpPr>
+        <p:spPr>
+          <a:xfrm>
+            <a:off x="572313" y="359870"/>
+            <a:ext cx="1333698" cy="436017"/>
+          </a:xfrm>
+          <a:prstGeom prst="rect">
+            <a:avLst/>
+          </a:prstGeom>
+          <a:ln w="12700">
+            <a:miter lim="400000"/>
+          </a:ln>
+        </p:spPr>
+        <p:txBody>
+          <a:bodyPr wrap="none" lIns="25400" tIns="25400" rIns="25400" bIns="25400" anchor="ctr">
+            <a:spAutoFit/>
+          </a:bodyPr>
+          <a:lstStyle>
+            <a:lvl1pPr algn="l">
+              <a:defRPr sz="5000">
+                <a:solidFill>
+                  <a:srgbClr val="FFFFFF"/>
+                </a:solidFill>
+                <a:latin typeface="苹方-简" panose="020B0800000000000000" charset="-122"/>
+                <a:ea typeface="苹方-简" panose="020B0800000000000000" charset="-122"/>
+                <a:cs typeface="苹方-简" panose="020B0800000000000000" charset="-122"/>
+                <a:sym typeface="苹方-简" panose="020B0800000000000000" charset="-122"/>
+              </a:defRPr>
+            </a:lvl1pPr>
+          </a:lstStyle>
+          <a:p>
+            <a:r>
+              <a:rPr lang="zh-CN" altLang="en-US" sz="2500" dirty="0"/>
+              <a:t>集群流控</a:t>
+            </a:r>
+            <a:endParaRPr sz="2500" dirty="0"/>
+          </a:p>
+        </p:txBody>
+      </p:sp>
+      <p:pic>
+        <p:nvPicPr>
+          <p:cNvPr id="144" name="pasted-image.pdf"/>
+          <p:cNvPicPr>
+            <a:picLocks noChangeAspect="1"/>
+          </p:cNvPicPr>
+          <p:nvPr/>
+        </p:nvPicPr>
+        <p:blipFill>
+          <a:blip r:embed="rId4"/>
+          <a:stretch>
+            <a:fillRect/>
+          </a:stretch>
+        </p:blipFill>
+        <p:spPr>
+          <a:xfrm>
+            <a:off x="9723361" y="406933"/>
+            <a:ext cx="1835151" cy="341893"/>
+          </a:xfrm>
+          <a:prstGeom prst="rect">
+            <a:avLst/>
+          </a:prstGeom>
+          <a:ln w="12700">
+            <a:miter lim="400000"/>
+            <a:headEnd/>
+            <a:tailEnd/>
+          </a:ln>
+        </p:spPr>
+      </p:pic>
+      <p:sp>
+        <p:nvSpPr>
+          <p:cNvPr id="5" name="矩形 4">
+            <a:extLst>
+              <a:ext uri="{FF2B5EF4-FFF2-40B4-BE49-F238E27FC236}">
+                <a16:creationId xmlns:a16="http://schemas.microsoft.com/office/drawing/2014/main" id="{9675E323-FA0F-4C99-972F-A968B96DE87C}"/>
+              </a:ext>
+            </a:extLst>
+          </p:cNvPr>
+          <p:cNvSpPr/>
+          <p:nvPr/>
+        </p:nvSpPr>
+        <p:spPr>
+          <a:xfrm>
+            <a:off x="572313" y="1738158"/>
+            <a:ext cx="10437223" cy="1477328"/>
+          </a:xfrm>
+          <a:prstGeom prst="rect">
+            <a:avLst/>
+          </a:prstGeom>
+        </p:spPr>
+        <p:txBody>
+          <a:bodyPr wrap="square">
+            <a:spAutoFit/>
+          </a:bodyPr>
+          <a:lstStyle/>
+          <a:p>
+            <a:r>
+              <a:rPr lang="zh-CN" altLang="en-US"/>
+              <a:t>集群流控中共有两种身份：</a:t>
+            </a:r>
+          </a:p>
+          <a:p>
+            <a:r>
+              <a:rPr lang="en-US" altLang="zh-CN"/>
+              <a:t>Token Client</a:t>
+            </a:r>
+            <a:r>
+              <a:rPr lang="zh-CN" altLang="en-US"/>
+              <a:t>：集群流控客户端，用于向所属 </a:t>
+            </a:r>
+            <a:r>
+              <a:rPr lang="en-US" altLang="zh-CN"/>
+              <a:t>Token Server </a:t>
+            </a:r>
+            <a:r>
+              <a:rPr lang="zh-CN" altLang="en-US"/>
+              <a:t>通信请求 </a:t>
+            </a:r>
+            <a:r>
+              <a:rPr lang="en-US" altLang="zh-CN"/>
+              <a:t>token</a:t>
+            </a:r>
+            <a:r>
+              <a:rPr lang="zh-CN" altLang="en-US"/>
+              <a:t>。集群限流服务端会返回给客户端结果，决定是否限流。</a:t>
+            </a:r>
+          </a:p>
+          <a:p>
+            <a:r>
+              <a:rPr lang="en-US" altLang="zh-CN"/>
+              <a:t>Token Server</a:t>
+            </a:r>
+            <a:r>
+              <a:rPr lang="zh-CN" altLang="en-US"/>
+              <a:t>：即集群流控服务端，处理来自 </a:t>
+            </a:r>
+            <a:r>
+              <a:rPr lang="en-US" altLang="zh-CN"/>
+              <a:t>Token Client </a:t>
+            </a:r>
+            <a:r>
+              <a:rPr lang="zh-CN" altLang="en-US"/>
+              <a:t>的请求，根据配置的集群规则判断是否应该发放 </a:t>
+            </a:r>
+            <a:r>
+              <a:rPr lang="en-US" altLang="zh-CN"/>
+              <a:t>token</a:t>
+            </a:r>
+            <a:r>
+              <a:rPr lang="zh-CN" altLang="en-US"/>
+              <a:t>（是否允许通过）。</a:t>
+            </a:r>
+          </a:p>
+        </p:txBody>
+      </p:sp>
+    </p:spTree>
+    <p:extLst>
+      <p:ext uri="{BB962C8B-B14F-4D97-AF65-F5344CB8AC3E}">
         <p14:creationId xmlns:p14="http://schemas.microsoft.com/office/powerpoint/2010/main" val="2101672372"/>
       </p:ext>
     </p:extLst>
@@ -18254,7 +21157,7 @@
 </p:sld>
 </file>
 
-<file path=ppt/slides/slide34.xml><?xml version="1.0" encoding="utf-8"?>
+<file path=ppt/slides/slide37.xml><?xml version="1.0" encoding="utf-8"?>
 <p:sld xmlns:a="http://schemas.openxmlformats.org/drawingml/2006/main" xmlns:r="http://schemas.openxmlformats.org/officeDocument/2006/relationships" xmlns:p="http://schemas.openxmlformats.org/presentationml/2006/main">
   <p:cSld>
     <p:spTree>
